--- a/programming/pre_school.pptx
+++ b/programming/pre_school.pptx
@@ -4,20 +4,24 @@
   <p:sldMasterIdLst>
     <p:sldMasterId id="2147483648" r:id="rId1"/>
   </p:sldMasterIdLst>
+  <p:notesMasterIdLst>
+    <p:notesMasterId r:id="rId16"/>
+  </p:notesMasterIdLst>
   <p:sldIdLst>
     <p:sldId id="256" r:id="rId2"/>
     <p:sldId id="259" r:id="rId3"/>
-    <p:sldId id="257" r:id="rId4"/>
-    <p:sldId id="258" r:id="rId5"/>
-    <p:sldId id="260" r:id="rId6"/>
-    <p:sldId id="261" r:id="rId7"/>
-    <p:sldId id="262" r:id="rId8"/>
-    <p:sldId id="265" r:id="rId9"/>
-    <p:sldId id="264" r:id="rId10"/>
-    <p:sldId id="263" r:id="rId11"/>
-    <p:sldId id="266" r:id="rId12"/>
-    <p:sldId id="267" r:id="rId13"/>
-    <p:sldId id="268" r:id="rId14"/>
+    <p:sldId id="269" r:id="rId4"/>
+    <p:sldId id="257" r:id="rId5"/>
+    <p:sldId id="258" r:id="rId6"/>
+    <p:sldId id="260" r:id="rId7"/>
+    <p:sldId id="261" r:id="rId8"/>
+    <p:sldId id="262" r:id="rId9"/>
+    <p:sldId id="265" r:id="rId10"/>
+    <p:sldId id="264" r:id="rId11"/>
+    <p:sldId id="263" r:id="rId12"/>
+    <p:sldId id="266" r:id="rId13"/>
+    <p:sldId id="267" r:id="rId14"/>
+    <p:sldId id="268" r:id="rId15"/>
   </p:sldIdLst>
   <p:sldSz cx="12192000" cy="6858000"/>
   <p:notesSz cx="6858000" cy="9144000"/>
@@ -116,7 +120,450 @@
       </a:defRPr>
     </a:lvl9pPr>
   </p:defaultTextStyle>
+  <p:extLst>
+    <p:ext uri="{EFAFB233-063F-42B5-8137-9DF3F51BA10A}">
+      <p15:sldGuideLst xmlns:p15="http://schemas.microsoft.com/office/powerpoint/2012/main"/>
+    </p:ext>
+  </p:extLst>
 </p:presentation>
+</file>
+
+<file path=ppt/notesMasters/notesMaster1.xml><?xml version="1.0" encoding="utf-8"?>
+<p:notesMaster xmlns:a="http://schemas.openxmlformats.org/drawingml/2006/main" xmlns:r="http://schemas.openxmlformats.org/officeDocument/2006/relationships" xmlns:p="http://schemas.openxmlformats.org/presentationml/2006/main">
+  <p:cSld>
+    <p:bg>
+      <p:bgRef idx="1001">
+        <a:schemeClr val="bg1"/>
+      </p:bgRef>
+    </p:bg>
+    <p:spTree>
+      <p:nvGrpSpPr>
+        <p:cNvPr id="1" name=""/>
+        <p:cNvGrpSpPr/>
+        <p:nvPr/>
+      </p:nvGrpSpPr>
+      <p:grpSpPr>
+        <a:xfrm>
+          <a:off x="0" y="0"/>
+          <a:ext cx="0" cy="0"/>
+          <a:chOff x="0" y="0"/>
+          <a:chExt cx="0" cy="0"/>
+        </a:xfrm>
+      </p:grpSpPr>
+      <p:sp>
+        <p:nvSpPr>
+          <p:cNvPr id="2" name="页眉占位符 1"/>
+          <p:cNvSpPr>
+            <a:spLocks noGrp="1"/>
+          </p:cNvSpPr>
+          <p:nvPr>
+            <p:ph type="hdr" sz="quarter"/>
+          </p:nvPr>
+        </p:nvSpPr>
+        <p:spPr>
+          <a:xfrm>
+            <a:off x="0" y="0"/>
+            <a:ext cx="2971800" cy="458788"/>
+          </a:xfrm>
+          <a:prstGeom prst="rect">
+            <a:avLst/>
+          </a:prstGeom>
+        </p:spPr>
+        <p:txBody>
+          <a:bodyPr vert="horz" lIns="91440" tIns="45720" rIns="91440" bIns="45720" rtlCol="0"/>
+          <a:lstStyle>
+            <a:lvl1pPr algn="l">
+              <a:defRPr sz="1200"/>
+            </a:lvl1pPr>
+          </a:lstStyle>
+          <a:p>
+            <a:endParaRPr lang="zh-CN" altLang="en-US"/>
+          </a:p>
+        </p:txBody>
+      </p:sp>
+      <p:sp>
+        <p:nvSpPr>
+          <p:cNvPr id="3" name="日期占位符 2"/>
+          <p:cNvSpPr>
+            <a:spLocks noGrp="1"/>
+          </p:cNvSpPr>
+          <p:nvPr>
+            <p:ph type="dt" idx="1"/>
+          </p:nvPr>
+        </p:nvSpPr>
+        <p:spPr>
+          <a:xfrm>
+            <a:off x="3884613" y="0"/>
+            <a:ext cx="2971800" cy="458788"/>
+          </a:xfrm>
+          <a:prstGeom prst="rect">
+            <a:avLst/>
+          </a:prstGeom>
+        </p:spPr>
+        <p:txBody>
+          <a:bodyPr vert="horz" lIns="91440" tIns="45720" rIns="91440" bIns="45720" rtlCol="0"/>
+          <a:lstStyle>
+            <a:lvl1pPr algn="r">
+              <a:defRPr sz="1200"/>
+            </a:lvl1pPr>
+          </a:lstStyle>
+          <a:p>
+            <a:fld id="{DFABF8D8-944D-45D0-9BDC-9B6C230BB64B}" type="datetimeFigureOut">
+              <a:rPr lang="zh-CN" altLang="en-US" smtClean="0"/>
+              <a:t>2018/12/4</a:t>
+            </a:fld>
+            <a:endParaRPr lang="zh-CN" altLang="en-US"/>
+          </a:p>
+        </p:txBody>
+      </p:sp>
+      <p:sp>
+        <p:nvSpPr>
+          <p:cNvPr id="4" name="幻灯片图像占位符 3"/>
+          <p:cNvSpPr>
+            <a:spLocks noGrp="1" noRot="1" noChangeAspect="1"/>
+          </p:cNvSpPr>
+          <p:nvPr>
+            <p:ph type="sldImg" idx="2"/>
+          </p:nvPr>
+        </p:nvSpPr>
+        <p:spPr>
+          <a:xfrm>
+            <a:off x="685800" y="1143000"/>
+            <a:ext cx="5486400" cy="3086100"/>
+          </a:xfrm>
+          <a:prstGeom prst="rect">
+            <a:avLst/>
+          </a:prstGeom>
+          <a:noFill/>
+          <a:ln w="12700">
+            <a:solidFill>
+              <a:prstClr val="black"/>
+            </a:solidFill>
+          </a:ln>
+        </p:spPr>
+        <p:txBody>
+          <a:bodyPr vert="horz" lIns="91440" tIns="45720" rIns="91440" bIns="45720" rtlCol="0" anchor="ctr"/>
+          <a:lstStyle/>
+          <a:p>
+            <a:endParaRPr lang="zh-CN" altLang="en-US"/>
+          </a:p>
+        </p:txBody>
+      </p:sp>
+      <p:sp>
+        <p:nvSpPr>
+          <p:cNvPr id="5" name="备注占位符 4"/>
+          <p:cNvSpPr>
+            <a:spLocks noGrp="1"/>
+          </p:cNvSpPr>
+          <p:nvPr>
+            <p:ph type="body" sz="quarter" idx="3"/>
+          </p:nvPr>
+        </p:nvSpPr>
+        <p:spPr>
+          <a:xfrm>
+            <a:off x="685800" y="4400550"/>
+            <a:ext cx="5486400" cy="3600450"/>
+          </a:xfrm>
+          <a:prstGeom prst="rect">
+            <a:avLst/>
+          </a:prstGeom>
+        </p:spPr>
+        <p:txBody>
+          <a:bodyPr vert="horz" lIns="91440" tIns="45720" rIns="91440" bIns="45720" rtlCol="0"/>
+          <a:lstStyle/>
+          <a:p>
+            <a:pPr lvl="0"/>
+            <a:r>
+              <a:rPr lang="zh-CN" altLang="en-US" smtClean="0"/>
+              <a:t>编辑母版文本样式</a:t>
+            </a:r>
+          </a:p>
+          <a:p>
+            <a:pPr lvl="1"/>
+            <a:r>
+              <a:rPr lang="zh-CN" altLang="en-US" smtClean="0"/>
+              <a:t>第二级</a:t>
+            </a:r>
+          </a:p>
+          <a:p>
+            <a:pPr lvl="2"/>
+            <a:r>
+              <a:rPr lang="zh-CN" altLang="en-US" smtClean="0"/>
+              <a:t>第三级</a:t>
+            </a:r>
+          </a:p>
+          <a:p>
+            <a:pPr lvl="3"/>
+            <a:r>
+              <a:rPr lang="zh-CN" altLang="en-US" smtClean="0"/>
+              <a:t>第四级</a:t>
+            </a:r>
+          </a:p>
+          <a:p>
+            <a:pPr lvl="4"/>
+            <a:r>
+              <a:rPr lang="zh-CN" altLang="en-US" smtClean="0"/>
+              <a:t>第五级</a:t>
+            </a:r>
+            <a:endParaRPr lang="zh-CN" altLang="en-US"/>
+          </a:p>
+        </p:txBody>
+      </p:sp>
+      <p:sp>
+        <p:nvSpPr>
+          <p:cNvPr id="6" name="页脚占位符 5"/>
+          <p:cNvSpPr>
+            <a:spLocks noGrp="1"/>
+          </p:cNvSpPr>
+          <p:nvPr>
+            <p:ph type="ftr" sz="quarter" idx="4"/>
+          </p:nvPr>
+        </p:nvSpPr>
+        <p:spPr>
+          <a:xfrm>
+            <a:off x="0" y="8685213"/>
+            <a:ext cx="2971800" cy="458787"/>
+          </a:xfrm>
+          <a:prstGeom prst="rect">
+            <a:avLst/>
+          </a:prstGeom>
+        </p:spPr>
+        <p:txBody>
+          <a:bodyPr vert="horz" lIns="91440" tIns="45720" rIns="91440" bIns="45720" rtlCol="0" anchor="b"/>
+          <a:lstStyle>
+            <a:lvl1pPr algn="l">
+              <a:defRPr sz="1200"/>
+            </a:lvl1pPr>
+          </a:lstStyle>
+          <a:p>
+            <a:endParaRPr lang="zh-CN" altLang="en-US"/>
+          </a:p>
+        </p:txBody>
+      </p:sp>
+      <p:sp>
+        <p:nvSpPr>
+          <p:cNvPr id="7" name="灯片编号占位符 6"/>
+          <p:cNvSpPr>
+            <a:spLocks noGrp="1"/>
+          </p:cNvSpPr>
+          <p:nvPr>
+            <p:ph type="sldNum" sz="quarter" idx="5"/>
+          </p:nvPr>
+        </p:nvSpPr>
+        <p:spPr>
+          <a:xfrm>
+            <a:off x="3884613" y="8685213"/>
+            <a:ext cx="2971800" cy="458787"/>
+          </a:xfrm>
+          <a:prstGeom prst="rect">
+            <a:avLst/>
+          </a:prstGeom>
+        </p:spPr>
+        <p:txBody>
+          <a:bodyPr vert="horz" lIns="91440" tIns="45720" rIns="91440" bIns="45720" rtlCol="0" anchor="b"/>
+          <a:lstStyle>
+            <a:lvl1pPr algn="r">
+              <a:defRPr sz="1200"/>
+            </a:lvl1pPr>
+          </a:lstStyle>
+          <a:p>
+            <a:fld id="{CEBE11BA-3FB1-4364-AF02-D3DC4CFBBA7F}" type="slidenum">
+              <a:rPr lang="zh-CN" altLang="en-US" smtClean="0"/>
+              <a:t>‹#›</a:t>
+            </a:fld>
+            <a:endParaRPr lang="zh-CN" altLang="en-US"/>
+          </a:p>
+        </p:txBody>
+      </p:sp>
+    </p:spTree>
+    <p:extLst>
+      <p:ext uri="{BB962C8B-B14F-4D97-AF65-F5344CB8AC3E}">
+        <p14:creationId xmlns:p14="http://schemas.microsoft.com/office/powerpoint/2010/main" val="3971293929"/>
+      </p:ext>
+    </p:extLst>
+  </p:cSld>
+  <p:clrMap bg1="lt1" tx1="dk1" bg2="lt2" tx2="dk2" accent1="accent1" accent2="accent2" accent3="accent3" accent4="accent4" accent5="accent5" accent6="accent6" hlink="hlink" folHlink="folHlink"/>
+  <p:notesStyle>
+    <a:lvl1pPr marL="0" algn="l" defTabSz="914400" rtl="0" eaLnBrk="1" latinLnBrk="0" hangingPunct="1">
+      <a:defRPr sz="1200" kern="1200">
+        <a:solidFill>
+          <a:schemeClr val="tx1"/>
+        </a:solidFill>
+        <a:latin typeface="+mn-lt"/>
+        <a:ea typeface="+mn-ea"/>
+        <a:cs typeface="+mn-cs"/>
+      </a:defRPr>
+    </a:lvl1pPr>
+    <a:lvl2pPr marL="457200" algn="l" defTabSz="914400" rtl="0" eaLnBrk="1" latinLnBrk="0" hangingPunct="1">
+      <a:defRPr sz="1200" kern="1200">
+        <a:solidFill>
+          <a:schemeClr val="tx1"/>
+        </a:solidFill>
+        <a:latin typeface="+mn-lt"/>
+        <a:ea typeface="+mn-ea"/>
+        <a:cs typeface="+mn-cs"/>
+      </a:defRPr>
+    </a:lvl2pPr>
+    <a:lvl3pPr marL="914400" algn="l" defTabSz="914400" rtl="0" eaLnBrk="1" latinLnBrk="0" hangingPunct="1">
+      <a:defRPr sz="1200" kern="1200">
+        <a:solidFill>
+          <a:schemeClr val="tx1"/>
+        </a:solidFill>
+        <a:latin typeface="+mn-lt"/>
+        <a:ea typeface="+mn-ea"/>
+        <a:cs typeface="+mn-cs"/>
+      </a:defRPr>
+    </a:lvl3pPr>
+    <a:lvl4pPr marL="1371600" algn="l" defTabSz="914400" rtl="0" eaLnBrk="1" latinLnBrk="0" hangingPunct="1">
+      <a:defRPr sz="1200" kern="1200">
+        <a:solidFill>
+          <a:schemeClr val="tx1"/>
+        </a:solidFill>
+        <a:latin typeface="+mn-lt"/>
+        <a:ea typeface="+mn-ea"/>
+        <a:cs typeface="+mn-cs"/>
+      </a:defRPr>
+    </a:lvl4pPr>
+    <a:lvl5pPr marL="1828800" algn="l" defTabSz="914400" rtl="0" eaLnBrk="1" latinLnBrk="0" hangingPunct="1">
+      <a:defRPr sz="1200" kern="1200">
+        <a:solidFill>
+          <a:schemeClr val="tx1"/>
+        </a:solidFill>
+        <a:latin typeface="+mn-lt"/>
+        <a:ea typeface="+mn-ea"/>
+        <a:cs typeface="+mn-cs"/>
+      </a:defRPr>
+    </a:lvl5pPr>
+    <a:lvl6pPr marL="2286000" algn="l" defTabSz="914400" rtl="0" eaLnBrk="1" latinLnBrk="0" hangingPunct="1">
+      <a:defRPr sz="1200" kern="1200">
+        <a:solidFill>
+          <a:schemeClr val="tx1"/>
+        </a:solidFill>
+        <a:latin typeface="+mn-lt"/>
+        <a:ea typeface="+mn-ea"/>
+        <a:cs typeface="+mn-cs"/>
+      </a:defRPr>
+    </a:lvl6pPr>
+    <a:lvl7pPr marL="2743200" algn="l" defTabSz="914400" rtl="0" eaLnBrk="1" latinLnBrk="0" hangingPunct="1">
+      <a:defRPr sz="1200" kern="1200">
+        <a:solidFill>
+          <a:schemeClr val="tx1"/>
+        </a:solidFill>
+        <a:latin typeface="+mn-lt"/>
+        <a:ea typeface="+mn-ea"/>
+        <a:cs typeface="+mn-cs"/>
+      </a:defRPr>
+    </a:lvl7pPr>
+    <a:lvl8pPr marL="3200400" algn="l" defTabSz="914400" rtl="0" eaLnBrk="1" latinLnBrk="0" hangingPunct="1">
+      <a:defRPr sz="1200" kern="1200">
+        <a:solidFill>
+          <a:schemeClr val="tx1"/>
+        </a:solidFill>
+        <a:latin typeface="+mn-lt"/>
+        <a:ea typeface="+mn-ea"/>
+        <a:cs typeface="+mn-cs"/>
+      </a:defRPr>
+    </a:lvl8pPr>
+    <a:lvl9pPr marL="3657600" algn="l" defTabSz="914400" rtl="0" eaLnBrk="1" latinLnBrk="0" hangingPunct="1">
+      <a:defRPr sz="1200" kern="1200">
+        <a:solidFill>
+          <a:schemeClr val="tx1"/>
+        </a:solidFill>
+        <a:latin typeface="+mn-lt"/>
+        <a:ea typeface="+mn-ea"/>
+        <a:cs typeface="+mn-cs"/>
+      </a:defRPr>
+    </a:lvl9pPr>
+  </p:notesStyle>
+</p:notesMaster>
+</file>
+
+<file path=ppt/notesSlides/notesSlide1.xml><?xml version="1.0" encoding="utf-8"?>
+<p:notes xmlns:a="http://schemas.openxmlformats.org/drawingml/2006/main" xmlns:r="http://schemas.openxmlformats.org/officeDocument/2006/relationships" xmlns:p="http://schemas.openxmlformats.org/presentationml/2006/main">
+  <p:cSld>
+    <p:spTree>
+      <p:nvGrpSpPr>
+        <p:cNvPr id="1" name=""/>
+        <p:cNvGrpSpPr/>
+        <p:nvPr/>
+      </p:nvGrpSpPr>
+      <p:grpSpPr>
+        <a:xfrm>
+          <a:off x="0" y="0"/>
+          <a:ext cx="0" cy="0"/>
+          <a:chOff x="0" y="0"/>
+          <a:chExt cx="0" cy="0"/>
+        </a:xfrm>
+      </p:grpSpPr>
+      <p:sp>
+        <p:nvSpPr>
+          <p:cNvPr id="2" name="幻灯片图像占位符 1"/>
+          <p:cNvSpPr>
+            <a:spLocks noGrp="1" noRot="1" noChangeAspect="1"/>
+          </p:cNvSpPr>
+          <p:nvPr>
+            <p:ph type="sldImg"/>
+          </p:nvPr>
+        </p:nvSpPr>
+        <p:spPr/>
+      </p:sp>
+      <p:sp>
+        <p:nvSpPr>
+          <p:cNvPr id="3" name="备注占位符 2"/>
+          <p:cNvSpPr>
+            <a:spLocks noGrp="1"/>
+          </p:cNvSpPr>
+          <p:nvPr>
+            <p:ph type="body" idx="1"/>
+          </p:nvPr>
+        </p:nvSpPr>
+        <p:spPr/>
+        <p:txBody>
+          <a:bodyPr/>
+          <a:lstStyle/>
+          <a:p>
+            <a:r>
+              <a:rPr lang="zh-CN" altLang="en-US" dirty="0" smtClean="0"/>
+              <a:t>为什么用二进制？</a:t>
+            </a:r>
+            <a:endParaRPr lang="zh-CN" altLang="en-US" dirty="0"/>
+          </a:p>
+        </p:txBody>
+      </p:sp>
+      <p:sp>
+        <p:nvSpPr>
+          <p:cNvPr id="4" name="灯片编号占位符 3"/>
+          <p:cNvSpPr>
+            <a:spLocks noGrp="1"/>
+          </p:cNvSpPr>
+          <p:nvPr>
+            <p:ph type="sldNum" sz="quarter" idx="10"/>
+          </p:nvPr>
+        </p:nvSpPr>
+        <p:spPr/>
+        <p:txBody>
+          <a:bodyPr/>
+          <a:lstStyle/>
+          <a:p>
+            <a:fld id="{CEBE11BA-3FB1-4364-AF02-D3DC4CFBBA7F}" type="slidenum">
+              <a:rPr lang="zh-CN" altLang="en-US" smtClean="0"/>
+              <a:t>2</a:t>
+            </a:fld>
+            <a:endParaRPr lang="zh-CN" altLang="en-US"/>
+          </a:p>
+        </p:txBody>
+      </p:sp>
+    </p:spTree>
+    <p:extLst>
+      <p:ext uri="{BB962C8B-B14F-4D97-AF65-F5344CB8AC3E}">
+        <p14:creationId xmlns:p14="http://schemas.microsoft.com/office/powerpoint/2010/main" val="2150155455"/>
+      </p:ext>
+    </p:extLst>
+  </p:cSld>
+  <p:clrMapOvr>
+    <a:masterClrMapping/>
+  </p:clrMapOvr>
+</p:notes>
 </file>
 
 <file path=ppt/slideLayouts/slideLayout1.xml><?xml version="1.0" encoding="utf-8"?>
@@ -250,7 +697,7 @@
           <a:p>
             <a:fld id="{7AAB6D2D-5AAD-4788-BF7C-3A87CB541269}" type="datetimeFigureOut">
               <a:rPr lang="zh-CN" altLang="en-US" smtClean="0"/>
-              <a:t>2018/12/3</a:t>
+              <a:t>2018/12/4</a:t>
             </a:fld>
             <a:endParaRPr lang="zh-CN" altLang="en-US"/>
           </a:p>
@@ -420,7 +867,7 @@
           <a:p>
             <a:fld id="{7AAB6D2D-5AAD-4788-BF7C-3A87CB541269}" type="datetimeFigureOut">
               <a:rPr lang="zh-CN" altLang="en-US" smtClean="0"/>
-              <a:t>2018/12/3</a:t>
+              <a:t>2018/12/4</a:t>
             </a:fld>
             <a:endParaRPr lang="zh-CN" altLang="en-US"/>
           </a:p>
@@ -600,7 +1047,7 @@
           <a:p>
             <a:fld id="{7AAB6D2D-5AAD-4788-BF7C-3A87CB541269}" type="datetimeFigureOut">
               <a:rPr lang="zh-CN" altLang="en-US" smtClean="0"/>
-              <a:t>2018/12/3</a:t>
+              <a:t>2018/12/4</a:t>
             </a:fld>
             <a:endParaRPr lang="zh-CN" altLang="en-US"/>
           </a:p>
@@ -770,7 +1217,7 @@
           <a:p>
             <a:fld id="{7AAB6D2D-5AAD-4788-BF7C-3A87CB541269}" type="datetimeFigureOut">
               <a:rPr lang="zh-CN" altLang="en-US" smtClean="0"/>
-              <a:t>2018/12/3</a:t>
+              <a:t>2018/12/4</a:t>
             </a:fld>
             <a:endParaRPr lang="zh-CN" altLang="en-US"/>
           </a:p>
@@ -1016,7 +1463,7 @@
           <a:p>
             <a:fld id="{7AAB6D2D-5AAD-4788-BF7C-3A87CB541269}" type="datetimeFigureOut">
               <a:rPr lang="zh-CN" altLang="en-US" smtClean="0"/>
-              <a:t>2018/12/3</a:t>
+              <a:t>2018/12/4</a:t>
             </a:fld>
             <a:endParaRPr lang="zh-CN" altLang="en-US"/>
           </a:p>
@@ -1248,7 +1695,7 @@
           <a:p>
             <a:fld id="{7AAB6D2D-5AAD-4788-BF7C-3A87CB541269}" type="datetimeFigureOut">
               <a:rPr lang="zh-CN" altLang="en-US" smtClean="0"/>
-              <a:t>2018/12/3</a:t>
+              <a:t>2018/12/4</a:t>
             </a:fld>
             <a:endParaRPr lang="zh-CN" altLang="en-US"/>
           </a:p>
@@ -1615,7 +2062,7 @@
           <a:p>
             <a:fld id="{7AAB6D2D-5AAD-4788-BF7C-3A87CB541269}" type="datetimeFigureOut">
               <a:rPr lang="zh-CN" altLang="en-US" smtClean="0"/>
-              <a:t>2018/12/3</a:t>
+              <a:t>2018/12/4</a:t>
             </a:fld>
             <a:endParaRPr lang="zh-CN" altLang="en-US"/>
           </a:p>
@@ -1733,7 +2180,7 @@
           <a:p>
             <a:fld id="{7AAB6D2D-5AAD-4788-BF7C-3A87CB541269}" type="datetimeFigureOut">
               <a:rPr lang="zh-CN" altLang="en-US" smtClean="0"/>
-              <a:t>2018/12/3</a:t>
+              <a:t>2018/12/4</a:t>
             </a:fld>
             <a:endParaRPr lang="zh-CN" altLang="en-US"/>
           </a:p>
@@ -1828,7 +2275,7 @@
           <a:p>
             <a:fld id="{7AAB6D2D-5AAD-4788-BF7C-3A87CB541269}" type="datetimeFigureOut">
               <a:rPr lang="zh-CN" altLang="en-US" smtClean="0"/>
-              <a:t>2018/12/3</a:t>
+              <a:t>2018/12/4</a:t>
             </a:fld>
             <a:endParaRPr lang="zh-CN" altLang="en-US"/>
           </a:p>
@@ -2105,7 +2552,7 @@
           <a:p>
             <a:fld id="{7AAB6D2D-5AAD-4788-BF7C-3A87CB541269}" type="datetimeFigureOut">
               <a:rPr lang="zh-CN" altLang="en-US" smtClean="0"/>
-              <a:t>2018/12/3</a:t>
+              <a:t>2018/12/4</a:t>
             </a:fld>
             <a:endParaRPr lang="zh-CN" altLang="en-US"/>
           </a:p>
@@ -2358,7 +2805,7 @@
           <a:p>
             <a:fld id="{7AAB6D2D-5AAD-4788-BF7C-3A87CB541269}" type="datetimeFigureOut">
               <a:rPr lang="zh-CN" altLang="en-US" smtClean="0"/>
-              <a:t>2018/12/3</a:t>
+              <a:t>2018/12/4</a:t>
             </a:fld>
             <a:endParaRPr lang="zh-CN" altLang="en-US"/>
           </a:p>
@@ -2571,7 +3018,7 @@
           <a:p>
             <a:fld id="{7AAB6D2D-5AAD-4788-BF7C-3A87CB541269}" type="datetimeFigureOut">
               <a:rPr lang="zh-CN" altLang="en-US" smtClean="0"/>
-              <a:t>2018/12/3</a:t>
+              <a:t>2018/12/4</a:t>
             </a:fld>
             <a:endParaRPr lang="zh-CN" altLang="en-US"/>
           </a:p>
@@ -3090,7 +3537,7 @@
           <a:p>
             <a:r>
               <a:rPr lang="zh-CN" altLang="en-US" dirty="0" smtClean="0"/>
-              <a:t>编译程序和解释程序</a:t>
+              <a:t>汇编程序</a:t>
             </a:r>
             <a:endParaRPr lang="zh-CN" altLang="en-US" dirty="0"/>
           </a:p>
@@ -3112,12 +3559,8 @@
           <a:lstStyle/>
           <a:p>
             <a:r>
-              <a:rPr lang="zh-CN" altLang="en-US" dirty="0"/>
-              <a:t>将</a:t>
-            </a:r>
-            <a:r>
-              <a:rPr lang="zh-CN" altLang="en-US" dirty="0" smtClean="0"/>
-              <a:t>高级语言写成的程序翻译成目标程序。</a:t>
+              <a:rPr lang="zh-CN" altLang="en-US" dirty="0" smtClean="0"/>
+              <a:t>将汇编语言写成的源程序翻译成机器语言形式的目标程序。</a:t>
             </a:r>
             <a:endParaRPr lang="zh-CN" altLang="en-US" dirty="0"/>
           </a:p>
@@ -3126,7 +3569,7 @@
     </p:spTree>
     <p:extLst>
       <p:ext uri="{BB962C8B-B14F-4D97-AF65-F5344CB8AC3E}">
-        <p14:creationId xmlns:p14="http://schemas.microsoft.com/office/powerpoint/2010/main" val="2115681922"/>
+        <p14:creationId xmlns:p14="http://schemas.microsoft.com/office/powerpoint/2010/main" val="2778535138"/>
       </p:ext>
     </p:extLst>
   </p:cSld>
@@ -3170,7 +3613,7 @@
           <a:p>
             <a:r>
               <a:rPr lang="zh-CN" altLang="en-US" dirty="0" smtClean="0"/>
-              <a:t>高级语言和汇编语言的区别？</a:t>
+              <a:t>编译程序和解释程序</a:t>
             </a:r>
             <a:endParaRPr lang="zh-CN" altLang="en-US" dirty="0"/>
           </a:p>
@@ -3191,6 +3634,14 @@
           <a:bodyPr/>
           <a:lstStyle/>
           <a:p>
+            <a:r>
+              <a:rPr lang="zh-CN" altLang="en-US" dirty="0"/>
+              <a:t>将</a:t>
+            </a:r>
+            <a:r>
+              <a:rPr lang="zh-CN" altLang="en-US" dirty="0" smtClean="0"/>
+              <a:t>高级语言写成的程序翻译成目标程序。</a:t>
+            </a:r>
             <a:endParaRPr lang="zh-CN" altLang="en-US" dirty="0"/>
           </a:p>
         </p:txBody>
@@ -3198,7 +3649,7 @@
     </p:spTree>
     <p:extLst>
       <p:ext uri="{BB962C8B-B14F-4D97-AF65-F5344CB8AC3E}">
-        <p14:creationId xmlns:p14="http://schemas.microsoft.com/office/powerpoint/2010/main" val="1418336968"/>
+        <p14:creationId xmlns:p14="http://schemas.microsoft.com/office/powerpoint/2010/main" val="2115681922"/>
       </p:ext>
     </p:extLst>
   </p:cSld>
@@ -3242,6 +3693,78 @@
           <a:p>
             <a:r>
               <a:rPr lang="zh-CN" altLang="en-US" dirty="0" smtClean="0"/>
+              <a:t>高级语言和汇编语言的区别？</a:t>
+            </a:r>
+            <a:endParaRPr lang="zh-CN" altLang="en-US" dirty="0"/>
+          </a:p>
+        </p:txBody>
+      </p:sp>
+      <p:sp>
+        <p:nvSpPr>
+          <p:cNvPr id="3" name="内容占位符 2"/>
+          <p:cNvSpPr>
+            <a:spLocks noGrp="1"/>
+          </p:cNvSpPr>
+          <p:nvPr>
+            <p:ph idx="1"/>
+          </p:nvPr>
+        </p:nvSpPr>
+        <p:spPr/>
+        <p:txBody>
+          <a:bodyPr/>
+          <a:lstStyle/>
+          <a:p>
+            <a:endParaRPr lang="zh-CN" altLang="en-US" dirty="0"/>
+          </a:p>
+        </p:txBody>
+      </p:sp>
+    </p:spTree>
+    <p:extLst>
+      <p:ext uri="{BB962C8B-B14F-4D97-AF65-F5344CB8AC3E}">
+        <p14:creationId xmlns:p14="http://schemas.microsoft.com/office/powerpoint/2010/main" val="1418336968"/>
+      </p:ext>
+    </p:extLst>
+  </p:cSld>
+  <p:clrMapOvr>
+    <a:masterClrMapping/>
+  </p:clrMapOvr>
+</p:sld>
+</file>
+
+<file path=ppt/slides/slide13.xml><?xml version="1.0" encoding="utf-8"?>
+<p:sld xmlns:a="http://schemas.openxmlformats.org/drawingml/2006/main" xmlns:r="http://schemas.openxmlformats.org/officeDocument/2006/relationships" xmlns:p="http://schemas.openxmlformats.org/presentationml/2006/main">
+  <p:cSld>
+    <p:spTree>
+      <p:nvGrpSpPr>
+        <p:cNvPr id="1" name=""/>
+        <p:cNvGrpSpPr/>
+        <p:nvPr/>
+      </p:nvGrpSpPr>
+      <p:grpSpPr>
+        <a:xfrm>
+          <a:off x="0" y="0"/>
+          <a:ext cx="0" cy="0"/>
+          <a:chOff x="0" y="0"/>
+          <a:chExt cx="0" cy="0"/>
+        </a:xfrm>
+      </p:grpSpPr>
+      <p:sp>
+        <p:nvSpPr>
+          <p:cNvPr id="2" name="标题 1"/>
+          <p:cNvSpPr>
+            <a:spLocks noGrp="1"/>
+          </p:cNvSpPr>
+          <p:nvPr>
+            <p:ph type="title"/>
+          </p:nvPr>
+        </p:nvSpPr>
+        <p:spPr/>
+        <p:txBody>
+          <a:bodyPr/>
+          <a:lstStyle/>
+          <a:p>
+            <a:r>
+              <a:rPr lang="zh-CN" altLang="en-US" dirty="0" smtClean="0"/>
               <a:t>集成开发环境</a:t>
             </a:r>
             <a:endParaRPr lang="zh-CN" altLang="en-US" dirty="0"/>
@@ -3296,7 +3819,7 @@
 </p:sld>
 </file>
 
-<file path=ppt/slides/slide13.xml><?xml version="1.0" encoding="utf-8"?>
+<file path=ppt/slides/slide14.xml><?xml version="1.0" encoding="utf-8"?>
 <p:sld xmlns:a="http://schemas.openxmlformats.org/drawingml/2006/main" xmlns:r="http://schemas.openxmlformats.org/officeDocument/2006/relationships" xmlns:p="http://schemas.openxmlformats.org/presentationml/2006/main">
   <p:cSld>
     <p:spTree>
@@ -3448,7 +3971,15 @@
           <a:p>
             <a:r>
               <a:rPr lang="zh-CN" altLang="en-US" dirty="0" smtClean="0"/>
-              <a:t>硬件</a:t>
+              <a:t>冯诺伊曼结构</a:t>
+            </a:r>
+            <a:endParaRPr lang="en-US" altLang="zh-CN" dirty="0"/>
+          </a:p>
+          <a:p>
+            <a:pPr lvl="1"/>
+            <a:r>
+              <a:rPr lang="zh-CN" altLang="en-US" dirty="0" smtClean="0"/>
+              <a:t>计算机硬件系统</a:t>
             </a:r>
             <a:endParaRPr lang="en-US" altLang="zh-CN" dirty="0" smtClean="0"/>
           </a:p>
@@ -3456,68 +3987,15 @@
             <a:pPr lvl="1"/>
             <a:r>
               <a:rPr lang="zh-CN" altLang="en-US" dirty="0" smtClean="0"/>
-              <a:t>冯诺依曼体系结构</a:t>
+              <a:t>采用二进制表示数据和指令</a:t>
             </a:r>
             <a:endParaRPr lang="en-US" altLang="zh-CN" dirty="0" smtClean="0"/>
           </a:p>
           <a:p>
-            <a:r>
-              <a:rPr lang="zh-CN" altLang="en-US" dirty="0" smtClean="0"/>
-              <a:t>软件</a:t>
-            </a:r>
-            <a:endParaRPr lang="en-US" altLang="zh-CN" dirty="0" smtClean="0"/>
-          </a:p>
-          <a:p>
             <a:pPr lvl="1"/>
             <a:r>
               <a:rPr lang="zh-CN" altLang="en-US" dirty="0" smtClean="0"/>
-              <a:t>系统软件</a:t>
-            </a:r>
-            <a:endParaRPr lang="en-US" altLang="zh-CN" dirty="0" smtClean="0"/>
-          </a:p>
-          <a:p>
-            <a:pPr lvl="2"/>
-            <a:r>
-              <a:rPr lang="zh-CN" altLang="en-US" dirty="0" smtClean="0"/>
-              <a:t>操作系统</a:t>
-            </a:r>
-            <a:endParaRPr lang="en-US" altLang="zh-CN" dirty="0" smtClean="0"/>
-          </a:p>
-          <a:p>
-            <a:pPr lvl="2"/>
-            <a:r>
-              <a:rPr lang="zh-CN" altLang="en-US" dirty="0" smtClean="0"/>
-              <a:t>翻译程序</a:t>
-            </a:r>
-            <a:endParaRPr lang="en-US" altLang="zh-CN" dirty="0" smtClean="0"/>
-          </a:p>
-          <a:p>
-            <a:pPr lvl="1"/>
-            <a:r>
-              <a:rPr lang="zh-CN" altLang="en-US" dirty="0" smtClean="0"/>
-              <a:t>应用软件</a:t>
-            </a:r>
-            <a:endParaRPr lang="en-US" altLang="zh-CN" dirty="0" smtClean="0"/>
-          </a:p>
-          <a:p>
-            <a:pPr lvl="2"/>
-            <a:r>
-              <a:rPr lang="en-US" altLang="zh-CN" dirty="0" smtClean="0"/>
-              <a:t>Office</a:t>
-            </a:r>
-          </a:p>
-          <a:p>
-            <a:pPr lvl="2"/>
-            <a:r>
-              <a:rPr lang="en-US" altLang="zh-CN" dirty="0" smtClean="0"/>
-              <a:t>Media</a:t>
-            </a:r>
-          </a:p>
-          <a:p>
-            <a:pPr lvl="2"/>
-            <a:r>
-              <a:rPr lang="en-US" altLang="zh-CN" dirty="0"/>
-              <a:t>Message</a:t>
+              <a:t>存储程序的概念</a:t>
             </a:r>
             <a:endParaRPr lang="en-US" altLang="zh-CN" dirty="0" smtClean="0"/>
           </a:p>
@@ -3570,7 +4048,7 @@
           <a:p>
             <a:r>
               <a:rPr lang="zh-CN" altLang="en-US" dirty="0" smtClean="0"/>
-              <a:t>程序</a:t>
+              <a:t>为什么用二进制？</a:t>
             </a:r>
             <a:endParaRPr lang="zh-CN" altLang="en-US" dirty="0"/>
           </a:p>
@@ -3591,55 +4069,31 @@
           <a:bodyPr/>
           <a:lstStyle/>
           <a:p>
-            <a:pPr marL="0" indent="0">
-              <a:buNone/>
-            </a:pPr>
-            <a:r>
-              <a:rPr lang="zh-CN" altLang="en-US" dirty="0" smtClean="0"/>
-              <a:t>程序是指令的集合</a:t>
+            <a:r>
+              <a:rPr lang="zh-CN" altLang="en-US" dirty="0" smtClean="0"/>
+              <a:t>易于物理实现</a:t>
             </a:r>
             <a:endParaRPr lang="en-US" altLang="zh-CN" dirty="0" smtClean="0"/>
           </a:p>
           <a:p>
-            <a:pPr marL="0" indent="0">
-              <a:buNone/>
-            </a:pPr>
-            <a:r>
-              <a:rPr lang="zh-CN" altLang="en-US" dirty="0" smtClean="0"/>
-              <a:t>计算机最终执行的是指令。</a:t>
+            <a:r>
+              <a:rPr lang="zh-CN" altLang="en-US" dirty="0" smtClean="0"/>
+              <a:t>运算简单</a:t>
             </a:r>
             <a:endParaRPr lang="en-US" altLang="zh-CN" dirty="0" smtClean="0"/>
           </a:p>
           <a:p>
-            <a:pPr marL="0" indent="0">
-              <a:buNone/>
-            </a:pPr>
-            <a:r>
-              <a:rPr lang="zh-CN" altLang="en-US" dirty="0" smtClean="0"/>
-              <a:t>指令是计算机可以识别的命令，由简单的“</a:t>
-            </a:r>
-            <a:r>
-              <a:rPr lang="en-US" altLang="zh-CN" dirty="0" smtClean="0"/>
-              <a:t>0</a:t>
-            </a:r>
-            <a:r>
-              <a:rPr lang="zh-CN" altLang="en-US" dirty="0" smtClean="0"/>
-              <a:t>”和“</a:t>
-            </a:r>
-            <a:r>
-              <a:rPr lang="en-US" altLang="zh-CN" dirty="0" smtClean="0"/>
-              <a:t>1</a:t>
-            </a:r>
-            <a:r>
-              <a:rPr lang="zh-CN" altLang="en-US" dirty="0" smtClean="0"/>
-              <a:t>”组成。</a:t>
+            <a:r>
+              <a:rPr lang="zh-CN" altLang="en-US" dirty="0" smtClean="0"/>
+              <a:t>机器可靠性高</a:t>
             </a:r>
             <a:endParaRPr lang="en-US" altLang="zh-CN" dirty="0" smtClean="0"/>
           </a:p>
           <a:p>
-            <a:pPr marL="0" indent="0">
-              <a:buNone/>
-            </a:pPr>
+            <a:r>
+              <a:rPr lang="zh-CN" altLang="en-US" dirty="0" smtClean="0"/>
+              <a:t>通用性强</a:t>
+            </a:r>
             <a:endParaRPr lang="zh-CN" altLang="en-US" dirty="0"/>
           </a:p>
         </p:txBody>
@@ -3647,7 +4101,7 @@
     </p:spTree>
     <p:extLst>
       <p:ext uri="{BB962C8B-B14F-4D97-AF65-F5344CB8AC3E}">
-        <p14:creationId xmlns:p14="http://schemas.microsoft.com/office/powerpoint/2010/main" val="2060459895"/>
+        <p14:creationId xmlns:p14="http://schemas.microsoft.com/office/powerpoint/2010/main" val="1898902788"/>
       </p:ext>
     </p:extLst>
   </p:cSld>
@@ -3691,7 +4145,7 @@
           <a:p>
             <a:r>
               <a:rPr lang="zh-CN" altLang="en-US" dirty="0" smtClean="0"/>
-              <a:t>编程语言的发展历史</a:t>
+              <a:t>程序</a:t>
             </a:r>
             <a:endParaRPr lang="zh-CN" altLang="en-US" dirty="0"/>
           </a:p>
@@ -3712,40 +4166,55 @@
           <a:bodyPr/>
           <a:lstStyle/>
           <a:p>
-            <a:r>
-              <a:rPr lang="zh-CN" altLang="en-US" dirty="0" smtClean="0"/>
-              <a:t>机器语言</a:t>
+            <a:pPr marL="0" indent="0">
+              <a:buNone/>
+            </a:pPr>
+            <a:r>
+              <a:rPr lang="zh-CN" altLang="en-US" dirty="0" smtClean="0"/>
+              <a:t>程序是指令的</a:t>
+            </a:r>
+            <a:r>
+              <a:rPr lang="zh-CN" altLang="en-US" dirty="0" smtClean="0"/>
+              <a:t>集合。</a:t>
             </a:r>
             <a:endParaRPr lang="en-US" altLang="zh-CN" dirty="0" smtClean="0"/>
           </a:p>
           <a:p>
-            <a:r>
-              <a:rPr lang="zh-CN" altLang="en-US" dirty="0" smtClean="0"/>
-              <a:t>汇编语言</a:t>
-            </a:r>
+            <a:pPr marL="0" indent="0">
+              <a:buNone/>
+            </a:pPr>
             <a:endParaRPr lang="en-US" altLang="zh-CN" dirty="0" smtClean="0"/>
           </a:p>
           <a:p>
-            <a:r>
-              <a:rPr lang="zh-CN" altLang="en-US" dirty="0" smtClean="0"/>
-              <a:t>高级语言</a:t>
+            <a:pPr marL="0" indent="0">
+              <a:buNone/>
+            </a:pPr>
+            <a:r>
+              <a:rPr lang="zh-CN" altLang="en-US" dirty="0" smtClean="0"/>
+              <a:t>指令是计算机可以识别的命令，由简单的“</a:t>
+            </a:r>
+            <a:r>
+              <a:rPr lang="en-US" altLang="zh-CN" dirty="0" smtClean="0"/>
+              <a:t>0</a:t>
+            </a:r>
+            <a:r>
+              <a:rPr lang="zh-CN" altLang="en-US" dirty="0" smtClean="0"/>
+              <a:t>”和“</a:t>
+            </a:r>
+            <a:r>
+              <a:rPr lang="en-US" altLang="zh-CN" dirty="0" smtClean="0"/>
+              <a:t>1</a:t>
+            </a:r>
+            <a:r>
+              <a:rPr lang="zh-CN" altLang="en-US" dirty="0" smtClean="0"/>
+              <a:t>”组成。</a:t>
             </a:r>
             <a:endParaRPr lang="en-US" altLang="zh-CN" dirty="0" smtClean="0"/>
           </a:p>
           <a:p>
-            <a:pPr lvl="1"/>
-            <a:r>
-              <a:rPr lang="zh-CN" altLang="en-US" dirty="0" smtClean="0"/>
-              <a:t>面向过程</a:t>
-            </a:r>
-            <a:endParaRPr lang="en-US" altLang="zh-CN" dirty="0" smtClean="0"/>
-          </a:p>
-          <a:p>
-            <a:pPr lvl="1"/>
-            <a:r>
-              <a:rPr lang="zh-CN" altLang="en-US" dirty="0" smtClean="0"/>
-              <a:t>面向对象</a:t>
-            </a:r>
+            <a:pPr marL="0" indent="0">
+              <a:buNone/>
+            </a:pPr>
             <a:endParaRPr lang="zh-CN" altLang="en-US" dirty="0"/>
           </a:p>
         </p:txBody>
@@ -3753,7 +4222,7 @@
     </p:spTree>
     <p:extLst>
       <p:ext uri="{BB962C8B-B14F-4D97-AF65-F5344CB8AC3E}">
-        <p14:creationId xmlns:p14="http://schemas.microsoft.com/office/powerpoint/2010/main" val="1573432461"/>
+        <p14:creationId xmlns:p14="http://schemas.microsoft.com/office/powerpoint/2010/main" val="2060459895"/>
       </p:ext>
     </p:extLst>
   </p:cSld>
@@ -3797,7 +4266,7 @@
           <a:p>
             <a:r>
               <a:rPr lang="zh-CN" altLang="en-US" dirty="0" smtClean="0"/>
-              <a:t>机器语言和汇编语言</a:t>
+              <a:t>编程语言的发展历史</a:t>
             </a:r>
             <a:endParaRPr lang="zh-CN" altLang="en-US" dirty="0"/>
           </a:p>
@@ -3820,33 +4289,37 @@
           <a:p>
             <a:r>
               <a:rPr lang="zh-CN" altLang="en-US" dirty="0" smtClean="0"/>
-              <a:t>由计算机硬件系统可以识别的二进制指令组成的语言称为机器语言。</a:t>
+              <a:t>机器语言</a:t>
             </a:r>
             <a:endParaRPr lang="en-US" altLang="zh-CN" dirty="0" smtClean="0"/>
           </a:p>
           <a:p>
+            <a:r>
+              <a:rPr lang="zh-CN" altLang="en-US" dirty="0" smtClean="0"/>
+              <a:t>汇编语言</a:t>
+            </a:r>
             <a:endParaRPr lang="en-US" altLang="zh-CN" dirty="0" smtClean="0"/>
           </a:p>
           <a:p>
             <a:r>
               <a:rPr lang="zh-CN" altLang="en-US" dirty="0" smtClean="0"/>
-              <a:t>将机器指令映射为一些可以被人读懂的助记符。</a:t>
+              <a:t>高级语言</a:t>
             </a:r>
             <a:endParaRPr lang="en-US" altLang="zh-CN" dirty="0" smtClean="0"/>
           </a:p>
           <a:p>
-            <a:endParaRPr lang="en-US" altLang="zh-CN" dirty="0"/>
-          </a:p>
-          <a:p>
-            <a:r>
-              <a:rPr lang="en-US" altLang="zh-CN" dirty="0" smtClean="0"/>
-              <a:t>0001 – ADD</a:t>
-            </a:r>
-          </a:p>
-          <a:p>
-            <a:r>
-              <a:rPr lang="en-US" altLang="zh-CN" dirty="0" smtClean="0"/>
-              <a:t>0002 - SUB</a:t>
+            <a:pPr lvl="1"/>
+            <a:r>
+              <a:rPr lang="zh-CN" altLang="en-US" dirty="0" smtClean="0"/>
+              <a:t>面向过程</a:t>
+            </a:r>
+            <a:endParaRPr lang="en-US" altLang="zh-CN" dirty="0" smtClean="0"/>
+          </a:p>
+          <a:p>
+            <a:pPr lvl="1"/>
+            <a:r>
+              <a:rPr lang="zh-CN" altLang="en-US" dirty="0" smtClean="0"/>
+              <a:t>面向对象</a:t>
             </a:r>
             <a:endParaRPr lang="zh-CN" altLang="en-US" dirty="0"/>
           </a:p>
@@ -3855,7 +4328,7 @@
     </p:spTree>
     <p:extLst>
       <p:ext uri="{BB962C8B-B14F-4D97-AF65-F5344CB8AC3E}">
-        <p14:creationId xmlns:p14="http://schemas.microsoft.com/office/powerpoint/2010/main" val="740618531"/>
+        <p14:creationId xmlns:p14="http://schemas.microsoft.com/office/powerpoint/2010/main" val="1573432461"/>
       </p:ext>
     </p:extLst>
   </p:cSld>
@@ -3898,9 +4371,10 @@
           <a:lstStyle/>
           <a:p>
             <a:r>
-              <a:rPr lang="zh-CN" altLang="en-US" dirty="0"/>
-              <a:t>高级语言</a:t>
-            </a:r>
+              <a:rPr lang="zh-CN" altLang="en-US" dirty="0" smtClean="0"/>
+              <a:t>机器语言和汇编语言</a:t>
+            </a:r>
+            <a:endParaRPr lang="zh-CN" altLang="en-US" dirty="0"/>
           </a:p>
         </p:txBody>
       </p:sp>
@@ -3921,18 +4395,41 @@
           <a:p>
             <a:r>
               <a:rPr lang="zh-CN" altLang="en-US" dirty="0" smtClean="0"/>
-              <a:t>屏蔽了机器细节</a:t>
+              <a:t>由</a:t>
+            </a:r>
+            <a:r>
+              <a:rPr lang="zh-CN" altLang="en-US" dirty="0" smtClean="0"/>
+              <a:t>计算机指令</a:t>
+            </a:r>
+            <a:r>
+              <a:rPr lang="zh-CN" altLang="en-US" dirty="0" smtClean="0"/>
+              <a:t>组成的语言称为机器语言。</a:t>
             </a:r>
             <a:endParaRPr lang="en-US" altLang="zh-CN" dirty="0" smtClean="0"/>
           </a:p>
           <a:p>
-            <a:r>
-              <a:rPr lang="zh-CN" altLang="en-US" dirty="0"/>
-              <a:t>提高</a:t>
-            </a:r>
-            <a:r>
-              <a:rPr lang="zh-CN" altLang="en-US" dirty="0" smtClean="0"/>
-              <a:t>了语言抽象层次</a:t>
+            <a:endParaRPr lang="en-US" altLang="zh-CN" dirty="0" smtClean="0"/>
+          </a:p>
+          <a:p>
+            <a:r>
+              <a:rPr lang="zh-CN" altLang="en-US" dirty="0" smtClean="0"/>
+              <a:t>将机器指令映射为一些可以被人读懂的助记符。</a:t>
+            </a:r>
+            <a:endParaRPr lang="en-US" altLang="zh-CN" dirty="0" smtClean="0"/>
+          </a:p>
+          <a:p>
+            <a:endParaRPr lang="en-US" altLang="zh-CN" dirty="0"/>
+          </a:p>
+          <a:p>
+            <a:r>
+              <a:rPr lang="en-US" altLang="zh-CN" dirty="0" smtClean="0"/>
+              <a:t>0001 – ADD</a:t>
+            </a:r>
+          </a:p>
+          <a:p>
+            <a:r>
+              <a:rPr lang="en-US" altLang="zh-CN" dirty="0" smtClean="0"/>
+              <a:t>0002 - SUB</a:t>
             </a:r>
             <a:endParaRPr lang="zh-CN" altLang="en-US" dirty="0"/>
           </a:p>
@@ -3941,7 +4438,7 @@
     </p:spTree>
     <p:extLst>
       <p:ext uri="{BB962C8B-B14F-4D97-AF65-F5344CB8AC3E}">
-        <p14:creationId xmlns:p14="http://schemas.microsoft.com/office/powerpoint/2010/main" val="4194683403"/>
+        <p14:creationId xmlns:p14="http://schemas.microsoft.com/office/powerpoint/2010/main" val="740618531"/>
       </p:ext>
     </p:extLst>
   </p:cSld>
@@ -3984,94 +4481,50 @@
           <a:lstStyle/>
           <a:p>
             <a:r>
-              <a:rPr lang="zh-CN" altLang="en-US" dirty="0" smtClean="0"/>
-              <a:t>翻译程序</a:t>
+              <a:rPr lang="zh-CN" altLang="en-US" dirty="0"/>
+              <a:t>高级语言</a:t>
+            </a:r>
+          </a:p>
+        </p:txBody>
+      </p:sp>
+      <p:sp>
+        <p:nvSpPr>
+          <p:cNvPr id="3" name="内容占位符 2"/>
+          <p:cNvSpPr>
+            <a:spLocks noGrp="1"/>
+          </p:cNvSpPr>
+          <p:nvPr>
+            <p:ph idx="1"/>
+          </p:nvPr>
+        </p:nvSpPr>
+        <p:spPr/>
+        <p:txBody>
+          <a:bodyPr/>
+          <a:lstStyle/>
+          <a:p>
+            <a:r>
+              <a:rPr lang="zh-CN" altLang="en-US" dirty="0" smtClean="0"/>
+              <a:t>屏蔽了机器细节</a:t>
+            </a:r>
+            <a:endParaRPr lang="en-US" altLang="zh-CN" dirty="0" smtClean="0"/>
+          </a:p>
+          <a:p>
+            <a:r>
+              <a:rPr lang="zh-CN" altLang="en-US" dirty="0"/>
+              <a:t>提高</a:t>
+            </a:r>
+            <a:r>
+              <a:rPr lang="zh-CN" altLang="en-US" dirty="0" smtClean="0"/>
+              <a:t>了语言抽象层次</a:t>
             </a:r>
             <a:endParaRPr lang="zh-CN" altLang="en-US" dirty="0"/>
-          </a:p>
-        </p:txBody>
-      </p:sp>
-      <p:sp>
-        <p:nvSpPr>
-          <p:cNvPr id="3" name="内容占位符 2"/>
-          <p:cNvSpPr>
-            <a:spLocks noGrp="1"/>
-          </p:cNvSpPr>
-          <p:nvPr>
-            <p:ph idx="1"/>
-          </p:nvPr>
-        </p:nvSpPr>
-        <p:spPr/>
-        <p:txBody>
-          <a:bodyPr/>
-          <a:lstStyle/>
-          <a:p>
-            <a:r>
-              <a:rPr lang="zh-CN" altLang="en-US" dirty="0" smtClean="0"/>
-              <a:t>把源程序翻译成目标程序。</a:t>
-            </a:r>
-            <a:endParaRPr lang="en-US" altLang="zh-CN" dirty="0"/>
-          </a:p>
-          <a:p>
-            <a:r>
-              <a:rPr lang="zh-CN" altLang="en-US" dirty="0" smtClean="0"/>
-              <a:t>源程序（源代码）</a:t>
-            </a:r>
-            <a:r>
-              <a:rPr lang="en-US" altLang="zh-CN" dirty="0" smtClean="0"/>
-              <a:t>- </a:t>
-            </a:r>
-            <a:r>
-              <a:rPr lang="zh-CN" altLang="en-US" dirty="0" smtClean="0"/>
-              <a:t>输入</a:t>
-            </a:r>
-            <a:endParaRPr lang="en-US" altLang="zh-CN" dirty="0" smtClean="0"/>
-          </a:p>
-          <a:p>
-            <a:r>
-              <a:rPr lang="zh-CN" altLang="en-US" dirty="0" smtClean="0"/>
-              <a:t>目标程序 </a:t>
-            </a:r>
-            <a:r>
-              <a:rPr lang="en-US" altLang="zh-CN" dirty="0" smtClean="0"/>
-              <a:t>– </a:t>
-            </a:r>
-            <a:r>
-              <a:rPr lang="zh-CN" altLang="en-US" dirty="0" smtClean="0"/>
-              <a:t>输出</a:t>
-            </a:r>
-            <a:endParaRPr lang="en-US" altLang="zh-CN" dirty="0" smtClean="0"/>
-          </a:p>
-          <a:p>
-            <a:pPr lvl="1"/>
-            <a:r>
-              <a:rPr lang="zh-CN" altLang="en-US" dirty="0" smtClean="0"/>
-              <a:t>机器语言</a:t>
-            </a:r>
-            <a:endParaRPr lang="en-US" altLang="zh-CN" dirty="0" smtClean="0"/>
-          </a:p>
-          <a:p>
-            <a:pPr lvl="1"/>
-            <a:r>
-              <a:rPr lang="zh-CN" altLang="en-US" dirty="0" smtClean="0"/>
-              <a:t>汇编语言</a:t>
-            </a:r>
-            <a:endParaRPr lang="en-US" altLang="zh-CN" dirty="0" smtClean="0"/>
-          </a:p>
-          <a:p>
-            <a:pPr lvl="1"/>
-            <a:r>
-              <a:rPr lang="zh-CN" altLang="en-US" dirty="0" smtClean="0"/>
-              <a:t>中间语言</a:t>
-            </a:r>
-            <a:endParaRPr lang="en-US" altLang="zh-CN" dirty="0" smtClean="0"/>
           </a:p>
         </p:txBody>
       </p:sp>
     </p:spTree>
     <p:extLst>
       <p:ext uri="{BB962C8B-B14F-4D97-AF65-F5344CB8AC3E}">
-        <p14:creationId xmlns:p14="http://schemas.microsoft.com/office/powerpoint/2010/main" val="1106755688"/>
+        <p14:creationId xmlns:p14="http://schemas.microsoft.com/office/powerpoint/2010/main" val="4194683403"/>
       </p:ext>
     </p:extLst>
   </p:cSld>
@@ -4138,33 +4591,70 @@
           <a:p>
             <a:r>
               <a:rPr lang="zh-CN" altLang="en-US" dirty="0" smtClean="0"/>
-              <a:t>汇编程序</a:t>
+              <a:t>把源程序翻译成目标程序。</a:t>
+            </a:r>
+            <a:endParaRPr lang="en-US" altLang="zh-CN" dirty="0"/>
+          </a:p>
+          <a:p>
+            <a:r>
+              <a:rPr lang="zh-CN" altLang="en-US" dirty="0" smtClean="0"/>
+              <a:t>源程序（源代码）</a:t>
+            </a:r>
+            <a:r>
+              <a:rPr lang="en-US" altLang="zh-CN" dirty="0" smtClean="0"/>
+              <a:t>- </a:t>
+            </a:r>
+            <a:r>
+              <a:rPr lang="zh-CN" altLang="en-US" dirty="0" smtClean="0"/>
+              <a:t>输入</a:t>
             </a:r>
             <a:endParaRPr lang="en-US" altLang="zh-CN" dirty="0" smtClean="0"/>
           </a:p>
           <a:p>
             <a:r>
               <a:rPr lang="zh-CN" altLang="en-US" dirty="0" smtClean="0"/>
-              <a:t>编译程序</a:t>
+              <a:t>目标程序 </a:t>
+            </a:r>
+            <a:r>
+              <a:rPr lang="en-US" altLang="zh-CN" dirty="0" smtClean="0"/>
+              <a:t>– </a:t>
+            </a:r>
+            <a:r>
+              <a:rPr lang="zh-CN" altLang="en-US" dirty="0" smtClean="0"/>
+              <a:t>输出</a:t>
             </a:r>
             <a:endParaRPr lang="en-US" altLang="zh-CN" dirty="0" smtClean="0"/>
           </a:p>
           <a:p>
-            <a:r>
-              <a:rPr lang="zh-CN" altLang="en-US" dirty="0" smtClean="0"/>
-              <a:t>解释程序</a:t>
+            <a:pPr lvl="1"/>
+            <a:r>
+              <a:rPr lang="zh-CN" altLang="en-US" dirty="0" smtClean="0"/>
+              <a:t>机器语言</a:t>
             </a:r>
             <a:endParaRPr lang="en-US" altLang="zh-CN" dirty="0" smtClean="0"/>
           </a:p>
           <a:p>
-            <a:endParaRPr lang="zh-CN" altLang="en-US" dirty="0"/>
+            <a:pPr lvl="1"/>
+            <a:r>
+              <a:rPr lang="zh-CN" altLang="en-US" dirty="0" smtClean="0"/>
+              <a:t>汇编语言</a:t>
+            </a:r>
+            <a:endParaRPr lang="en-US" altLang="zh-CN" dirty="0" smtClean="0"/>
+          </a:p>
+          <a:p>
+            <a:pPr lvl="1"/>
+            <a:r>
+              <a:rPr lang="zh-CN" altLang="en-US" dirty="0" smtClean="0"/>
+              <a:t>中间语言</a:t>
+            </a:r>
+            <a:endParaRPr lang="en-US" altLang="zh-CN" dirty="0" smtClean="0"/>
           </a:p>
         </p:txBody>
       </p:sp>
     </p:spTree>
     <p:extLst>
       <p:ext uri="{BB962C8B-B14F-4D97-AF65-F5344CB8AC3E}">
-        <p14:creationId xmlns:p14="http://schemas.microsoft.com/office/powerpoint/2010/main" val="3124148594"/>
+        <p14:creationId xmlns:p14="http://schemas.microsoft.com/office/powerpoint/2010/main" val="1106755688"/>
       </p:ext>
     </p:extLst>
   </p:cSld>
@@ -4208,31 +4698,48 @@
           <a:p>
             <a:r>
               <a:rPr lang="zh-CN" altLang="en-US" dirty="0" smtClean="0"/>
+              <a:t>翻译程序</a:t>
+            </a:r>
+            <a:endParaRPr lang="zh-CN" altLang="en-US" dirty="0"/>
+          </a:p>
+        </p:txBody>
+      </p:sp>
+      <p:sp>
+        <p:nvSpPr>
+          <p:cNvPr id="3" name="内容占位符 2"/>
+          <p:cNvSpPr>
+            <a:spLocks noGrp="1"/>
+          </p:cNvSpPr>
+          <p:nvPr>
+            <p:ph idx="1"/>
+          </p:nvPr>
+        </p:nvSpPr>
+        <p:spPr/>
+        <p:txBody>
+          <a:bodyPr/>
+          <a:lstStyle/>
+          <a:p>
+            <a:r>
+              <a:rPr lang="zh-CN" altLang="en-US" dirty="0" smtClean="0"/>
               <a:t>汇编程序</a:t>
             </a:r>
-            <a:endParaRPr lang="zh-CN" altLang="en-US" dirty="0"/>
-          </a:p>
-        </p:txBody>
-      </p:sp>
-      <p:sp>
-        <p:nvSpPr>
-          <p:cNvPr id="3" name="内容占位符 2"/>
-          <p:cNvSpPr>
-            <a:spLocks noGrp="1"/>
-          </p:cNvSpPr>
-          <p:nvPr>
-            <p:ph idx="1"/>
-          </p:nvPr>
-        </p:nvSpPr>
-        <p:spPr/>
-        <p:txBody>
-          <a:bodyPr/>
-          <a:lstStyle/>
-          <a:p>
-            <a:r>
-              <a:rPr lang="zh-CN" altLang="en-US" dirty="0" smtClean="0"/>
-              <a:t>将汇编语言写成的源程序翻译成机器语言形式的目标程序。</a:t>
-            </a:r>
+            <a:endParaRPr lang="en-US" altLang="zh-CN" dirty="0" smtClean="0"/>
+          </a:p>
+          <a:p>
+            <a:r>
+              <a:rPr lang="zh-CN" altLang="en-US" dirty="0" smtClean="0"/>
+              <a:t>编译程序</a:t>
+            </a:r>
+            <a:endParaRPr lang="en-US" altLang="zh-CN" dirty="0" smtClean="0"/>
+          </a:p>
+          <a:p>
+            <a:r>
+              <a:rPr lang="zh-CN" altLang="en-US" dirty="0" smtClean="0"/>
+              <a:t>解释程序</a:t>
+            </a:r>
+            <a:endParaRPr lang="en-US" altLang="zh-CN" dirty="0" smtClean="0"/>
+          </a:p>
+          <a:p>
             <a:endParaRPr lang="zh-CN" altLang="en-US" dirty="0"/>
           </a:p>
         </p:txBody>
@@ -4240,7 +4747,7 @@
     </p:spTree>
     <p:extLst>
       <p:ext uri="{BB962C8B-B14F-4D97-AF65-F5344CB8AC3E}">
-        <p14:creationId xmlns:p14="http://schemas.microsoft.com/office/powerpoint/2010/main" val="2778535138"/>
+        <p14:creationId xmlns:p14="http://schemas.microsoft.com/office/powerpoint/2010/main" val="3124148594"/>
       </p:ext>
     </p:extLst>
   </p:cSld>
@@ -4509,4 +5016,265 @@
     </a:ext>
   </a:extLst>
 </a:theme>
+</file>
+
+<file path=ppt/theme/theme2.xml><?xml version="1.0" encoding="utf-8"?>
+<a:theme xmlns:a="http://schemas.openxmlformats.org/drawingml/2006/main" name="Office 主题​​">
+  <a:themeElements>
+    <a:clrScheme name="Office">
+      <a:dk1>
+        <a:sysClr val="windowText" lastClr="000000"/>
+      </a:dk1>
+      <a:lt1>
+        <a:sysClr val="window" lastClr="FFFFFF"/>
+      </a:lt1>
+      <a:dk2>
+        <a:srgbClr val="44546A"/>
+      </a:dk2>
+      <a:lt2>
+        <a:srgbClr val="E7E6E6"/>
+      </a:lt2>
+      <a:accent1>
+        <a:srgbClr val="5B9BD5"/>
+      </a:accent1>
+      <a:accent2>
+        <a:srgbClr val="ED7D31"/>
+      </a:accent2>
+      <a:accent3>
+        <a:srgbClr val="A5A5A5"/>
+      </a:accent3>
+      <a:accent4>
+        <a:srgbClr val="FFC000"/>
+      </a:accent4>
+      <a:accent5>
+        <a:srgbClr val="4472C4"/>
+      </a:accent5>
+      <a:accent6>
+        <a:srgbClr val="70AD47"/>
+      </a:accent6>
+      <a:hlink>
+        <a:srgbClr val="0563C1"/>
+      </a:hlink>
+      <a:folHlink>
+        <a:srgbClr val="954F72"/>
+      </a:folHlink>
+    </a:clrScheme>
+    <a:fontScheme name="Office">
+      <a:majorFont>
+        <a:latin typeface="等线 Light" panose="020F0302020204030204"/>
+        <a:ea typeface=""/>
+        <a:cs typeface=""/>
+        <a:font script="Jpan" typeface="游ゴシック Light"/>
+        <a:font script="Hang" typeface="맑은 고딕"/>
+        <a:font script="Hans" typeface="等线 Light"/>
+        <a:font script="Hant" typeface="新細明體"/>
+        <a:font script="Arab" typeface="Times New Roman"/>
+        <a:font script="Hebr" typeface="Times New Roman"/>
+        <a:font script="Thai" typeface="Angsana New"/>
+        <a:font script="Ethi" typeface="Nyala"/>
+        <a:font script="Beng" typeface="Vrinda"/>
+        <a:font script="Gujr" typeface="Shruti"/>
+        <a:font script="Khmr" typeface="MoolBoran"/>
+        <a:font script="Knda" typeface="Tunga"/>
+        <a:font script="Guru" typeface="Raavi"/>
+        <a:font script="Cans" typeface="Euphemia"/>
+        <a:font script="Cher" typeface="Plantagenet Cherokee"/>
+        <a:font script="Yiii" typeface="Microsoft Yi Baiti"/>
+        <a:font script="Tibt" typeface="Microsoft Himalaya"/>
+        <a:font script="Thaa" typeface="MV Boli"/>
+        <a:font script="Deva" typeface="Mangal"/>
+        <a:font script="Telu" typeface="Gautami"/>
+        <a:font script="Taml" typeface="Latha"/>
+        <a:font script="Syrc" typeface="Estrangelo Edessa"/>
+        <a:font script="Orya" typeface="Kalinga"/>
+        <a:font script="Mlym" typeface="Kartika"/>
+        <a:font script="Laoo" typeface="DokChampa"/>
+        <a:font script="Sinh" typeface="Iskoola Pota"/>
+        <a:font script="Mong" typeface="Mongolian Baiti"/>
+        <a:font script="Viet" typeface="Times New Roman"/>
+        <a:font script="Uigh" typeface="Microsoft Uighur"/>
+        <a:font script="Geor" typeface="Sylfaen"/>
+      </a:majorFont>
+      <a:minorFont>
+        <a:latin typeface="等线" panose="020F0502020204030204"/>
+        <a:ea typeface=""/>
+        <a:cs typeface=""/>
+        <a:font script="Jpan" typeface="游ゴシック"/>
+        <a:font script="Hang" typeface="맑은 고딕"/>
+        <a:font script="Hans" typeface="等线"/>
+        <a:font script="Hant" typeface="新細明體"/>
+        <a:font script="Arab" typeface="Arial"/>
+        <a:font script="Hebr" typeface="Arial"/>
+        <a:font script="Thai" typeface="Cordia New"/>
+        <a:font script="Ethi" typeface="Nyala"/>
+        <a:font script="Beng" typeface="Vrinda"/>
+        <a:font script="Gujr" typeface="Shruti"/>
+        <a:font script="Khmr" typeface="DaunPenh"/>
+        <a:font script="Knda" typeface="Tunga"/>
+        <a:font script="Guru" typeface="Raavi"/>
+        <a:font script="Cans" typeface="Euphemia"/>
+        <a:font script="Cher" typeface="Plantagenet Cherokee"/>
+        <a:font script="Yiii" typeface="Microsoft Yi Baiti"/>
+        <a:font script="Tibt" typeface="Microsoft Himalaya"/>
+        <a:font script="Thaa" typeface="MV Boli"/>
+        <a:font script="Deva" typeface="Mangal"/>
+        <a:font script="Telu" typeface="Gautami"/>
+        <a:font script="Taml" typeface="Latha"/>
+        <a:font script="Syrc" typeface="Estrangelo Edessa"/>
+        <a:font script="Orya" typeface="Kalinga"/>
+        <a:font script="Mlym" typeface="Kartika"/>
+        <a:font script="Laoo" typeface="DokChampa"/>
+        <a:font script="Sinh" typeface="Iskoola Pota"/>
+        <a:font script="Mong" typeface="Mongolian Baiti"/>
+        <a:font script="Viet" typeface="Arial"/>
+        <a:font script="Uigh" typeface="Microsoft Uighur"/>
+        <a:font script="Geor" typeface="Sylfaen"/>
+      </a:minorFont>
+    </a:fontScheme>
+    <a:fmtScheme name="Office">
+      <a:fillStyleLst>
+        <a:solidFill>
+          <a:schemeClr val="phClr"/>
+        </a:solidFill>
+        <a:gradFill rotWithShape="1">
+          <a:gsLst>
+            <a:gs pos="0">
+              <a:schemeClr val="phClr">
+                <a:lumMod val="110000"/>
+                <a:satMod val="105000"/>
+                <a:tint val="67000"/>
+              </a:schemeClr>
+            </a:gs>
+            <a:gs pos="50000">
+              <a:schemeClr val="phClr">
+                <a:lumMod val="105000"/>
+                <a:satMod val="103000"/>
+                <a:tint val="73000"/>
+              </a:schemeClr>
+            </a:gs>
+            <a:gs pos="100000">
+              <a:schemeClr val="phClr">
+                <a:lumMod val="105000"/>
+                <a:satMod val="109000"/>
+                <a:tint val="81000"/>
+              </a:schemeClr>
+            </a:gs>
+          </a:gsLst>
+          <a:lin ang="5400000" scaled="0"/>
+        </a:gradFill>
+        <a:gradFill rotWithShape="1">
+          <a:gsLst>
+            <a:gs pos="0">
+              <a:schemeClr val="phClr">
+                <a:satMod val="103000"/>
+                <a:lumMod val="102000"/>
+                <a:tint val="94000"/>
+              </a:schemeClr>
+            </a:gs>
+            <a:gs pos="50000">
+              <a:schemeClr val="phClr">
+                <a:satMod val="110000"/>
+                <a:lumMod val="100000"/>
+                <a:shade val="100000"/>
+              </a:schemeClr>
+            </a:gs>
+            <a:gs pos="100000">
+              <a:schemeClr val="phClr">
+                <a:lumMod val="99000"/>
+                <a:satMod val="120000"/>
+                <a:shade val="78000"/>
+              </a:schemeClr>
+            </a:gs>
+          </a:gsLst>
+          <a:lin ang="5400000" scaled="0"/>
+        </a:gradFill>
+      </a:fillStyleLst>
+      <a:lnStyleLst>
+        <a:ln w="6350" cap="flat" cmpd="sng" algn="ctr">
+          <a:solidFill>
+            <a:schemeClr val="phClr"/>
+          </a:solidFill>
+          <a:prstDash val="solid"/>
+          <a:miter lim="800000"/>
+        </a:ln>
+        <a:ln w="12700" cap="flat" cmpd="sng" algn="ctr">
+          <a:solidFill>
+            <a:schemeClr val="phClr"/>
+          </a:solidFill>
+          <a:prstDash val="solid"/>
+          <a:miter lim="800000"/>
+        </a:ln>
+        <a:ln w="19050" cap="flat" cmpd="sng" algn="ctr">
+          <a:solidFill>
+            <a:schemeClr val="phClr"/>
+          </a:solidFill>
+          <a:prstDash val="solid"/>
+          <a:miter lim="800000"/>
+        </a:ln>
+      </a:lnStyleLst>
+      <a:effectStyleLst>
+        <a:effectStyle>
+          <a:effectLst/>
+        </a:effectStyle>
+        <a:effectStyle>
+          <a:effectLst/>
+        </a:effectStyle>
+        <a:effectStyle>
+          <a:effectLst>
+            <a:outerShdw blurRad="57150" dist="19050" dir="5400000" algn="ctr" rotWithShape="0">
+              <a:srgbClr val="000000">
+                <a:alpha val="63000"/>
+              </a:srgbClr>
+            </a:outerShdw>
+          </a:effectLst>
+        </a:effectStyle>
+      </a:effectStyleLst>
+      <a:bgFillStyleLst>
+        <a:solidFill>
+          <a:schemeClr val="phClr"/>
+        </a:solidFill>
+        <a:solidFill>
+          <a:schemeClr val="phClr">
+            <a:tint val="95000"/>
+            <a:satMod val="170000"/>
+          </a:schemeClr>
+        </a:solidFill>
+        <a:gradFill rotWithShape="1">
+          <a:gsLst>
+            <a:gs pos="0">
+              <a:schemeClr val="phClr">
+                <a:tint val="93000"/>
+                <a:satMod val="150000"/>
+                <a:shade val="98000"/>
+                <a:lumMod val="102000"/>
+              </a:schemeClr>
+            </a:gs>
+            <a:gs pos="50000">
+              <a:schemeClr val="phClr">
+                <a:tint val="98000"/>
+                <a:satMod val="130000"/>
+                <a:shade val="90000"/>
+                <a:lumMod val="103000"/>
+              </a:schemeClr>
+            </a:gs>
+            <a:gs pos="100000">
+              <a:schemeClr val="phClr">
+                <a:shade val="63000"/>
+                <a:satMod val="120000"/>
+              </a:schemeClr>
+            </a:gs>
+          </a:gsLst>
+          <a:lin ang="5400000" scaled="0"/>
+        </a:gradFill>
+      </a:bgFillStyleLst>
+    </a:fmtScheme>
+  </a:themeElements>
+  <a:objectDefaults/>
+  <a:extraClrSchemeLst/>
+  <a:extLst>
+    <a:ext uri="{05A4C25C-085E-4340-85A3-A5531E510DB2}">
+      <thm15:themeFamily xmlns:thm15="http://schemas.microsoft.com/office/thememl/2012/main" name="Office Theme" id="{62F939B6-93AF-4DB8-9C6B-D6C7DFDC589F}" vid="{4A3C46E8-61CC-4603-A589-7422A47A8E4A}"/>
+    </a:ext>
+  </a:extLst>
+</a:theme>
 </file>
--- a/programming/pre_school.pptx
+++ b/programming/pre_school.pptx
@@ -1,38 +1,473 @@
 
 <file path=ppt/presentation.xml><?xml version="1.0" encoding="utf-8"?>
-<p:presentation xmlns:a="http://schemas.openxmlformats.org/drawingml/2006/main" xmlns:p="http://schemas.openxmlformats.org/presentationml/2006/main" xmlns:r="http://schemas.openxmlformats.org/officeDocument/2006/relationships" xmlns:p14="http://schemas.microsoft.com/office/powerpoint/2010/main" xmlns:p15="http://schemas.microsoft.com/office/powerpoint/2012/main" xmlns:mc="http://schemas.openxmlformats.org/markup-compatibility/2006">
+<p:presentation xmlns:a="http://schemas.openxmlformats.org/drawingml/2006/main" xmlns:r="http://schemas.openxmlformats.org/officeDocument/2006/relationships" xmlns:p="http://schemas.openxmlformats.org/presentationml/2006/main">
   <p:sldMasterIdLst>
-    <p:sldMasterId id="2147483648" r:id="rId2"/>
-    <p:sldMasterId id="2147483661" r:id="rId3"/>
+    <p:sldMasterId id="2147483648" r:id="rId1"/>
+    <p:sldMasterId id="2147483661" r:id="rId2"/>
   </p:sldMasterIdLst>
   <p:notesMasterIdLst>
-    <p:notesMasterId r:id="rId4"/>
+    <p:notesMasterId r:id="rId21"/>
   </p:notesMasterIdLst>
   <p:sldIdLst>
-    <p:sldId id="256" r:id="rId5"/>
-    <p:sldId id="257" r:id="rId6"/>
-    <p:sldId id="258" r:id="rId7"/>
-    <p:sldId id="259" r:id="rId8"/>
-    <p:sldId id="260" r:id="rId9"/>
-    <p:sldId id="261" r:id="rId10"/>
-    <p:sldId id="262" r:id="rId11"/>
-    <p:sldId id="263" r:id="rId12"/>
-    <p:sldId id="264" r:id="rId13"/>
-    <p:sldId id="265" r:id="rId14"/>
-    <p:sldId id="266" r:id="rId15"/>
-    <p:sldId id="267" r:id="rId16"/>
-    <p:sldId id="268" r:id="rId17"/>
-    <p:sldId id="269" r:id="rId18"/>
-    <p:sldId id="270" r:id="rId19"/>
-    <p:sldId id="271" r:id="rId20"/>
+    <p:sldId id="256" r:id="rId3"/>
+    <p:sldId id="274" r:id="rId4"/>
+    <p:sldId id="258" r:id="rId5"/>
+    <p:sldId id="259" r:id="rId6"/>
+    <p:sldId id="260" r:id="rId7"/>
+    <p:sldId id="261" r:id="rId8"/>
+    <p:sldId id="262" r:id="rId9"/>
+    <p:sldId id="263" r:id="rId10"/>
+    <p:sldId id="272" r:id="rId11"/>
+    <p:sldId id="265" r:id="rId12"/>
+    <p:sldId id="266" r:id="rId13"/>
+    <p:sldId id="267" r:id="rId14"/>
+    <p:sldId id="268" r:id="rId15"/>
+    <p:sldId id="269" r:id="rId16"/>
+    <p:sldId id="270" r:id="rId17"/>
+    <p:sldId id="271" r:id="rId18"/>
+    <p:sldId id="276" r:id="rId19"/>
+    <p:sldId id="277" r:id="rId20"/>
   </p:sldIdLst>
   <p:sldSz cx="12192000" cy="6858000"/>
   <p:notesSz cx="6858000" cy="9144000"/>
+  <p:defaultTextStyle>
+    <a:defPPr>
+      <a:defRPr lang="zh-CN"/>
+    </a:defPPr>
+    <a:lvl1pPr marL="0" algn="l" defTabSz="914400" rtl="0" eaLnBrk="1" latinLnBrk="0" hangingPunct="1">
+      <a:defRPr sz="1800" kern="1200">
+        <a:solidFill>
+          <a:schemeClr val="tx1"/>
+        </a:solidFill>
+        <a:latin typeface="+mn-lt"/>
+        <a:ea typeface="+mn-ea"/>
+        <a:cs typeface="+mn-cs"/>
+      </a:defRPr>
+    </a:lvl1pPr>
+    <a:lvl2pPr marL="457200" algn="l" defTabSz="914400" rtl="0" eaLnBrk="1" latinLnBrk="0" hangingPunct="1">
+      <a:defRPr sz="1800" kern="1200">
+        <a:solidFill>
+          <a:schemeClr val="tx1"/>
+        </a:solidFill>
+        <a:latin typeface="+mn-lt"/>
+        <a:ea typeface="+mn-ea"/>
+        <a:cs typeface="+mn-cs"/>
+      </a:defRPr>
+    </a:lvl2pPr>
+    <a:lvl3pPr marL="914400" algn="l" defTabSz="914400" rtl="0" eaLnBrk="1" latinLnBrk="0" hangingPunct="1">
+      <a:defRPr sz="1800" kern="1200">
+        <a:solidFill>
+          <a:schemeClr val="tx1"/>
+        </a:solidFill>
+        <a:latin typeface="+mn-lt"/>
+        <a:ea typeface="+mn-ea"/>
+        <a:cs typeface="+mn-cs"/>
+      </a:defRPr>
+    </a:lvl3pPr>
+    <a:lvl4pPr marL="1371600" algn="l" defTabSz="914400" rtl="0" eaLnBrk="1" latinLnBrk="0" hangingPunct="1">
+      <a:defRPr sz="1800" kern="1200">
+        <a:solidFill>
+          <a:schemeClr val="tx1"/>
+        </a:solidFill>
+        <a:latin typeface="+mn-lt"/>
+        <a:ea typeface="+mn-ea"/>
+        <a:cs typeface="+mn-cs"/>
+      </a:defRPr>
+    </a:lvl4pPr>
+    <a:lvl5pPr marL="1828800" algn="l" defTabSz="914400" rtl="0" eaLnBrk="1" latinLnBrk="0" hangingPunct="1">
+      <a:defRPr sz="1800" kern="1200">
+        <a:solidFill>
+          <a:schemeClr val="tx1"/>
+        </a:solidFill>
+        <a:latin typeface="+mn-lt"/>
+        <a:ea typeface="+mn-ea"/>
+        <a:cs typeface="+mn-cs"/>
+      </a:defRPr>
+    </a:lvl5pPr>
+    <a:lvl6pPr marL="2286000" algn="l" defTabSz="914400" rtl="0" eaLnBrk="1" latinLnBrk="0" hangingPunct="1">
+      <a:defRPr sz="1800" kern="1200">
+        <a:solidFill>
+          <a:schemeClr val="tx1"/>
+        </a:solidFill>
+        <a:latin typeface="+mn-lt"/>
+        <a:ea typeface="+mn-ea"/>
+        <a:cs typeface="+mn-cs"/>
+      </a:defRPr>
+    </a:lvl6pPr>
+    <a:lvl7pPr marL="2743200" algn="l" defTabSz="914400" rtl="0" eaLnBrk="1" latinLnBrk="0" hangingPunct="1">
+      <a:defRPr sz="1800" kern="1200">
+        <a:solidFill>
+          <a:schemeClr val="tx1"/>
+        </a:solidFill>
+        <a:latin typeface="+mn-lt"/>
+        <a:ea typeface="+mn-ea"/>
+        <a:cs typeface="+mn-cs"/>
+      </a:defRPr>
+    </a:lvl7pPr>
+    <a:lvl8pPr marL="3200400" algn="l" defTabSz="914400" rtl="0" eaLnBrk="1" latinLnBrk="0" hangingPunct="1">
+      <a:defRPr sz="1800" kern="1200">
+        <a:solidFill>
+          <a:schemeClr val="tx1"/>
+        </a:solidFill>
+        <a:latin typeface="+mn-lt"/>
+        <a:ea typeface="+mn-ea"/>
+        <a:cs typeface="+mn-cs"/>
+      </a:defRPr>
+    </a:lvl8pPr>
+    <a:lvl9pPr marL="3657600" algn="l" defTabSz="914400" rtl="0" eaLnBrk="1" latinLnBrk="0" hangingPunct="1">
+      <a:defRPr sz="1800" kern="1200">
+        <a:solidFill>
+          <a:schemeClr val="tx1"/>
+        </a:solidFill>
+        <a:latin typeface="+mn-lt"/>
+        <a:ea typeface="+mn-ea"/>
+        <a:cs typeface="+mn-cs"/>
+      </a:defRPr>
+    </a:lvl9pPr>
+  </p:defaultTextStyle>
+  <p:extLst>
+    <p:ext uri="{EFAFB233-063F-42B5-8137-9DF3F51BA10A}">
+      <p15:sldGuideLst xmlns:p15="http://schemas.microsoft.com/office/powerpoint/2012/main"/>
+    </p:ext>
+  </p:extLst>
 </p:presentation>
 </file>
 
 <file path=ppt/notesMasters/notesMaster1.xml><?xml version="1.0" encoding="utf-8"?>
-<p:notesMaster xmlns:a="http://schemas.openxmlformats.org/drawingml/2006/main" xmlns:p="http://schemas.openxmlformats.org/presentationml/2006/main" xmlns:r="http://schemas.openxmlformats.org/officeDocument/2006/relationships" xmlns:p14="http://schemas.microsoft.com/office/powerpoint/2010/main" xmlns:p15="http://schemas.microsoft.com/office/powerpoint/2012/main" xmlns:mc="http://schemas.openxmlformats.org/markup-compatibility/2006">
+<p:notesMaster xmlns:a="http://schemas.openxmlformats.org/drawingml/2006/main" xmlns:r="http://schemas.openxmlformats.org/officeDocument/2006/relationships" xmlns:p="http://schemas.openxmlformats.org/presentationml/2006/main">
+  <p:cSld>
+    <p:bg>
+      <p:bgRef idx="1001">
+        <a:schemeClr val="bg1"/>
+      </p:bgRef>
+    </p:bg>
+    <p:spTree>
+      <p:nvGrpSpPr>
+        <p:cNvPr id="1" name=""/>
+        <p:cNvGrpSpPr/>
+        <p:nvPr/>
+      </p:nvGrpSpPr>
+      <p:grpSpPr>
+        <a:xfrm>
+          <a:off x="0" y="0"/>
+          <a:ext cx="0" cy="0"/>
+          <a:chOff x="0" y="0"/>
+          <a:chExt cx="0" cy="0"/>
+        </a:xfrm>
+      </p:grpSpPr>
+      <p:sp>
+        <p:nvSpPr>
+          <p:cNvPr id="78" name="PlaceHolder 1"/>
+          <p:cNvSpPr>
+            <a:spLocks noGrp="1"/>
+          </p:cNvSpPr>
+          <p:nvPr>
+            <p:ph type="body"/>
+          </p:nvPr>
+        </p:nvSpPr>
+        <p:spPr>
+          <a:xfrm>
+            <a:off x="777240" y="4777560"/>
+            <a:ext cx="6217560" cy="4525920"/>
+          </a:xfrm>
+          <a:prstGeom prst="rect">
+            <a:avLst/>
+          </a:prstGeom>
+        </p:spPr>
+        <p:txBody>
+          <a:bodyPr lIns="0" tIns="0" rIns="0" bIns="0"/>
+          <a:lstStyle/>
+          <a:p>
+            <a:r>
+              <a:rPr lang="en-US" sz="2000" b="0" strike="noStrike" spc="-1">
+                <a:solidFill>
+                  <a:srgbClr val="000000"/>
+                </a:solidFill>
+                <a:uFill>
+                  <a:solidFill>
+                    <a:srgbClr val="FFFFFF"/>
+                  </a:solidFill>
+                </a:uFill>
+                <a:latin typeface="Arial"/>
+              </a:rPr>
+              <a:t>Click to edit the notes format</a:t>
+            </a:r>
+          </a:p>
+        </p:txBody>
+      </p:sp>
+      <p:sp>
+        <p:nvSpPr>
+          <p:cNvPr id="79" name="PlaceHolder 2"/>
+          <p:cNvSpPr>
+            <a:spLocks noGrp="1"/>
+          </p:cNvSpPr>
+          <p:nvPr>
+            <p:ph type="hdr"/>
+          </p:nvPr>
+        </p:nvSpPr>
+        <p:spPr>
+          <a:xfrm>
+            <a:off x="0" y="0"/>
+            <a:ext cx="3372840" cy="502560"/>
+          </a:xfrm>
+          <a:prstGeom prst="rect">
+            <a:avLst/>
+          </a:prstGeom>
+        </p:spPr>
+        <p:txBody>
+          <a:bodyPr lIns="0" tIns="0" rIns="0" bIns="0"/>
+          <a:lstStyle/>
+          <a:p>
+            <a:r>
+              <a:rPr lang="en-US" sz="1400" b="0" strike="noStrike" spc="-1">
+                <a:solidFill>
+                  <a:srgbClr val="000000"/>
+                </a:solidFill>
+                <a:uFill>
+                  <a:solidFill>
+                    <a:srgbClr val="FFFFFF"/>
+                  </a:solidFill>
+                </a:uFill>
+                <a:latin typeface="Times New Roman"/>
+              </a:rPr>
+              <a:t>&lt;header&gt;</a:t>
+            </a:r>
+          </a:p>
+        </p:txBody>
+      </p:sp>
+      <p:sp>
+        <p:nvSpPr>
+          <p:cNvPr id="80" name="PlaceHolder 3"/>
+          <p:cNvSpPr>
+            <a:spLocks noGrp="1"/>
+          </p:cNvSpPr>
+          <p:nvPr>
+            <p:ph type="dt"/>
+          </p:nvPr>
+        </p:nvSpPr>
+        <p:spPr>
+          <a:xfrm>
+            <a:off x="4399200" y="0"/>
+            <a:ext cx="3372840" cy="502560"/>
+          </a:xfrm>
+          <a:prstGeom prst="rect">
+            <a:avLst/>
+          </a:prstGeom>
+        </p:spPr>
+        <p:txBody>
+          <a:bodyPr lIns="0" tIns="0" rIns="0" bIns="0"/>
+          <a:lstStyle/>
+          <a:p>
+            <a:pPr algn="r"/>
+            <a:r>
+              <a:rPr lang="en-US" sz="1400" b="0" strike="noStrike" spc="-1">
+                <a:solidFill>
+                  <a:srgbClr val="000000"/>
+                </a:solidFill>
+                <a:uFill>
+                  <a:solidFill>
+                    <a:srgbClr val="FFFFFF"/>
+                  </a:solidFill>
+                </a:uFill>
+                <a:latin typeface="Times New Roman"/>
+              </a:rPr>
+              <a:t>&lt;date/time&gt;</a:t>
+            </a:r>
+          </a:p>
+        </p:txBody>
+      </p:sp>
+      <p:sp>
+        <p:nvSpPr>
+          <p:cNvPr id="81" name="PlaceHolder 4"/>
+          <p:cNvSpPr>
+            <a:spLocks noGrp="1"/>
+          </p:cNvSpPr>
+          <p:nvPr>
+            <p:ph type="ftr"/>
+          </p:nvPr>
+        </p:nvSpPr>
+        <p:spPr>
+          <a:xfrm>
+            <a:off x="0" y="9555480"/>
+            <a:ext cx="3372840" cy="502560"/>
+          </a:xfrm>
+          <a:prstGeom prst="rect">
+            <a:avLst/>
+          </a:prstGeom>
+        </p:spPr>
+        <p:txBody>
+          <a:bodyPr lIns="0" tIns="0" rIns="0" bIns="0" anchor="b"/>
+          <a:lstStyle/>
+          <a:p>
+            <a:r>
+              <a:rPr lang="en-US" sz="1400" b="0" strike="noStrike" spc="-1">
+                <a:solidFill>
+                  <a:srgbClr val="000000"/>
+                </a:solidFill>
+                <a:uFill>
+                  <a:solidFill>
+                    <a:srgbClr val="FFFFFF"/>
+                  </a:solidFill>
+                </a:uFill>
+                <a:latin typeface="Times New Roman"/>
+              </a:rPr>
+              <a:t>&lt;footer&gt;</a:t>
+            </a:r>
+          </a:p>
+        </p:txBody>
+      </p:sp>
+      <p:sp>
+        <p:nvSpPr>
+          <p:cNvPr id="82" name="PlaceHolder 5"/>
+          <p:cNvSpPr>
+            <a:spLocks noGrp="1"/>
+          </p:cNvSpPr>
+          <p:nvPr>
+            <p:ph type="sldNum"/>
+          </p:nvPr>
+        </p:nvSpPr>
+        <p:spPr>
+          <a:xfrm>
+            <a:off x="4399200" y="9555480"/>
+            <a:ext cx="3372840" cy="502560"/>
+          </a:xfrm>
+          <a:prstGeom prst="rect">
+            <a:avLst/>
+          </a:prstGeom>
+        </p:spPr>
+        <p:txBody>
+          <a:bodyPr lIns="0" tIns="0" rIns="0" bIns="0" anchor="b"/>
+          <a:lstStyle/>
+          <a:p>
+            <a:pPr algn="r"/>
+            <a:fld id="{E5791466-0051-424E-A8C3-F80F2CD05FA0}" type="slidenum">
+              <a:rPr lang="en-US" sz="1400" b="0" strike="noStrike" spc="-1">
+                <a:solidFill>
+                  <a:srgbClr val="000000"/>
+                </a:solidFill>
+                <a:uFill>
+                  <a:solidFill>
+                    <a:srgbClr val="FFFFFF"/>
+                  </a:solidFill>
+                </a:uFill>
+                <a:latin typeface="Times New Roman"/>
+              </a:rPr>
+              <a:t>‹#›</a:t>
+            </a:fld>
+            <a:endParaRPr lang="en-US" sz="1400" b="0" strike="noStrike" spc="-1">
+              <a:solidFill>
+                <a:srgbClr val="000000"/>
+              </a:solidFill>
+              <a:uFill>
+                <a:solidFill>
+                  <a:srgbClr val="FFFFFF"/>
+                </a:solidFill>
+              </a:uFill>
+              <a:latin typeface="Times New Roman"/>
+            </a:endParaRPr>
+          </a:p>
+        </p:txBody>
+      </p:sp>
+    </p:spTree>
+  </p:cSld>
+  <p:clrMap bg1="lt1" tx1="dk1" bg2="lt2" tx2="dk2" accent1="accent1" accent2="accent2" accent3="accent3" accent4="accent4" accent5="accent5" accent6="accent6" hlink="hlink" folHlink="folHlink"/>
+  <p:notesStyle>
+    <a:lvl1pPr marL="0" algn="l" defTabSz="914400" rtl="0" eaLnBrk="1" latinLnBrk="0" hangingPunct="1">
+      <a:defRPr sz="1200" kern="1200">
+        <a:solidFill>
+          <a:schemeClr val="tx1"/>
+        </a:solidFill>
+        <a:latin typeface="+mn-lt"/>
+        <a:ea typeface="+mn-ea"/>
+        <a:cs typeface="+mn-cs"/>
+      </a:defRPr>
+    </a:lvl1pPr>
+    <a:lvl2pPr marL="457200" algn="l" defTabSz="914400" rtl="0" eaLnBrk="1" latinLnBrk="0" hangingPunct="1">
+      <a:defRPr sz="1200" kern="1200">
+        <a:solidFill>
+          <a:schemeClr val="tx1"/>
+        </a:solidFill>
+        <a:latin typeface="+mn-lt"/>
+        <a:ea typeface="+mn-ea"/>
+        <a:cs typeface="+mn-cs"/>
+      </a:defRPr>
+    </a:lvl2pPr>
+    <a:lvl3pPr marL="914400" algn="l" defTabSz="914400" rtl="0" eaLnBrk="1" latinLnBrk="0" hangingPunct="1">
+      <a:defRPr sz="1200" kern="1200">
+        <a:solidFill>
+          <a:schemeClr val="tx1"/>
+        </a:solidFill>
+        <a:latin typeface="+mn-lt"/>
+        <a:ea typeface="+mn-ea"/>
+        <a:cs typeface="+mn-cs"/>
+      </a:defRPr>
+    </a:lvl3pPr>
+    <a:lvl4pPr marL="1371600" algn="l" defTabSz="914400" rtl="0" eaLnBrk="1" latinLnBrk="0" hangingPunct="1">
+      <a:defRPr sz="1200" kern="1200">
+        <a:solidFill>
+          <a:schemeClr val="tx1"/>
+        </a:solidFill>
+        <a:latin typeface="+mn-lt"/>
+        <a:ea typeface="+mn-ea"/>
+        <a:cs typeface="+mn-cs"/>
+      </a:defRPr>
+    </a:lvl4pPr>
+    <a:lvl5pPr marL="1828800" algn="l" defTabSz="914400" rtl="0" eaLnBrk="1" latinLnBrk="0" hangingPunct="1">
+      <a:defRPr sz="1200" kern="1200">
+        <a:solidFill>
+          <a:schemeClr val="tx1"/>
+        </a:solidFill>
+        <a:latin typeface="+mn-lt"/>
+        <a:ea typeface="+mn-ea"/>
+        <a:cs typeface="+mn-cs"/>
+      </a:defRPr>
+    </a:lvl5pPr>
+    <a:lvl6pPr marL="2286000" algn="l" defTabSz="914400" rtl="0" eaLnBrk="1" latinLnBrk="0" hangingPunct="1">
+      <a:defRPr sz="1200" kern="1200">
+        <a:solidFill>
+          <a:schemeClr val="tx1"/>
+        </a:solidFill>
+        <a:latin typeface="+mn-lt"/>
+        <a:ea typeface="+mn-ea"/>
+        <a:cs typeface="+mn-cs"/>
+      </a:defRPr>
+    </a:lvl6pPr>
+    <a:lvl7pPr marL="2743200" algn="l" defTabSz="914400" rtl="0" eaLnBrk="1" latinLnBrk="0" hangingPunct="1">
+      <a:defRPr sz="1200" kern="1200">
+        <a:solidFill>
+          <a:schemeClr val="tx1"/>
+        </a:solidFill>
+        <a:latin typeface="+mn-lt"/>
+        <a:ea typeface="+mn-ea"/>
+        <a:cs typeface="+mn-cs"/>
+      </a:defRPr>
+    </a:lvl7pPr>
+    <a:lvl8pPr marL="3200400" algn="l" defTabSz="914400" rtl="0" eaLnBrk="1" latinLnBrk="0" hangingPunct="1">
+      <a:defRPr sz="1200" kern="1200">
+        <a:solidFill>
+          <a:schemeClr val="tx1"/>
+        </a:solidFill>
+        <a:latin typeface="+mn-lt"/>
+        <a:ea typeface="+mn-ea"/>
+        <a:cs typeface="+mn-cs"/>
+      </a:defRPr>
+    </a:lvl8pPr>
+    <a:lvl9pPr marL="3657600" algn="l" defTabSz="914400" rtl="0" eaLnBrk="1" latinLnBrk="0" hangingPunct="1">
+      <a:defRPr sz="1200" kern="1200">
+        <a:solidFill>
+          <a:schemeClr val="tx1"/>
+        </a:solidFill>
+        <a:latin typeface="+mn-lt"/>
+        <a:ea typeface="+mn-ea"/>
+        <a:cs typeface="+mn-cs"/>
+      </a:defRPr>
+    </a:lvl9pPr>
+  </p:notesStyle>
+</p:notesMaster>
+</file>
+
+<file path=ppt/notesSlides/notesSlide1.xml><?xml version="1.0" encoding="utf-8"?>
+<p:notes xmlns:a="http://schemas.openxmlformats.org/drawingml/2006/main" xmlns:r="http://schemas.openxmlformats.org/officeDocument/2006/relationships" xmlns:p="http://schemas.openxmlformats.org/presentationml/2006/main">
   <p:cSld>
     <p:spTree>
       <p:nvGrpSpPr>
@@ -50,7 +485,7 @@
       </p:grpSpPr>
       <p:sp>
         <p:nvSpPr>
-          <p:cNvPr id="78" name="PlaceHolder 1"/>
+          <p:cNvPr id="113" name="PlaceHolder 1"/>
           <p:cNvSpPr>
             <a:spLocks noGrp="1"/>
           </p:cNvSpPr>
@@ -60,87 +495,84 @@
         </p:nvSpPr>
         <p:spPr>
           <a:xfrm>
-            <a:off x="777240" y="4777560"/>
-            <a:ext cx="6217560" cy="4525920"/>
-          </a:xfrm>
-          <a:prstGeom prst="rect">
-            <a:avLst/>
-          </a:prstGeom>
-        </p:spPr>
-        <p:txBody>
-          <a:bodyPr lIns="0" rIns="0" tIns="0" bIns="0"/>
-          <a:p>
-            <a:r>
-              <a:rPr b="0" lang="en-US" sz="2000" spc="-1" strike="noStrike">
-                <a:solidFill>
-                  <a:srgbClr val="000000"/>
-                </a:solidFill>
-                <a:uFill>
-                  <a:solidFill>
-                    <a:srgbClr val="ffffff"/>
+            <a:off x="685800" y="4400640"/>
+            <a:ext cx="5486040" cy="3600000"/>
+          </a:xfrm>
+          <a:prstGeom prst="rect">
+            <a:avLst/>
+          </a:prstGeom>
+        </p:spPr>
+        <p:txBody>
+          <a:bodyPr/>
+          <a:lstStyle/>
+          <a:p>
+            <a:r>
+              <a:rPr lang="en-US" sz="2000" b="0" strike="noStrike" spc="-1">
+                <a:solidFill>
+                  <a:srgbClr val="000000"/>
+                </a:solidFill>
+                <a:uFill>
+                  <a:solidFill>
+                    <a:srgbClr val="FFFFFF"/>
                   </a:solidFill>
                 </a:uFill>
                 <a:latin typeface="Arial"/>
               </a:rPr>
-              <a:t>Click to edit the notes format</a:t>
-            </a:r>
-            <a:endParaRPr b="0" lang="en-US" sz="2000" spc="-1" strike="noStrike">
-              <a:solidFill>
-                <a:srgbClr val="000000"/>
-              </a:solidFill>
-              <a:uFill>
-                <a:solidFill>
-                  <a:srgbClr val="ffffff"/>
-                </a:solidFill>
-              </a:uFill>
-              <a:latin typeface="Arial"/>
-            </a:endParaRPr>
-          </a:p>
-        </p:txBody>
-      </p:sp>
-      <p:sp>
-        <p:nvSpPr>
-          <p:cNvPr id="79" name="PlaceHolder 2"/>
-          <p:cNvSpPr>
-            <a:spLocks noGrp="1"/>
-          </p:cNvSpPr>
-          <p:nvPr>
-            <p:ph type="hdr"/>
-          </p:nvPr>
-        </p:nvSpPr>
-        <p:spPr>
-          <a:xfrm>
-            <a:off x="0" y="0"/>
-            <a:ext cx="3372840" cy="502560"/>
-          </a:xfrm>
-          <a:prstGeom prst="rect">
-            <a:avLst/>
-          </a:prstGeom>
-        </p:spPr>
-        <p:txBody>
-          <a:bodyPr lIns="0" rIns="0" tIns="0" bIns="0"/>
-          <a:p>
-            <a:r>
-              <a:rPr b="0" lang="en-US" sz="1400" spc="-1" strike="noStrike">
-                <a:solidFill>
-                  <a:srgbClr val="000000"/>
-                </a:solidFill>
-                <a:uFill>
-                  <a:solidFill>
-                    <a:srgbClr val="ffffff"/>
-                  </a:solidFill>
-                </a:uFill>
-                <a:latin typeface="Times New Roman"/>
-              </a:rPr>
-              <a:t>&lt;header&gt;</a:t>
-            </a:r>
-            <a:endParaRPr b="0" lang="en-US" sz="1400" spc="-1" strike="noStrike">
-              <a:solidFill>
-                <a:srgbClr val="000000"/>
-              </a:solidFill>
-              <a:uFill>
-                <a:solidFill>
-                  <a:srgbClr val="ffffff"/>
+              <a:t>为什么用二进制？</a:t>
+            </a:r>
+          </a:p>
+        </p:txBody>
+      </p:sp>
+      <p:sp>
+        <p:nvSpPr>
+          <p:cNvPr id="114" name="TextShape 2"/>
+          <p:cNvSpPr txBox="1"/>
+          <p:nvPr/>
+        </p:nvSpPr>
+        <p:spPr>
+          <a:xfrm>
+            <a:off x="3884760" y="8685360"/>
+            <a:ext cx="2971440" cy="458280"/>
+          </a:xfrm>
+          <a:prstGeom prst="rect">
+            <a:avLst/>
+          </a:prstGeom>
+          <a:noFill/>
+          <a:ln>
+            <a:noFill/>
+          </a:ln>
+        </p:spPr>
+        <p:txBody>
+          <a:bodyPr anchor="b"/>
+          <a:lstStyle/>
+          <a:p>
+            <a:pPr algn="r">
+              <a:lnSpc>
+                <a:spcPct val="100000"/>
+              </a:lnSpc>
+            </a:pPr>
+            <a:fld id="{8767B057-0666-4561-9230-628914DC4850}" type="slidenum">
+              <a:rPr lang="en-US" sz="1200" b="0" strike="noStrike" spc="-1">
+                <a:solidFill>
+                  <a:srgbClr val="000000"/>
+                </a:solidFill>
+                <a:uFill>
+                  <a:solidFill>
+                    <a:srgbClr val="FFFFFF"/>
+                  </a:solidFill>
+                </a:uFill>
+                <a:latin typeface="+mn-lt"/>
+                <a:ea typeface="+mn-ea"/>
+              </a:rPr>
+              <a:t>2</a:t>
+            </a:fld>
+            <a:endParaRPr lang="en-US" sz="1200" b="0" strike="noStrike" spc="-1">
+              <a:solidFill>
+                <a:srgbClr val="000000"/>
+              </a:solidFill>
+              <a:uFill>
+                <a:solidFill>
+                  <a:srgbClr val="FFFFFF"/>
                 </a:solidFill>
               </a:uFill>
               <a:latin typeface="Times New Roman"/>
@@ -148,166 +580,21 @@
           </a:p>
         </p:txBody>
       </p:sp>
-      <p:sp>
-        <p:nvSpPr>
-          <p:cNvPr id="80" name="PlaceHolder 3"/>
-          <p:cNvSpPr>
-            <a:spLocks noGrp="1"/>
-          </p:cNvSpPr>
-          <p:nvPr>
-            <p:ph type="dt"/>
-          </p:nvPr>
-        </p:nvSpPr>
-        <p:spPr>
-          <a:xfrm>
-            <a:off x="4399200" y="0"/>
-            <a:ext cx="3372840" cy="502560"/>
-          </a:xfrm>
-          <a:prstGeom prst="rect">
-            <a:avLst/>
-          </a:prstGeom>
-        </p:spPr>
-        <p:txBody>
-          <a:bodyPr lIns="0" rIns="0" tIns="0" bIns="0"/>
-          <a:p>
-            <a:pPr algn="r"/>
-            <a:r>
-              <a:rPr b="0" lang="en-US" sz="1400" spc="-1" strike="noStrike">
-                <a:solidFill>
-                  <a:srgbClr val="000000"/>
-                </a:solidFill>
-                <a:uFill>
-                  <a:solidFill>
-                    <a:srgbClr val="ffffff"/>
-                  </a:solidFill>
-                </a:uFill>
-                <a:latin typeface="Times New Roman"/>
-              </a:rPr>
-              <a:t>&lt;date/time&gt;</a:t>
-            </a:r>
-            <a:endParaRPr b="0" lang="en-US" sz="1400" spc="-1" strike="noStrike">
-              <a:solidFill>
-                <a:srgbClr val="000000"/>
-              </a:solidFill>
-              <a:uFill>
-                <a:solidFill>
-                  <a:srgbClr val="ffffff"/>
-                </a:solidFill>
-              </a:uFill>
-              <a:latin typeface="Times New Roman"/>
-            </a:endParaRPr>
-          </a:p>
-        </p:txBody>
-      </p:sp>
-      <p:sp>
-        <p:nvSpPr>
-          <p:cNvPr id="81" name="PlaceHolder 4"/>
-          <p:cNvSpPr>
-            <a:spLocks noGrp="1"/>
-          </p:cNvSpPr>
-          <p:nvPr>
-            <p:ph type="ftr"/>
-          </p:nvPr>
-        </p:nvSpPr>
-        <p:spPr>
-          <a:xfrm>
-            <a:off x="0" y="9555480"/>
-            <a:ext cx="3372840" cy="502560"/>
-          </a:xfrm>
-          <a:prstGeom prst="rect">
-            <a:avLst/>
-          </a:prstGeom>
-        </p:spPr>
-        <p:txBody>
-          <a:bodyPr lIns="0" rIns="0" tIns="0" bIns="0" anchor="b"/>
-          <a:p>
-            <a:r>
-              <a:rPr b="0" lang="en-US" sz="1400" spc="-1" strike="noStrike">
-                <a:solidFill>
-                  <a:srgbClr val="000000"/>
-                </a:solidFill>
-                <a:uFill>
-                  <a:solidFill>
-                    <a:srgbClr val="ffffff"/>
-                  </a:solidFill>
-                </a:uFill>
-                <a:latin typeface="Times New Roman"/>
-              </a:rPr>
-              <a:t>&lt;footer&gt;</a:t>
-            </a:r>
-            <a:endParaRPr b="0" lang="en-US" sz="1400" spc="-1" strike="noStrike">
-              <a:solidFill>
-                <a:srgbClr val="000000"/>
-              </a:solidFill>
-              <a:uFill>
-                <a:solidFill>
-                  <a:srgbClr val="ffffff"/>
-                </a:solidFill>
-              </a:uFill>
-              <a:latin typeface="Times New Roman"/>
-            </a:endParaRPr>
-          </a:p>
-        </p:txBody>
-      </p:sp>
-      <p:sp>
-        <p:nvSpPr>
-          <p:cNvPr id="82" name="PlaceHolder 5"/>
-          <p:cNvSpPr>
-            <a:spLocks noGrp="1"/>
-          </p:cNvSpPr>
-          <p:nvPr>
-            <p:ph type="sldNum"/>
-          </p:nvPr>
-        </p:nvSpPr>
-        <p:spPr>
-          <a:xfrm>
-            <a:off x="4399200" y="9555480"/>
-            <a:ext cx="3372840" cy="502560"/>
-          </a:xfrm>
-          <a:prstGeom prst="rect">
-            <a:avLst/>
-          </a:prstGeom>
-        </p:spPr>
-        <p:txBody>
-          <a:bodyPr lIns="0" rIns="0" tIns="0" bIns="0" anchor="b"/>
-          <a:p>
-            <a:pPr algn="r"/>
-            <a:fld id="{E5791466-0051-424E-A8C3-F80F2CD05FA0}" type="slidenum">
-              <a:rPr b="0" lang="en-US" sz="1400" spc="-1" strike="noStrike">
-                <a:solidFill>
-                  <a:srgbClr val="000000"/>
-                </a:solidFill>
-                <a:uFill>
-                  <a:solidFill>
-                    <a:srgbClr val="ffffff"/>
-                  </a:solidFill>
-                </a:uFill>
-                <a:latin typeface="Times New Roman"/>
-              </a:rPr>
-              <a:t>&lt;number&gt;</a:t>
-            </a:fld>
-            <a:endParaRPr b="0" lang="en-US" sz="1400" spc="-1" strike="noStrike">
-              <a:solidFill>
-                <a:srgbClr val="000000"/>
-              </a:solidFill>
-              <a:uFill>
-                <a:solidFill>
-                  <a:srgbClr val="ffffff"/>
-                </a:solidFill>
-              </a:uFill>
-              <a:latin typeface="Times New Roman"/>
-            </a:endParaRPr>
-          </a:p>
-        </p:txBody>
-      </p:sp>
     </p:spTree>
+    <p:extLst>
+      <p:ext uri="{BB962C8B-B14F-4D97-AF65-F5344CB8AC3E}">
+        <p14:creationId xmlns:p14="http://schemas.microsoft.com/office/powerpoint/2010/main" val="1063246347"/>
+      </p:ext>
+    </p:extLst>
   </p:cSld>
-  <p:clrMap bg1="lt1" bg2="lt2" tx1="dk1" tx2="dk2" accent1="accent1" accent2="accent2" accent3="accent3" accent4="accent4" accent5="accent5" accent6="accent6" hlink="hlink" folHlink="folHlink"/>
-</p:notesMaster>
+  <p:clrMapOvr>
+    <a:masterClrMapping/>
+  </p:clrMapOvr>
+</p:notes>
 </file>
 
-<file path=ppt/notesSlides/notesSlide3.xml><?xml version="1.0" encoding="utf-8"?>
-<p:notes xmlns:a="http://schemas.openxmlformats.org/drawingml/2006/main" xmlns:p="http://schemas.openxmlformats.org/presentationml/2006/main" xmlns:r="http://schemas.openxmlformats.org/officeDocument/2006/relationships" xmlns:p14="http://schemas.microsoft.com/office/powerpoint/2010/main" xmlns:p15="http://schemas.microsoft.com/office/powerpoint/2012/main" xmlns:mc="http://schemas.openxmlformats.org/markup-compatibility/2006">
+<file path=ppt/notesSlides/notesSlide2.xml><?xml version="1.0" encoding="utf-8"?>
+<p:notes xmlns:a="http://schemas.openxmlformats.org/drawingml/2006/main" xmlns:r="http://schemas.openxmlformats.org/officeDocument/2006/relationships" xmlns:p="http://schemas.openxmlformats.org/presentationml/2006/main">
   <p:cSld>
     <p:spTree>
       <p:nvGrpSpPr>
@@ -344,32 +631,22 @@
         </p:spPr>
         <p:txBody>
           <a:bodyPr/>
-          <a:p>
-            <a:r>
-              <a:rPr b="0" lang="en-US" sz="2000" spc="-1" strike="noStrike">
-                <a:solidFill>
-                  <a:srgbClr val="000000"/>
-                </a:solidFill>
-                <a:uFill>
-                  <a:solidFill>
-                    <a:srgbClr val="ffffff"/>
+          <a:lstStyle/>
+          <a:p>
+            <a:r>
+              <a:rPr lang="en-US" sz="2000" b="0" strike="noStrike" spc="-1">
+                <a:solidFill>
+                  <a:srgbClr val="000000"/>
+                </a:solidFill>
+                <a:uFill>
+                  <a:solidFill>
+                    <a:srgbClr val="FFFFFF"/>
                   </a:solidFill>
                 </a:uFill>
                 <a:latin typeface="Arial"/>
               </a:rPr>
               <a:t>为什么用二进制？</a:t>
             </a:r>
-            <a:endParaRPr b="0" lang="en-US" sz="2000" spc="-1" strike="noStrike">
-              <a:solidFill>
-                <a:srgbClr val="000000"/>
-              </a:solidFill>
-              <a:uFill>
-                <a:solidFill>
-                  <a:srgbClr val="ffffff"/>
-                </a:solidFill>
-              </a:uFill>
-              <a:latin typeface="Arial"/>
-            </a:endParaRPr>
           </a:p>
         </p:txBody>
       </p:sp>
@@ -394,6 +671,7 @@
         </p:spPr>
         <p:txBody>
           <a:bodyPr anchor="b"/>
+          <a:lstStyle/>
           <a:p>
             <a:pPr algn="r">
               <a:lnSpc>
@@ -401,27 +679,27 @@
               </a:lnSpc>
             </a:pPr>
             <a:fld id="{8767B057-0666-4561-9230-628914DC4850}" type="slidenum">
-              <a:rPr b="0" lang="en-US" sz="1200" spc="-1" strike="noStrike">
-                <a:solidFill>
-                  <a:srgbClr val="000000"/>
-                </a:solidFill>
-                <a:uFill>
-                  <a:solidFill>
-                    <a:srgbClr val="ffffff"/>
+              <a:rPr lang="en-US" sz="1200" b="0" strike="noStrike" spc="-1">
+                <a:solidFill>
+                  <a:srgbClr val="000000"/>
+                </a:solidFill>
+                <a:uFill>
+                  <a:solidFill>
+                    <a:srgbClr val="FFFFFF"/>
                   </a:solidFill>
                 </a:uFill>
                 <a:latin typeface="+mn-lt"/>
                 <a:ea typeface="+mn-ea"/>
               </a:rPr>
-              <a:t>&lt;number&gt;</a:t>
+              <a:t>3</a:t>
             </a:fld>
-            <a:endParaRPr b="0" lang="en-US" sz="1200" spc="-1" strike="noStrike">
-              <a:solidFill>
-                <a:srgbClr val="000000"/>
-              </a:solidFill>
-              <a:uFill>
-                <a:solidFill>
-                  <a:srgbClr val="ffffff"/>
+            <a:endParaRPr lang="en-US" sz="1200" b="0" strike="noStrike" spc="-1">
+              <a:solidFill>
+                <a:srgbClr val="000000"/>
+              </a:solidFill>
+              <a:uFill>
+                <a:solidFill>
+                  <a:srgbClr val="FFFFFF"/>
                 </a:solidFill>
               </a:uFill>
               <a:latin typeface="Times New Roman"/>
@@ -431,11 +709,14 @@
       </p:sp>
     </p:spTree>
   </p:cSld>
+  <p:clrMapOvr>
+    <a:masterClrMapping/>
+  </p:clrMapOvr>
 </p:notes>
 </file>
 
 <file path=ppt/slideLayouts/slideLayout1.xml><?xml version="1.0" encoding="utf-8"?>
-<p:sldLayout xmlns:a="http://schemas.openxmlformats.org/drawingml/2006/main" xmlns:p="http://schemas.openxmlformats.org/presentationml/2006/main" xmlns:r="http://schemas.openxmlformats.org/officeDocument/2006/relationships" xmlns:p14="http://schemas.microsoft.com/office/powerpoint/2010/main" xmlns:p15="http://schemas.microsoft.com/office/powerpoint/2012/main" xmlns:mc="http://schemas.openxmlformats.org/markup-compatibility/2006" type="blank" preserve="1">
+<p:sldLayout xmlns:a="http://schemas.openxmlformats.org/drawingml/2006/main" xmlns:r="http://schemas.openxmlformats.org/officeDocument/2006/relationships" xmlns:p="http://schemas.openxmlformats.org/presentationml/2006/main" type="blank" preserve="1">
   <p:cSld name="Blank Slide">
     <p:spTree>
       <p:nvGrpSpPr>
@@ -453,11 +734,14 @@
       </p:grpSpPr>
     </p:spTree>
   </p:cSld>
+  <p:clrMapOvr>
+    <a:masterClrMapping/>
+  </p:clrMapOvr>
 </p:sldLayout>
 </file>
 
 <file path=ppt/slideLayouts/slideLayout10.xml><?xml version="1.0" encoding="utf-8"?>
-<p:sldLayout xmlns:a="http://schemas.openxmlformats.org/drawingml/2006/main" xmlns:p="http://schemas.openxmlformats.org/presentationml/2006/main" xmlns:r="http://schemas.openxmlformats.org/officeDocument/2006/relationships" xmlns:p14="http://schemas.microsoft.com/office/powerpoint/2010/main" xmlns:p15="http://schemas.microsoft.com/office/powerpoint/2012/main" xmlns:mc="http://schemas.openxmlformats.org/markup-compatibility/2006" type="objOverTx" preserve="1">
+<p:sldLayout xmlns:a="http://schemas.openxmlformats.org/drawingml/2006/main" xmlns:r="http://schemas.openxmlformats.org/officeDocument/2006/relationships" xmlns:p="http://schemas.openxmlformats.org/presentationml/2006/main" type="objOverTx" preserve="1">
   <p:cSld name="Title, Content over Content">
     <p:spTree>
       <p:nvGrpSpPr>
@@ -493,15 +777,16 @@
           </a:prstGeom>
         </p:spPr>
         <p:txBody>
-          <a:bodyPr lIns="0" rIns="0" tIns="0" bIns="0" anchor="ctr"/>
-          <a:p>
-            <a:endParaRPr b="0" lang="zh-CN" sz="1800" spc="-1" strike="noStrike">
-              <a:solidFill>
-                <a:srgbClr val="000000"/>
-              </a:solidFill>
-              <a:uFill>
-                <a:solidFill>
-                  <a:srgbClr val="ffffff"/>
+          <a:bodyPr lIns="0" tIns="0" rIns="0" bIns="0" anchor="ctr"/>
+          <a:lstStyle/>
+          <a:p>
+            <a:endParaRPr lang="zh-CN" sz="1800" b="0" strike="noStrike" spc="-1">
+              <a:solidFill>
+                <a:srgbClr val="000000"/>
+              </a:solidFill>
+              <a:uFill>
+                <a:solidFill>
+                  <a:srgbClr val="FFFFFF"/>
                 </a:solidFill>
               </a:uFill>
               <a:latin typeface="等线"/>
@@ -529,15 +814,16 @@
           </a:prstGeom>
         </p:spPr>
         <p:txBody>
-          <a:bodyPr lIns="0" rIns="0" tIns="0" bIns="0"/>
-          <a:p>
-            <a:endParaRPr b="0" lang="zh-CN" sz="2800" spc="-1" strike="noStrike">
-              <a:solidFill>
-                <a:srgbClr val="000000"/>
-              </a:solidFill>
-              <a:uFill>
-                <a:solidFill>
-                  <a:srgbClr val="ffffff"/>
+          <a:bodyPr lIns="0" tIns="0" rIns="0" bIns="0"/>
+          <a:lstStyle/>
+          <a:p>
+            <a:endParaRPr lang="zh-CN" sz="2800" b="0" strike="noStrike" spc="-1">
+              <a:solidFill>
+                <a:srgbClr val="000000"/>
+              </a:solidFill>
+              <a:uFill>
+                <a:solidFill>
+                  <a:srgbClr val="FFFFFF"/>
                 </a:solidFill>
               </a:uFill>
               <a:latin typeface="等线"/>
@@ -565,15 +851,16 @@
           </a:prstGeom>
         </p:spPr>
         <p:txBody>
-          <a:bodyPr lIns="0" rIns="0" tIns="0" bIns="0"/>
-          <a:p>
-            <a:endParaRPr b="0" lang="zh-CN" sz="2800" spc="-1" strike="noStrike">
-              <a:solidFill>
-                <a:srgbClr val="000000"/>
-              </a:solidFill>
-              <a:uFill>
-                <a:solidFill>
-                  <a:srgbClr val="ffffff"/>
+          <a:bodyPr lIns="0" tIns="0" rIns="0" bIns="0"/>
+          <a:lstStyle/>
+          <a:p>
+            <a:endParaRPr lang="zh-CN" sz="2800" b="0" strike="noStrike" spc="-1">
+              <a:solidFill>
+                <a:srgbClr val="000000"/>
+              </a:solidFill>
+              <a:uFill>
+                <a:solidFill>
+                  <a:srgbClr val="FFFFFF"/>
                 </a:solidFill>
               </a:uFill>
               <a:latin typeface="等线"/>
@@ -583,11 +870,14 @@
       </p:sp>
     </p:spTree>
   </p:cSld>
+  <p:clrMapOvr>
+    <a:masterClrMapping/>
+  </p:clrMapOvr>
 </p:sldLayout>
 </file>
 
 <file path=ppt/slideLayouts/slideLayout11.xml><?xml version="1.0" encoding="utf-8"?>
-<p:sldLayout xmlns:a="http://schemas.openxmlformats.org/drawingml/2006/main" xmlns:p="http://schemas.openxmlformats.org/presentationml/2006/main" xmlns:r="http://schemas.openxmlformats.org/officeDocument/2006/relationships" xmlns:p14="http://schemas.microsoft.com/office/powerpoint/2010/main" xmlns:p15="http://schemas.microsoft.com/office/powerpoint/2012/main" xmlns:mc="http://schemas.openxmlformats.org/markup-compatibility/2006" type="fourObj" preserve="1">
+<p:sldLayout xmlns:a="http://schemas.openxmlformats.org/drawingml/2006/main" xmlns:r="http://schemas.openxmlformats.org/officeDocument/2006/relationships" xmlns:p="http://schemas.openxmlformats.org/presentationml/2006/main" type="fourObj" preserve="1">
   <p:cSld name="Title, 4 Content">
     <p:spTree>
       <p:nvGrpSpPr>
@@ -623,15 +913,16 @@
           </a:prstGeom>
         </p:spPr>
         <p:txBody>
-          <a:bodyPr lIns="0" rIns="0" tIns="0" bIns="0" anchor="ctr"/>
-          <a:p>
-            <a:endParaRPr b="0" lang="zh-CN" sz="1800" spc="-1" strike="noStrike">
-              <a:solidFill>
-                <a:srgbClr val="000000"/>
-              </a:solidFill>
-              <a:uFill>
-                <a:solidFill>
-                  <a:srgbClr val="ffffff"/>
+          <a:bodyPr lIns="0" tIns="0" rIns="0" bIns="0" anchor="ctr"/>
+          <a:lstStyle/>
+          <a:p>
+            <a:endParaRPr lang="zh-CN" sz="1800" b="0" strike="noStrike" spc="-1">
+              <a:solidFill>
+                <a:srgbClr val="000000"/>
+              </a:solidFill>
+              <a:uFill>
+                <a:solidFill>
+                  <a:srgbClr val="FFFFFF"/>
                 </a:solidFill>
               </a:uFill>
               <a:latin typeface="等线"/>
@@ -659,15 +950,16 @@
           </a:prstGeom>
         </p:spPr>
         <p:txBody>
-          <a:bodyPr lIns="0" rIns="0" tIns="0" bIns="0"/>
-          <a:p>
-            <a:endParaRPr b="0" lang="zh-CN" sz="2800" spc="-1" strike="noStrike">
-              <a:solidFill>
-                <a:srgbClr val="000000"/>
-              </a:solidFill>
-              <a:uFill>
-                <a:solidFill>
-                  <a:srgbClr val="ffffff"/>
+          <a:bodyPr lIns="0" tIns="0" rIns="0" bIns="0"/>
+          <a:lstStyle/>
+          <a:p>
+            <a:endParaRPr lang="zh-CN" sz="2800" b="0" strike="noStrike" spc="-1">
+              <a:solidFill>
+                <a:srgbClr val="000000"/>
+              </a:solidFill>
+              <a:uFill>
+                <a:solidFill>
+                  <a:srgbClr val="FFFFFF"/>
                 </a:solidFill>
               </a:uFill>
               <a:latin typeface="等线"/>
@@ -695,15 +987,16 @@
           </a:prstGeom>
         </p:spPr>
         <p:txBody>
-          <a:bodyPr lIns="0" rIns="0" tIns="0" bIns="0"/>
-          <a:p>
-            <a:endParaRPr b="0" lang="zh-CN" sz="2800" spc="-1" strike="noStrike">
-              <a:solidFill>
-                <a:srgbClr val="000000"/>
-              </a:solidFill>
-              <a:uFill>
-                <a:solidFill>
-                  <a:srgbClr val="ffffff"/>
+          <a:bodyPr lIns="0" tIns="0" rIns="0" bIns="0"/>
+          <a:lstStyle/>
+          <a:p>
+            <a:endParaRPr lang="zh-CN" sz="2800" b="0" strike="noStrike" spc="-1">
+              <a:solidFill>
+                <a:srgbClr val="000000"/>
+              </a:solidFill>
+              <a:uFill>
+                <a:solidFill>
+                  <a:srgbClr val="FFFFFF"/>
                 </a:solidFill>
               </a:uFill>
               <a:latin typeface="等线"/>
@@ -731,15 +1024,16 @@
           </a:prstGeom>
         </p:spPr>
         <p:txBody>
-          <a:bodyPr lIns="0" rIns="0" tIns="0" bIns="0"/>
-          <a:p>
-            <a:endParaRPr b="0" lang="zh-CN" sz="2800" spc="-1" strike="noStrike">
-              <a:solidFill>
-                <a:srgbClr val="000000"/>
-              </a:solidFill>
-              <a:uFill>
-                <a:solidFill>
-                  <a:srgbClr val="ffffff"/>
+          <a:bodyPr lIns="0" tIns="0" rIns="0" bIns="0"/>
+          <a:lstStyle/>
+          <a:p>
+            <a:endParaRPr lang="zh-CN" sz="2800" b="0" strike="noStrike" spc="-1">
+              <a:solidFill>
+                <a:srgbClr val="000000"/>
+              </a:solidFill>
+              <a:uFill>
+                <a:solidFill>
+                  <a:srgbClr val="FFFFFF"/>
                 </a:solidFill>
               </a:uFill>
               <a:latin typeface="等线"/>
@@ -767,15 +1061,16 @@
           </a:prstGeom>
         </p:spPr>
         <p:txBody>
-          <a:bodyPr lIns="0" rIns="0" tIns="0" bIns="0"/>
-          <a:p>
-            <a:endParaRPr b="0" lang="zh-CN" sz="2800" spc="-1" strike="noStrike">
-              <a:solidFill>
-                <a:srgbClr val="000000"/>
-              </a:solidFill>
-              <a:uFill>
-                <a:solidFill>
-                  <a:srgbClr val="ffffff"/>
+          <a:bodyPr lIns="0" tIns="0" rIns="0" bIns="0"/>
+          <a:lstStyle/>
+          <a:p>
+            <a:endParaRPr lang="zh-CN" sz="2800" b="0" strike="noStrike" spc="-1">
+              <a:solidFill>
+                <a:srgbClr val="000000"/>
+              </a:solidFill>
+              <a:uFill>
+                <a:solidFill>
+                  <a:srgbClr val="FFFFFF"/>
                 </a:solidFill>
               </a:uFill>
               <a:latin typeface="等线"/>
@@ -785,11 +1080,14 @@
       </p:sp>
     </p:spTree>
   </p:cSld>
+  <p:clrMapOvr>
+    <a:masterClrMapping/>
+  </p:clrMapOvr>
 </p:sldLayout>
 </file>
 
 <file path=ppt/slideLayouts/slideLayout12.xml><?xml version="1.0" encoding="utf-8"?>
-<p:sldLayout xmlns:a="http://schemas.openxmlformats.org/drawingml/2006/main" xmlns:p="http://schemas.openxmlformats.org/presentationml/2006/main" xmlns:r="http://schemas.openxmlformats.org/officeDocument/2006/relationships" xmlns:p14="http://schemas.microsoft.com/office/powerpoint/2010/main" xmlns:p15="http://schemas.microsoft.com/office/powerpoint/2012/main" xmlns:mc="http://schemas.openxmlformats.org/markup-compatibility/2006" type="blank" preserve="1">
+<p:sldLayout xmlns:a="http://schemas.openxmlformats.org/drawingml/2006/main" xmlns:r="http://schemas.openxmlformats.org/officeDocument/2006/relationships" xmlns:p="http://schemas.openxmlformats.org/presentationml/2006/main" type="blank" preserve="1">
   <p:cSld name="Title, 6 Content">
     <p:spTree>
       <p:nvGrpSpPr>
@@ -825,15 +1123,16 @@
           </a:prstGeom>
         </p:spPr>
         <p:txBody>
-          <a:bodyPr lIns="0" rIns="0" tIns="0" bIns="0" anchor="ctr"/>
-          <a:p>
-            <a:endParaRPr b="0" lang="zh-CN" sz="1800" spc="-1" strike="noStrike">
-              <a:solidFill>
-                <a:srgbClr val="000000"/>
-              </a:solidFill>
-              <a:uFill>
-                <a:solidFill>
-                  <a:srgbClr val="ffffff"/>
+          <a:bodyPr lIns="0" tIns="0" rIns="0" bIns="0" anchor="ctr"/>
+          <a:lstStyle/>
+          <a:p>
+            <a:endParaRPr lang="zh-CN" sz="1800" b="0" strike="noStrike" spc="-1">
+              <a:solidFill>
+                <a:srgbClr val="000000"/>
+              </a:solidFill>
+              <a:uFill>
+                <a:solidFill>
+                  <a:srgbClr val="FFFFFF"/>
                 </a:solidFill>
               </a:uFill>
               <a:latin typeface="等线"/>
@@ -861,15 +1160,16 @@
           </a:prstGeom>
         </p:spPr>
         <p:txBody>
-          <a:bodyPr lIns="0" rIns="0" tIns="0" bIns="0"/>
-          <a:p>
-            <a:endParaRPr b="0" lang="zh-CN" sz="2800" spc="-1" strike="noStrike">
-              <a:solidFill>
-                <a:srgbClr val="000000"/>
-              </a:solidFill>
-              <a:uFill>
-                <a:solidFill>
-                  <a:srgbClr val="ffffff"/>
+          <a:bodyPr lIns="0" tIns="0" rIns="0" bIns="0"/>
+          <a:lstStyle/>
+          <a:p>
+            <a:endParaRPr lang="zh-CN" sz="2800" b="0" strike="noStrike" spc="-1">
+              <a:solidFill>
+                <a:srgbClr val="000000"/>
+              </a:solidFill>
+              <a:uFill>
+                <a:solidFill>
+                  <a:srgbClr val="FFFFFF"/>
                 </a:solidFill>
               </a:uFill>
               <a:latin typeface="等线"/>
@@ -897,15 +1197,16 @@
           </a:prstGeom>
         </p:spPr>
         <p:txBody>
-          <a:bodyPr lIns="0" rIns="0" tIns="0" bIns="0"/>
-          <a:p>
-            <a:endParaRPr b="0" lang="zh-CN" sz="2800" spc="-1" strike="noStrike">
-              <a:solidFill>
-                <a:srgbClr val="000000"/>
-              </a:solidFill>
-              <a:uFill>
-                <a:solidFill>
-                  <a:srgbClr val="ffffff"/>
+          <a:bodyPr lIns="0" tIns="0" rIns="0" bIns="0"/>
+          <a:lstStyle/>
+          <a:p>
+            <a:endParaRPr lang="zh-CN" sz="2800" b="0" strike="noStrike" spc="-1">
+              <a:solidFill>
+                <a:srgbClr val="000000"/>
+              </a:solidFill>
+              <a:uFill>
+                <a:solidFill>
+                  <a:srgbClr val="FFFFFF"/>
                 </a:solidFill>
               </a:uFill>
               <a:latin typeface="等线"/>
@@ -915,7 +1216,7 @@
       </p:sp>
       <p:pic>
         <p:nvPicPr>
-          <p:cNvPr id="37" name="" descr=""/>
+          <p:cNvPr id="37" name="图片 36"/>
           <p:cNvPicPr/>
           <p:nvPr/>
         </p:nvPicPr>
@@ -938,12 +1239,12 @@
       </p:pic>
       <p:pic>
         <p:nvPicPr>
-          <p:cNvPr id="38" name="" descr=""/>
+          <p:cNvPr id="38" name="图片 37"/>
           <p:cNvPicPr/>
           <p:nvPr/>
         </p:nvPicPr>
         <p:blipFill>
-          <a:blip r:embed="rId3"/>
+          <a:blip r:embed="rId2"/>
           <a:stretch/>
         </p:blipFill>
         <p:spPr>
@@ -961,11 +1262,14 @@
       </p:pic>
     </p:spTree>
   </p:cSld>
+  <p:clrMapOvr>
+    <a:masterClrMapping/>
+  </p:clrMapOvr>
 </p:sldLayout>
 </file>
 
 <file path=ppt/slideLayouts/slideLayout13.xml><?xml version="1.0" encoding="utf-8"?>
-<p:sldLayout xmlns:a="http://schemas.openxmlformats.org/drawingml/2006/main" xmlns:p="http://schemas.openxmlformats.org/presentationml/2006/main" xmlns:r="http://schemas.openxmlformats.org/officeDocument/2006/relationships" xmlns:p14="http://schemas.microsoft.com/office/powerpoint/2010/main" xmlns:p15="http://schemas.microsoft.com/office/powerpoint/2012/main" xmlns:mc="http://schemas.openxmlformats.org/markup-compatibility/2006" type="blank" preserve="1">
+<p:sldLayout xmlns:a="http://schemas.openxmlformats.org/drawingml/2006/main" xmlns:r="http://schemas.openxmlformats.org/officeDocument/2006/relationships" xmlns:p="http://schemas.openxmlformats.org/presentationml/2006/main" type="blank" preserve="1">
   <p:cSld name="Blank Slide">
     <p:spTree>
       <p:nvGrpSpPr>
@@ -983,11 +1287,14 @@
       </p:grpSpPr>
     </p:spTree>
   </p:cSld>
+  <p:clrMapOvr>
+    <a:masterClrMapping/>
+  </p:clrMapOvr>
 </p:sldLayout>
 </file>
 
 <file path=ppt/slideLayouts/slideLayout14.xml><?xml version="1.0" encoding="utf-8"?>
-<p:sldLayout xmlns:a="http://schemas.openxmlformats.org/drawingml/2006/main" xmlns:p="http://schemas.openxmlformats.org/presentationml/2006/main" xmlns:r="http://schemas.openxmlformats.org/officeDocument/2006/relationships" xmlns:p14="http://schemas.microsoft.com/office/powerpoint/2010/main" xmlns:p15="http://schemas.microsoft.com/office/powerpoint/2012/main" xmlns:mc="http://schemas.openxmlformats.org/markup-compatibility/2006" type="tx" preserve="1">
+<p:sldLayout xmlns:a="http://schemas.openxmlformats.org/drawingml/2006/main" xmlns:r="http://schemas.openxmlformats.org/officeDocument/2006/relationships" xmlns:p="http://schemas.openxmlformats.org/presentationml/2006/main" type="tx" preserve="1">
   <p:cSld name="Title Slide">
     <p:spTree>
       <p:nvGrpSpPr>
@@ -1023,15 +1330,16 @@
           </a:prstGeom>
         </p:spPr>
         <p:txBody>
-          <a:bodyPr lIns="0" rIns="0" tIns="0" bIns="0" anchor="ctr"/>
-          <a:p>
-            <a:endParaRPr b="0" lang="zh-CN" sz="1800" spc="-1" strike="noStrike">
-              <a:solidFill>
-                <a:srgbClr val="000000"/>
-              </a:solidFill>
-              <a:uFill>
-                <a:solidFill>
-                  <a:srgbClr val="ffffff"/>
+          <a:bodyPr lIns="0" tIns="0" rIns="0" bIns="0" anchor="ctr"/>
+          <a:lstStyle/>
+          <a:p>
+            <a:endParaRPr lang="zh-CN" sz="1800" b="0" strike="noStrike" spc="-1">
+              <a:solidFill>
+                <a:srgbClr val="000000"/>
+              </a:solidFill>
+              <a:uFill>
+                <a:solidFill>
+                  <a:srgbClr val="FFFFFF"/>
                 </a:solidFill>
               </a:uFill>
               <a:latin typeface="等线"/>
@@ -1059,16 +1367,17 @@
           </a:prstGeom>
         </p:spPr>
         <p:txBody>
-          <a:bodyPr lIns="0" rIns="0" tIns="0" bIns="0" anchor="ctr"/>
+          <a:bodyPr lIns="0" tIns="0" rIns="0" bIns="0" anchor="ctr"/>
+          <a:lstStyle/>
           <a:p>
             <a:pPr algn="ctr"/>
-            <a:endParaRPr b="0" lang="en-US" sz="3200" spc="-1" strike="noStrike">
-              <a:solidFill>
-                <a:srgbClr val="000000"/>
-              </a:solidFill>
-              <a:uFill>
-                <a:solidFill>
-                  <a:srgbClr val="ffffff"/>
+            <a:endParaRPr lang="en-US" sz="3200" b="0" strike="noStrike" spc="-1">
+              <a:solidFill>
+                <a:srgbClr val="000000"/>
+              </a:solidFill>
+              <a:uFill>
+                <a:solidFill>
+                  <a:srgbClr val="FFFFFF"/>
                 </a:solidFill>
               </a:uFill>
               <a:latin typeface="Arial"/>
@@ -1078,11 +1387,14 @@
       </p:sp>
     </p:spTree>
   </p:cSld>
+  <p:clrMapOvr>
+    <a:masterClrMapping/>
+  </p:clrMapOvr>
 </p:sldLayout>
 </file>
 
 <file path=ppt/slideLayouts/slideLayout15.xml><?xml version="1.0" encoding="utf-8"?>
-<p:sldLayout xmlns:a="http://schemas.openxmlformats.org/drawingml/2006/main" xmlns:p="http://schemas.openxmlformats.org/presentationml/2006/main" xmlns:r="http://schemas.openxmlformats.org/officeDocument/2006/relationships" xmlns:p14="http://schemas.microsoft.com/office/powerpoint/2010/main" xmlns:p15="http://schemas.microsoft.com/office/powerpoint/2012/main" xmlns:mc="http://schemas.openxmlformats.org/markup-compatibility/2006" type="obj" preserve="1">
+<p:sldLayout xmlns:a="http://schemas.openxmlformats.org/drawingml/2006/main" xmlns:r="http://schemas.openxmlformats.org/officeDocument/2006/relationships" xmlns:p="http://schemas.openxmlformats.org/presentationml/2006/main" type="obj" preserve="1">
   <p:cSld name="Title, Content">
     <p:spTree>
       <p:nvGrpSpPr>
@@ -1118,15 +1430,16 @@
           </a:prstGeom>
         </p:spPr>
         <p:txBody>
-          <a:bodyPr lIns="0" rIns="0" tIns="0" bIns="0" anchor="ctr"/>
-          <a:p>
-            <a:endParaRPr b="0" lang="zh-CN" sz="1800" spc="-1" strike="noStrike">
-              <a:solidFill>
-                <a:srgbClr val="000000"/>
-              </a:solidFill>
-              <a:uFill>
-                <a:solidFill>
-                  <a:srgbClr val="ffffff"/>
+          <a:bodyPr lIns="0" tIns="0" rIns="0" bIns="0" anchor="ctr"/>
+          <a:lstStyle/>
+          <a:p>
+            <a:endParaRPr lang="zh-CN" sz="1800" b="0" strike="noStrike" spc="-1">
+              <a:solidFill>
+                <a:srgbClr val="000000"/>
+              </a:solidFill>
+              <a:uFill>
+                <a:solidFill>
+                  <a:srgbClr val="FFFFFF"/>
                 </a:solidFill>
               </a:uFill>
               <a:latin typeface="等线"/>
@@ -1154,15 +1467,16 @@
           </a:prstGeom>
         </p:spPr>
         <p:txBody>
-          <a:bodyPr lIns="0" rIns="0" tIns="0" bIns="0"/>
-          <a:p>
-            <a:endParaRPr b="0" lang="zh-CN" sz="2800" spc="-1" strike="noStrike">
-              <a:solidFill>
-                <a:srgbClr val="000000"/>
-              </a:solidFill>
-              <a:uFill>
-                <a:solidFill>
-                  <a:srgbClr val="ffffff"/>
+          <a:bodyPr lIns="0" tIns="0" rIns="0" bIns="0"/>
+          <a:lstStyle/>
+          <a:p>
+            <a:endParaRPr lang="zh-CN" sz="2800" b="0" strike="noStrike" spc="-1">
+              <a:solidFill>
+                <a:srgbClr val="000000"/>
+              </a:solidFill>
+              <a:uFill>
+                <a:solidFill>
+                  <a:srgbClr val="FFFFFF"/>
                 </a:solidFill>
               </a:uFill>
               <a:latin typeface="等线"/>
@@ -1172,11 +1486,14 @@
       </p:sp>
     </p:spTree>
   </p:cSld>
+  <p:clrMapOvr>
+    <a:masterClrMapping/>
+  </p:clrMapOvr>
 </p:sldLayout>
 </file>
 
 <file path=ppt/slideLayouts/slideLayout16.xml><?xml version="1.0" encoding="utf-8"?>
-<p:sldLayout xmlns:a="http://schemas.openxmlformats.org/drawingml/2006/main" xmlns:p="http://schemas.openxmlformats.org/presentationml/2006/main" xmlns:r="http://schemas.openxmlformats.org/officeDocument/2006/relationships" xmlns:p14="http://schemas.microsoft.com/office/powerpoint/2010/main" xmlns:p15="http://schemas.microsoft.com/office/powerpoint/2012/main" xmlns:mc="http://schemas.openxmlformats.org/markup-compatibility/2006" type="twoObj" preserve="1">
+<p:sldLayout xmlns:a="http://schemas.openxmlformats.org/drawingml/2006/main" xmlns:r="http://schemas.openxmlformats.org/officeDocument/2006/relationships" xmlns:p="http://schemas.openxmlformats.org/presentationml/2006/main" type="twoObj" preserve="1">
   <p:cSld name="Title, 2 Content">
     <p:spTree>
       <p:nvGrpSpPr>
@@ -1212,15 +1529,16 @@
           </a:prstGeom>
         </p:spPr>
         <p:txBody>
-          <a:bodyPr lIns="0" rIns="0" tIns="0" bIns="0" anchor="ctr"/>
-          <a:p>
-            <a:endParaRPr b="0" lang="zh-CN" sz="1800" spc="-1" strike="noStrike">
-              <a:solidFill>
-                <a:srgbClr val="000000"/>
-              </a:solidFill>
-              <a:uFill>
-                <a:solidFill>
-                  <a:srgbClr val="ffffff"/>
+          <a:bodyPr lIns="0" tIns="0" rIns="0" bIns="0" anchor="ctr"/>
+          <a:lstStyle/>
+          <a:p>
+            <a:endParaRPr lang="zh-CN" sz="1800" b="0" strike="noStrike" spc="-1">
+              <a:solidFill>
+                <a:srgbClr val="000000"/>
+              </a:solidFill>
+              <a:uFill>
+                <a:solidFill>
+                  <a:srgbClr val="FFFFFF"/>
                 </a:solidFill>
               </a:uFill>
               <a:latin typeface="等线"/>
@@ -1248,15 +1566,16 @@
           </a:prstGeom>
         </p:spPr>
         <p:txBody>
-          <a:bodyPr lIns="0" rIns="0" tIns="0" bIns="0"/>
-          <a:p>
-            <a:endParaRPr b="0" lang="zh-CN" sz="2800" spc="-1" strike="noStrike">
-              <a:solidFill>
-                <a:srgbClr val="000000"/>
-              </a:solidFill>
-              <a:uFill>
-                <a:solidFill>
-                  <a:srgbClr val="ffffff"/>
+          <a:bodyPr lIns="0" tIns="0" rIns="0" bIns="0"/>
+          <a:lstStyle/>
+          <a:p>
+            <a:endParaRPr lang="zh-CN" sz="2800" b="0" strike="noStrike" spc="-1">
+              <a:solidFill>
+                <a:srgbClr val="000000"/>
+              </a:solidFill>
+              <a:uFill>
+                <a:solidFill>
+                  <a:srgbClr val="FFFFFF"/>
                 </a:solidFill>
               </a:uFill>
               <a:latin typeface="等线"/>
@@ -1284,15 +1603,16 @@
           </a:prstGeom>
         </p:spPr>
         <p:txBody>
-          <a:bodyPr lIns="0" rIns="0" tIns="0" bIns="0"/>
-          <a:p>
-            <a:endParaRPr b="0" lang="zh-CN" sz="2800" spc="-1" strike="noStrike">
-              <a:solidFill>
-                <a:srgbClr val="000000"/>
-              </a:solidFill>
-              <a:uFill>
-                <a:solidFill>
-                  <a:srgbClr val="ffffff"/>
+          <a:bodyPr lIns="0" tIns="0" rIns="0" bIns="0"/>
+          <a:lstStyle/>
+          <a:p>
+            <a:endParaRPr lang="zh-CN" sz="2800" b="0" strike="noStrike" spc="-1">
+              <a:solidFill>
+                <a:srgbClr val="000000"/>
+              </a:solidFill>
+              <a:uFill>
+                <a:solidFill>
+                  <a:srgbClr val="FFFFFF"/>
                 </a:solidFill>
               </a:uFill>
               <a:latin typeface="等线"/>
@@ -1302,11 +1622,14 @@
       </p:sp>
     </p:spTree>
   </p:cSld>
+  <p:clrMapOvr>
+    <a:masterClrMapping/>
+  </p:clrMapOvr>
 </p:sldLayout>
 </file>
 
 <file path=ppt/slideLayouts/slideLayout17.xml><?xml version="1.0" encoding="utf-8"?>
-<p:sldLayout xmlns:a="http://schemas.openxmlformats.org/drawingml/2006/main" xmlns:p="http://schemas.openxmlformats.org/presentationml/2006/main" xmlns:r="http://schemas.openxmlformats.org/officeDocument/2006/relationships" xmlns:p14="http://schemas.microsoft.com/office/powerpoint/2010/main" xmlns:p15="http://schemas.microsoft.com/office/powerpoint/2012/main" xmlns:mc="http://schemas.openxmlformats.org/markup-compatibility/2006" type="titleOnly" preserve="1">
+<p:sldLayout xmlns:a="http://schemas.openxmlformats.org/drawingml/2006/main" xmlns:r="http://schemas.openxmlformats.org/officeDocument/2006/relationships" xmlns:p="http://schemas.openxmlformats.org/presentationml/2006/main" type="titleOnly" preserve="1">
   <p:cSld name="Title Only">
     <p:spTree>
       <p:nvGrpSpPr>
@@ -1342,15 +1665,16 @@
           </a:prstGeom>
         </p:spPr>
         <p:txBody>
-          <a:bodyPr lIns="0" rIns="0" tIns="0" bIns="0" anchor="ctr"/>
-          <a:p>
-            <a:endParaRPr b="0" lang="zh-CN" sz="1800" spc="-1" strike="noStrike">
-              <a:solidFill>
-                <a:srgbClr val="000000"/>
-              </a:solidFill>
-              <a:uFill>
-                <a:solidFill>
-                  <a:srgbClr val="ffffff"/>
+          <a:bodyPr lIns="0" tIns="0" rIns="0" bIns="0" anchor="ctr"/>
+          <a:lstStyle/>
+          <a:p>
+            <a:endParaRPr lang="zh-CN" sz="1800" b="0" strike="noStrike" spc="-1">
+              <a:solidFill>
+                <a:srgbClr val="000000"/>
+              </a:solidFill>
+              <a:uFill>
+                <a:solidFill>
+                  <a:srgbClr val="FFFFFF"/>
                 </a:solidFill>
               </a:uFill>
               <a:latin typeface="等线"/>
@@ -1360,11 +1684,14 @@
       </p:sp>
     </p:spTree>
   </p:cSld>
+  <p:clrMapOvr>
+    <a:masterClrMapping/>
+  </p:clrMapOvr>
 </p:sldLayout>
 </file>
 
 <file path=ppt/slideLayouts/slideLayout18.xml><?xml version="1.0" encoding="utf-8"?>
-<p:sldLayout xmlns:a="http://schemas.openxmlformats.org/drawingml/2006/main" xmlns:p="http://schemas.openxmlformats.org/presentationml/2006/main" xmlns:r="http://schemas.openxmlformats.org/officeDocument/2006/relationships" xmlns:p14="http://schemas.microsoft.com/office/powerpoint/2010/main" xmlns:p15="http://schemas.microsoft.com/office/powerpoint/2012/main" xmlns:mc="http://schemas.openxmlformats.org/markup-compatibility/2006" type="objOnly" preserve="1">
+<p:sldLayout xmlns:a="http://schemas.openxmlformats.org/drawingml/2006/main" xmlns:r="http://schemas.openxmlformats.org/officeDocument/2006/relationships" xmlns:p="http://schemas.openxmlformats.org/presentationml/2006/main" type="objOnly" preserve="1">
   <p:cSld name="Centered Text">
     <p:spTree>
       <p:nvGrpSpPr>
@@ -1400,16 +1727,17 @@
           </a:prstGeom>
         </p:spPr>
         <p:txBody>
-          <a:bodyPr lIns="0" rIns="0" tIns="0" bIns="0" anchor="ctr"/>
+          <a:bodyPr lIns="0" tIns="0" rIns="0" bIns="0" anchor="ctr"/>
+          <a:lstStyle/>
           <a:p>
             <a:pPr algn="ctr"/>
-            <a:endParaRPr b="0" lang="en-US" sz="3200" spc="-1" strike="noStrike">
-              <a:solidFill>
-                <a:srgbClr val="000000"/>
-              </a:solidFill>
-              <a:uFill>
-                <a:solidFill>
-                  <a:srgbClr val="ffffff"/>
+            <a:endParaRPr lang="en-US" sz="3200" b="0" strike="noStrike" spc="-1">
+              <a:solidFill>
+                <a:srgbClr val="000000"/>
+              </a:solidFill>
+              <a:uFill>
+                <a:solidFill>
+                  <a:srgbClr val="FFFFFF"/>
                 </a:solidFill>
               </a:uFill>
               <a:latin typeface="Arial"/>
@@ -1419,11 +1747,14 @@
       </p:sp>
     </p:spTree>
   </p:cSld>
+  <p:clrMapOvr>
+    <a:masterClrMapping/>
+  </p:clrMapOvr>
 </p:sldLayout>
 </file>
 
 <file path=ppt/slideLayouts/slideLayout19.xml><?xml version="1.0" encoding="utf-8"?>
-<p:sldLayout xmlns:a="http://schemas.openxmlformats.org/drawingml/2006/main" xmlns:p="http://schemas.openxmlformats.org/presentationml/2006/main" xmlns:r="http://schemas.openxmlformats.org/officeDocument/2006/relationships" xmlns:p14="http://schemas.microsoft.com/office/powerpoint/2010/main" xmlns:p15="http://schemas.microsoft.com/office/powerpoint/2012/main" xmlns:mc="http://schemas.openxmlformats.org/markup-compatibility/2006" type="twoObjAndObj" preserve="1">
+<p:sldLayout xmlns:a="http://schemas.openxmlformats.org/drawingml/2006/main" xmlns:r="http://schemas.openxmlformats.org/officeDocument/2006/relationships" xmlns:p="http://schemas.openxmlformats.org/presentationml/2006/main" type="twoObjAndObj" preserve="1">
   <p:cSld name="Title, 2 Content and Content">
     <p:spTree>
       <p:nvGrpSpPr>
@@ -1459,15 +1790,16 @@
           </a:prstGeom>
         </p:spPr>
         <p:txBody>
-          <a:bodyPr lIns="0" rIns="0" tIns="0" bIns="0" anchor="ctr"/>
-          <a:p>
-            <a:endParaRPr b="0" lang="zh-CN" sz="1800" spc="-1" strike="noStrike">
-              <a:solidFill>
-                <a:srgbClr val="000000"/>
-              </a:solidFill>
-              <a:uFill>
-                <a:solidFill>
-                  <a:srgbClr val="ffffff"/>
+          <a:bodyPr lIns="0" tIns="0" rIns="0" bIns="0" anchor="ctr"/>
+          <a:lstStyle/>
+          <a:p>
+            <a:endParaRPr lang="zh-CN" sz="1800" b="0" strike="noStrike" spc="-1">
+              <a:solidFill>
+                <a:srgbClr val="000000"/>
+              </a:solidFill>
+              <a:uFill>
+                <a:solidFill>
+                  <a:srgbClr val="FFFFFF"/>
                 </a:solidFill>
               </a:uFill>
               <a:latin typeface="等线"/>
@@ -1495,15 +1827,16 @@
           </a:prstGeom>
         </p:spPr>
         <p:txBody>
-          <a:bodyPr lIns="0" rIns="0" tIns="0" bIns="0"/>
-          <a:p>
-            <a:endParaRPr b="0" lang="zh-CN" sz="2800" spc="-1" strike="noStrike">
-              <a:solidFill>
-                <a:srgbClr val="000000"/>
-              </a:solidFill>
-              <a:uFill>
-                <a:solidFill>
-                  <a:srgbClr val="ffffff"/>
+          <a:bodyPr lIns="0" tIns="0" rIns="0" bIns="0"/>
+          <a:lstStyle/>
+          <a:p>
+            <a:endParaRPr lang="zh-CN" sz="2800" b="0" strike="noStrike" spc="-1">
+              <a:solidFill>
+                <a:srgbClr val="000000"/>
+              </a:solidFill>
+              <a:uFill>
+                <a:solidFill>
+                  <a:srgbClr val="FFFFFF"/>
                 </a:solidFill>
               </a:uFill>
               <a:latin typeface="等线"/>
@@ -1531,15 +1864,16 @@
           </a:prstGeom>
         </p:spPr>
         <p:txBody>
-          <a:bodyPr lIns="0" rIns="0" tIns="0" bIns="0"/>
-          <a:p>
-            <a:endParaRPr b="0" lang="zh-CN" sz="2800" spc="-1" strike="noStrike">
-              <a:solidFill>
-                <a:srgbClr val="000000"/>
-              </a:solidFill>
-              <a:uFill>
-                <a:solidFill>
-                  <a:srgbClr val="ffffff"/>
+          <a:bodyPr lIns="0" tIns="0" rIns="0" bIns="0"/>
+          <a:lstStyle/>
+          <a:p>
+            <a:endParaRPr lang="zh-CN" sz="2800" b="0" strike="noStrike" spc="-1">
+              <a:solidFill>
+                <a:srgbClr val="000000"/>
+              </a:solidFill>
+              <a:uFill>
+                <a:solidFill>
+                  <a:srgbClr val="FFFFFF"/>
                 </a:solidFill>
               </a:uFill>
               <a:latin typeface="等线"/>
@@ -1567,15 +1901,16 @@
           </a:prstGeom>
         </p:spPr>
         <p:txBody>
-          <a:bodyPr lIns="0" rIns="0" tIns="0" bIns="0"/>
-          <a:p>
-            <a:endParaRPr b="0" lang="zh-CN" sz="2800" spc="-1" strike="noStrike">
-              <a:solidFill>
-                <a:srgbClr val="000000"/>
-              </a:solidFill>
-              <a:uFill>
-                <a:solidFill>
-                  <a:srgbClr val="ffffff"/>
+          <a:bodyPr lIns="0" tIns="0" rIns="0" bIns="0"/>
+          <a:lstStyle/>
+          <a:p>
+            <a:endParaRPr lang="zh-CN" sz="2800" b="0" strike="noStrike" spc="-1">
+              <a:solidFill>
+                <a:srgbClr val="000000"/>
+              </a:solidFill>
+              <a:uFill>
+                <a:solidFill>
+                  <a:srgbClr val="FFFFFF"/>
                 </a:solidFill>
               </a:uFill>
               <a:latin typeface="等线"/>
@@ -1585,11 +1920,14 @@
       </p:sp>
     </p:spTree>
   </p:cSld>
+  <p:clrMapOvr>
+    <a:masterClrMapping/>
+  </p:clrMapOvr>
 </p:sldLayout>
 </file>
 
 <file path=ppt/slideLayouts/slideLayout2.xml><?xml version="1.0" encoding="utf-8"?>
-<p:sldLayout xmlns:a="http://schemas.openxmlformats.org/drawingml/2006/main" xmlns:p="http://schemas.openxmlformats.org/presentationml/2006/main" xmlns:r="http://schemas.openxmlformats.org/officeDocument/2006/relationships" xmlns:p14="http://schemas.microsoft.com/office/powerpoint/2010/main" xmlns:p15="http://schemas.microsoft.com/office/powerpoint/2012/main" xmlns:mc="http://schemas.openxmlformats.org/markup-compatibility/2006" type="tx" preserve="1">
+<p:sldLayout xmlns:a="http://schemas.openxmlformats.org/drawingml/2006/main" xmlns:r="http://schemas.openxmlformats.org/officeDocument/2006/relationships" xmlns:p="http://schemas.openxmlformats.org/presentationml/2006/main" type="tx" preserve="1">
   <p:cSld name="Title Slide">
     <p:spTree>
       <p:nvGrpSpPr>
@@ -1625,15 +1963,16 @@
           </a:prstGeom>
         </p:spPr>
         <p:txBody>
-          <a:bodyPr lIns="0" rIns="0" tIns="0" bIns="0" anchor="ctr"/>
-          <a:p>
-            <a:endParaRPr b="0" lang="zh-CN" sz="1800" spc="-1" strike="noStrike">
-              <a:solidFill>
-                <a:srgbClr val="000000"/>
-              </a:solidFill>
-              <a:uFill>
-                <a:solidFill>
-                  <a:srgbClr val="ffffff"/>
+          <a:bodyPr lIns="0" tIns="0" rIns="0" bIns="0" anchor="ctr"/>
+          <a:lstStyle/>
+          <a:p>
+            <a:endParaRPr lang="zh-CN" sz="1800" b="0" strike="noStrike" spc="-1">
+              <a:solidFill>
+                <a:srgbClr val="000000"/>
+              </a:solidFill>
+              <a:uFill>
+                <a:solidFill>
+                  <a:srgbClr val="FFFFFF"/>
                 </a:solidFill>
               </a:uFill>
               <a:latin typeface="等线"/>
@@ -1661,16 +2000,17 @@
           </a:prstGeom>
         </p:spPr>
         <p:txBody>
-          <a:bodyPr lIns="0" rIns="0" tIns="0" bIns="0" anchor="ctr"/>
+          <a:bodyPr lIns="0" tIns="0" rIns="0" bIns="0" anchor="ctr"/>
+          <a:lstStyle/>
           <a:p>
             <a:pPr algn="ctr"/>
-            <a:endParaRPr b="0" lang="en-US" sz="3200" spc="-1" strike="noStrike">
-              <a:solidFill>
-                <a:srgbClr val="000000"/>
-              </a:solidFill>
-              <a:uFill>
-                <a:solidFill>
-                  <a:srgbClr val="ffffff"/>
+            <a:endParaRPr lang="en-US" sz="3200" b="0" strike="noStrike" spc="-1">
+              <a:solidFill>
+                <a:srgbClr val="000000"/>
+              </a:solidFill>
+              <a:uFill>
+                <a:solidFill>
+                  <a:srgbClr val="FFFFFF"/>
                 </a:solidFill>
               </a:uFill>
               <a:latin typeface="Arial"/>
@@ -1680,11 +2020,14 @@
       </p:sp>
     </p:spTree>
   </p:cSld>
+  <p:clrMapOvr>
+    <a:masterClrMapping/>
+  </p:clrMapOvr>
 </p:sldLayout>
 </file>
 
 <file path=ppt/slideLayouts/slideLayout20.xml><?xml version="1.0" encoding="utf-8"?>
-<p:sldLayout xmlns:a="http://schemas.openxmlformats.org/drawingml/2006/main" xmlns:p="http://schemas.openxmlformats.org/presentationml/2006/main" xmlns:r="http://schemas.openxmlformats.org/officeDocument/2006/relationships" xmlns:p14="http://schemas.microsoft.com/office/powerpoint/2010/main" xmlns:p15="http://schemas.microsoft.com/office/powerpoint/2012/main" xmlns:mc="http://schemas.openxmlformats.org/markup-compatibility/2006" type="objAndTwoObj" preserve="1">
+<p:sldLayout xmlns:a="http://schemas.openxmlformats.org/drawingml/2006/main" xmlns:r="http://schemas.openxmlformats.org/officeDocument/2006/relationships" xmlns:p="http://schemas.openxmlformats.org/presentationml/2006/main" type="objAndTwoObj" preserve="1">
   <p:cSld name="Title Content and 2 Content">
     <p:spTree>
       <p:nvGrpSpPr>
@@ -1720,15 +2063,16 @@
           </a:prstGeom>
         </p:spPr>
         <p:txBody>
-          <a:bodyPr lIns="0" rIns="0" tIns="0" bIns="0" anchor="ctr"/>
-          <a:p>
-            <a:endParaRPr b="0" lang="zh-CN" sz="1800" spc="-1" strike="noStrike">
-              <a:solidFill>
-                <a:srgbClr val="000000"/>
-              </a:solidFill>
-              <a:uFill>
-                <a:solidFill>
-                  <a:srgbClr val="ffffff"/>
+          <a:bodyPr lIns="0" tIns="0" rIns="0" bIns="0" anchor="ctr"/>
+          <a:lstStyle/>
+          <a:p>
+            <a:endParaRPr lang="zh-CN" sz="1800" b="0" strike="noStrike" spc="-1">
+              <a:solidFill>
+                <a:srgbClr val="000000"/>
+              </a:solidFill>
+              <a:uFill>
+                <a:solidFill>
+                  <a:srgbClr val="FFFFFF"/>
                 </a:solidFill>
               </a:uFill>
               <a:latin typeface="等线"/>
@@ -1756,15 +2100,16 @@
           </a:prstGeom>
         </p:spPr>
         <p:txBody>
-          <a:bodyPr lIns="0" rIns="0" tIns="0" bIns="0"/>
-          <a:p>
-            <a:endParaRPr b="0" lang="zh-CN" sz="2800" spc="-1" strike="noStrike">
-              <a:solidFill>
-                <a:srgbClr val="000000"/>
-              </a:solidFill>
-              <a:uFill>
-                <a:solidFill>
-                  <a:srgbClr val="ffffff"/>
+          <a:bodyPr lIns="0" tIns="0" rIns="0" bIns="0"/>
+          <a:lstStyle/>
+          <a:p>
+            <a:endParaRPr lang="zh-CN" sz="2800" b="0" strike="noStrike" spc="-1">
+              <a:solidFill>
+                <a:srgbClr val="000000"/>
+              </a:solidFill>
+              <a:uFill>
+                <a:solidFill>
+                  <a:srgbClr val="FFFFFF"/>
                 </a:solidFill>
               </a:uFill>
               <a:latin typeface="等线"/>
@@ -1792,15 +2137,16 @@
           </a:prstGeom>
         </p:spPr>
         <p:txBody>
-          <a:bodyPr lIns="0" rIns="0" tIns="0" bIns="0"/>
-          <a:p>
-            <a:endParaRPr b="0" lang="zh-CN" sz="2800" spc="-1" strike="noStrike">
-              <a:solidFill>
-                <a:srgbClr val="000000"/>
-              </a:solidFill>
-              <a:uFill>
-                <a:solidFill>
-                  <a:srgbClr val="ffffff"/>
+          <a:bodyPr lIns="0" tIns="0" rIns="0" bIns="0"/>
+          <a:lstStyle/>
+          <a:p>
+            <a:endParaRPr lang="zh-CN" sz="2800" b="0" strike="noStrike" spc="-1">
+              <a:solidFill>
+                <a:srgbClr val="000000"/>
+              </a:solidFill>
+              <a:uFill>
+                <a:solidFill>
+                  <a:srgbClr val="FFFFFF"/>
                 </a:solidFill>
               </a:uFill>
               <a:latin typeface="等线"/>
@@ -1828,15 +2174,16 @@
           </a:prstGeom>
         </p:spPr>
         <p:txBody>
-          <a:bodyPr lIns="0" rIns="0" tIns="0" bIns="0"/>
-          <a:p>
-            <a:endParaRPr b="0" lang="zh-CN" sz="2800" spc="-1" strike="noStrike">
-              <a:solidFill>
-                <a:srgbClr val="000000"/>
-              </a:solidFill>
-              <a:uFill>
-                <a:solidFill>
-                  <a:srgbClr val="ffffff"/>
+          <a:bodyPr lIns="0" tIns="0" rIns="0" bIns="0"/>
+          <a:lstStyle/>
+          <a:p>
+            <a:endParaRPr lang="zh-CN" sz="2800" b="0" strike="noStrike" spc="-1">
+              <a:solidFill>
+                <a:srgbClr val="000000"/>
+              </a:solidFill>
+              <a:uFill>
+                <a:solidFill>
+                  <a:srgbClr val="FFFFFF"/>
                 </a:solidFill>
               </a:uFill>
               <a:latin typeface="等线"/>
@@ -1846,11 +2193,14 @@
       </p:sp>
     </p:spTree>
   </p:cSld>
+  <p:clrMapOvr>
+    <a:masterClrMapping/>
+  </p:clrMapOvr>
 </p:sldLayout>
 </file>
 
 <file path=ppt/slideLayouts/slideLayout21.xml><?xml version="1.0" encoding="utf-8"?>
-<p:sldLayout xmlns:a="http://schemas.openxmlformats.org/drawingml/2006/main" xmlns:p="http://schemas.openxmlformats.org/presentationml/2006/main" xmlns:r="http://schemas.openxmlformats.org/officeDocument/2006/relationships" xmlns:p14="http://schemas.microsoft.com/office/powerpoint/2010/main" xmlns:p15="http://schemas.microsoft.com/office/powerpoint/2012/main" xmlns:mc="http://schemas.openxmlformats.org/markup-compatibility/2006" type="twoObjOverTx" preserve="1">
+<p:sldLayout xmlns:a="http://schemas.openxmlformats.org/drawingml/2006/main" xmlns:r="http://schemas.openxmlformats.org/officeDocument/2006/relationships" xmlns:p="http://schemas.openxmlformats.org/presentationml/2006/main" type="twoObjOverTx" preserve="1">
   <p:cSld name="Title, 2 Content over Content">
     <p:spTree>
       <p:nvGrpSpPr>
@@ -1886,15 +2236,16 @@
           </a:prstGeom>
         </p:spPr>
         <p:txBody>
-          <a:bodyPr lIns="0" rIns="0" tIns="0" bIns="0" anchor="ctr"/>
-          <a:p>
-            <a:endParaRPr b="0" lang="zh-CN" sz="1800" spc="-1" strike="noStrike">
-              <a:solidFill>
-                <a:srgbClr val="000000"/>
-              </a:solidFill>
-              <a:uFill>
-                <a:solidFill>
-                  <a:srgbClr val="ffffff"/>
+          <a:bodyPr lIns="0" tIns="0" rIns="0" bIns="0" anchor="ctr"/>
+          <a:lstStyle/>
+          <a:p>
+            <a:endParaRPr lang="zh-CN" sz="1800" b="0" strike="noStrike" spc="-1">
+              <a:solidFill>
+                <a:srgbClr val="000000"/>
+              </a:solidFill>
+              <a:uFill>
+                <a:solidFill>
+                  <a:srgbClr val="FFFFFF"/>
                 </a:solidFill>
               </a:uFill>
               <a:latin typeface="等线"/>
@@ -1922,15 +2273,16 @@
           </a:prstGeom>
         </p:spPr>
         <p:txBody>
-          <a:bodyPr lIns="0" rIns="0" tIns="0" bIns="0"/>
-          <a:p>
-            <a:endParaRPr b="0" lang="zh-CN" sz="2800" spc="-1" strike="noStrike">
-              <a:solidFill>
-                <a:srgbClr val="000000"/>
-              </a:solidFill>
-              <a:uFill>
-                <a:solidFill>
-                  <a:srgbClr val="ffffff"/>
+          <a:bodyPr lIns="0" tIns="0" rIns="0" bIns="0"/>
+          <a:lstStyle/>
+          <a:p>
+            <a:endParaRPr lang="zh-CN" sz="2800" b="0" strike="noStrike" spc="-1">
+              <a:solidFill>
+                <a:srgbClr val="000000"/>
+              </a:solidFill>
+              <a:uFill>
+                <a:solidFill>
+                  <a:srgbClr val="FFFFFF"/>
                 </a:solidFill>
               </a:uFill>
               <a:latin typeface="等线"/>
@@ -1958,15 +2310,16 @@
           </a:prstGeom>
         </p:spPr>
         <p:txBody>
-          <a:bodyPr lIns="0" rIns="0" tIns="0" bIns="0"/>
-          <a:p>
-            <a:endParaRPr b="0" lang="zh-CN" sz="2800" spc="-1" strike="noStrike">
-              <a:solidFill>
-                <a:srgbClr val="000000"/>
-              </a:solidFill>
-              <a:uFill>
-                <a:solidFill>
-                  <a:srgbClr val="ffffff"/>
+          <a:bodyPr lIns="0" tIns="0" rIns="0" bIns="0"/>
+          <a:lstStyle/>
+          <a:p>
+            <a:endParaRPr lang="zh-CN" sz="2800" b="0" strike="noStrike" spc="-1">
+              <a:solidFill>
+                <a:srgbClr val="000000"/>
+              </a:solidFill>
+              <a:uFill>
+                <a:solidFill>
+                  <a:srgbClr val="FFFFFF"/>
                 </a:solidFill>
               </a:uFill>
               <a:latin typeface="等线"/>
@@ -1994,15 +2347,16 @@
           </a:prstGeom>
         </p:spPr>
         <p:txBody>
-          <a:bodyPr lIns="0" rIns="0" tIns="0" bIns="0"/>
-          <a:p>
-            <a:endParaRPr b="0" lang="zh-CN" sz="2800" spc="-1" strike="noStrike">
-              <a:solidFill>
-                <a:srgbClr val="000000"/>
-              </a:solidFill>
-              <a:uFill>
-                <a:solidFill>
-                  <a:srgbClr val="ffffff"/>
+          <a:bodyPr lIns="0" tIns="0" rIns="0" bIns="0"/>
+          <a:lstStyle/>
+          <a:p>
+            <a:endParaRPr lang="zh-CN" sz="2800" b="0" strike="noStrike" spc="-1">
+              <a:solidFill>
+                <a:srgbClr val="000000"/>
+              </a:solidFill>
+              <a:uFill>
+                <a:solidFill>
+                  <a:srgbClr val="FFFFFF"/>
                 </a:solidFill>
               </a:uFill>
               <a:latin typeface="等线"/>
@@ -2012,11 +2366,14 @@
       </p:sp>
     </p:spTree>
   </p:cSld>
+  <p:clrMapOvr>
+    <a:masterClrMapping/>
+  </p:clrMapOvr>
 </p:sldLayout>
 </file>
 
 <file path=ppt/slideLayouts/slideLayout22.xml><?xml version="1.0" encoding="utf-8"?>
-<p:sldLayout xmlns:a="http://schemas.openxmlformats.org/drawingml/2006/main" xmlns:p="http://schemas.openxmlformats.org/presentationml/2006/main" xmlns:r="http://schemas.openxmlformats.org/officeDocument/2006/relationships" xmlns:p14="http://schemas.microsoft.com/office/powerpoint/2010/main" xmlns:p15="http://schemas.microsoft.com/office/powerpoint/2012/main" xmlns:mc="http://schemas.openxmlformats.org/markup-compatibility/2006" type="objOverTx" preserve="1">
+<p:sldLayout xmlns:a="http://schemas.openxmlformats.org/drawingml/2006/main" xmlns:r="http://schemas.openxmlformats.org/officeDocument/2006/relationships" xmlns:p="http://schemas.openxmlformats.org/presentationml/2006/main" type="objOverTx" preserve="1">
   <p:cSld name="Title, Content over Content">
     <p:spTree>
       <p:nvGrpSpPr>
@@ -2052,15 +2409,16 @@
           </a:prstGeom>
         </p:spPr>
         <p:txBody>
-          <a:bodyPr lIns="0" rIns="0" tIns="0" bIns="0" anchor="ctr"/>
-          <a:p>
-            <a:endParaRPr b="0" lang="zh-CN" sz="1800" spc="-1" strike="noStrike">
-              <a:solidFill>
-                <a:srgbClr val="000000"/>
-              </a:solidFill>
-              <a:uFill>
-                <a:solidFill>
-                  <a:srgbClr val="ffffff"/>
+          <a:bodyPr lIns="0" tIns="0" rIns="0" bIns="0" anchor="ctr"/>
+          <a:lstStyle/>
+          <a:p>
+            <a:endParaRPr lang="zh-CN" sz="1800" b="0" strike="noStrike" spc="-1">
+              <a:solidFill>
+                <a:srgbClr val="000000"/>
+              </a:solidFill>
+              <a:uFill>
+                <a:solidFill>
+                  <a:srgbClr val="FFFFFF"/>
                 </a:solidFill>
               </a:uFill>
               <a:latin typeface="等线"/>
@@ -2088,15 +2446,16 @@
           </a:prstGeom>
         </p:spPr>
         <p:txBody>
-          <a:bodyPr lIns="0" rIns="0" tIns="0" bIns="0"/>
-          <a:p>
-            <a:endParaRPr b="0" lang="zh-CN" sz="2800" spc="-1" strike="noStrike">
-              <a:solidFill>
-                <a:srgbClr val="000000"/>
-              </a:solidFill>
-              <a:uFill>
-                <a:solidFill>
-                  <a:srgbClr val="ffffff"/>
+          <a:bodyPr lIns="0" tIns="0" rIns="0" bIns="0"/>
+          <a:lstStyle/>
+          <a:p>
+            <a:endParaRPr lang="zh-CN" sz="2800" b="0" strike="noStrike" spc="-1">
+              <a:solidFill>
+                <a:srgbClr val="000000"/>
+              </a:solidFill>
+              <a:uFill>
+                <a:solidFill>
+                  <a:srgbClr val="FFFFFF"/>
                 </a:solidFill>
               </a:uFill>
               <a:latin typeface="等线"/>
@@ -2124,15 +2483,16 @@
           </a:prstGeom>
         </p:spPr>
         <p:txBody>
-          <a:bodyPr lIns="0" rIns="0" tIns="0" bIns="0"/>
-          <a:p>
-            <a:endParaRPr b="0" lang="zh-CN" sz="2800" spc="-1" strike="noStrike">
-              <a:solidFill>
-                <a:srgbClr val="000000"/>
-              </a:solidFill>
-              <a:uFill>
-                <a:solidFill>
-                  <a:srgbClr val="ffffff"/>
+          <a:bodyPr lIns="0" tIns="0" rIns="0" bIns="0"/>
+          <a:lstStyle/>
+          <a:p>
+            <a:endParaRPr lang="zh-CN" sz="2800" b="0" strike="noStrike" spc="-1">
+              <a:solidFill>
+                <a:srgbClr val="000000"/>
+              </a:solidFill>
+              <a:uFill>
+                <a:solidFill>
+                  <a:srgbClr val="FFFFFF"/>
                 </a:solidFill>
               </a:uFill>
               <a:latin typeface="等线"/>
@@ -2142,11 +2502,14 @@
       </p:sp>
     </p:spTree>
   </p:cSld>
+  <p:clrMapOvr>
+    <a:masterClrMapping/>
+  </p:clrMapOvr>
 </p:sldLayout>
 </file>
 
 <file path=ppt/slideLayouts/slideLayout23.xml><?xml version="1.0" encoding="utf-8"?>
-<p:sldLayout xmlns:a="http://schemas.openxmlformats.org/drawingml/2006/main" xmlns:p="http://schemas.openxmlformats.org/presentationml/2006/main" xmlns:r="http://schemas.openxmlformats.org/officeDocument/2006/relationships" xmlns:p14="http://schemas.microsoft.com/office/powerpoint/2010/main" xmlns:p15="http://schemas.microsoft.com/office/powerpoint/2012/main" xmlns:mc="http://schemas.openxmlformats.org/markup-compatibility/2006" type="fourObj" preserve="1">
+<p:sldLayout xmlns:a="http://schemas.openxmlformats.org/drawingml/2006/main" xmlns:r="http://schemas.openxmlformats.org/officeDocument/2006/relationships" xmlns:p="http://schemas.openxmlformats.org/presentationml/2006/main" type="fourObj" preserve="1">
   <p:cSld name="Title, 4 Content">
     <p:spTree>
       <p:nvGrpSpPr>
@@ -2182,15 +2545,16 @@
           </a:prstGeom>
         </p:spPr>
         <p:txBody>
-          <a:bodyPr lIns="0" rIns="0" tIns="0" bIns="0" anchor="ctr"/>
-          <a:p>
-            <a:endParaRPr b="0" lang="zh-CN" sz="1800" spc="-1" strike="noStrike">
-              <a:solidFill>
-                <a:srgbClr val="000000"/>
-              </a:solidFill>
-              <a:uFill>
-                <a:solidFill>
-                  <a:srgbClr val="ffffff"/>
+          <a:bodyPr lIns="0" tIns="0" rIns="0" bIns="0" anchor="ctr"/>
+          <a:lstStyle/>
+          <a:p>
+            <a:endParaRPr lang="zh-CN" sz="1800" b="0" strike="noStrike" spc="-1">
+              <a:solidFill>
+                <a:srgbClr val="000000"/>
+              </a:solidFill>
+              <a:uFill>
+                <a:solidFill>
+                  <a:srgbClr val="FFFFFF"/>
                 </a:solidFill>
               </a:uFill>
               <a:latin typeface="等线"/>
@@ -2218,15 +2582,16 @@
           </a:prstGeom>
         </p:spPr>
         <p:txBody>
-          <a:bodyPr lIns="0" rIns="0" tIns="0" bIns="0"/>
-          <a:p>
-            <a:endParaRPr b="0" lang="zh-CN" sz="2800" spc="-1" strike="noStrike">
-              <a:solidFill>
-                <a:srgbClr val="000000"/>
-              </a:solidFill>
-              <a:uFill>
-                <a:solidFill>
-                  <a:srgbClr val="ffffff"/>
+          <a:bodyPr lIns="0" tIns="0" rIns="0" bIns="0"/>
+          <a:lstStyle/>
+          <a:p>
+            <a:endParaRPr lang="zh-CN" sz="2800" b="0" strike="noStrike" spc="-1">
+              <a:solidFill>
+                <a:srgbClr val="000000"/>
+              </a:solidFill>
+              <a:uFill>
+                <a:solidFill>
+                  <a:srgbClr val="FFFFFF"/>
                 </a:solidFill>
               </a:uFill>
               <a:latin typeface="等线"/>
@@ -2254,15 +2619,16 @@
           </a:prstGeom>
         </p:spPr>
         <p:txBody>
-          <a:bodyPr lIns="0" rIns="0" tIns="0" bIns="0"/>
-          <a:p>
-            <a:endParaRPr b="0" lang="zh-CN" sz="2800" spc="-1" strike="noStrike">
-              <a:solidFill>
-                <a:srgbClr val="000000"/>
-              </a:solidFill>
-              <a:uFill>
-                <a:solidFill>
-                  <a:srgbClr val="ffffff"/>
+          <a:bodyPr lIns="0" tIns="0" rIns="0" bIns="0"/>
+          <a:lstStyle/>
+          <a:p>
+            <a:endParaRPr lang="zh-CN" sz="2800" b="0" strike="noStrike" spc="-1">
+              <a:solidFill>
+                <a:srgbClr val="000000"/>
+              </a:solidFill>
+              <a:uFill>
+                <a:solidFill>
+                  <a:srgbClr val="FFFFFF"/>
                 </a:solidFill>
               </a:uFill>
               <a:latin typeface="等线"/>
@@ -2290,15 +2656,16 @@
           </a:prstGeom>
         </p:spPr>
         <p:txBody>
-          <a:bodyPr lIns="0" rIns="0" tIns="0" bIns="0"/>
-          <a:p>
-            <a:endParaRPr b="0" lang="zh-CN" sz="2800" spc="-1" strike="noStrike">
-              <a:solidFill>
-                <a:srgbClr val="000000"/>
-              </a:solidFill>
-              <a:uFill>
-                <a:solidFill>
-                  <a:srgbClr val="ffffff"/>
+          <a:bodyPr lIns="0" tIns="0" rIns="0" bIns="0"/>
+          <a:lstStyle/>
+          <a:p>
+            <a:endParaRPr lang="zh-CN" sz="2800" b="0" strike="noStrike" spc="-1">
+              <a:solidFill>
+                <a:srgbClr val="000000"/>
+              </a:solidFill>
+              <a:uFill>
+                <a:solidFill>
+                  <a:srgbClr val="FFFFFF"/>
                 </a:solidFill>
               </a:uFill>
               <a:latin typeface="等线"/>
@@ -2326,15 +2693,16 @@
           </a:prstGeom>
         </p:spPr>
         <p:txBody>
-          <a:bodyPr lIns="0" rIns="0" tIns="0" bIns="0"/>
-          <a:p>
-            <a:endParaRPr b="0" lang="zh-CN" sz="2800" spc="-1" strike="noStrike">
-              <a:solidFill>
-                <a:srgbClr val="000000"/>
-              </a:solidFill>
-              <a:uFill>
-                <a:solidFill>
-                  <a:srgbClr val="ffffff"/>
+          <a:bodyPr lIns="0" tIns="0" rIns="0" bIns="0"/>
+          <a:lstStyle/>
+          <a:p>
+            <a:endParaRPr lang="zh-CN" sz="2800" b="0" strike="noStrike" spc="-1">
+              <a:solidFill>
+                <a:srgbClr val="000000"/>
+              </a:solidFill>
+              <a:uFill>
+                <a:solidFill>
+                  <a:srgbClr val="FFFFFF"/>
                 </a:solidFill>
               </a:uFill>
               <a:latin typeface="等线"/>
@@ -2344,11 +2712,14 @@
       </p:sp>
     </p:spTree>
   </p:cSld>
+  <p:clrMapOvr>
+    <a:masterClrMapping/>
+  </p:clrMapOvr>
 </p:sldLayout>
 </file>
 
 <file path=ppt/slideLayouts/slideLayout24.xml><?xml version="1.0" encoding="utf-8"?>
-<p:sldLayout xmlns:a="http://schemas.openxmlformats.org/drawingml/2006/main" xmlns:p="http://schemas.openxmlformats.org/presentationml/2006/main" xmlns:r="http://schemas.openxmlformats.org/officeDocument/2006/relationships" xmlns:p14="http://schemas.microsoft.com/office/powerpoint/2010/main" xmlns:p15="http://schemas.microsoft.com/office/powerpoint/2012/main" xmlns:mc="http://schemas.openxmlformats.org/markup-compatibility/2006" type="blank" preserve="1">
+<p:sldLayout xmlns:a="http://schemas.openxmlformats.org/drawingml/2006/main" xmlns:r="http://schemas.openxmlformats.org/officeDocument/2006/relationships" xmlns:p="http://schemas.openxmlformats.org/presentationml/2006/main" type="blank" preserve="1">
   <p:cSld name="Title, 6 Content">
     <p:spTree>
       <p:nvGrpSpPr>
@@ -2384,15 +2755,16 @@
           </a:prstGeom>
         </p:spPr>
         <p:txBody>
-          <a:bodyPr lIns="0" rIns="0" tIns="0" bIns="0" anchor="ctr"/>
-          <a:p>
-            <a:endParaRPr b="0" lang="zh-CN" sz="1800" spc="-1" strike="noStrike">
-              <a:solidFill>
-                <a:srgbClr val="000000"/>
-              </a:solidFill>
-              <a:uFill>
-                <a:solidFill>
-                  <a:srgbClr val="ffffff"/>
+          <a:bodyPr lIns="0" tIns="0" rIns="0" bIns="0" anchor="ctr"/>
+          <a:lstStyle/>
+          <a:p>
+            <a:endParaRPr lang="zh-CN" sz="1800" b="0" strike="noStrike" spc="-1">
+              <a:solidFill>
+                <a:srgbClr val="000000"/>
+              </a:solidFill>
+              <a:uFill>
+                <a:solidFill>
+                  <a:srgbClr val="FFFFFF"/>
                 </a:solidFill>
               </a:uFill>
               <a:latin typeface="等线"/>
@@ -2420,15 +2792,16 @@
           </a:prstGeom>
         </p:spPr>
         <p:txBody>
-          <a:bodyPr lIns="0" rIns="0" tIns="0" bIns="0"/>
-          <a:p>
-            <a:endParaRPr b="0" lang="zh-CN" sz="2800" spc="-1" strike="noStrike">
-              <a:solidFill>
-                <a:srgbClr val="000000"/>
-              </a:solidFill>
-              <a:uFill>
-                <a:solidFill>
-                  <a:srgbClr val="ffffff"/>
+          <a:bodyPr lIns="0" tIns="0" rIns="0" bIns="0"/>
+          <a:lstStyle/>
+          <a:p>
+            <a:endParaRPr lang="zh-CN" sz="2800" b="0" strike="noStrike" spc="-1">
+              <a:solidFill>
+                <a:srgbClr val="000000"/>
+              </a:solidFill>
+              <a:uFill>
+                <a:solidFill>
+                  <a:srgbClr val="FFFFFF"/>
                 </a:solidFill>
               </a:uFill>
               <a:latin typeface="等线"/>
@@ -2456,15 +2829,16 @@
           </a:prstGeom>
         </p:spPr>
         <p:txBody>
-          <a:bodyPr lIns="0" rIns="0" tIns="0" bIns="0"/>
-          <a:p>
-            <a:endParaRPr b="0" lang="zh-CN" sz="2800" spc="-1" strike="noStrike">
-              <a:solidFill>
-                <a:srgbClr val="000000"/>
-              </a:solidFill>
-              <a:uFill>
-                <a:solidFill>
-                  <a:srgbClr val="ffffff"/>
+          <a:bodyPr lIns="0" tIns="0" rIns="0" bIns="0"/>
+          <a:lstStyle/>
+          <a:p>
+            <a:endParaRPr lang="zh-CN" sz="2800" b="0" strike="noStrike" spc="-1">
+              <a:solidFill>
+                <a:srgbClr val="000000"/>
+              </a:solidFill>
+              <a:uFill>
+                <a:solidFill>
+                  <a:srgbClr val="FFFFFF"/>
                 </a:solidFill>
               </a:uFill>
               <a:latin typeface="等线"/>
@@ -2474,7 +2848,7 @@
       </p:sp>
       <p:pic>
         <p:nvPicPr>
-          <p:cNvPr id="76" name="" descr=""/>
+          <p:cNvPr id="76" name="图片 75"/>
           <p:cNvPicPr/>
           <p:nvPr/>
         </p:nvPicPr>
@@ -2497,12 +2871,12 @@
       </p:pic>
       <p:pic>
         <p:nvPicPr>
-          <p:cNvPr id="77" name="" descr=""/>
+          <p:cNvPr id="77" name="图片 76"/>
           <p:cNvPicPr/>
           <p:nvPr/>
         </p:nvPicPr>
         <p:blipFill>
-          <a:blip r:embed="rId3"/>
+          <a:blip r:embed="rId2"/>
           <a:stretch/>
         </p:blipFill>
         <p:spPr>
@@ -2520,11 +2894,14 @@
       </p:pic>
     </p:spTree>
   </p:cSld>
+  <p:clrMapOvr>
+    <a:masterClrMapping/>
+  </p:clrMapOvr>
 </p:sldLayout>
 </file>
 
 <file path=ppt/slideLayouts/slideLayout3.xml><?xml version="1.0" encoding="utf-8"?>
-<p:sldLayout xmlns:a="http://schemas.openxmlformats.org/drawingml/2006/main" xmlns:p="http://schemas.openxmlformats.org/presentationml/2006/main" xmlns:r="http://schemas.openxmlformats.org/officeDocument/2006/relationships" xmlns:p14="http://schemas.microsoft.com/office/powerpoint/2010/main" xmlns:p15="http://schemas.microsoft.com/office/powerpoint/2012/main" xmlns:mc="http://schemas.openxmlformats.org/markup-compatibility/2006" type="obj" preserve="1">
+<p:sldLayout xmlns:a="http://schemas.openxmlformats.org/drawingml/2006/main" xmlns:r="http://schemas.openxmlformats.org/officeDocument/2006/relationships" xmlns:p="http://schemas.openxmlformats.org/presentationml/2006/main" type="obj" preserve="1">
   <p:cSld name="Title, Content">
     <p:spTree>
       <p:nvGrpSpPr>
@@ -2560,15 +2937,16 @@
           </a:prstGeom>
         </p:spPr>
         <p:txBody>
-          <a:bodyPr lIns="0" rIns="0" tIns="0" bIns="0" anchor="ctr"/>
-          <a:p>
-            <a:endParaRPr b="0" lang="zh-CN" sz="1800" spc="-1" strike="noStrike">
-              <a:solidFill>
-                <a:srgbClr val="000000"/>
-              </a:solidFill>
-              <a:uFill>
-                <a:solidFill>
-                  <a:srgbClr val="ffffff"/>
+          <a:bodyPr lIns="0" tIns="0" rIns="0" bIns="0" anchor="ctr"/>
+          <a:lstStyle/>
+          <a:p>
+            <a:endParaRPr lang="zh-CN" sz="1800" b="0" strike="noStrike" spc="-1">
+              <a:solidFill>
+                <a:srgbClr val="000000"/>
+              </a:solidFill>
+              <a:uFill>
+                <a:solidFill>
+                  <a:srgbClr val="FFFFFF"/>
                 </a:solidFill>
               </a:uFill>
               <a:latin typeface="等线"/>
@@ -2596,15 +2974,16 @@
           </a:prstGeom>
         </p:spPr>
         <p:txBody>
-          <a:bodyPr lIns="0" rIns="0" tIns="0" bIns="0"/>
-          <a:p>
-            <a:endParaRPr b="0" lang="zh-CN" sz="2800" spc="-1" strike="noStrike">
-              <a:solidFill>
-                <a:srgbClr val="000000"/>
-              </a:solidFill>
-              <a:uFill>
-                <a:solidFill>
-                  <a:srgbClr val="ffffff"/>
+          <a:bodyPr lIns="0" tIns="0" rIns="0" bIns="0"/>
+          <a:lstStyle/>
+          <a:p>
+            <a:endParaRPr lang="zh-CN" sz="2800" b="0" strike="noStrike" spc="-1">
+              <a:solidFill>
+                <a:srgbClr val="000000"/>
+              </a:solidFill>
+              <a:uFill>
+                <a:solidFill>
+                  <a:srgbClr val="FFFFFF"/>
                 </a:solidFill>
               </a:uFill>
               <a:latin typeface="等线"/>
@@ -2614,11 +2993,14 @@
       </p:sp>
     </p:spTree>
   </p:cSld>
+  <p:clrMapOvr>
+    <a:masterClrMapping/>
+  </p:clrMapOvr>
 </p:sldLayout>
 </file>
 
 <file path=ppt/slideLayouts/slideLayout4.xml><?xml version="1.0" encoding="utf-8"?>
-<p:sldLayout xmlns:a="http://schemas.openxmlformats.org/drawingml/2006/main" xmlns:p="http://schemas.openxmlformats.org/presentationml/2006/main" xmlns:r="http://schemas.openxmlformats.org/officeDocument/2006/relationships" xmlns:p14="http://schemas.microsoft.com/office/powerpoint/2010/main" xmlns:p15="http://schemas.microsoft.com/office/powerpoint/2012/main" xmlns:mc="http://schemas.openxmlformats.org/markup-compatibility/2006" type="twoObj" preserve="1">
+<p:sldLayout xmlns:a="http://schemas.openxmlformats.org/drawingml/2006/main" xmlns:r="http://schemas.openxmlformats.org/officeDocument/2006/relationships" xmlns:p="http://schemas.openxmlformats.org/presentationml/2006/main" type="twoObj" preserve="1">
   <p:cSld name="Title, 2 Content">
     <p:spTree>
       <p:nvGrpSpPr>
@@ -2654,15 +3036,16 @@
           </a:prstGeom>
         </p:spPr>
         <p:txBody>
-          <a:bodyPr lIns="0" rIns="0" tIns="0" bIns="0" anchor="ctr"/>
-          <a:p>
-            <a:endParaRPr b="0" lang="zh-CN" sz="1800" spc="-1" strike="noStrike">
-              <a:solidFill>
-                <a:srgbClr val="000000"/>
-              </a:solidFill>
-              <a:uFill>
-                <a:solidFill>
-                  <a:srgbClr val="ffffff"/>
+          <a:bodyPr lIns="0" tIns="0" rIns="0" bIns="0" anchor="ctr"/>
+          <a:lstStyle/>
+          <a:p>
+            <a:endParaRPr lang="zh-CN" sz="1800" b="0" strike="noStrike" spc="-1">
+              <a:solidFill>
+                <a:srgbClr val="000000"/>
+              </a:solidFill>
+              <a:uFill>
+                <a:solidFill>
+                  <a:srgbClr val="FFFFFF"/>
                 </a:solidFill>
               </a:uFill>
               <a:latin typeface="等线"/>
@@ -2690,15 +3073,16 @@
           </a:prstGeom>
         </p:spPr>
         <p:txBody>
-          <a:bodyPr lIns="0" rIns="0" tIns="0" bIns="0"/>
-          <a:p>
-            <a:endParaRPr b="0" lang="zh-CN" sz="2800" spc="-1" strike="noStrike">
-              <a:solidFill>
-                <a:srgbClr val="000000"/>
-              </a:solidFill>
-              <a:uFill>
-                <a:solidFill>
-                  <a:srgbClr val="ffffff"/>
+          <a:bodyPr lIns="0" tIns="0" rIns="0" bIns="0"/>
+          <a:lstStyle/>
+          <a:p>
+            <a:endParaRPr lang="zh-CN" sz="2800" b="0" strike="noStrike" spc="-1">
+              <a:solidFill>
+                <a:srgbClr val="000000"/>
+              </a:solidFill>
+              <a:uFill>
+                <a:solidFill>
+                  <a:srgbClr val="FFFFFF"/>
                 </a:solidFill>
               </a:uFill>
               <a:latin typeface="等线"/>
@@ -2726,15 +3110,16 @@
           </a:prstGeom>
         </p:spPr>
         <p:txBody>
-          <a:bodyPr lIns="0" rIns="0" tIns="0" bIns="0"/>
-          <a:p>
-            <a:endParaRPr b="0" lang="zh-CN" sz="2800" spc="-1" strike="noStrike">
-              <a:solidFill>
-                <a:srgbClr val="000000"/>
-              </a:solidFill>
-              <a:uFill>
-                <a:solidFill>
-                  <a:srgbClr val="ffffff"/>
+          <a:bodyPr lIns="0" tIns="0" rIns="0" bIns="0"/>
+          <a:lstStyle/>
+          <a:p>
+            <a:endParaRPr lang="zh-CN" sz="2800" b="0" strike="noStrike" spc="-1">
+              <a:solidFill>
+                <a:srgbClr val="000000"/>
+              </a:solidFill>
+              <a:uFill>
+                <a:solidFill>
+                  <a:srgbClr val="FFFFFF"/>
                 </a:solidFill>
               </a:uFill>
               <a:latin typeface="等线"/>
@@ -2744,11 +3129,14 @@
       </p:sp>
     </p:spTree>
   </p:cSld>
+  <p:clrMapOvr>
+    <a:masterClrMapping/>
+  </p:clrMapOvr>
 </p:sldLayout>
 </file>
 
 <file path=ppt/slideLayouts/slideLayout5.xml><?xml version="1.0" encoding="utf-8"?>
-<p:sldLayout xmlns:a="http://schemas.openxmlformats.org/drawingml/2006/main" xmlns:p="http://schemas.openxmlformats.org/presentationml/2006/main" xmlns:r="http://schemas.openxmlformats.org/officeDocument/2006/relationships" xmlns:p14="http://schemas.microsoft.com/office/powerpoint/2010/main" xmlns:p15="http://schemas.microsoft.com/office/powerpoint/2012/main" xmlns:mc="http://schemas.openxmlformats.org/markup-compatibility/2006" type="titleOnly" preserve="1">
+<p:sldLayout xmlns:a="http://schemas.openxmlformats.org/drawingml/2006/main" xmlns:r="http://schemas.openxmlformats.org/officeDocument/2006/relationships" xmlns:p="http://schemas.openxmlformats.org/presentationml/2006/main" type="titleOnly" preserve="1">
   <p:cSld name="Title Only">
     <p:spTree>
       <p:nvGrpSpPr>
@@ -2784,15 +3172,16 @@
           </a:prstGeom>
         </p:spPr>
         <p:txBody>
-          <a:bodyPr lIns="0" rIns="0" tIns="0" bIns="0" anchor="ctr"/>
-          <a:p>
-            <a:endParaRPr b="0" lang="zh-CN" sz="1800" spc="-1" strike="noStrike">
-              <a:solidFill>
-                <a:srgbClr val="000000"/>
-              </a:solidFill>
-              <a:uFill>
-                <a:solidFill>
-                  <a:srgbClr val="ffffff"/>
+          <a:bodyPr lIns="0" tIns="0" rIns="0" bIns="0" anchor="ctr"/>
+          <a:lstStyle/>
+          <a:p>
+            <a:endParaRPr lang="zh-CN" sz="1800" b="0" strike="noStrike" spc="-1">
+              <a:solidFill>
+                <a:srgbClr val="000000"/>
+              </a:solidFill>
+              <a:uFill>
+                <a:solidFill>
+                  <a:srgbClr val="FFFFFF"/>
                 </a:solidFill>
               </a:uFill>
               <a:latin typeface="等线"/>
@@ -2802,11 +3191,14 @@
       </p:sp>
     </p:spTree>
   </p:cSld>
+  <p:clrMapOvr>
+    <a:masterClrMapping/>
+  </p:clrMapOvr>
 </p:sldLayout>
 </file>
 
 <file path=ppt/slideLayouts/slideLayout6.xml><?xml version="1.0" encoding="utf-8"?>
-<p:sldLayout xmlns:a="http://schemas.openxmlformats.org/drawingml/2006/main" xmlns:p="http://schemas.openxmlformats.org/presentationml/2006/main" xmlns:r="http://schemas.openxmlformats.org/officeDocument/2006/relationships" xmlns:p14="http://schemas.microsoft.com/office/powerpoint/2010/main" xmlns:p15="http://schemas.microsoft.com/office/powerpoint/2012/main" xmlns:mc="http://schemas.openxmlformats.org/markup-compatibility/2006" type="objOnly" preserve="1">
+<p:sldLayout xmlns:a="http://schemas.openxmlformats.org/drawingml/2006/main" xmlns:r="http://schemas.openxmlformats.org/officeDocument/2006/relationships" xmlns:p="http://schemas.openxmlformats.org/presentationml/2006/main" type="objOnly" preserve="1">
   <p:cSld name="Centered Text">
     <p:spTree>
       <p:nvGrpSpPr>
@@ -2842,16 +3234,17 @@
           </a:prstGeom>
         </p:spPr>
         <p:txBody>
-          <a:bodyPr lIns="0" rIns="0" tIns="0" bIns="0" anchor="ctr"/>
+          <a:bodyPr lIns="0" tIns="0" rIns="0" bIns="0" anchor="ctr"/>
+          <a:lstStyle/>
           <a:p>
             <a:pPr algn="ctr"/>
-            <a:endParaRPr b="0" lang="en-US" sz="3200" spc="-1" strike="noStrike">
-              <a:solidFill>
-                <a:srgbClr val="000000"/>
-              </a:solidFill>
-              <a:uFill>
-                <a:solidFill>
-                  <a:srgbClr val="ffffff"/>
+            <a:endParaRPr lang="en-US" sz="3200" b="0" strike="noStrike" spc="-1">
+              <a:solidFill>
+                <a:srgbClr val="000000"/>
+              </a:solidFill>
+              <a:uFill>
+                <a:solidFill>
+                  <a:srgbClr val="FFFFFF"/>
                 </a:solidFill>
               </a:uFill>
               <a:latin typeface="Arial"/>
@@ -2861,11 +3254,14 @@
       </p:sp>
     </p:spTree>
   </p:cSld>
+  <p:clrMapOvr>
+    <a:masterClrMapping/>
+  </p:clrMapOvr>
 </p:sldLayout>
 </file>
 
 <file path=ppt/slideLayouts/slideLayout7.xml><?xml version="1.0" encoding="utf-8"?>
-<p:sldLayout xmlns:a="http://schemas.openxmlformats.org/drawingml/2006/main" xmlns:p="http://schemas.openxmlformats.org/presentationml/2006/main" xmlns:r="http://schemas.openxmlformats.org/officeDocument/2006/relationships" xmlns:p14="http://schemas.microsoft.com/office/powerpoint/2010/main" xmlns:p15="http://schemas.microsoft.com/office/powerpoint/2012/main" xmlns:mc="http://schemas.openxmlformats.org/markup-compatibility/2006" type="twoObjAndObj" preserve="1">
+<p:sldLayout xmlns:a="http://schemas.openxmlformats.org/drawingml/2006/main" xmlns:r="http://schemas.openxmlformats.org/officeDocument/2006/relationships" xmlns:p="http://schemas.openxmlformats.org/presentationml/2006/main" type="twoObjAndObj" preserve="1">
   <p:cSld name="Title, 2 Content and Content">
     <p:spTree>
       <p:nvGrpSpPr>
@@ -2901,15 +3297,16 @@
           </a:prstGeom>
         </p:spPr>
         <p:txBody>
-          <a:bodyPr lIns="0" rIns="0" tIns="0" bIns="0" anchor="ctr"/>
-          <a:p>
-            <a:endParaRPr b="0" lang="zh-CN" sz="1800" spc="-1" strike="noStrike">
-              <a:solidFill>
-                <a:srgbClr val="000000"/>
-              </a:solidFill>
-              <a:uFill>
-                <a:solidFill>
-                  <a:srgbClr val="ffffff"/>
+          <a:bodyPr lIns="0" tIns="0" rIns="0" bIns="0" anchor="ctr"/>
+          <a:lstStyle/>
+          <a:p>
+            <a:endParaRPr lang="zh-CN" sz="1800" b="0" strike="noStrike" spc="-1">
+              <a:solidFill>
+                <a:srgbClr val="000000"/>
+              </a:solidFill>
+              <a:uFill>
+                <a:solidFill>
+                  <a:srgbClr val="FFFFFF"/>
                 </a:solidFill>
               </a:uFill>
               <a:latin typeface="等线"/>
@@ -2937,15 +3334,16 @@
           </a:prstGeom>
         </p:spPr>
         <p:txBody>
-          <a:bodyPr lIns="0" rIns="0" tIns="0" bIns="0"/>
-          <a:p>
-            <a:endParaRPr b="0" lang="zh-CN" sz="2800" spc="-1" strike="noStrike">
-              <a:solidFill>
-                <a:srgbClr val="000000"/>
-              </a:solidFill>
-              <a:uFill>
-                <a:solidFill>
-                  <a:srgbClr val="ffffff"/>
+          <a:bodyPr lIns="0" tIns="0" rIns="0" bIns="0"/>
+          <a:lstStyle/>
+          <a:p>
+            <a:endParaRPr lang="zh-CN" sz="2800" b="0" strike="noStrike" spc="-1">
+              <a:solidFill>
+                <a:srgbClr val="000000"/>
+              </a:solidFill>
+              <a:uFill>
+                <a:solidFill>
+                  <a:srgbClr val="FFFFFF"/>
                 </a:solidFill>
               </a:uFill>
               <a:latin typeface="等线"/>
@@ -2973,15 +3371,16 @@
           </a:prstGeom>
         </p:spPr>
         <p:txBody>
-          <a:bodyPr lIns="0" rIns="0" tIns="0" bIns="0"/>
-          <a:p>
-            <a:endParaRPr b="0" lang="zh-CN" sz="2800" spc="-1" strike="noStrike">
-              <a:solidFill>
-                <a:srgbClr val="000000"/>
-              </a:solidFill>
-              <a:uFill>
-                <a:solidFill>
-                  <a:srgbClr val="ffffff"/>
+          <a:bodyPr lIns="0" tIns="0" rIns="0" bIns="0"/>
+          <a:lstStyle/>
+          <a:p>
+            <a:endParaRPr lang="zh-CN" sz="2800" b="0" strike="noStrike" spc="-1">
+              <a:solidFill>
+                <a:srgbClr val="000000"/>
+              </a:solidFill>
+              <a:uFill>
+                <a:solidFill>
+                  <a:srgbClr val="FFFFFF"/>
                 </a:solidFill>
               </a:uFill>
               <a:latin typeface="等线"/>
@@ -3009,15 +3408,16 @@
           </a:prstGeom>
         </p:spPr>
         <p:txBody>
-          <a:bodyPr lIns="0" rIns="0" tIns="0" bIns="0"/>
-          <a:p>
-            <a:endParaRPr b="0" lang="zh-CN" sz="2800" spc="-1" strike="noStrike">
-              <a:solidFill>
-                <a:srgbClr val="000000"/>
-              </a:solidFill>
-              <a:uFill>
-                <a:solidFill>
-                  <a:srgbClr val="ffffff"/>
+          <a:bodyPr lIns="0" tIns="0" rIns="0" bIns="0"/>
+          <a:lstStyle/>
+          <a:p>
+            <a:endParaRPr lang="zh-CN" sz="2800" b="0" strike="noStrike" spc="-1">
+              <a:solidFill>
+                <a:srgbClr val="000000"/>
+              </a:solidFill>
+              <a:uFill>
+                <a:solidFill>
+                  <a:srgbClr val="FFFFFF"/>
                 </a:solidFill>
               </a:uFill>
               <a:latin typeface="等线"/>
@@ -3027,11 +3427,14 @@
       </p:sp>
     </p:spTree>
   </p:cSld>
+  <p:clrMapOvr>
+    <a:masterClrMapping/>
+  </p:clrMapOvr>
 </p:sldLayout>
 </file>
 
 <file path=ppt/slideLayouts/slideLayout8.xml><?xml version="1.0" encoding="utf-8"?>
-<p:sldLayout xmlns:a="http://schemas.openxmlformats.org/drawingml/2006/main" xmlns:p="http://schemas.openxmlformats.org/presentationml/2006/main" xmlns:r="http://schemas.openxmlformats.org/officeDocument/2006/relationships" xmlns:p14="http://schemas.microsoft.com/office/powerpoint/2010/main" xmlns:p15="http://schemas.microsoft.com/office/powerpoint/2012/main" xmlns:mc="http://schemas.openxmlformats.org/markup-compatibility/2006" type="objAndTwoObj" preserve="1">
+<p:sldLayout xmlns:a="http://schemas.openxmlformats.org/drawingml/2006/main" xmlns:r="http://schemas.openxmlformats.org/officeDocument/2006/relationships" xmlns:p="http://schemas.openxmlformats.org/presentationml/2006/main" type="objAndTwoObj" preserve="1">
   <p:cSld name="Title Content and 2 Content">
     <p:spTree>
       <p:nvGrpSpPr>
@@ -3067,15 +3470,16 @@
           </a:prstGeom>
         </p:spPr>
         <p:txBody>
-          <a:bodyPr lIns="0" rIns="0" tIns="0" bIns="0" anchor="ctr"/>
-          <a:p>
-            <a:endParaRPr b="0" lang="zh-CN" sz="1800" spc="-1" strike="noStrike">
-              <a:solidFill>
-                <a:srgbClr val="000000"/>
-              </a:solidFill>
-              <a:uFill>
-                <a:solidFill>
-                  <a:srgbClr val="ffffff"/>
+          <a:bodyPr lIns="0" tIns="0" rIns="0" bIns="0" anchor="ctr"/>
+          <a:lstStyle/>
+          <a:p>
+            <a:endParaRPr lang="zh-CN" sz="1800" b="0" strike="noStrike" spc="-1">
+              <a:solidFill>
+                <a:srgbClr val="000000"/>
+              </a:solidFill>
+              <a:uFill>
+                <a:solidFill>
+                  <a:srgbClr val="FFFFFF"/>
                 </a:solidFill>
               </a:uFill>
               <a:latin typeface="等线"/>
@@ -3103,15 +3507,16 @@
           </a:prstGeom>
         </p:spPr>
         <p:txBody>
-          <a:bodyPr lIns="0" rIns="0" tIns="0" bIns="0"/>
-          <a:p>
-            <a:endParaRPr b="0" lang="zh-CN" sz="2800" spc="-1" strike="noStrike">
-              <a:solidFill>
-                <a:srgbClr val="000000"/>
-              </a:solidFill>
-              <a:uFill>
-                <a:solidFill>
-                  <a:srgbClr val="ffffff"/>
+          <a:bodyPr lIns="0" tIns="0" rIns="0" bIns="0"/>
+          <a:lstStyle/>
+          <a:p>
+            <a:endParaRPr lang="zh-CN" sz="2800" b="0" strike="noStrike" spc="-1">
+              <a:solidFill>
+                <a:srgbClr val="000000"/>
+              </a:solidFill>
+              <a:uFill>
+                <a:solidFill>
+                  <a:srgbClr val="FFFFFF"/>
                 </a:solidFill>
               </a:uFill>
               <a:latin typeface="等线"/>
@@ -3139,15 +3544,16 @@
           </a:prstGeom>
         </p:spPr>
         <p:txBody>
-          <a:bodyPr lIns="0" rIns="0" tIns="0" bIns="0"/>
-          <a:p>
-            <a:endParaRPr b="0" lang="zh-CN" sz="2800" spc="-1" strike="noStrike">
-              <a:solidFill>
-                <a:srgbClr val="000000"/>
-              </a:solidFill>
-              <a:uFill>
-                <a:solidFill>
-                  <a:srgbClr val="ffffff"/>
+          <a:bodyPr lIns="0" tIns="0" rIns="0" bIns="0"/>
+          <a:lstStyle/>
+          <a:p>
+            <a:endParaRPr lang="zh-CN" sz="2800" b="0" strike="noStrike" spc="-1">
+              <a:solidFill>
+                <a:srgbClr val="000000"/>
+              </a:solidFill>
+              <a:uFill>
+                <a:solidFill>
+                  <a:srgbClr val="FFFFFF"/>
                 </a:solidFill>
               </a:uFill>
               <a:latin typeface="等线"/>
@@ -3175,15 +3581,16 @@
           </a:prstGeom>
         </p:spPr>
         <p:txBody>
-          <a:bodyPr lIns="0" rIns="0" tIns="0" bIns="0"/>
-          <a:p>
-            <a:endParaRPr b="0" lang="zh-CN" sz="2800" spc="-1" strike="noStrike">
-              <a:solidFill>
-                <a:srgbClr val="000000"/>
-              </a:solidFill>
-              <a:uFill>
-                <a:solidFill>
-                  <a:srgbClr val="ffffff"/>
+          <a:bodyPr lIns="0" tIns="0" rIns="0" bIns="0"/>
+          <a:lstStyle/>
+          <a:p>
+            <a:endParaRPr lang="zh-CN" sz="2800" b="0" strike="noStrike" spc="-1">
+              <a:solidFill>
+                <a:srgbClr val="000000"/>
+              </a:solidFill>
+              <a:uFill>
+                <a:solidFill>
+                  <a:srgbClr val="FFFFFF"/>
                 </a:solidFill>
               </a:uFill>
               <a:latin typeface="等线"/>
@@ -3193,11 +3600,14 @@
       </p:sp>
     </p:spTree>
   </p:cSld>
+  <p:clrMapOvr>
+    <a:masterClrMapping/>
+  </p:clrMapOvr>
 </p:sldLayout>
 </file>
 
 <file path=ppt/slideLayouts/slideLayout9.xml><?xml version="1.0" encoding="utf-8"?>
-<p:sldLayout xmlns:a="http://schemas.openxmlformats.org/drawingml/2006/main" xmlns:p="http://schemas.openxmlformats.org/presentationml/2006/main" xmlns:r="http://schemas.openxmlformats.org/officeDocument/2006/relationships" xmlns:p14="http://schemas.microsoft.com/office/powerpoint/2010/main" xmlns:p15="http://schemas.microsoft.com/office/powerpoint/2012/main" xmlns:mc="http://schemas.openxmlformats.org/markup-compatibility/2006" type="twoObjOverTx" preserve="1">
+<p:sldLayout xmlns:a="http://schemas.openxmlformats.org/drawingml/2006/main" xmlns:r="http://schemas.openxmlformats.org/officeDocument/2006/relationships" xmlns:p="http://schemas.openxmlformats.org/presentationml/2006/main" type="twoObjOverTx" preserve="1">
   <p:cSld name="Title, 2 Content over Content">
     <p:spTree>
       <p:nvGrpSpPr>
@@ -3233,15 +3643,16 @@
           </a:prstGeom>
         </p:spPr>
         <p:txBody>
-          <a:bodyPr lIns="0" rIns="0" tIns="0" bIns="0" anchor="ctr"/>
-          <a:p>
-            <a:endParaRPr b="0" lang="zh-CN" sz="1800" spc="-1" strike="noStrike">
-              <a:solidFill>
-                <a:srgbClr val="000000"/>
-              </a:solidFill>
-              <a:uFill>
-                <a:solidFill>
-                  <a:srgbClr val="ffffff"/>
+          <a:bodyPr lIns="0" tIns="0" rIns="0" bIns="0" anchor="ctr"/>
+          <a:lstStyle/>
+          <a:p>
+            <a:endParaRPr lang="zh-CN" sz="1800" b="0" strike="noStrike" spc="-1">
+              <a:solidFill>
+                <a:srgbClr val="000000"/>
+              </a:solidFill>
+              <a:uFill>
+                <a:solidFill>
+                  <a:srgbClr val="FFFFFF"/>
                 </a:solidFill>
               </a:uFill>
               <a:latin typeface="等线"/>
@@ -3269,15 +3680,16 @@
           </a:prstGeom>
         </p:spPr>
         <p:txBody>
-          <a:bodyPr lIns="0" rIns="0" tIns="0" bIns="0"/>
-          <a:p>
-            <a:endParaRPr b="0" lang="zh-CN" sz="2800" spc="-1" strike="noStrike">
-              <a:solidFill>
-                <a:srgbClr val="000000"/>
-              </a:solidFill>
-              <a:uFill>
-                <a:solidFill>
-                  <a:srgbClr val="ffffff"/>
+          <a:bodyPr lIns="0" tIns="0" rIns="0" bIns="0"/>
+          <a:lstStyle/>
+          <a:p>
+            <a:endParaRPr lang="zh-CN" sz="2800" b="0" strike="noStrike" spc="-1">
+              <a:solidFill>
+                <a:srgbClr val="000000"/>
+              </a:solidFill>
+              <a:uFill>
+                <a:solidFill>
+                  <a:srgbClr val="FFFFFF"/>
                 </a:solidFill>
               </a:uFill>
               <a:latin typeface="等线"/>
@@ -3305,15 +3717,16 @@
           </a:prstGeom>
         </p:spPr>
         <p:txBody>
-          <a:bodyPr lIns="0" rIns="0" tIns="0" bIns="0"/>
-          <a:p>
-            <a:endParaRPr b="0" lang="zh-CN" sz="2800" spc="-1" strike="noStrike">
-              <a:solidFill>
-                <a:srgbClr val="000000"/>
-              </a:solidFill>
-              <a:uFill>
-                <a:solidFill>
-                  <a:srgbClr val="ffffff"/>
+          <a:bodyPr lIns="0" tIns="0" rIns="0" bIns="0"/>
+          <a:lstStyle/>
+          <a:p>
+            <a:endParaRPr lang="zh-CN" sz="2800" b="0" strike="noStrike" spc="-1">
+              <a:solidFill>
+                <a:srgbClr val="000000"/>
+              </a:solidFill>
+              <a:uFill>
+                <a:solidFill>
+                  <a:srgbClr val="FFFFFF"/>
                 </a:solidFill>
               </a:uFill>
               <a:latin typeface="等线"/>
@@ -3341,15 +3754,16 @@
           </a:prstGeom>
         </p:spPr>
         <p:txBody>
-          <a:bodyPr lIns="0" rIns="0" tIns="0" bIns="0"/>
-          <a:p>
-            <a:endParaRPr b="0" lang="zh-CN" sz="2800" spc="-1" strike="noStrike">
-              <a:solidFill>
-                <a:srgbClr val="000000"/>
-              </a:solidFill>
-              <a:uFill>
-                <a:solidFill>
-                  <a:srgbClr val="ffffff"/>
+          <a:bodyPr lIns="0" tIns="0" rIns="0" bIns="0"/>
+          <a:lstStyle/>
+          <a:p>
+            <a:endParaRPr lang="zh-CN" sz="2800" b="0" strike="noStrike" spc="-1">
+              <a:solidFill>
+                <a:srgbClr val="000000"/>
+              </a:solidFill>
+              <a:uFill>
+                <a:solidFill>
+                  <a:srgbClr val="FFFFFF"/>
                 </a:solidFill>
               </a:uFill>
               <a:latin typeface="等线"/>
@@ -3359,17 +3773,21 @@
       </p:sp>
     </p:spTree>
   </p:cSld>
+  <p:clrMapOvr>
+    <a:masterClrMapping/>
+  </p:clrMapOvr>
 </p:sldLayout>
 </file>
 
 <file path=ppt/slideMasters/slideMaster1.xml><?xml version="1.0" encoding="utf-8"?>
-<p:sldMaster xmlns:a="http://schemas.openxmlformats.org/drawingml/2006/main" xmlns:p="http://schemas.openxmlformats.org/presentationml/2006/main" xmlns:r="http://schemas.openxmlformats.org/officeDocument/2006/relationships" xmlns:p14="http://schemas.microsoft.com/office/powerpoint/2010/main" xmlns:p15="http://schemas.microsoft.com/office/powerpoint/2012/main" xmlns:mc="http://schemas.openxmlformats.org/markup-compatibility/2006">
+<p:sldMaster xmlns:a="http://schemas.openxmlformats.org/drawingml/2006/main" xmlns:r="http://schemas.openxmlformats.org/officeDocument/2006/relationships" xmlns:p="http://schemas.openxmlformats.org/presentationml/2006/main">
   <p:cSld>
     <p:bg>
       <p:bgPr>
         <a:solidFill>
-          <a:srgbClr val="ffffff"/>
+          <a:srgbClr val="FFFFFF"/>
         </a:solidFill>
+        <a:effectLst/>
       </p:bgPr>
     </p:bg>
     <p:spTree>
@@ -3388,7 +3806,7 @@
       </p:grpSpPr>
       <p:sp>
         <p:nvSpPr>
-          <p:cNvPr id="0" name="PlaceHolder 1"/>
+          <p:cNvPr id="5" name="PlaceHolder 1"/>
           <p:cNvSpPr>
             <a:spLocks noGrp="1"/>
           </p:cNvSpPr>
@@ -3407,6 +3825,7 @@
         </p:spPr>
         <p:txBody>
           <a:bodyPr anchor="b"/>
+          <a:lstStyle/>
           <a:p>
             <a:pPr algn="ctr">
               <a:lnSpc>
@@ -3414,36 +3833,36 @@
               </a:lnSpc>
             </a:pPr>
             <a:r>
-              <a:rPr b="0" lang="zh-CN" sz="6000" spc="-1" strike="noStrike">
-                <a:solidFill>
-                  <a:srgbClr val="000000"/>
-                </a:solidFill>
-                <a:uFill>
-                  <a:solidFill>
-                    <a:srgbClr val="ffffff"/>
+              <a:rPr lang="zh-CN" sz="6000" b="0" strike="noStrike" spc="-1">
+                <a:solidFill>
+                  <a:srgbClr val="000000"/>
+                </a:solidFill>
+                <a:uFill>
+                  <a:solidFill>
+                    <a:srgbClr val="FFFFFF"/>
                   </a:solidFill>
                 </a:uFill>
                 <a:latin typeface="等线 Light"/>
               </a:rPr>
               <a:t>单击此处编辑母版标题样式</a:t>
             </a:r>
-            <a:endParaRPr b="0" lang="zh-CN" sz="1800" spc="-1" strike="noStrike">
-              <a:solidFill>
-                <a:srgbClr val="000000"/>
-              </a:solidFill>
-              <a:uFill>
-                <a:solidFill>
-                  <a:srgbClr val="ffffff"/>
-                </a:solidFill>
-              </a:uFill>
-              <a:latin typeface="等线"/>
-            </a:endParaRPr>
-          </a:p>
-        </p:txBody>
-      </p:sp>
-      <p:sp>
-        <p:nvSpPr>
-          <p:cNvPr id="1" name="PlaceHolder 2"/>
+            <a:endParaRPr lang="zh-CN" sz="1800" b="0" strike="noStrike" spc="-1">
+              <a:solidFill>
+                <a:srgbClr val="000000"/>
+              </a:solidFill>
+              <a:uFill>
+                <a:solidFill>
+                  <a:srgbClr val="FFFFFF"/>
+                </a:solidFill>
+              </a:uFill>
+              <a:latin typeface="等线"/>
+            </a:endParaRPr>
+          </a:p>
+        </p:txBody>
+      </p:sp>
+      <p:sp>
+        <p:nvSpPr>
+          <p:cNvPr id="6" name="PlaceHolder 2"/>
           <p:cNvSpPr>
             <a:spLocks noGrp="1"/>
           </p:cNvSpPr>
@@ -3462,6 +3881,7 @@
         </p:spPr>
         <p:txBody>
           <a:bodyPr anchor="ctr"/>
+          <a:lstStyle/>
           <a:p>
             <a:pPr>
               <a:lnSpc>
@@ -3469,26 +3889,26 @@
               </a:lnSpc>
             </a:pPr>
             <a:r>
-              <a:rPr b="0" lang="en-US" sz="1200" spc="-1" strike="noStrike">
-                <a:solidFill>
-                  <a:srgbClr val="8b8b8b"/>
-                </a:solidFill>
-                <a:uFill>
-                  <a:solidFill>
-                    <a:srgbClr val="ffffff"/>
+              <a:rPr lang="en-US" sz="1200" b="0" strike="noStrike" spc="-1">
+                <a:solidFill>
+                  <a:srgbClr val="8B8B8B"/>
+                </a:solidFill>
+                <a:uFill>
+                  <a:solidFill>
+                    <a:srgbClr val="FFFFFF"/>
                   </a:solidFill>
                 </a:uFill>
                 <a:latin typeface="等线"/>
               </a:rPr>
               <a:t>12/6/18</a:t>
             </a:r>
-            <a:endParaRPr b="0" lang="en-US" sz="1400" spc="-1" strike="noStrike">
-              <a:solidFill>
-                <a:srgbClr val="000000"/>
-              </a:solidFill>
-              <a:uFill>
-                <a:solidFill>
-                  <a:srgbClr val="ffffff"/>
+            <a:endParaRPr lang="en-US" sz="1400" b="0" strike="noStrike" spc="-1">
+              <a:solidFill>
+                <a:srgbClr val="000000"/>
+              </a:solidFill>
+              <a:uFill>
+                <a:solidFill>
+                  <a:srgbClr val="FFFFFF"/>
                 </a:solidFill>
               </a:uFill>
               <a:latin typeface="Times New Roman"/>
@@ -3517,14 +3937,15 @@
         </p:spPr>
         <p:txBody>
           <a:bodyPr anchor="ctr"/>
-          <a:p>
-            <a:endParaRPr b="0" lang="en-US" sz="2400" spc="-1" strike="noStrike">
-              <a:solidFill>
-                <a:srgbClr val="000000"/>
-              </a:solidFill>
-              <a:uFill>
-                <a:solidFill>
-                  <a:srgbClr val="ffffff"/>
+          <a:lstStyle/>
+          <a:p>
+            <a:endParaRPr lang="en-US" sz="2400" b="0" strike="noStrike" spc="-1">
+              <a:solidFill>
+                <a:srgbClr val="000000"/>
+              </a:solidFill>
+              <a:uFill>
+                <a:solidFill>
+                  <a:srgbClr val="FFFFFF"/>
                 </a:solidFill>
               </a:uFill>
               <a:latin typeface="Times New Roman"/>
@@ -3553,6 +3974,7 @@
         </p:spPr>
         <p:txBody>
           <a:bodyPr anchor="ctr"/>
+          <a:lstStyle/>
           <a:p>
             <a:pPr algn="r">
               <a:lnSpc>
@@ -3560,26 +3982,26 @@
               </a:lnSpc>
             </a:pPr>
             <a:fld id="{812F3A1F-EDC8-4F57-A472-F74296B731F0}" type="slidenum">
-              <a:rPr b="0" lang="en-US" sz="1200" spc="-1" strike="noStrike">
-                <a:solidFill>
-                  <a:srgbClr val="8b8b8b"/>
-                </a:solidFill>
-                <a:uFill>
-                  <a:solidFill>
-                    <a:srgbClr val="ffffff"/>
+              <a:rPr lang="en-US" sz="1200" b="0" strike="noStrike" spc="-1">
+                <a:solidFill>
+                  <a:srgbClr val="8B8B8B"/>
+                </a:solidFill>
+                <a:uFill>
+                  <a:solidFill>
+                    <a:srgbClr val="FFFFFF"/>
                   </a:solidFill>
                 </a:uFill>
                 <a:latin typeface="等线"/>
               </a:rPr>
-              <a:t>&lt;number&gt;</a:t>
+              <a:t>‹#›</a:t>
             </a:fld>
-            <a:endParaRPr b="0" lang="en-US" sz="1400" spc="-1" strike="noStrike">
-              <a:solidFill>
-                <a:srgbClr val="000000"/>
-              </a:solidFill>
-              <a:uFill>
-                <a:solidFill>
-                  <a:srgbClr val="ffffff"/>
+            <a:endParaRPr lang="en-US" sz="1400" b="0" strike="noStrike" spc="-1">
+              <a:solidFill>
+                <a:srgbClr val="000000"/>
+              </a:solidFill>
+              <a:uFill>
+                <a:solidFill>
+                  <a:srgbClr val="FFFFFF"/>
                 </a:solidFill>
               </a:uFill>
               <a:latin typeface="Times New Roman"/>
@@ -3607,7 +4029,8 @@
           </a:prstGeom>
         </p:spPr>
         <p:txBody>
-          <a:bodyPr lIns="0" rIns="0" tIns="0" bIns="0"/>
+          <a:bodyPr lIns="0" tIns="0" rIns="0" bIns="0"/>
+          <a:lstStyle/>
           <a:p>
             <a:pPr marL="432000" indent="-324000">
               <a:buClr>
@@ -3618,33 +4041,22 @@
               <a:buChar char=""/>
             </a:pPr>
             <a:r>
-              <a:rPr b="0" lang="zh-CN" sz="2800" spc="-1" strike="noStrike">
-                <a:solidFill>
-                  <a:srgbClr val="000000"/>
-                </a:solidFill>
-                <a:uFill>
-                  <a:solidFill>
-                    <a:srgbClr val="ffffff"/>
+              <a:rPr lang="zh-CN" sz="2800" b="0" strike="noStrike" spc="-1">
+                <a:solidFill>
+                  <a:srgbClr val="000000"/>
+                </a:solidFill>
+                <a:uFill>
+                  <a:solidFill>
+                    <a:srgbClr val="FFFFFF"/>
                   </a:solidFill>
                 </a:uFill>
                 <a:latin typeface="等线"/>
               </a:rPr>
               <a:t>Click to edit the outline text format</a:t>
             </a:r>
-            <a:endParaRPr b="0" lang="zh-CN" sz="2800" spc="-1" strike="noStrike">
-              <a:solidFill>
-                <a:srgbClr val="000000"/>
-              </a:solidFill>
-              <a:uFill>
-                <a:solidFill>
-                  <a:srgbClr val="ffffff"/>
-                </a:solidFill>
-              </a:uFill>
-              <a:latin typeface="等线"/>
-            </a:endParaRPr>
-          </a:p>
-          <a:p>
-            <a:pPr lvl="1" marL="864000" indent="-324000">
+          </a:p>
+          <a:p>
+            <a:pPr marL="864000" lvl="1" indent="-324000">
               <a:buClr>
                 <a:srgbClr val="000000"/>
               </a:buClr>
@@ -3653,33 +4065,22 @@
               <a:buChar char=""/>
             </a:pPr>
             <a:r>
-              <a:rPr b="0" lang="zh-CN" sz="2000" spc="-1" strike="noStrike">
-                <a:solidFill>
-                  <a:srgbClr val="000000"/>
-                </a:solidFill>
-                <a:uFill>
-                  <a:solidFill>
-                    <a:srgbClr val="ffffff"/>
+              <a:rPr lang="zh-CN" sz="2000" b="0" strike="noStrike" spc="-1">
+                <a:solidFill>
+                  <a:srgbClr val="000000"/>
+                </a:solidFill>
+                <a:uFill>
+                  <a:solidFill>
+                    <a:srgbClr val="FFFFFF"/>
                   </a:solidFill>
                 </a:uFill>
                 <a:latin typeface="等线"/>
               </a:rPr>
               <a:t>Second Outline Level</a:t>
             </a:r>
-            <a:endParaRPr b="0" lang="zh-CN" sz="2000" spc="-1" strike="noStrike">
-              <a:solidFill>
-                <a:srgbClr val="000000"/>
-              </a:solidFill>
-              <a:uFill>
-                <a:solidFill>
-                  <a:srgbClr val="ffffff"/>
-                </a:solidFill>
-              </a:uFill>
-              <a:latin typeface="等线"/>
-            </a:endParaRPr>
-          </a:p>
-          <a:p>
-            <a:pPr lvl="2" marL="1296000" indent="-288000">
+          </a:p>
+          <a:p>
+            <a:pPr marL="1296000" lvl="2" indent="-288000">
               <a:buClr>
                 <a:srgbClr val="000000"/>
               </a:buClr>
@@ -3688,33 +4089,22 @@
               <a:buChar char=""/>
             </a:pPr>
             <a:r>
-              <a:rPr b="0" lang="zh-CN" sz="1800" spc="-1" strike="noStrike">
-                <a:solidFill>
-                  <a:srgbClr val="000000"/>
-                </a:solidFill>
-                <a:uFill>
-                  <a:solidFill>
-                    <a:srgbClr val="ffffff"/>
+              <a:rPr lang="zh-CN" sz="1800" b="0" strike="noStrike" spc="-1">
+                <a:solidFill>
+                  <a:srgbClr val="000000"/>
+                </a:solidFill>
+                <a:uFill>
+                  <a:solidFill>
+                    <a:srgbClr val="FFFFFF"/>
                   </a:solidFill>
                 </a:uFill>
                 <a:latin typeface="等线"/>
               </a:rPr>
               <a:t>Third Outline Level</a:t>
             </a:r>
-            <a:endParaRPr b="0" lang="zh-CN" sz="1800" spc="-1" strike="noStrike">
-              <a:solidFill>
-                <a:srgbClr val="000000"/>
-              </a:solidFill>
-              <a:uFill>
-                <a:solidFill>
-                  <a:srgbClr val="ffffff"/>
-                </a:solidFill>
-              </a:uFill>
-              <a:latin typeface="等线"/>
-            </a:endParaRPr>
-          </a:p>
-          <a:p>
-            <a:pPr lvl="3" marL="1728000" indent="-216000">
+          </a:p>
+          <a:p>
+            <a:pPr marL="1728000" lvl="3" indent="-216000">
               <a:buClr>
                 <a:srgbClr val="000000"/>
               </a:buClr>
@@ -3723,33 +4113,22 @@
               <a:buChar char=""/>
             </a:pPr>
             <a:r>
-              <a:rPr b="0" lang="zh-CN" sz="1800" spc="-1" strike="noStrike">
-                <a:solidFill>
-                  <a:srgbClr val="000000"/>
-                </a:solidFill>
-                <a:uFill>
-                  <a:solidFill>
-                    <a:srgbClr val="ffffff"/>
+              <a:rPr lang="zh-CN" sz="1800" b="0" strike="noStrike" spc="-1">
+                <a:solidFill>
+                  <a:srgbClr val="000000"/>
+                </a:solidFill>
+                <a:uFill>
+                  <a:solidFill>
+                    <a:srgbClr val="FFFFFF"/>
                   </a:solidFill>
                 </a:uFill>
                 <a:latin typeface="等线"/>
               </a:rPr>
               <a:t>Fourth Outline Level</a:t>
             </a:r>
-            <a:endParaRPr b="0" lang="zh-CN" sz="1800" spc="-1" strike="noStrike">
-              <a:solidFill>
-                <a:srgbClr val="000000"/>
-              </a:solidFill>
-              <a:uFill>
-                <a:solidFill>
-                  <a:srgbClr val="ffffff"/>
-                </a:solidFill>
-              </a:uFill>
-              <a:latin typeface="等线"/>
-            </a:endParaRPr>
-          </a:p>
-          <a:p>
-            <a:pPr lvl="4" marL="2160000" indent="-216000">
+          </a:p>
+          <a:p>
+            <a:pPr marL="2160000" lvl="4" indent="-216000">
               <a:buClr>
                 <a:srgbClr val="000000"/>
               </a:buClr>
@@ -3758,33 +4137,22 @@
               <a:buChar char=""/>
             </a:pPr>
             <a:r>
-              <a:rPr b="0" lang="zh-CN" sz="2000" spc="-1" strike="noStrike">
-                <a:solidFill>
-                  <a:srgbClr val="000000"/>
-                </a:solidFill>
-                <a:uFill>
-                  <a:solidFill>
-                    <a:srgbClr val="ffffff"/>
+              <a:rPr lang="zh-CN" sz="2000" b="0" strike="noStrike" spc="-1">
+                <a:solidFill>
+                  <a:srgbClr val="000000"/>
+                </a:solidFill>
+                <a:uFill>
+                  <a:solidFill>
+                    <a:srgbClr val="FFFFFF"/>
                   </a:solidFill>
                 </a:uFill>
                 <a:latin typeface="等线"/>
               </a:rPr>
               <a:t>Fifth Outline Level</a:t>
             </a:r>
-            <a:endParaRPr b="0" lang="zh-CN" sz="2000" spc="-1" strike="noStrike">
-              <a:solidFill>
-                <a:srgbClr val="000000"/>
-              </a:solidFill>
-              <a:uFill>
-                <a:solidFill>
-                  <a:srgbClr val="ffffff"/>
-                </a:solidFill>
-              </a:uFill>
-              <a:latin typeface="等线"/>
-            </a:endParaRPr>
-          </a:p>
-          <a:p>
-            <a:pPr lvl="5" marL="2592000" indent="-216000">
+          </a:p>
+          <a:p>
+            <a:pPr marL="2592000" lvl="5" indent="-216000">
               <a:buClr>
                 <a:srgbClr val="000000"/>
               </a:buClr>
@@ -3793,33 +4161,22 @@
               <a:buChar char=""/>
             </a:pPr>
             <a:r>
-              <a:rPr b="0" lang="zh-CN" sz="2000" spc="-1" strike="noStrike">
-                <a:solidFill>
-                  <a:srgbClr val="000000"/>
-                </a:solidFill>
-                <a:uFill>
-                  <a:solidFill>
-                    <a:srgbClr val="ffffff"/>
+              <a:rPr lang="zh-CN" sz="2000" b="0" strike="noStrike" spc="-1">
+                <a:solidFill>
+                  <a:srgbClr val="000000"/>
+                </a:solidFill>
+                <a:uFill>
+                  <a:solidFill>
+                    <a:srgbClr val="FFFFFF"/>
                   </a:solidFill>
                 </a:uFill>
                 <a:latin typeface="等线"/>
               </a:rPr>
               <a:t>Sixth Outline Level</a:t>
             </a:r>
-            <a:endParaRPr b="0" lang="zh-CN" sz="2000" spc="-1" strike="noStrike">
-              <a:solidFill>
-                <a:srgbClr val="000000"/>
-              </a:solidFill>
-              <a:uFill>
-                <a:solidFill>
-                  <a:srgbClr val="ffffff"/>
-                </a:solidFill>
-              </a:uFill>
-              <a:latin typeface="等线"/>
-            </a:endParaRPr>
-          </a:p>
-          <a:p>
-            <a:pPr lvl="6" marL="3024000" indent="-216000">
+          </a:p>
+          <a:p>
+            <a:pPr marL="3024000" lvl="6" indent="-216000">
               <a:buClr>
                 <a:srgbClr val="000000"/>
               </a:buClr>
@@ -3828,61 +4185,331 @@
               <a:buChar char=""/>
             </a:pPr>
             <a:r>
-              <a:rPr b="0" lang="zh-CN" sz="2000" spc="-1" strike="noStrike">
-                <a:solidFill>
-                  <a:srgbClr val="000000"/>
-                </a:solidFill>
-                <a:uFill>
-                  <a:solidFill>
-                    <a:srgbClr val="ffffff"/>
+              <a:rPr lang="zh-CN" sz="2000" b="0" strike="noStrike" spc="-1">
+                <a:solidFill>
+                  <a:srgbClr val="000000"/>
+                </a:solidFill>
+                <a:uFill>
+                  <a:solidFill>
+                    <a:srgbClr val="FFFFFF"/>
                   </a:solidFill>
                 </a:uFill>
                 <a:latin typeface="等线"/>
               </a:rPr>
               <a:t>Seventh Outline Level</a:t>
             </a:r>
-            <a:endParaRPr b="0" lang="zh-CN" sz="2000" spc="-1" strike="noStrike">
-              <a:solidFill>
-                <a:srgbClr val="000000"/>
-              </a:solidFill>
-              <a:uFill>
-                <a:solidFill>
-                  <a:srgbClr val="ffffff"/>
-                </a:solidFill>
-              </a:uFill>
-              <a:latin typeface="等线"/>
-            </a:endParaRPr>
           </a:p>
         </p:txBody>
       </p:sp>
     </p:spTree>
   </p:cSld>
-  <p:clrMap bg1="lt1" bg2="lt2" tx1="dk1" tx2="dk2" accent1="accent1" accent2="accent2" accent3="accent3" accent4="accent4" accent5="accent5" accent6="accent6" hlink="hlink" folHlink="folHlink"/>
+  <p:clrMap bg1="lt1" tx1="dk1" bg2="lt2" tx2="dk2" accent1="accent1" accent2="accent2" accent3="accent3" accent4="accent4" accent5="accent5" accent6="accent6" hlink="hlink" folHlink="folHlink"/>
   <p:sldLayoutIdLst>
-    <p:sldLayoutId id="2147483649" r:id="rId2"/>
-    <p:sldLayoutId id="2147483650" r:id="rId3"/>
-    <p:sldLayoutId id="2147483651" r:id="rId4"/>
-    <p:sldLayoutId id="2147483652" r:id="rId5"/>
-    <p:sldLayoutId id="2147483653" r:id="rId6"/>
-    <p:sldLayoutId id="2147483654" r:id="rId7"/>
-    <p:sldLayoutId id="2147483655" r:id="rId8"/>
-    <p:sldLayoutId id="2147483656" r:id="rId9"/>
-    <p:sldLayoutId id="2147483657" r:id="rId10"/>
-    <p:sldLayoutId id="2147483658" r:id="rId11"/>
-    <p:sldLayoutId id="2147483659" r:id="rId12"/>
-    <p:sldLayoutId id="2147483660" r:id="rId13"/>
+    <p:sldLayoutId id="2147483649" r:id="rId1"/>
+    <p:sldLayoutId id="2147483650" r:id="rId2"/>
+    <p:sldLayoutId id="2147483651" r:id="rId3"/>
+    <p:sldLayoutId id="2147483652" r:id="rId4"/>
+    <p:sldLayoutId id="2147483653" r:id="rId5"/>
+    <p:sldLayoutId id="2147483654" r:id="rId6"/>
+    <p:sldLayoutId id="2147483655" r:id="rId7"/>
+    <p:sldLayoutId id="2147483656" r:id="rId8"/>
+    <p:sldLayoutId id="2147483657" r:id="rId9"/>
+    <p:sldLayoutId id="2147483658" r:id="rId10"/>
+    <p:sldLayoutId id="2147483659" r:id="rId11"/>
+    <p:sldLayoutId id="2147483660" r:id="rId12"/>
   </p:sldLayoutIdLst>
+  <p:txStyles>
+    <p:titleStyle>
+      <a:lvl1pPr algn="l" defTabSz="914400" rtl="0" eaLnBrk="1" latinLnBrk="0" hangingPunct="1">
+        <a:lnSpc>
+          <a:spcPct val="90000"/>
+        </a:lnSpc>
+        <a:spcBef>
+          <a:spcPct val="0"/>
+        </a:spcBef>
+        <a:buNone/>
+        <a:defRPr sz="4400" kern="1200">
+          <a:solidFill>
+            <a:schemeClr val="tx1"/>
+          </a:solidFill>
+          <a:latin typeface="+mj-lt"/>
+          <a:ea typeface="+mj-ea"/>
+          <a:cs typeface="+mj-cs"/>
+        </a:defRPr>
+      </a:lvl1pPr>
+    </p:titleStyle>
+    <p:bodyStyle>
+      <a:lvl1pPr marL="228600" indent="-228600" algn="l" defTabSz="914400" rtl="0" eaLnBrk="1" latinLnBrk="0" hangingPunct="1">
+        <a:lnSpc>
+          <a:spcPct val="90000"/>
+        </a:lnSpc>
+        <a:spcBef>
+          <a:spcPts val="1000"/>
+        </a:spcBef>
+        <a:buFont typeface="Arial" panose="020B0604020202020204" pitchFamily="34" charset="0"/>
+        <a:buChar char="•"/>
+        <a:defRPr sz="2800" kern="1200">
+          <a:solidFill>
+            <a:schemeClr val="tx1"/>
+          </a:solidFill>
+          <a:latin typeface="+mn-lt"/>
+          <a:ea typeface="+mn-ea"/>
+          <a:cs typeface="+mn-cs"/>
+        </a:defRPr>
+      </a:lvl1pPr>
+      <a:lvl2pPr marL="685800" indent="-228600" algn="l" defTabSz="914400" rtl="0" eaLnBrk="1" latinLnBrk="0" hangingPunct="1">
+        <a:lnSpc>
+          <a:spcPct val="90000"/>
+        </a:lnSpc>
+        <a:spcBef>
+          <a:spcPts val="500"/>
+        </a:spcBef>
+        <a:buFont typeface="Arial" panose="020B0604020202020204" pitchFamily="34" charset="0"/>
+        <a:buChar char="•"/>
+        <a:defRPr sz="2400" kern="1200">
+          <a:solidFill>
+            <a:schemeClr val="tx1"/>
+          </a:solidFill>
+          <a:latin typeface="+mn-lt"/>
+          <a:ea typeface="+mn-ea"/>
+          <a:cs typeface="+mn-cs"/>
+        </a:defRPr>
+      </a:lvl2pPr>
+      <a:lvl3pPr marL="1143000" indent="-228600" algn="l" defTabSz="914400" rtl="0" eaLnBrk="1" latinLnBrk="0" hangingPunct="1">
+        <a:lnSpc>
+          <a:spcPct val="90000"/>
+        </a:lnSpc>
+        <a:spcBef>
+          <a:spcPts val="500"/>
+        </a:spcBef>
+        <a:buFont typeface="Arial" panose="020B0604020202020204" pitchFamily="34" charset="0"/>
+        <a:buChar char="•"/>
+        <a:defRPr sz="2000" kern="1200">
+          <a:solidFill>
+            <a:schemeClr val="tx1"/>
+          </a:solidFill>
+          <a:latin typeface="+mn-lt"/>
+          <a:ea typeface="+mn-ea"/>
+          <a:cs typeface="+mn-cs"/>
+        </a:defRPr>
+      </a:lvl3pPr>
+      <a:lvl4pPr marL="1600200" indent="-228600" algn="l" defTabSz="914400" rtl="0" eaLnBrk="1" latinLnBrk="0" hangingPunct="1">
+        <a:lnSpc>
+          <a:spcPct val="90000"/>
+        </a:lnSpc>
+        <a:spcBef>
+          <a:spcPts val="500"/>
+        </a:spcBef>
+        <a:buFont typeface="Arial" panose="020B0604020202020204" pitchFamily="34" charset="0"/>
+        <a:buChar char="•"/>
+        <a:defRPr sz="1800" kern="1200">
+          <a:solidFill>
+            <a:schemeClr val="tx1"/>
+          </a:solidFill>
+          <a:latin typeface="+mn-lt"/>
+          <a:ea typeface="+mn-ea"/>
+          <a:cs typeface="+mn-cs"/>
+        </a:defRPr>
+      </a:lvl4pPr>
+      <a:lvl5pPr marL="2057400" indent="-228600" algn="l" defTabSz="914400" rtl="0" eaLnBrk="1" latinLnBrk="0" hangingPunct="1">
+        <a:lnSpc>
+          <a:spcPct val="90000"/>
+        </a:lnSpc>
+        <a:spcBef>
+          <a:spcPts val="500"/>
+        </a:spcBef>
+        <a:buFont typeface="Arial" panose="020B0604020202020204" pitchFamily="34" charset="0"/>
+        <a:buChar char="•"/>
+        <a:defRPr sz="1800" kern="1200">
+          <a:solidFill>
+            <a:schemeClr val="tx1"/>
+          </a:solidFill>
+          <a:latin typeface="+mn-lt"/>
+          <a:ea typeface="+mn-ea"/>
+          <a:cs typeface="+mn-cs"/>
+        </a:defRPr>
+      </a:lvl5pPr>
+      <a:lvl6pPr marL="2514600" indent="-228600" algn="l" defTabSz="914400" rtl="0" eaLnBrk="1" latinLnBrk="0" hangingPunct="1">
+        <a:lnSpc>
+          <a:spcPct val="90000"/>
+        </a:lnSpc>
+        <a:spcBef>
+          <a:spcPts val="500"/>
+        </a:spcBef>
+        <a:buFont typeface="Arial" panose="020B0604020202020204" pitchFamily="34" charset="0"/>
+        <a:buChar char="•"/>
+        <a:defRPr sz="1800" kern="1200">
+          <a:solidFill>
+            <a:schemeClr val="tx1"/>
+          </a:solidFill>
+          <a:latin typeface="+mn-lt"/>
+          <a:ea typeface="+mn-ea"/>
+          <a:cs typeface="+mn-cs"/>
+        </a:defRPr>
+      </a:lvl6pPr>
+      <a:lvl7pPr marL="2971800" indent="-228600" algn="l" defTabSz="914400" rtl="0" eaLnBrk="1" latinLnBrk="0" hangingPunct="1">
+        <a:lnSpc>
+          <a:spcPct val="90000"/>
+        </a:lnSpc>
+        <a:spcBef>
+          <a:spcPts val="500"/>
+        </a:spcBef>
+        <a:buFont typeface="Arial" panose="020B0604020202020204" pitchFamily="34" charset="0"/>
+        <a:buChar char="•"/>
+        <a:defRPr sz="1800" kern="1200">
+          <a:solidFill>
+            <a:schemeClr val="tx1"/>
+          </a:solidFill>
+          <a:latin typeface="+mn-lt"/>
+          <a:ea typeface="+mn-ea"/>
+          <a:cs typeface="+mn-cs"/>
+        </a:defRPr>
+      </a:lvl7pPr>
+      <a:lvl8pPr marL="3429000" indent="-228600" algn="l" defTabSz="914400" rtl="0" eaLnBrk="1" latinLnBrk="0" hangingPunct="1">
+        <a:lnSpc>
+          <a:spcPct val="90000"/>
+        </a:lnSpc>
+        <a:spcBef>
+          <a:spcPts val="500"/>
+        </a:spcBef>
+        <a:buFont typeface="Arial" panose="020B0604020202020204" pitchFamily="34" charset="0"/>
+        <a:buChar char="•"/>
+        <a:defRPr sz="1800" kern="1200">
+          <a:solidFill>
+            <a:schemeClr val="tx1"/>
+          </a:solidFill>
+          <a:latin typeface="+mn-lt"/>
+          <a:ea typeface="+mn-ea"/>
+          <a:cs typeface="+mn-cs"/>
+        </a:defRPr>
+      </a:lvl8pPr>
+      <a:lvl9pPr marL="3886200" indent="-228600" algn="l" defTabSz="914400" rtl="0" eaLnBrk="1" latinLnBrk="0" hangingPunct="1">
+        <a:lnSpc>
+          <a:spcPct val="90000"/>
+        </a:lnSpc>
+        <a:spcBef>
+          <a:spcPts val="500"/>
+        </a:spcBef>
+        <a:buFont typeface="Arial" panose="020B0604020202020204" pitchFamily="34" charset="0"/>
+        <a:buChar char="•"/>
+        <a:defRPr sz="1800" kern="1200">
+          <a:solidFill>
+            <a:schemeClr val="tx1"/>
+          </a:solidFill>
+          <a:latin typeface="+mn-lt"/>
+          <a:ea typeface="+mn-ea"/>
+          <a:cs typeface="+mn-cs"/>
+        </a:defRPr>
+      </a:lvl9pPr>
+    </p:bodyStyle>
+    <p:otherStyle>
+      <a:defPPr>
+        <a:defRPr lang="zh-CN"/>
+      </a:defPPr>
+      <a:lvl1pPr marL="0" algn="l" defTabSz="914400" rtl="0" eaLnBrk="1" latinLnBrk="0" hangingPunct="1">
+        <a:defRPr sz="1800" kern="1200">
+          <a:solidFill>
+            <a:schemeClr val="tx1"/>
+          </a:solidFill>
+          <a:latin typeface="+mn-lt"/>
+          <a:ea typeface="+mn-ea"/>
+          <a:cs typeface="+mn-cs"/>
+        </a:defRPr>
+      </a:lvl1pPr>
+      <a:lvl2pPr marL="457200" algn="l" defTabSz="914400" rtl="0" eaLnBrk="1" latinLnBrk="0" hangingPunct="1">
+        <a:defRPr sz="1800" kern="1200">
+          <a:solidFill>
+            <a:schemeClr val="tx1"/>
+          </a:solidFill>
+          <a:latin typeface="+mn-lt"/>
+          <a:ea typeface="+mn-ea"/>
+          <a:cs typeface="+mn-cs"/>
+        </a:defRPr>
+      </a:lvl2pPr>
+      <a:lvl3pPr marL="914400" algn="l" defTabSz="914400" rtl="0" eaLnBrk="1" latinLnBrk="0" hangingPunct="1">
+        <a:defRPr sz="1800" kern="1200">
+          <a:solidFill>
+            <a:schemeClr val="tx1"/>
+          </a:solidFill>
+          <a:latin typeface="+mn-lt"/>
+          <a:ea typeface="+mn-ea"/>
+          <a:cs typeface="+mn-cs"/>
+        </a:defRPr>
+      </a:lvl3pPr>
+      <a:lvl4pPr marL="1371600" algn="l" defTabSz="914400" rtl="0" eaLnBrk="1" latinLnBrk="0" hangingPunct="1">
+        <a:defRPr sz="1800" kern="1200">
+          <a:solidFill>
+            <a:schemeClr val="tx1"/>
+          </a:solidFill>
+          <a:latin typeface="+mn-lt"/>
+          <a:ea typeface="+mn-ea"/>
+          <a:cs typeface="+mn-cs"/>
+        </a:defRPr>
+      </a:lvl4pPr>
+      <a:lvl5pPr marL="1828800" algn="l" defTabSz="914400" rtl="0" eaLnBrk="1" latinLnBrk="0" hangingPunct="1">
+        <a:defRPr sz="1800" kern="1200">
+          <a:solidFill>
+            <a:schemeClr val="tx1"/>
+          </a:solidFill>
+          <a:latin typeface="+mn-lt"/>
+          <a:ea typeface="+mn-ea"/>
+          <a:cs typeface="+mn-cs"/>
+        </a:defRPr>
+      </a:lvl5pPr>
+      <a:lvl6pPr marL="2286000" algn="l" defTabSz="914400" rtl="0" eaLnBrk="1" latinLnBrk="0" hangingPunct="1">
+        <a:defRPr sz="1800" kern="1200">
+          <a:solidFill>
+            <a:schemeClr val="tx1"/>
+          </a:solidFill>
+          <a:latin typeface="+mn-lt"/>
+          <a:ea typeface="+mn-ea"/>
+          <a:cs typeface="+mn-cs"/>
+        </a:defRPr>
+      </a:lvl6pPr>
+      <a:lvl7pPr marL="2743200" algn="l" defTabSz="914400" rtl="0" eaLnBrk="1" latinLnBrk="0" hangingPunct="1">
+        <a:defRPr sz="1800" kern="1200">
+          <a:solidFill>
+            <a:schemeClr val="tx1"/>
+          </a:solidFill>
+          <a:latin typeface="+mn-lt"/>
+          <a:ea typeface="+mn-ea"/>
+          <a:cs typeface="+mn-cs"/>
+        </a:defRPr>
+      </a:lvl7pPr>
+      <a:lvl8pPr marL="3200400" algn="l" defTabSz="914400" rtl="0" eaLnBrk="1" latinLnBrk="0" hangingPunct="1">
+        <a:defRPr sz="1800" kern="1200">
+          <a:solidFill>
+            <a:schemeClr val="tx1"/>
+          </a:solidFill>
+          <a:latin typeface="+mn-lt"/>
+          <a:ea typeface="+mn-ea"/>
+          <a:cs typeface="+mn-cs"/>
+        </a:defRPr>
+      </a:lvl8pPr>
+      <a:lvl9pPr marL="3657600" algn="l" defTabSz="914400" rtl="0" eaLnBrk="1" latinLnBrk="0" hangingPunct="1">
+        <a:defRPr sz="1800" kern="1200">
+          <a:solidFill>
+            <a:schemeClr val="tx1"/>
+          </a:solidFill>
+          <a:latin typeface="+mn-lt"/>
+          <a:ea typeface="+mn-ea"/>
+          <a:cs typeface="+mn-cs"/>
+        </a:defRPr>
+      </a:lvl9pPr>
+    </p:otherStyle>
+  </p:txStyles>
 </p:sldMaster>
 </file>
 
 <file path=ppt/slideMasters/slideMaster2.xml><?xml version="1.0" encoding="utf-8"?>
-<p:sldMaster xmlns:a="http://schemas.openxmlformats.org/drawingml/2006/main" xmlns:p="http://schemas.openxmlformats.org/presentationml/2006/main" xmlns:r="http://schemas.openxmlformats.org/officeDocument/2006/relationships" xmlns:p14="http://schemas.microsoft.com/office/powerpoint/2010/main" xmlns:p15="http://schemas.microsoft.com/office/powerpoint/2012/main" xmlns:mc="http://schemas.openxmlformats.org/markup-compatibility/2006">
+<p:sldMaster xmlns:a="http://schemas.openxmlformats.org/drawingml/2006/main" xmlns:r="http://schemas.openxmlformats.org/officeDocument/2006/relationships" xmlns:p="http://schemas.openxmlformats.org/presentationml/2006/main">
   <p:cSld>
     <p:bg>
       <p:bgPr>
         <a:solidFill>
-          <a:srgbClr val="ffffff"/>
+          <a:srgbClr val="FFFFFF"/>
         </a:solidFill>
+        <a:effectLst/>
       </p:bgPr>
     </p:bg>
     <p:spTree>
@@ -3920,6 +4547,7 @@
         </p:spPr>
         <p:txBody>
           <a:bodyPr anchor="ctr"/>
+          <a:lstStyle/>
           <a:p>
             <a:pPr>
               <a:lnSpc>
@@ -3927,26 +4555,26 @@
               </a:lnSpc>
             </a:pPr>
             <a:r>
-              <a:rPr b="0" lang="zh-CN" sz="4400" spc="-1" strike="noStrike">
-                <a:solidFill>
-                  <a:srgbClr val="000000"/>
-                </a:solidFill>
-                <a:uFill>
-                  <a:solidFill>
-                    <a:srgbClr val="ffffff"/>
+              <a:rPr lang="zh-CN" sz="4400" b="0" strike="noStrike" spc="-1">
+                <a:solidFill>
+                  <a:srgbClr val="000000"/>
+                </a:solidFill>
+                <a:uFill>
+                  <a:solidFill>
+                    <a:srgbClr val="FFFFFF"/>
                   </a:solidFill>
                 </a:uFill>
                 <a:latin typeface="等线 Light"/>
               </a:rPr>
               <a:t>单击此处编辑母版标题样式</a:t>
             </a:r>
-            <a:endParaRPr b="0" lang="zh-CN" sz="1800" spc="-1" strike="noStrike">
-              <a:solidFill>
-                <a:srgbClr val="000000"/>
-              </a:solidFill>
-              <a:uFill>
-                <a:solidFill>
-                  <a:srgbClr val="ffffff"/>
+            <a:endParaRPr lang="zh-CN" sz="1800" b="0" strike="noStrike" spc="-1">
+              <a:solidFill>
+                <a:srgbClr val="000000"/>
+              </a:solidFill>
+              <a:uFill>
+                <a:solidFill>
+                  <a:srgbClr val="FFFFFF"/>
                 </a:solidFill>
               </a:uFill>
               <a:latin typeface="等线"/>
@@ -3975,6 +4603,7 @@
         </p:spPr>
         <p:txBody>
           <a:bodyPr/>
+          <a:lstStyle/>
           <a:p>
             <a:pPr marL="432000" indent="-324000">
               <a:buClr>
@@ -3985,33 +4614,22 @@
               <a:buChar char=""/>
             </a:pPr>
             <a:r>
-              <a:rPr b="0" lang="zh-CN" sz="2800" spc="-1" strike="noStrike">
-                <a:solidFill>
-                  <a:srgbClr val="000000"/>
-                </a:solidFill>
-                <a:uFill>
-                  <a:solidFill>
-                    <a:srgbClr val="ffffff"/>
+              <a:rPr lang="zh-CN" sz="2800" b="0" strike="noStrike" spc="-1">
+                <a:solidFill>
+                  <a:srgbClr val="000000"/>
+                </a:solidFill>
+                <a:uFill>
+                  <a:solidFill>
+                    <a:srgbClr val="FFFFFF"/>
                   </a:solidFill>
                 </a:uFill>
                 <a:latin typeface="等线"/>
               </a:rPr>
               <a:t>Click to edit the outline text format</a:t>
             </a:r>
-            <a:endParaRPr b="0" lang="zh-CN" sz="2800" spc="-1" strike="noStrike">
-              <a:solidFill>
-                <a:srgbClr val="000000"/>
-              </a:solidFill>
-              <a:uFill>
-                <a:solidFill>
-                  <a:srgbClr val="ffffff"/>
-                </a:solidFill>
-              </a:uFill>
-              <a:latin typeface="等线"/>
-            </a:endParaRPr>
-          </a:p>
-          <a:p>
-            <a:pPr lvl="1" marL="864000" indent="-324000">
+          </a:p>
+          <a:p>
+            <a:pPr marL="864000" lvl="1" indent="-324000">
               <a:buClr>
                 <a:srgbClr val="000000"/>
               </a:buClr>
@@ -4020,33 +4638,22 @@
               <a:buChar char=""/>
             </a:pPr>
             <a:r>
-              <a:rPr b="0" lang="zh-CN" sz="2800" spc="-1" strike="noStrike">
-                <a:solidFill>
-                  <a:srgbClr val="000000"/>
-                </a:solidFill>
-                <a:uFill>
-                  <a:solidFill>
-                    <a:srgbClr val="ffffff"/>
+              <a:rPr lang="zh-CN" sz="2800" b="0" strike="noStrike" spc="-1">
+                <a:solidFill>
+                  <a:srgbClr val="000000"/>
+                </a:solidFill>
+                <a:uFill>
+                  <a:solidFill>
+                    <a:srgbClr val="FFFFFF"/>
                   </a:solidFill>
                 </a:uFill>
                 <a:latin typeface="等线"/>
               </a:rPr>
               <a:t>Second Outline Level</a:t>
             </a:r>
-            <a:endParaRPr b="0" lang="zh-CN" sz="2800" spc="-1" strike="noStrike">
-              <a:solidFill>
-                <a:srgbClr val="000000"/>
-              </a:solidFill>
-              <a:uFill>
-                <a:solidFill>
-                  <a:srgbClr val="ffffff"/>
-                </a:solidFill>
-              </a:uFill>
-              <a:latin typeface="等线"/>
-            </a:endParaRPr>
-          </a:p>
-          <a:p>
-            <a:pPr lvl="2" marL="1296000" indent="-288000">
+          </a:p>
+          <a:p>
+            <a:pPr marL="1296000" lvl="2" indent="-288000">
               <a:buClr>
                 <a:srgbClr val="000000"/>
               </a:buClr>
@@ -4055,33 +4662,22 @@
               <a:buChar char=""/>
             </a:pPr>
             <a:r>
-              <a:rPr b="0" lang="zh-CN" sz="2800" spc="-1" strike="noStrike">
-                <a:solidFill>
-                  <a:srgbClr val="000000"/>
-                </a:solidFill>
-                <a:uFill>
-                  <a:solidFill>
-                    <a:srgbClr val="ffffff"/>
+              <a:rPr lang="zh-CN" sz="2800" b="0" strike="noStrike" spc="-1">
+                <a:solidFill>
+                  <a:srgbClr val="000000"/>
+                </a:solidFill>
+                <a:uFill>
+                  <a:solidFill>
+                    <a:srgbClr val="FFFFFF"/>
                   </a:solidFill>
                 </a:uFill>
                 <a:latin typeface="等线"/>
               </a:rPr>
               <a:t>Third Outline Level</a:t>
             </a:r>
-            <a:endParaRPr b="0" lang="zh-CN" sz="2800" spc="-1" strike="noStrike">
-              <a:solidFill>
-                <a:srgbClr val="000000"/>
-              </a:solidFill>
-              <a:uFill>
-                <a:solidFill>
-                  <a:srgbClr val="ffffff"/>
-                </a:solidFill>
-              </a:uFill>
-              <a:latin typeface="等线"/>
-            </a:endParaRPr>
-          </a:p>
-          <a:p>
-            <a:pPr lvl="3" marL="1728000" indent="-216000">
+          </a:p>
+          <a:p>
+            <a:pPr marL="1728000" lvl="3" indent="-216000">
               <a:buClr>
                 <a:srgbClr val="000000"/>
               </a:buClr>
@@ -4090,33 +4686,22 @@
               <a:buChar char=""/>
             </a:pPr>
             <a:r>
-              <a:rPr b="0" lang="zh-CN" sz="2800" spc="-1" strike="noStrike">
-                <a:solidFill>
-                  <a:srgbClr val="000000"/>
-                </a:solidFill>
-                <a:uFill>
-                  <a:solidFill>
-                    <a:srgbClr val="ffffff"/>
+              <a:rPr lang="zh-CN" sz="2800" b="0" strike="noStrike" spc="-1">
+                <a:solidFill>
+                  <a:srgbClr val="000000"/>
+                </a:solidFill>
+                <a:uFill>
+                  <a:solidFill>
+                    <a:srgbClr val="FFFFFF"/>
                   </a:solidFill>
                 </a:uFill>
                 <a:latin typeface="等线"/>
               </a:rPr>
               <a:t>Fourth Outline Level</a:t>
             </a:r>
-            <a:endParaRPr b="0" lang="zh-CN" sz="2800" spc="-1" strike="noStrike">
-              <a:solidFill>
-                <a:srgbClr val="000000"/>
-              </a:solidFill>
-              <a:uFill>
-                <a:solidFill>
-                  <a:srgbClr val="ffffff"/>
-                </a:solidFill>
-              </a:uFill>
-              <a:latin typeface="等线"/>
-            </a:endParaRPr>
-          </a:p>
-          <a:p>
-            <a:pPr lvl="4" marL="2160000" indent="-216000">
+          </a:p>
+          <a:p>
+            <a:pPr marL="2160000" lvl="4" indent="-216000">
               <a:buClr>
                 <a:srgbClr val="000000"/>
               </a:buClr>
@@ -4125,33 +4710,22 @@
               <a:buChar char=""/>
             </a:pPr>
             <a:r>
-              <a:rPr b="0" lang="zh-CN" sz="2800" spc="-1" strike="noStrike">
-                <a:solidFill>
-                  <a:srgbClr val="000000"/>
-                </a:solidFill>
-                <a:uFill>
-                  <a:solidFill>
-                    <a:srgbClr val="ffffff"/>
+              <a:rPr lang="zh-CN" sz="2800" b="0" strike="noStrike" spc="-1">
+                <a:solidFill>
+                  <a:srgbClr val="000000"/>
+                </a:solidFill>
+                <a:uFill>
+                  <a:solidFill>
+                    <a:srgbClr val="FFFFFF"/>
                   </a:solidFill>
                 </a:uFill>
                 <a:latin typeface="等线"/>
               </a:rPr>
               <a:t>Fifth Outline Level</a:t>
             </a:r>
-            <a:endParaRPr b="0" lang="zh-CN" sz="2800" spc="-1" strike="noStrike">
-              <a:solidFill>
-                <a:srgbClr val="000000"/>
-              </a:solidFill>
-              <a:uFill>
-                <a:solidFill>
-                  <a:srgbClr val="ffffff"/>
-                </a:solidFill>
-              </a:uFill>
-              <a:latin typeface="等线"/>
-            </a:endParaRPr>
-          </a:p>
-          <a:p>
-            <a:pPr lvl="5" marL="2592000" indent="-216000">
+          </a:p>
+          <a:p>
+            <a:pPr marL="2592000" lvl="5" indent="-216000">
               <a:buClr>
                 <a:srgbClr val="000000"/>
               </a:buClr>
@@ -4160,30 +4734,19 @@
               <a:buChar char=""/>
             </a:pPr>
             <a:r>
-              <a:rPr b="0" lang="zh-CN" sz="2800" spc="-1" strike="noStrike">
-                <a:solidFill>
-                  <a:srgbClr val="000000"/>
-                </a:solidFill>
-                <a:uFill>
-                  <a:solidFill>
-                    <a:srgbClr val="ffffff"/>
+              <a:rPr lang="zh-CN" sz="2800" b="0" strike="noStrike" spc="-1">
+                <a:solidFill>
+                  <a:srgbClr val="000000"/>
+                </a:solidFill>
+                <a:uFill>
+                  <a:solidFill>
+                    <a:srgbClr val="FFFFFF"/>
                   </a:solidFill>
                 </a:uFill>
                 <a:latin typeface="等线"/>
               </a:rPr>
               <a:t>Sixth Outline Level</a:t>
             </a:r>
-            <a:endParaRPr b="0" lang="zh-CN" sz="2800" spc="-1" strike="noStrike">
-              <a:solidFill>
-                <a:srgbClr val="000000"/>
-              </a:solidFill>
-              <a:uFill>
-                <a:solidFill>
-                  <a:srgbClr val="ffffff"/>
-                </a:solidFill>
-              </a:uFill>
-              <a:latin typeface="等线"/>
-            </a:endParaRPr>
           </a:p>
           <a:p>
             <a:pPr marL="228600" indent="-228240">
@@ -4197,47 +4760,22 @@
               <a:buChar char="•"/>
             </a:pPr>
             <a:r>
-              <a:rPr b="0" lang="zh-CN" sz="2800" spc="-1" strike="noStrike">
-                <a:solidFill>
-                  <a:srgbClr val="000000"/>
-                </a:solidFill>
-                <a:uFill>
-                  <a:solidFill>
-                    <a:srgbClr val="ffffff"/>
+              <a:rPr lang="zh-CN" sz="2800" b="0" strike="noStrike" spc="-1">
+                <a:solidFill>
+                  <a:srgbClr val="000000"/>
+                </a:solidFill>
+                <a:uFill>
+                  <a:solidFill>
+                    <a:srgbClr val="FFFFFF"/>
                   </a:solidFill>
                 </a:uFill>
                 <a:latin typeface="等线"/>
               </a:rPr>
-              <a:t>Seventh Outline Level</a:t>
-            </a:r>
-            <a:r>
-              <a:rPr b="0" lang="zh-CN" sz="2800" spc="-1" strike="noStrike">
-                <a:solidFill>
-                  <a:srgbClr val="000000"/>
-                </a:solidFill>
-                <a:uFill>
-                  <a:solidFill>
-                    <a:srgbClr val="ffffff"/>
-                  </a:solidFill>
-                </a:uFill>
-                <a:latin typeface="等线"/>
-              </a:rPr>
-              <a:t>编辑母版文本样式</a:t>
-            </a:r>
-            <a:endParaRPr b="0" lang="zh-CN" sz="2800" spc="-1" strike="noStrike">
-              <a:solidFill>
-                <a:srgbClr val="000000"/>
-              </a:solidFill>
-              <a:uFill>
-                <a:solidFill>
-                  <a:srgbClr val="ffffff"/>
-                </a:solidFill>
-              </a:uFill>
-              <a:latin typeface="等线"/>
-            </a:endParaRPr>
-          </a:p>
-          <a:p>
-            <a:pPr lvl="1" marL="685800" indent="-228240">
+              <a:t>Seventh Outline Level编辑母版文本样式</a:t>
+            </a:r>
+          </a:p>
+          <a:p>
+            <a:pPr marL="685800" lvl="1" indent="-228240">
               <a:lnSpc>
                 <a:spcPct val="100000"/>
               </a:lnSpc>
@@ -4248,33 +4786,33 @@
               <a:buChar char="•"/>
             </a:pPr>
             <a:r>
-              <a:rPr b="0" lang="zh-CN" sz="2400" spc="-1" strike="noStrike">
-                <a:solidFill>
-                  <a:srgbClr val="000000"/>
-                </a:solidFill>
-                <a:uFill>
-                  <a:solidFill>
-                    <a:srgbClr val="ffffff"/>
+              <a:rPr lang="zh-CN" sz="2400" b="0" strike="noStrike" spc="-1">
+                <a:solidFill>
+                  <a:srgbClr val="000000"/>
+                </a:solidFill>
+                <a:uFill>
+                  <a:solidFill>
+                    <a:srgbClr val="FFFFFF"/>
                   </a:solidFill>
                 </a:uFill>
                 <a:latin typeface="等线"/>
               </a:rPr>
               <a:t>第二级</a:t>
             </a:r>
-            <a:endParaRPr b="0" lang="zh-CN" sz="2800" spc="-1" strike="noStrike">
-              <a:solidFill>
-                <a:srgbClr val="000000"/>
-              </a:solidFill>
-              <a:uFill>
-                <a:solidFill>
-                  <a:srgbClr val="ffffff"/>
-                </a:solidFill>
-              </a:uFill>
-              <a:latin typeface="等线"/>
-            </a:endParaRPr>
-          </a:p>
-          <a:p>
-            <a:pPr lvl="2" marL="1143000" indent="-228240">
+            <a:endParaRPr lang="zh-CN" sz="2800" b="0" strike="noStrike" spc="-1">
+              <a:solidFill>
+                <a:srgbClr val="000000"/>
+              </a:solidFill>
+              <a:uFill>
+                <a:solidFill>
+                  <a:srgbClr val="FFFFFF"/>
+                </a:solidFill>
+              </a:uFill>
+              <a:latin typeface="等线"/>
+            </a:endParaRPr>
+          </a:p>
+          <a:p>
+            <a:pPr marL="1143000" lvl="2" indent="-228240">
               <a:lnSpc>
                 <a:spcPct val="100000"/>
               </a:lnSpc>
@@ -4285,33 +4823,33 @@
               <a:buChar char="•"/>
             </a:pPr>
             <a:r>
-              <a:rPr b="0" lang="zh-CN" sz="2000" spc="-1" strike="noStrike">
-                <a:solidFill>
-                  <a:srgbClr val="000000"/>
-                </a:solidFill>
-                <a:uFill>
-                  <a:solidFill>
-                    <a:srgbClr val="ffffff"/>
+              <a:rPr lang="zh-CN" sz="2000" b="0" strike="noStrike" spc="-1">
+                <a:solidFill>
+                  <a:srgbClr val="000000"/>
+                </a:solidFill>
+                <a:uFill>
+                  <a:solidFill>
+                    <a:srgbClr val="FFFFFF"/>
                   </a:solidFill>
                 </a:uFill>
                 <a:latin typeface="等线"/>
               </a:rPr>
               <a:t>第三级</a:t>
             </a:r>
-            <a:endParaRPr b="0" lang="zh-CN" sz="2800" spc="-1" strike="noStrike">
-              <a:solidFill>
-                <a:srgbClr val="000000"/>
-              </a:solidFill>
-              <a:uFill>
-                <a:solidFill>
-                  <a:srgbClr val="ffffff"/>
-                </a:solidFill>
-              </a:uFill>
-              <a:latin typeface="等线"/>
-            </a:endParaRPr>
-          </a:p>
-          <a:p>
-            <a:pPr lvl="3" marL="1600200" indent="-228240">
+            <a:endParaRPr lang="zh-CN" sz="2800" b="0" strike="noStrike" spc="-1">
+              <a:solidFill>
+                <a:srgbClr val="000000"/>
+              </a:solidFill>
+              <a:uFill>
+                <a:solidFill>
+                  <a:srgbClr val="FFFFFF"/>
+                </a:solidFill>
+              </a:uFill>
+              <a:latin typeface="等线"/>
+            </a:endParaRPr>
+          </a:p>
+          <a:p>
+            <a:pPr marL="1600200" lvl="3" indent="-228240">
               <a:lnSpc>
                 <a:spcPct val="100000"/>
               </a:lnSpc>
@@ -4322,33 +4860,33 @@
               <a:buChar char="•"/>
             </a:pPr>
             <a:r>
-              <a:rPr b="0" lang="zh-CN" sz="1800" spc="-1" strike="noStrike">
-                <a:solidFill>
-                  <a:srgbClr val="000000"/>
-                </a:solidFill>
-                <a:uFill>
-                  <a:solidFill>
-                    <a:srgbClr val="ffffff"/>
+              <a:rPr lang="zh-CN" sz="1800" b="0" strike="noStrike" spc="-1">
+                <a:solidFill>
+                  <a:srgbClr val="000000"/>
+                </a:solidFill>
+                <a:uFill>
+                  <a:solidFill>
+                    <a:srgbClr val="FFFFFF"/>
                   </a:solidFill>
                 </a:uFill>
                 <a:latin typeface="等线"/>
               </a:rPr>
               <a:t>第四级</a:t>
             </a:r>
-            <a:endParaRPr b="0" lang="zh-CN" sz="2800" spc="-1" strike="noStrike">
-              <a:solidFill>
-                <a:srgbClr val="000000"/>
-              </a:solidFill>
-              <a:uFill>
-                <a:solidFill>
-                  <a:srgbClr val="ffffff"/>
-                </a:solidFill>
-              </a:uFill>
-              <a:latin typeface="等线"/>
-            </a:endParaRPr>
-          </a:p>
-          <a:p>
-            <a:pPr lvl="4" marL="2057400" indent="-228240">
+            <a:endParaRPr lang="zh-CN" sz="2800" b="0" strike="noStrike" spc="-1">
+              <a:solidFill>
+                <a:srgbClr val="000000"/>
+              </a:solidFill>
+              <a:uFill>
+                <a:solidFill>
+                  <a:srgbClr val="FFFFFF"/>
+                </a:solidFill>
+              </a:uFill>
+              <a:latin typeface="等线"/>
+            </a:endParaRPr>
+          </a:p>
+          <a:p>
+            <a:pPr marL="2057400" lvl="4" indent="-228240">
               <a:lnSpc>
                 <a:spcPct val="100000"/>
               </a:lnSpc>
@@ -4359,26 +4897,26 @@
               <a:buChar char="•"/>
             </a:pPr>
             <a:r>
-              <a:rPr b="0" lang="zh-CN" sz="1800" spc="-1" strike="noStrike">
-                <a:solidFill>
-                  <a:srgbClr val="000000"/>
-                </a:solidFill>
-                <a:uFill>
-                  <a:solidFill>
-                    <a:srgbClr val="ffffff"/>
+              <a:rPr lang="zh-CN" sz="1800" b="0" strike="noStrike" spc="-1">
+                <a:solidFill>
+                  <a:srgbClr val="000000"/>
+                </a:solidFill>
+                <a:uFill>
+                  <a:solidFill>
+                    <a:srgbClr val="FFFFFF"/>
                   </a:solidFill>
                 </a:uFill>
                 <a:latin typeface="等线"/>
               </a:rPr>
               <a:t>第五级</a:t>
             </a:r>
-            <a:endParaRPr b="0" lang="zh-CN" sz="2800" spc="-1" strike="noStrike">
-              <a:solidFill>
-                <a:srgbClr val="000000"/>
-              </a:solidFill>
-              <a:uFill>
-                <a:solidFill>
-                  <a:srgbClr val="ffffff"/>
+            <a:endParaRPr lang="zh-CN" sz="2800" b="0" strike="noStrike" spc="-1">
+              <a:solidFill>
+                <a:srgbClr val="000000"/>
+              </a:solidFill>
+              <a:uFill>
+                <a:solidFill>
+                  <a:srgbClr val="FFFFFF"/>
                 </a:solidFill>
               </a:uFill>
               <a:latin typeface="等线"/>
@@ -4407,6 +4945,7 @@
         </p:spPr>
         <p:txBody>
           <a:bodyPr anchor="ctr"/>
+          <a:lstStyle/>
           <a:p>
             <a:pPr>
               <a:lnSpc>
@@ -4414,26 +4953,26 @@
               </a:lnSpc>
             </a:pPr>
             <a:r>
-              <a:rPr b="0" lang="en-US" sz="1200" spc="-1" strike="noStrike">
-                <a:solidFill>
-                  <a:srgbClr val="8b8b8b"/>
-                </a:solidFill>
-                <a:uFill>
-                  <a:solidFill>
-                    <a:srgbClr val="ffffff"/>
+              <a:rPr lang="en-US" sz="1200" b="0" strike="noStrike" spc="-1">
+                <a:solidFill>
+                  <a:srgbClr val="8B8B8B"/>
+                </a:solidFill>
+                <a:uFill>
+                  <a:solidFill>
+                    <a:srgbClr val="FFFFFF"/>
                   </a:solidFill>
                 </a:uFill>
                 <a:latin typeface="等线"/>
               </a:rPr>
               <a:t>12/6/18</a:t>
             </a:r>
-            <a:endParaRPr b="0" lang="en-US" sz="1400" spc="-1" strike="noStrike">
-              <a:solidFill>
-                <a:srgbClr val="000000"/>
-              </a:solidFill>
-              <a:uFill>
-                <a:solidFill>
-                  <a:srgbClr val="ffffff"/>
+            <a:endParaRPr lang="en-US" sz="1400" b="0" strike="noStrike" spc="-1">
+              <a:solidFill>
+                <a:srgbClr val="000000"/>
+              </a:solidFill>
+              <a:uFill>
+                <a:solidFill>
+                  <a:srgbClr val="FFFFFF"/>
                 </a:solidFill>
               </a:uFill>
               <a:latin typeface="Times New Roman"/>
@@ -4462,14 +5001,15 @@
         </p:spPr>
         <p:txBody>
           <a:bodyPr anchor="ctr"/>
-          <a:p>
-            <a:endParaRPr b="0" lang="en-US" sz="2400" spc="-1" strike="noStrike">
-              <a:solidFill>
-                <a:srgbClr val="000000"/>
-              </a:solidFill>
-              <a:uFill>
-                <a:solidFill>
-                  <a:srgbClr val="ffffff"/>
+          <a:lstStyle/>
+          <a:p>
+            <a:endParaRPr lang="en-US" sz="2400" b="0" strike="noStrike" spc="-1">
+              <a:solidFill>
+                <a:srgbClr val="000000"/>
+              </a:solidFill>
+              <a:uFill>
+                <a:solidFill>
+                  <a:srgbClr val="FFFFFF"/>
                 </a:solidFill>
               </a:uFill>
               <a:latin typeface="Times New Roman"/>
@@ -4498,6 +5038,7 @@
         </p:spPr>
         <p:txBody>
           <a:bodyPr anchor="ctr"/>
+          <a:lstStyle/>
           <a:p>
             <a:pPr algn="r">
               <a:lnSpc>
@@ -4505,26 +5046,26 @@
               </a:lnSpc>
             </a:pPr>
             <a:fld id="{EB919CE8-16D7-481F-99FA-745316EDF9E5}" type="slidenum">
-              <a:rPr b="0" lang="en-US" sz="1200" spc="-1" strike="noStrike">
-                <a:solidFill>
-                  <a:srgbClr val="8b8b8b"/>
-                </a:solidFill>
-                <a:uFill>
-                  <a:solidFill>
-                    <a:srgbClr val="ffffff"/>
+              <a:rPr lang="en-US" sz="1200" b="0" strike="noStrike" spc="-1">
+                <a:solidFill>
+                  <a:srgbClr val="8B8B8B"/>
+                </a:solidFill>
+                <a:uFill>
+                  <a:solidFill>
+                    <a:srgbClr val="FFFFFF"/>
                   </a:solidFill>
                 </a:uFill>
                 <a:latin typeface="等线"/>
               </a:rPr>
-              <a:t>&lt;number&gt;</a:t>
+              <a:t>‹#›</a:t>
             </a:fld>
-            <a:endParaRPr b="0" lang="en-US" sz="1400" spc="-1" strike="noStrike">
-              <a:solidFill>
-                <a:srgbClr val="000000"/>
-              </a:solidFill>
-              <a:uFill>
-                <a:solidFill>
-                  <a:srgbClr val="ffffff"/>
+            <a:endParaRPr lang="en-US" sz="1400" b="0" strike="noStrike" spc="-1">
+              <a:solidFill>
+                <a:srgbClr val="000000"/>
+              </a:solidFill>
+              <a:uFill>
+                <a:solidFill>
+                  <a:srgbClr val="FFFFFF"/>
                 </a:solidFill>
               </a:uFill>
               <a:latin typeface="Times New Roman"/>
@@ -4534,26 +5075,306 @@
       </p:sp>
     </p:spTree>
   </p:cSld>
-  <p:clrMap bg1="lt1" bg2="lt2" tx1="dk1" tx2="dk2" accent1="accent1" accent2="accent2" accent3="accent3" accent4="accent4" accent5="accent5" accent6="accent6" hlink="hlink" folHlink="folHlink"/>
+  <p:clrMap bg1="lt1" tx1="dk1" bg2="lt2" tx2="dk2" accent1="accent1" accent2="accent2" accent3="accent3" accent4="accent4" accent5="accent5" accent6="accent6" hlink="hlink" folHlink="folHlink"/>
   <p:sldLayoutIdLst>
-    <p:sldLayoutId id="2147483662" r:id="rId2"/>
-    <p:sldLayoutId id="2147483663" r:id="rId3"/>
-    <p:sldLayoutId id="2147483664" r:id="rId4"/>
-    <p:sldLayoutId id="2147483665" r:id="rId5"/>
-    <p:sldLayoutId id="2147483666" r:id="rId6"/>
-    <p:sldLayoutId id="2147483667" r:id="rId7"/>
-    <p:sldLayoutId id="2147483668" r:id="rId8"/>
-    <p:sldLayoutId id="2147483669" r:id="rId9"/>
-    <p:sldLayoutId id="2147483670" r:id="rId10"/>
-    <p:sldLayoutId id="2147483671" r:id="rId11"/>
-    <p:sldLayoutId id="2147483672" r:id="rId12"/>
-    <p:sldLayoutId id="2147483673" r:id="rId13"/>
+    <p:sldLayoutId id="2147483662" r:id="rId1"/>
+    <p:sldLayoutId id="2147483663" r:id="rId2"/>
+    <p:sldLayoutId id="2147483664" r:id="rId3"/>
+    <p:sldLayoutId id="2147483665" r:id="rId4"/>
+    <p:sldLayoutId id="2147483666" r:id="rId5"/>
+    <p:sldLayoutId id="2147483667" r:id="rId6"/>
+    <p:sldLayoutId id="2147483668" r:id="rId7"/>
+    <p:sldLayoutId id="2147483669" r:id="rId8"/>
+    <p:sldLayoutId id="2147483670" r:id="rId9"/>
+    <p:sldLayoutId id="2147483671" r:id="rId10"/>
+    <p:sldLayoutId id="2147483672" r:id="rId11"/>
+    <p:sldLayoutId id="2147483673" r:id="rId12"/>
   </p:sldLayoutIdLst>
+  <p:txStyles>
+    <p:titleStyle>
+      <a:lvl1pPr algn="l" defTabSz="914400" rtl="0" eaLnBrk="1" latinLnBrk="0" hangingPunct="1">
+        <a:lnSpc>
+          <a:spcPct val="90000"/>
+        </a:lnSpc>
+        <a:spcBef>
+          <a:spcPct val="0"/>
+        </a:spcBef>
+        <a:buNone/>
+        <a:defRPr sz="4400" kern="1200">
+          <a:solidFill>
+            <a:schemeClr val="tx1"/>
+          </a:solidFill>
+          <a:latin typeface="+mj-lt"/>
+          <a:ea typeface="+mj-ea"/>
+          <a:cs typeface="+mj-cs"/>
+        </a:defRPr>
+      </a:lvl1pPr>
+    </p:titleStyle>
+    <p:bodyStyle>
+      <a:lvl1pPr marL="228600" indent="-228600" algn="l" defTabSz="914400" rtl="0" eaLnBrk="1" latinLnBrk="0" hangingPunct="1">
+        <a:lnSpc>
+          <a:spcPct val="90000"/>
+        </a:lnSpc>
+        <a:spcBef>
+          <a:spcPts val="1000"/>
+        </a:spcBef>
+        <a:buFont typeface="Arial" panose="020B0604020202020204" pitchFamily="34" charset="0"/>
+        <a:buChar char="•"/>
+        <a:defRPr sz="2800" kern="1200">
+          <a:solidFill>
+            <a:schemeClr val="tx1"/>
+          </a:solidFill>
+          <a:latin typeface="+mn-lt"/>
+          <a:ea typeface="+mn-ea"/>
+          <a:cs typeface="+mn-cs"/>
+        </a:defRPr>
+      </a:lvl1pPr>
+      <a:lvl2pPr marL="685800" indent="-228600" algn="l" defTabSz="914400" rtl="0" eaLnBrk="1" latinLnBrk="0" hangingPunct="1">
+        <a:lnSpc>
+          <a:spcPct val="90000"/>
+        </a:lnSpc>
+        <a:spcBef>
+          <a:spcPts val="500"/>
+        </a:spcBef>
+        <a:buFont typeface="Arial" panose="020B0604020202020204" pitchFamily="34" charset="0"/>
+        <a:buChar char="•"/>
+        <a:defRPr sz="2400" kern="1200">
+          <a:solidFill>
+            <a:schemeClr val="tx1"/>
+          </a:solidFill>
+          <a:latin typeface="+mn-lt"/>
+          <a:ea typeface="+mn-ea"/>
+          <a:cs typeface="+mn-cs"/>
+        </a:defRPr>
+      </a:lvl2pPr>
+      <a:lvl3pPr marL="1143000" indent="-228600" algn="l" defTabSz="914400" rtl="0" eaLnBrk="1" latinLnBrk="0" hangingPunct="1">
+        <a:lnSpc>
+          <a:spcPct val="90000"/>
+        </a:lnSpc>
+        <a:spcBef>
+          <a:spcPts val="500"/>
+        </a:spcBef>
+        <a:buFont typeface="Arial" panose="020B0604020202020204" pitchFamily="34" charset="0"/>
+        <a:buChar char="•"/>
+        <a:defRPr sz="2000" kern="1200">
+          <a:solidFill>
+            <a:schemeClr val="tx1"/>
+          </a:solidFill>
+          <a:latin typeface="+mn-lt"/>
+          <a:ea typeface="+mn-ea"/>
+          <a:cs typeface="+mn-cs"/>
+        </a:defRPr>
+      </a:lvl3pPr>
+      <a:lvl4pPr marL="1600200" indent="-228600" algn="l" defTabSz="914400" rtl="0" eaLnBrk="1" latinLnBrk="0" hangingPunct="1">
+        <a:lnSpc>
+          <a:spcPct val="90000"/>
+        </a:lnSpc>
+        <a:spcBef>
+          <a:spcPts val="500"/>
+        </a:spcBef>
+        <a:buFont typeface="Arial" panose="020B0604020202020204" pitchFamily="34" charset="0"/>
+        <a:buChar char="•"/>
+        <a:defRPr sz="1800" kern="1200">
+          <a:solidFill>
+            <a:schemeClr val="tx1"/>
+          </a:solidFill>
+          <a:latin typeface="+mn-lt"/>
+          <a:ea typeface="+mn-ea"/>
+          <a:cs typeface="+mn-cs"/>
+        </a:defRPr>
+      </a:lvl4pPr>
+      <a:lvl5pPr marL="2057400" indent="-228600" algn="l" defTabSz="914400" rtl="0" eaLnBrk="1" latinLnBrk="0" hangingPunct="1">
+        <a:lnSpc>
+          <a:spcPct val="90000"/>
+        </a:lnSpc>
+        <a:spcBef>
+          <a:spcPts val="500"/>
+        </a:spcBef>
+        <a:buFont typeface="Arial" panose="020B0604020202020204" pitchFamily="34" charset="0"/>
+        <a:buChar char="•"/>
+        <a:defRPr sz="1800" kern="1200">
+          <a:solidFill>
+            <a:schemeClr val="tx1"/>
+          </a:solidFill>
+          <a:latin typeface="+mn-lt"/>
+          <a:ea typeface="+mn-ea"/>
+          <a:cs typeface="+mn-cs"/>
+        </a:defRPr>
+      </a:lvl5pPr>
+      <a:lvl6pPr marL="2514600" indent="-228600" algn="l" defTabSz="914400" rtl="0" eaLnBrk="1" latinLnBrk="0" hangingPunct="1">
+        <a:lnSpc>
+          <a:spcPct val="90000"/>
+        </a:lnSpc>
+        <a:spcBef>
+          <a:spcPts val="500"/>
+        </a:spcBef>
+        <a:buFont typeface="Arial" panose="020B0604020202020204" pitchFamily="34" charset="0"/>
+        <a:buChar char="•"/>
+        <a:defRPr sz="1800" kern="1200">
+          <a:solidFill>
+            <a:schemeClr val="tx1"/>
+          </a:solidFill>
+          <a:latin typeface="+mn-lt"/>
+          <a:ea typeface="+mn-ea"/>
+          <a:cs typeface="+mn-cs"/>
+        </a:defRPr>
+      </a:lvl6pPr>
+      <a:lvl7pPr marL="2971800" indent="-228600" algn="l" defTabSz="914400" rtl="0" eaLnBrk="1" latinLnBrk="0" hangingPunct="1">
+        <a:lnSpc>
+          <a:spcPct val="90000"/>
+        </a:lnSpc>
+        <a:spcBef>
+          <a:spcPts val="500"/>
+        </a:spcBef>
+        <a:buFont typeface="Arial" panose="020B0604020202020204" pitchFamily="34" charset="0"/>
+        <a:buChar char="•"/>
+        <a:defRPr sz="1800" kern="1200">
+          <a:solidFill>
+            <a:schemeClr val="tx1"/>
+          </a:solidFill>
+          <a:latin typeface="+mn-lt"/>
+          <a:ea typeface="+mn-ea"/>
+          <a:cs typeface="+mn-cs"/>
+        </a:defRPr>
+      </a:lvl7pPr>
+      <a:lvl8pPr marL="3429000" indent="-228600" algn="l" defTabSz="914400" rtl="0" eaLnBrk="1" latinLnBrk="0" hangingPunct="1">
+        <a:lnSpc>
+          <a:spcPct val="90000"/>
+        </a:lnSpc>
+        <a:spcBef>
+          <a:spcPts val="500"/>
+        </a:spcBef>
+        <a:buFont typeface="Arial" panose="020B0604020202020204" pitchFamily="34" charset="0"/>
+        <a:buChar char="•"/>
+        <a:defRPr sz="1800" kern="1200">
+          <a:solidFill>
+            <a:schemeClr val="tx1"/>
+          </a:solidFill>
+          <a:latin typeface="+mn-lt"/>
+          <a:ea typeface="+mn-ea"/>
+          <a:cs typeface="+mn-cs"/>
+        </a:defRPr>
+      </a:lvl8pPr>
+      <a:lvl9pPr marL="3886200" indent="-228600" algn="l" defTabSz="914400" rtl="0" eaLnBrk="1" latinLnBrk="0" hangingPunct="1">
+        <a:lnSpc>
+          <a:spcPct val="90000"/>
+        </a:lnSpc>
+        <a:spcBef>
+          <a:spcPts val="500"/>
+        </a:spcBef>
+        <a:buFont typeface="Arial" panose="020B0604020202020204" pitchFamily="34" charset="0"/>
+        <a:buChar char="•"/>
+        <a:defRPr sz="1800" kern="1200">
+          <a:solidFill>
+            <a:schemeClr val="tx1"/>
+          </a:solidFill>
+          <a:latin typeface="+mn-lt"/>
+          <a:ea typeface="+mn-ea"/>
+          <a:cs typeface="+mn-cs"/>
+        </a:defRPr>
+      </a:lvl9pPr>
+    </p:bodyStyle>
+    <p:otherStyle>
+      <a:defPPr>
+        <a:defRPr lang="zh-CN"/>
+      </a:defPPr>
+      <a:lvl1pPr marL="0" algn="l" defTabSz="914400" rtl="0" eaLnBrk="1" latinLnBrk="0" hangingPunct="1">
+        <a:defRPr sz="1800" kern="1200">
+          <a:solidFill>
+            <a:schemeClr val="tx1"/>
+          </a:solidFill>
+          <a:latin typeface="+mn-lt"/>
+          <a:ea typeface="+mn-ea"/>
+          <a:cs typeface="+mn-cs"/>
+        </a:defRPr>
+      </a:lvl1pPr>
+      <a:lvl2pPr marL="457200" algn="l" defTabSz="914400" rtl="0" eaLnBrk="1" latinLnBrk="0" hangingPunct="1">
+        <a:defRPr sz="1800" kern="1200">
+          <a:solidFill>
+            <a:schemeClr val="tx1"/>
+          </a:solidFill>
+          <a:latin typeface="+mn-lt"/>
+          <a:ea typeface="+mn-ea"/>
+          <a:cs typeface="+mn-cs"/>
+        </a:defRPr>
+      </a:lvl2pPr>
+      <a:lvl3pPr marL="914400" algn="l" defTabSz="914400" rtl="0" eaLnBrk="1" latinLnBrk="0" hangingPunct="1">
+        <a:defRPr sz="1800" kern="1200">
+          <a:solidFill>
+            <a:schemeClr val="tx1"/>
+          </a:solidFill>
+          <a:latin typeface="+mn-lt"/>
+          <a:ea typeface="+mn-ea"/>
+          <a:cs typeface="+mn-cs"/>
+        </a:defRPr>
+      </a:lvl3pPr>
+      <a:lvl4pPr marL="1371600" algn="l" defTabSz="914400" rtl="0" eaLnBrk="1" latinLnBrk="0" hangingPunct="1">
+        <a:defRPr sz="1800" kern="1200">
+          <a:solidFill>
+            <a:schemeClr val="tx1"/>
+          </a:solidFill>
+          <a:latin typeface="+mn-lt"/>
+          <a:ea typeface="+mn-ea"/>
+          <a:cs typeface="+mn-cs"/>
+        </a:defRPr>
+      </a:lvl4pPr>
+      <a:lvl5pPr marL="1828800" algn="l" defTabSz="914400" rtl="0" eaLnBrk="1" latinLnBrk="0" hangingPunct="1">
+        <a:defRPr sz="1800" kern="1200">
+          <a:solidFill>
+            <a:schemeClr val="tx1"/>
+          </a:solidFill>
+          <a:latin typeface="+mn-lt"/>
+          <a:ea typeface="+mn-ea"/>
+          <a:cs typeface="+mn-cs"/>
+        </a:defRPr>
+      </a:lvl5pPr>
+      <a:lvl6pPr marL="2286000" algn="l" defTabSz="914400" rtl="0" eaLnBrk="1" latinLnBrk="0" hangingPunct="1">
+        <a:defRPr sz="1800" kern="1200">
+          <a:solidFill>
+            <a:schemeClr val="tx1"/>
+          </a:solidFill>
+          <a:latin typeface="+mn-lt"/>
+          <a:ea typeface="+mn-ea"/>
+          <a:cs typeface="+mn-cs"/>
+        </a:defRPr>
+      </a:lvl6pPr>
+      <a:lvl7pPr marL="2743200" algn="l" defTabSz="914400" rtl="0" eaLnBrk="1" latinLnBrk="0" hangingPunct="1">
+        <a:defRPr sz="1800" kern="1200">
+          <a:solidFill>
+            <a:schemeClr val="tx1"/>
+          </a:solidFill>
+          <a:latin typeface="+mn-lt"/>
+          <a:ea typeface="+mn-ea"/>
+          <a:cs typeface="+mn-cs"/>
+        </a:defRPr>
+      </a:lvl7pPr>
+      <a:lvl8pPr marL="3200400" algn="l" defTabSz="914400" rtl="0" eaLnBrk="1" latinLnBrk="0" hangingPunct="1">
+        <a:defRPr sz="1800" kern="1200">
+          <a:solidFill>
+            <a:schemeClr val="tx1"/>
+          </a:solidFill>
+          <a:latin typeface="+mn-lt"/>
+          <a:ea typeface="+mn-ea"/>
+          <a:cs typeface="+mn-cs"/>
+        </a:defRPr>
+      </a:lvl8pPr>
+      <a:lvl9pPr marL="3657600" algn="l" defTabSz="914400" rtl="0" eaLnBrk="1" latinLnBrk="0" hangingPunct="1">
+        <a:defRPr sz="1800" kern="1200">
+          <a:solidFill>
+            <a:schemeClr val="tx1"/>
+          </a:solidFill>
+          <a:latin typeface="+mn-lt"/>
+          <a:ea typeface="+mn-ea"/>
+          <a:cs typeface="+mn-cs"/>
+        </a:defRPr>
+      </a:lvl9pPr>
+    </p:otherStyle>
+  </p:txStyles>
 </p:sldMaster>
 </file>
 
 <file path=ppt/slides/slide1.xml><?xml version="1.0" encoding="utf-8"?>
-<p:sld xmlns:a="http://schemas.openxmlformats.org/drawingml/2006/main" xmlns:p="http://schemas.openxmlformats.org/presentationml/2006/main" xmlns:r="http://schemas.openxmlformats.org/officeDocument/2006/relationships" xmlns:p14="http://schemas.microsoft.com/office/powerpoint/2010/main" xmlns:p15="http://schemas.microsoft.com/office/powerpoint/2012/main" xmlns:mc="http://schemas.openxmlformats.org/markup-compatibility/2006">
+<p:sld xmlns:a="http://schemas.openxmlformats.org/drawingml/2006/main" xmlns:r="http://schemas.openxmlformats.org/officeDocument/2006/relationships" xmlns:p="http://schemas.openxmlformats.org/presentationml/2006/main">
   <p:cSld>
     <p:spTree>
       <p:nvGrpSpPr>
@@ -4590,6 +5411,7 @@
         </p:spPr>
         <p:txBody>
           <a:bodyPr anchor="b"/>
+          <a:lstStyle/>
           <a:p>
             <a:pPr algn="ctr">
               <a:lnSpc>
@@ -4597,26 +5419,26 @@
               </a:lnSpc>
             </a:pPr>
             <a:r>
-              <a:rPr b="0" lang="zh-CN" sz="6000" spc="-1" strike="noStrike">
-                <a:solidFill>
-                  <a:srgbClr val="000000"/>
-                </a:solidFill>
-                <a:uFill>
-                  <a:solidFill>
-                    <a:srgbClr val="ffffff"/>
+              <a:rPr lang="zh-CN" sz="6000" b="0" strike="noStrike" spc="-1">
+                <a:solidFill>
+                  <a:srgbClr val="000000"/>
+                </a:solidFill>
+                <a:uFill>
+                  <a:solidFill>
+                    <a:srgbClr val="FFFFFF"/>
                   </a:solidFill>
                 </a:uFill>
                 <a:latin typeface="等线 Light"/>
               </a:rPr>
               <a:t>计算机程序设计语言学前班</a:t>
             </a:r>
-            <a:endParaRPr b="0" lang="zh-CN" sz="1800" spc="-1" strike="noStrike">
-              <a:solidFill>
-                <a:srgbClr val="000000"/>
-              </a:solidFill>
-              <a:uFill>
-                <a:solidFill>
-                  <a:srgbClr val="ffffff"/>
+            <a:endParaRPr lang="zh-CN" sz="1800" b="0" strike="noStrike" spc="-1">
+              <a:solidFill>
+                <a:srgbClr val="000000"/>
+              </a:solidFill>
+              <a:uFill>
+                <a:solidFill>
+                  <a:srgbClr val="FFFFFF"/>
                 </a:solidFill>
               </a:uFill>
               <a:latin typeface="等线"/>
@@ -4645,6 +5467,7 @@
         </p:spPr>
         <p:txBody>
           <a:bodyPr/>
+          <a:lstStyle/>
           <a:p>
             <a:pPr algn="ctr">
               <a:lnSpc>
@@ -4652,26 +5475,26 @@
               </a:lnSpc>
             </a:pPr>
             <a:r>
-              <a:rPr b="0" lang="en-US" sz="2400" spc="-1" strike="noStrike">
-                <a:solidFill>
-                  <a:srgbClr val="000000"/>
-                </a:solidFill>
-                <a:uFill>
-                  <a:solidFill>
-                    <a:srgbClr val="ffffff"/>
+              <a:rPr lang="en-US" sz="2400" b="0" strike="noStrike" spc="-1">
+                <a:solidFill>
+                  <a:srgbClr val="000000"/>
+                </a:solidFill>
+                <a:uFill>
+                  <a:solidFill>
+                    <a:srgbClr val="FFFFFF"/>
                   </a:solidFill>
                 </a:uFill>
                 <a:latin typeface="等线"/>
               </a:rPr>
               <a:t>孟庆钢</a:t>
             </a:r>
-            <a:endParaRPr b="0" lang="en-US" sz="3200" spc="-1" strike="noStrike">
-              <a:solidFill>
-                <a:srgbClr val="000000"/>
-              </a:solidFill>
-              <a:uFill>
-                <a:solidFill>
-                  <a:srgbClr val="ffffff"/>
+            <a:endParaRPr lang="en-US" sz="3200" b="0" strike="noStrike" spc="-1">
+              <a:solidFill>
+                <a:srgbClr val="000000"/>
+              </a:solidFill>
+              <a:uFill>
+                <a:solidFill>
+                  <a:srgbClr val="FFFFFF"/>
                 </a:solidFill>
               </a:uFill>
               <a:latin typeface="Arial"/>
@@ -4684,26 +5507,26 @@
               </a:lnSpc>
             </a:pPr>
             <a:r>
-              <a:rPr b="0" lang="en-US" sz="2400" spc="-1" strike="noStrike">
-                <a:solidFill>
-                  <a:srgbClr val="000000"/>
-                </a:solidFill>
-                <a:uFill>
-                  <a:solidFill>
-                    <a:srgbClr val="ffffff"/>
+              <a:rPr lang="en-US" sz="2400" b="0" strike="noStrike" spc="-1">
+                <a:solidFill>
+                  <a:srgbClr val="000000"/>
+                </a:solidFill>
+                <a:uFill>
+                  <a:solidFill>
+                    <a:srgbClr val="FFFFFF"/>
                   </a:solidFill>
                 </a:uFill>
                 <a:latin typeface="等线"/>
               </a:rPr>
               <a:t>2018.12.03</a:t>
             </a:r>
-            <a:endParaRPr b="0" lang="en-US" sz="3200" spc="-1" strike="noStrike">
-              <a:solidFill>
-                <a:srgbClr val="000000"/>
-              </a:solidFill>
-              <a:uFill>
-                <a:solidFill>
-                  <a:srgbClr val="ffffff"/>
+            <a:endParaRPr lang="en-US" sz="3200" b="0" strike="noStrike" spc="-1">
+              <a:solidFill>
+                <a:srgbClr val="000000"/>
+              </a:solidFill>
+              <a:uFill>
+                <a:solidFill>
+                  <a:srgbClr val="FFFFFF"/>
                 </a:solidFill>
               </a:uFill>
               <a:latin typeface="Arial"/>
@@ -4715,13 +5538,13 @@
                 <a:spcPct val="100000"/>
               </a:lnSpc>
             </a:pPr>
-            <a:endParaRPr b="0" lang="en-US" sz="3200" spc="-1" strike="noStrike">
-              <a:solidFill>
-                <a:srgbClr val="000000"/>
-              </a:solidFill>
-              <a:uFill>
-                <a:solidFill>
-                  <a:srgbClr val="ffffff"/>
+            <a:endParaRPr lang="en-US" sz="3200" b="0" strike="noStrike" spc="-1">
+              <a:solidFill>
+                <a:srgbClr val="000000"/>
+              </a:solidFill>
+              <a:uFill>
+                <a:solidFill>
+                  <a:srgbClr val="FFFFFF"/>
                 </a:solidFill>
               </a:uFill>
               <a:latin typeface="Arial"/>
@@ -4733,13 +5556,13 @@
                 <a:spcPct val="100000"/>
               </a:lnSpc>
             </a:pPr>
-            <a:endParaRPr b="0" lang="en-US" sz="3200" spc="-1" strike="noStrike">
-              <a:solidFill>
-                <a:srgbClr val="000000"/>
-              </a:solidFill>
-              <a:uFill>
-                <a:solidFill>
-                  <a:srgbClr val="ffffff"/>
+            <a:endParaRPr lang="en-US" sz="3200" b="0" strike="noStrike" spc="-1">
+              <a:solidFill>
+                <a:srgbClr val="000000"/>
+              </a:solidFill>
+              <a:uFill>
+                <a:solidFill>
+                  <a:srgbClr val="FFFFFF"/>
                 </a:solidFill>
               </a:uFill>
               <a:latin typeface="Arial"/>
@@ -4749,6 +5572,9 @@
       </p:sp>
     </p:spTree>
   </p:cSld>
+  <p:clrMapOvr>
+    <a:masterClrMapping/>
+  </p:clrMapOvr>
   <p:timing>
     <p:tnLst>
       <p:par>
@@ -4757,14 +5583,14 @@
             <p:seq>
               <p:cTn id="2" nodeType="mainSeq"/>
               <p:prevCondLst>
-                <p:cond delay="0" evt="onPrev">
+                <p:cond evt="onPrev" delay="0">
                   <p:tgtEl>
                     <p:sldTgt/>
                   </p:tgtEl>
                 </p:cond>
               </p:prevCondLst>
               <p:nextCondLst>
-                <p:cond delay="0" evt="onNext">
+                <p:cond evt="onNext" delay="0">
                   <p:tgtEl>
                     <p:sldTgt/>
                   </p:tgtEl>
@@ -4780,7 +5606,7 @@
 </file>
 
 <file path=ppt/slides/slide10.xml><?xml version="1.0" encoding="utf-8"?>
-<p:sld xmlns:a="http://schemas.openxmlformats.org/drawingml/2006/main" xmlns:p="http://schemas.openxmlformats.org/presentationml/2006/main" xmlns:r="http://schemas.openxmlformats.org/officeDocument/2006/relationships" xmlns:p14="http://schemas.microsoft.com/office/powerpoint/2010/main" xmlns:p15="http://schemas.microsoft.com/office/powerpoint/2012/main" xmlns:mc="http://schemas.openxmlformats.org/markup-compatibility/2006">
+<p:sld xmlns:a="http://schemas.openxmlformats.org/drawingml/2006/main" xmlns:r="http://schemas.openxmlformats.org/officeDocument/2006/relationships" xmlns:p="http://schemas.openxmlformats.org/presentationml/2006/main">
   <p:cSld>
     <p:spTree>
       <p:nvGrpSpPr>
@@ -4817,6 +5643,7 @@
         </p:spPr>
         <p:txBody>
           <a:bodyPr anchor="ctr"/>
+          <a:lstStyle/>
           <a:p>
             <a:pPr>
               <a:lnSpc>
@@ -4824,26 +5651,26 @@
               </a:lnSpc>
             </a:pPr>
             <a:r>
-              <a:rPr b="0" lang="zh-CN" sz="4400" spc="-1" strike="noStrike">
-                <a:solidFill>
-                  <a:srgbClr val="000000"/>
-                </a:solidFill>
-                <a:uFill>
-                  <a:solidFill>
-                    <a:srgbClr val="ffffff"/>
+              <a:rPr lang="zh-CN" sz="4400" b="0" strike="noStrike" spc="-1">
+                <a:solidFill>
+                  <a:srgbClr val="000000"/>
+                </a:solidFill>
+                <a:uFill>
+                  <a:solidFill>
+                    <a:srgbClr val="FFFFFF"/>
                   </a:solidFill>
                 </a:uFill>
                 <a:latin typeface="等线 Light"/>
               </a:rPr>
               <a:t>翻译程序</a:t>
             </a:r>
-            <a:endParaRPr b="0" lang="zh-CN" sz="1800" spc="-1" strike="noStrike">
-              <a:solidFill>
-                <a:srgbClr val="000000"/>
-              </a:solidFill>
-              <a:uFill>
-                <a:solidFill>
-                  <a:srgbClr val="ffffff"/>
+            <a:endParaRPr lang="zh-CN" sz="1800" b="0" strike="noStrike" spc="-1">
+              <a:solidFill>
+                <a:srgbClr val="000000"/>
+              </a:solidFill>
+              <a:uFill>
+                <a:solidFill>
+                  <a:srgbClr val="FFFFFF"/>
                 </a:solidFill>
               </a:uFill>
               <a:latin typeface="等线"/>
@@ -4872,6 +5699,7 @@
         </p:spPr>
         <p:txBody>
           <a:bodyPr/>
+          <a:lstStyle/>
           <a:p>
             <a:pPr marL="228600" indent="-228240">
               <a:lnSpc>
@@ -4884,30 +5712,19 @@
               <a:buChar char="•"/>
             </a:pPr>
             <a:r>
-              <a:rPr b="0" lang="zh-CN" sz="2800" spc="-1" strike="noStrike">
-                <a:solidFill>
-                  <a:srgbClr val="000000"/>
-                </a:solidFill>
-                <a:uFill>
-                  <a:solidFill>
-                    <a:srgbClr val="ffffff"/>
+              <a:rPr lang="zh-CN" sz="2800" b="0" strike="noStrike" spc="-1" dirty="0">
+                <a:solidFill>
+                  <a:srgbClr val="000000"/>
+                </a:solidFill>
+                <a:uFill>
+                  <a:solidFill>
+                    <a:srgbClr val="FFFFFF"/>
                   </a:solidFill>
                 </a:uFill>
                 <a:latin typeface="等线"/>
               </a:rPr>
               <a:t>把源程序翻译成目标程序。</a:t>
             </a:r>
-            <a:endParaRPr b="0" lang="zh-CN" sz="2800" spc="-1" strike="noStrike">
-              <a:solidFill>
-                <a:srgbClr val="000000"/>
-              </a:solidFill>
-              <a:uFill>
-                <a:solidFill>
-                  <a:srgbClr val="ffffff"/>
-                </a:solidFill>
-              </a:uFill>
-              <a:latin typeface="等线"/>
-            </a:endParaRPr>
           </a:p>
           <a:p>
             <a:pPr marL="228600" indent="-228240">
@@ -4921,58 +5738,19 @@
               <a:buChar char="•"/>
             </a:pPr>
             <a:r>
-              <a:rPr b="0" lang="zh-CN" sz="2800" spc="-1" strike="noStrike">
-                <a:solidFill>
-                  <a:srgbClr val="000000"/>
-                </a:solidFill>
-                <a:uFill>
-                  <a:solidFill>
-                    <a:srgbClr val="ffffff"/>
+              <a:rPr lang="zh-CN" sz="2800" b="0" strike="noStrike" spc="-1" dirty="0">
+                <a:solidFill>
+                  <a:srgbClr val="000000"/>
+                </a:solidFill>
+                <a:uFill>
+                  <a:solidFill>
+                    <a:srgbClr val="FFFFFF"/>
                   </a:solidFill>
                 </a:uFill>
                 <a:latin typeface="等线"/>
               </a:rPr>
-              <a:t>源程序（源代码）</a:t>
-            </a:r>
-            <a:r>
-              <a:rPr b="0" lang="zh-CN" sz="2800" spc="-1" strike="noStrike">
-                <a:solidFill>
-                  <a:srgbClr val="000000"/>
-                </a:solidFill>
-                <a:uFill>
-                  <a:solidFill>
-                    <a:srgbClr val="ffffff"/>
-                  </a:solidFill>
-                </a:uFill>
-                <a:latin typeface="等线"/>
-              </a:rPr>
-              <a:t>- </a:t>
-            </a:r>
-            <a:r>
-              <a:rPr b="0" lang="zh-CN" sz="2800" spc="-1" strike="noStrike">
-                <a:solidFill>
-                  <a:srgbClr val="000000"/>
-                </a:solidFill>
-                <a:uFill>
-                  <a:solidFill>
-                    <a:srgbClr val="ffffff"/>
-                  </a:solidFill>
-                </a:uFill>
-                <a:latin typeface="等线"/>
-              </a:rPr>
-              <a:t>输入</a:t>
-            </a:r>
-            <a:endParaRPr b="0" lang="zh-CN" sz="2800" spc="-1" strike="noStrike">
-              <a:solidFill>
-                <a:srgbClr val="000000"/>
-              </a:solidFill>
-              <a:uFill>
-                <a:solidFill>
-                  <a:srgbClr val="ffffff"/>
-                </a:solidFill>
-              </a:uFill>
-              <a:latin typeface="等线"/>
-            </a:endParaRPr>
+              <a:t>源程序（源代码）- 输入</a:t>
+            </a:r>
           </a:p>
           <a:p>
             <a:pPr marL="228600" indent="-228240">
@@ -4986,33 +5764,22 @@
               <a:buChar char="•"/>
             </a:pPr>
             <a:r>
-              <a:rPr b="0" lang="zh-CN" sz="2800" spc="-1" strike="noStrike">
-                <a:solidFill>
-                  <a:srgbClr val="000000"/>
-                </a:solidFill>
-                <a:uFill>
-                  <a:solidFill>
-                    <a:srgbClr val="ffffff"/>
+              <a:rPr lang="zh-CN" sz="2800" b="0" strike="noStrike" spc="-1" dirty="0">
+                <a:solidFill>
+                  <a:srgbClr val="000000"/>
+                </a:solidFill>
+                <a:uFill>
+                  <a:solidFill>
+                    <a:srgbClr val="FFFFFF"/>
                   </a:solidFill>
                 </a:uFill>
                 <a:latin typeface="等线"/>
               </a:rPr>
               <a:t>目标程序 – 输出</a:t>
             </a:r>
-            <a:endParaRPr b="0" lang="zh-CN" sz="2800" spc="-1" strike="noStrike">
-              <a:solidFill>
-                <a:srgbClr val="000000"/>
-              </a:solidFill>
-              <a:uFill>
-                <a:solidFill>
-                  <a:srgbClr val="ffffff"/>
-                </a:solidFill>
-              </a:uFill>
-              <a:latin typeface="等线"/>
-            </a:endParaRPr>
-          </a:p>
-          <a:p>
-            <a:pPr lvl="1" marL="685800" indent="-228240">
+          </a:p>
+          <a:p>
+            <a:pPr marL="685800" lvl="1" indent="-228240">
               <a:lnSpc>
                 <a:spcPct val="100000"/>
               </a:lnSpc>
@@ -5023,33 +5790,33 @@
               <a:buChar char="•"/>
             </a:pPr>
             <a:r>
-              <a:rPr b="0" lang="zh-CN" sz="2400" spc="-1" strike="noStrike">
-                <a:solidFill>
-                  <a:srgbClr val="000000"/>
-                </a:solidFill>
-                <a:uFill>
-                  <a:solidFill>
-                    <a:srgbClr val="ffffff"/>
+              <a:rPr lang="zh-CN" sz="2400" b="0" strike="noStrike" spc="-1" dirty="0">
+                <a:solidFill>
+                  <a:srgbClr val="000000"/>
+                </a:solidFill>
+                <a:uFill>
+                  <a:solidFill>
+                    <a:srgbClr val="FFFFFF"/>
                   </a:solidFill>
                 </a:uFill>
                 <a:latin typeface="等线"/>
               </a:rPr>
               <a:t>机器语言</a:t>
             </a:r>
-            <a:endParaRPr b="0" lang="zh-CN" sz="2000" spc="-1" strike="noStrike">
-              <a:solidFill>
-                <a:srgbClr val="000000"/>
-              </a:solidFill>
-              <a:uFill>
-                <a:solidFill>
-                  <a:srgbClr val="ffffff"/>
-                </a:solidFill>
-              </a:uFill>
-              <a:latin typeface="等线"/>
-            </a:endParaRPr>
-          </a:p>
-          <a:p>
-            <a:pPr lvl="1" marL="685800" indent="-228240">
+            <a:endParaRPr lang="zh-CN" sz="2000" b="0" strike="noStrike" spc="-1" dirty="0">
+              <a:solidFill>
+                <a:srgbClr val="000000"/>
+              </a:solidFill>
+              <a:uFill>
+                <a:solidFill>
+                  <a:srgbClr val="FFFFFF"/>
+                </a:solidFill>
+              </a:uFill>
+              <a:latin typeface="等线"/>
+            </a:endParaRPr>
+          </a:p>
+          <a:p>
+            <a:pPr marL="685800" lvl="1" indent="-228240">
               <a:lnSpc>
                 <a:spcPct val="100000"/>
               </a:lnSpc>
@@ -5060,33 +5827,33 @@
               <a:buChar char="•"/>
             </a:pPr>
             <a:r>
-              <a:rPr b="0" lang="zh-CN" sz="2400" spc="-1" strike="noStrike">
-                <a:solidFill>
-                  <a:srgbClr val="000000"/>
-                </a:solidFill>
-                <a:uFill>
-                  <a:solidFill>
-                    <a:srgbClr val="ffffff"/>
+              <a:rPr lang="zh-CN" sz="2400" b="0" strike="noStrike" spc="-1" dirty="0">
+                <a:solidFill>
+                  <a:srgbClr val="000000"/>
+                </a:solidFill>
+                <a:uFill>
+                  <a:solidFill>
+                    <a:srgbClr val="FFFFFF"/>
                   </a:solidFill>
                 </a:uFill>
                 <a:latin typeface="等线"/>
               </a:rPr>
               <a:t>汇编语言</a:t>
             </a:r>
-            <a:endParaRPr b="0" lang="zh-CN" sz="2000" spc="-1" strike="noStrike">
-              <a:solidFill>
-                <a:srgbClr val="000000"/>
-              </a:solidFill>
-              <a:uFill>
-                <a:solidFill>
-                  <a:srgbClr val="ffffff"/>
-                </a:solidFill>
-              </a:uFill>
-              <a:latin typeface="等线"/>
-            </a:endParaRPr>
-          </a:p>
-          <a:p>
-            <a:pPr lvl="1" marL="685800" indent="-228240">
+            <a:endParaRPr lang="zh-CN" sz="2000" b="0" strike="noStrike" spc="-1" dirty="0">
+              <a:solidFill>
+                <a:srgbClr val="000000"/>
+              </a:solidFill>
+              <a:uFill>
+                <a:solidFill>
+                  <a:srgbClr val="FFFFFF"/>
+                </a:solidFill>
+              </a:uFill>
+              <a:latin typeface="等线"/>
+            </a:endParaRPr>
+          </a:p>
+          <a:p>
+            <a:pPr marL="685800" lvl="1" indent="-228240">
               <a:lnSpc>
                 <a:spcPct val="100000"/>
               </a:lnSpc>
@@ -5097,26 +5864,26 @@
               <a:buChar char="•"/>
             </a:pPr>
             <a:r>
-              <a:rPr b="0" lang="zh-CN" sz="2400" spc="-1" strike="noStrike">
-                <a:solidFill>
-                  <a:srgbClr val="000000"/>
-                </a:solidFill>
-                <a:uFill>
-                  <a:solidFill>
-                    <a:srgbClr val="ffffff"/>
+              <a:rPr lang="zh-CN" sz="2400" b="0" strike="noStrike" spc="-1" dirty="0">
+                <a:solidFill>
+                  <a:srgbClr val="000000"/>
+                </a:solidFill>
+                <a:uFill>
+                  <a:solidFill>
+                    <a:srgbClr val="FFFFFF"/>
                   </a:solidFill>
                 </a:uFill>
                 <a:latin typeface="等线"/>
               </a:rPr>
               <a:t>中间语言</a:t>
             </a:r>
-            <a:endParaRPr b="0" lang="zh-CN" sz="2000" spc="-1" strike="noStrike">
-              <a:solidFill>
-                <a:srgbClr val="000000"/>
-              </a:solidFill>
-              <a:uFill>
-                <a:solidFill>
-                  <a:srgbClr val="ffffff"/>
+            <a:endParaRPr lang="zh-CN" sz="2000" b="0" strike="noStrike" spc="-1" dirty="0">
+              <a:solidFill>
+                <a:srgbClr val="000000"/>
+              </a:solidFill>
+              <a:uFill>
+                <a:solidFill>
+                  <a:srgbClr val="FFFFFF"/>
                 </a:solidFill>
               </a:uFill>
               <a:latin typeface="等线"/>
@@ -5126,22 +5893,25 @@
       </p:sp>
     </p:spTree>
   </p:cSld>
+  <p:clrMapOvr>
+    <a:masterClrMapping/>
+  </p:clrMapOvr>
   <p:timing>
     <p:tnLst>
       <p:par>
-        <p:cTn id="17" dur="indefinite" restart="never" nodeType="tmRoot">
+        <p:cTn id="1" dur="indefinite" restart="never" nodeType="tmRoot">
           <p:childTnLst>
             <p:seq>
-              <p:cTn id="18" nodeType="mainSeq"/>
+              <p:cTn id="2" nodeType="mainSeq"/>
               <p:prevCondLst>
-                <p:cond delay="0" evt="onPrev">
+                <p:cond evt="onPrev" delay="0">
                   <p:tgtEl>
                     <p:sldTgt/>
                   </p:tgtEl>
                 </p:cond>
               </p:prevCondLst>
               <p:nextCondLst>
-                <p:cond delay="0" evt="onNext">
+                <p:cond evt="onNext" delay="0">
                   <p:tgtEl>
                     <p:sldTgt/>
                   </p:tgtEl>
@@ -5157,7 +5927,7 @@
 </file>
 
 <file path=ppt/slides/slide11.xml><?xml version="1.0" encoding="utf-8"?>
-<p:sld xmlns:a="http://schemas.openxmlformats.org/drawingml/2006/main" xmlns:p="http://schemas.openxmlformats.org/presentationml/2006/main" xmlns:r="http://schemas.openxmlformats.org/officeDocument/2006/relationships" xmlns:p14="http://schemas.microsoft.com/office/powerpoint/2010/main" xmlns:p15="http://schemas.microsoft.com/office/powerpoint/2012/main" xmlns:mc="http://schemas.openxmlformats.org/markup-compatibility/2006">
+<p:sld xmlns:a="http://schemas.openxmlformats.org/drawingml/2006/main" xmlns:r="http://schemas.openxmlformats.org/officeDocument/2006/relationships" xmlns:p="http://schemas.openxmlformats.org/presentationml/2006/main">
   <p:cSld>
     <p:spTree>
       <p:nvGrpSpPr>
@@ -5194,6 +5964,7 @@
         </p:spPr>
         <p:txBody>
           <a:bodyPr anchor="ctr"/>
+          <a:lstStyle/>
           <a:p>
             <a:pPr>
               <a:lnSpc>
@@ -5201,26 +5972,26 @@
               </a:lnSpc>
             </a:pPr>
             <a:r>
-              <a:rPr b="0" lang="zh-CN" sz="4400" spc="-1" strike="noStrike">
-                <a:solidFill>
-                  <a:srgbClr val="000000"/>
-                </a:solidFill>
-                <a:uFill>
-                  <a:solidFill>
-                    <a:srgbClr val="ffffff"/>
+              <a:rPr lang="zh-CN" sz="4400" b="0" strike="noStrike" spc="-1">
+                <a:solidFill>
+                  <a:srgbClr val="000000"/>
+                </a:solidFill>
+                <a:uFill>
+                  <a:solidFill>
+                    <a:srgbClr val="FFFFFF"/>
                   </a:solidFill>
                 </a:uFill>
                 <a:latin typeface="等线 Light"/>
               </a:rPr>
               <a:t>翻译程序</a:t>
             </a:r>
-            <a:endParaRPr b="0" lang="zh-CN" sz="1800" spc="-1" strike="noStrike">
-              <a:solidFill>
-                <a:srgbClr val="000000"/>
-              </a:solidFill>
-              <a:uFill>
-                <a:solidFill>
-                  <a:srgbClr val="ffffff"/>
+            <a:endParaRPr lang="zh-CN" sz="1800" b="0" strike="noStrike" spc="-1">
+              <a:solidFill>
+                <a:srgbClr val="000000"/>
+              </a:solidFill>
+              <a:uFill>
+                <a:solidFill>
+                  <a:srgbClr val="FFFFFF"/>
                 </a:solidFill>
               </a:uFill>
               <a:latin typeface="等线"/>
@@ -5249,6 +6020,7 @@
         </p:spPr>
         <p:txBody>
           <a:bodyPr/>
+          <a:lstStyle/>
           <a:p>
             <a:pPr marL="228600" indent="-228240">
               <a:lnSpc>
@@ -5261,30 +6033,19 @@
               <a:buChar char="•"/>
             </a:pPr>
             <a:r>
-              <a:rPr b="0" lang="zh-CN" sz="2800" spc="-1" strike="noStrike">
-                <a:solidFill>
-                  <a:srgbClr val="000000"/>
-                </a:solidFill>
-                <a:uFill>
-                  <a:solidFill>
-                    <a:srgbClr val="ffffff"/>
+              <a:rPr lang="zh-CN" sz="2800" b="0" strike="noStrike" spc="-1">
+                <a:solidFill>
+                  <a:srgbClr val="000000"/>
+                </a:solidFill>
+                <a:uFill>
+                  <a:solidFill>
+                    <a:srgbClr val="FFFFFF"/>
                   </a:solidFill>
                 </a:uFill>
                 <a:latin typeface="等线"/>
               </a:rPr>
               <a:t>汇编程序</a:t>
             </a:r>
-            <a:endParaRPr b="0" lang="zh-CN" sz="2800" spc="-1" strike="noStrike">
-              <a:solidFill>
-                <a:srgbClr val="000000"/>
-              </a:solidFill>
-              <a:uFill>
-                <a:solidFill>
-                  <a:srgbClr val="ffffff"/>
-                </a:solidFill>
-              </a:uFill>
-              <a:latin typeface="等线"/>
-            </a:endParaRPr>
           </a:p>
           <a:p>
             <a:pPr marL="228600" indent="-228240">
@@ -5298,30 +6059,19 @@
               <a:buChar char="•"/>
             </a:pPr>
             <a:r>
-              <a:rPr b="0" lang="zh-CN" sz="2800" spc="-1" strike="noStrike">
-                <a:solidFill>
-                  <a:srgbClr val="000000"/>
-                </a:solidFill>
-                <a:uFill>
-                  <a:solidFill>
-                    <a:srgbClr val="ffffff"/>
+              <a:rPr lang="zh-CN" sz="2800" b="0" strike="noStrike" spc="-1">
+                <a:solidFill>
+                  <a:srgbClr val="000000"/>
+                </a:solidFill>
+                <a:uFill>
+                  <a:solidFill>
+                    <a:srgbClr val="FFFFFF"/>
                   </a:solidFill>
                 </a:uFill>
                 <a:latin typeface="等线"/>
               </a:rPr>
               <a:t>编译程序</a:t>
             </a:r>
-            <a:endParaRPr b="0" lang="zh-CN" sz="2800" spc="-1" strike="noStrike">
-              <a:solidFill>
-                <a:srgbClr val="000000"/>
-              </a:solidFill>
-              <a:uFill>
-                <a:solidFill>
-                  <a:srgbClr val="ffffff"/>
-                </a:solidFill>
-              </a:uFill>
-              <a:latin typeface="等线"/>
-            </a:endParaRPr>
           </a:p>
           <a:p>
             <a:pPr marL="228600" indent="-228240">
@@ -5335,30 +6085,19 @@
               <a:buChar char="•"/>
             </a:pPr>
             <a:r>
-              <a:rPr b="0" lang="zh-CN" sz="2800" spc="-1" strike="noStrike">
-                <a:solidFill>
-                  <a:srgbClr val="000000"/>
-                </a:solidFill>
-                <a:uFill>
-                  <a:solidFill>
-                    <a:srgbClr val="ffffff"/>
+              <a:rPr lang="zh-CN" sz="2800" b="0" strike="noStrike" spc="-1">
+                <a:solidFill>
+                  <a:srgbClr val="000000"/>
+                </a:solidFill>
+                <a:uFill>
+                  <a:solidFill>
+                    <a:srgbClr val="FFFFFF"/>
                   </a:solidFill>
                 </a:uFill>
                 <a:latin typeface="等线"/>
               </a:rPr>
               <a:t>解释程序</a:t>
             </a:r>
-            <a:endParaRPr b="0" lang="zh-CN" sz="2800" spc="-1" strike="noStrike">
-              <a:solidFill>
-                <a:srgbClr val="000000"/>
-              </a:solidFill>
-              <a:uFill>
-                <a:solidFill>
-                  <a:srgbClr val="ffffff"/>
-                </a:solidFill>
-              </a:uFill>
-              <a:latin typeface="等线"/>
-            </a:endParaRPr>
           </a:p>
           <a:p>
             <a:pPr>
@@ -5366,13 +6105,13 @@
                 <a:spcPct val="90000"/>
               </a:lnSpc>
             </a:pPr>
-            <a:endParaRPr b="0" lang="zh-CN" sz="2800" spc="-1" strike="noStrike">
-              <a:solidFill>
-                <a:srgbClr val="000000"/>
-              </a:solidFill>
-              <a:uFill>
-                <a:solidFill>
-                  <a:srgbClr val="ffffff"/>
+            <a:endParaRPr lang="zh-CN" sz="2800" b="0" strike="noStrike" spc="-1">
+              <a:solidFill>
+                <a:srgbClr val="000000"/>
+              </a:solidFill>
+              <a:uFill>
+                <a:solidFill>
+                  <a:srgbClr val="FFFFFF"/>
                 </a:solidFill>
               </a:uFill>
               <a:latin typeface="等线"/>
@@ -5382,22 +6121,25 @@
       </p:sp>
     </p:spTree>
   </p:cSld>
+  <p:clrMapOvr>
+    <a:masterClrMapping/>
+  </p:clrMapOvr>
   <p:timing>
     <p:tnLst>
       <p:par>
-        <p:cTn id="19" dur="indefinite" restart="never" nodeType="tmRoot">
+        <p:cTn id="1" dur="indefinite" restart="never" nodeType="tmRoot">
           <p:childTnLst>
             <p:seq>
-              <p:cTn id="20" nodeType="mainSeq"/>
+              <p:cTn id="2" nodeType="mainSeq"/>
               <p:prevCondLst>
-                <p:cond delay="0" evt="onPrev">
+                <p:cond evt="onPrev" delay="0">
                   <p:tgtEl>
                     <p:sldTgt/>
                   </p:tgtEl>
                 </p:cond>
               </p:prevCondLst>
               <p:nextCondLst>
-                <p:cond delay="0" evt="onNext">
+                <p:cond evt="onNext" delay="0">
                   <p:tgtEl>
                     <p:sldTgt/>
                   </p:tgtEl>
@@ -5413,7 +6155,7 @@
 </file>
 
 <file path=ppt/slides/slide12.xml><?xml version="1.0" encoding="utf-8"?>
-<p:sld xmlns:a="http://schemas.openxmlformats.org/drawingml/2006/main" xmlns:p="http://schemas.openxmlformats.org/presentationml/2006/main" xmlns:r="http://schemas.openxmlformats.org/officeDocument/2006/relationships" xmlns:p14="http://schemas.microsoft.com/office/powerpoint/2010/main" xmlns:p15="http://schemas.microsoft.com/office/powerpoint/2012/main" xmlns:mc="http://schemas.openxmlformats.org/markup-compatibility/2006">
+<p:sld xmlns:a="http://schemas.openxmlformats.org/drawingml/2006/main" xmlns:r="http://schemas.openxmlformats.org/officeDocument/2006/relationships" xmlns:p="http://schemas.openxmlformats.org/presentationml/2006/main">
   <p:cSld>
     <p:spTree>
       <p:nvGrpSpPr>
@@ -5450,6 +6192,7 @@
         </p:spPr>
         <p:txBody>
           <a:bodyPr anchor="ctr"/>
+          <a:lstStyle/>
           <a:p>
             <a:pPr>
               <a:lnSpc>
@@ -5457,26 +6200,26 @@
               </a:lnSpc>
             </a:pPr>
             <a:r>
-              <a:rPr b="0" lang="zh-CN" sz="4400" spc="-1" strike="noStrike">
-                <a:solidFill>
-                  <a:srgbClr val="000000"/>
-                </a:solidFill>
-                <a:uFill>
-                  <a:solidFill>
-                    <a:srgbClr val="ffffff"/>
+              <a:rPr lang="zh-CN" sz="4400" b="0" strike="noStrike" spc="-1">
+                <a:solidFill>
+                  <a:srgbClr val="000000"/>
+                </a:solidFill>
+                <a:uFill>
+                  <a:solidFill>
+                    <a:srgbClr val="FFFFFF"/>
                   </a:solidFill>
                 </a:uFill>
                 <a:latin typeface="等线 Light"/>
               </a:rPr>
               <a:t>汇编程序</a:t>
             </a:r>
-            <a:endParaRPr b="0" lang="zh-CN" sz="1800" spc="-1" strike="noStrike">
-              <a:solidFill>
-                <a:srgbClr val="000000"/>
-              </a:solidFill>
-              <a:uFill>
-                <a:solidFill>
-                  <a:srgbClr val="ffffff"/>
+            <a:endParaRPr lang="zh-CN" sz="1800" b="0" strike="noStrike" spc="-1">
+              <a:solidFill>
+                <a:srgbClr val="000000"/>
+              </a:solidFill>
+              <a:uFill>
+                <a:solidFill>
+                  <a:srgbClr val="FFFFFF"/>
                 </a:solidFill>
               </a:uFill>
               <a:latin typeface="等线"/>
@@ -5505,6 +6248,7 @@
         </p:spPr>
         <p:txBody>
           <a:bodyPr/>
+          <a:lstStyle/>
           <a:p>
             <a:pPr marL="228600" indent="-228240">
               <a:lnSpc>
@@ -5517,51 +6261,43 @@
               <a:buChar char="•"/>
             </a:pPr>
             <a:r>
-              <a:rPr b="0" lang="zh-CN" sz="2800" spc="-1" strike="noStrike">
-                <a:solidFill>
-                  <a:srgbClr val="000000"/>
-                </a:solidFill>
-                <a:uFill>
-                  <a:solidFill>
-                    <a:srgbClr val="ffffff"/>
+              <a:rPr lang="zh-CN" sz="2800" b="0" strike="noStrike" spc="-1">
+                <a:solidFill>
+                  <a:srgbClr val="000000"/>
+                </a:solidFill>
+                <a:uFill>
+                  <a:solidFill>
+                    <a:srgbClr val="FFFFFF"/>
                   </a:solidFill>
                 </a:uFill>
                 <a:latin typeface="等线"/>
               </a:rPr>
               <a:t>将汇编语言写成的源程序翻译成机器语言形式的目标程序。</a:t>
             </a:r>
-            <a:endParaRPr b="0" lang="zh-CN" sz="2800" spc="-1" strike="noStrike">
-              <a:solidFill>
-                <a:srgbClr val="000000"/>
-              </a:solidFill>
-              <a:uFill>
-                <a:solidFill>
-                  <a:srgbClr val="ffffff"/>
-                </a:solidFill>
-              </a:uFill>
-              <a:latin typeface="等线"/>
-            </a:endParaRPr>
           </a:p>
         </p:txBody>
       </p:sp>
     </p:spTree>
   </p:cSld>
+  <p:clrMapOvr>
+    <a:masterClrMapping/>
+  </p:clrMapOvr>
   <p:timing>
     <p:tnLst>
       <p:par>
-        <p:cTn id="21" dur="indefinite" restart="never" nodeType="tmRoot">
+        <p:cTn id="1" dur="indefinite" restart="never" nodeType="tmRoot">
           <p:childTnLst>
             <p:seq>
-              <p:cTn id="22" nodeType="mainSeq"/>
+              <p:cTn id="2" nodeType="mainSeq"/>
               <p:prevCondLst>
-                <p:cond delay="0" evt="onPrev">
+                <p:cond evt="onPrev" delay="0">
                   <p:tgtEl>
                     <p:sldTgt/>
                   </p:tgtEl>
                 </p:cond>
               </p:prevCondLst>
               <p:nextCondLst>
-                <p:cond delay="0" evt="onNext">
+                <p:cond evt="onNext" delay="0">
                   <p:tgtEl>
                     <p:sldTgt/>
                   </p:tgtEl>
@@ -5577,7 +6313,7 @@
 </file>
 
 <file path=ppt/slides/slide13.xml><?xml version="1.0" encoding="utf-8"?>
-<p:sld xmlns:a="http://schemas.openxmlformats.org/drawingml/2006/main" xmlns:p="http://schemas.openxmlformats.org/presentationml/2006/main" xmlns:r="http://schemas.openxmlformats.org/officeDocument/2006/relationships" xmlns:p14="http://schemas.microsoft.com/office/powerpoint/2010/main" xmlns:p15="http://schemas.microsoft.com/office/powerpoint/2012/main" xmlns:mc="http://schemas.openxmlformats.org/markup-compatibility/2006">
+<p:sld xmlns:a="http://schemas.openxmlformats.org/drawingml/2006/main" xmlns:r="http://schemas.openxmlformats.org/officeDocument/2006/relationships" xmlns:p="http://schemas.openxmlformats.org/presentationml/2006/main">
   <p:cSld>
     <p:spTree>
       <p:nvGrpSpPr>
@@ -5614,6 +6350,7 @@
         </p:spPr>
         <p:txBody>
           <a:bodyPr anchor="ctr"/>
+          <a:lstStyle/>
           <a:p>
             <a:pPr>
               <a:lnSpc>
@@ -5621,26 +6358,26 @@
               </a:lnSpc>
             </a:pPr>
             <a:r>
-              <a:rPr b="0" lang="zh-CN" sz="4400" spc="-1" strike="noStrike">
-                <a:solidFill>
-                  <a:srgbClr val="000000"/>
-                </a:solidFill>
-                <a:uFill>
-                  <a:solidFill>
-                    <a:srgbClr val="ffffff"/>
+              <a:rPr lang="zh-CN" sz="4400" b="0" strike="noStrike" spc="-1">
+                <a:solidFill>
+                  <a:srgbClr val="000000"/>
+                </a:solidFill>
+                <a:uFill>
+                  <a:solidFill>
+                    <a:srgbClr val="FFFFFF"/>
                   </a:solidFill>
                 </a:uFill>
                 <a:latin typeface="等线 Light"/>
               </a:rPr>
               <a:t>编译程序和解释程序</a:t>
             </a:r>
-            <a:endParaRPr b="0" lang="zh-CN" sz="1800" spc="-1" strike="noStrike">
-              <a:solidFill>
-                <a:srgbClr val="000000"/>
-              </a:solidFill>
-              <a:uFill>
-                <a:solidFill>
-                  <a:srgbClr val="ffffff"/>
+            <a:endParaRPr lang="zh-CN" sz="1800" b="0" strike="noStrike" spc="-1">
+              <a:solidFill>
+                <a:srgbClr val="000000"/>
+              </a:solidFill>
+              <a:uFill>
+                <a:solidFill>
+                  <a:srgbClr val="FFFFFF"/>
                 </a:solidFill>
               </a:uFill>
               <a:latin typeface="等线"/>
@@ -5669,6 +6406,7 @@
         </p:spPr>
         <p:txBody>
           <a:bodyPr/>
+          <a:lstStyle/>
           <a:p>
             <a:pPr marL="228600" indent="-228240">
               <a:lnSpc>
@@ -5681,51 +6419,43 @@
               <a:buChar char="•"/>
             </a:pPr>
             <a:r>
-              <a:rPr b="0" lang="zh-CN" sz="2800" spc="-1" strike="noStrike">
-                <a:solidFill>
-                  <a:srgbClr val="000000"/>
-                </a:solidFill>
-                <a:uFill>
-                  <a:solidFill>
-                    <a:srgbClr val="ffffff"/>
+              <a:rPr lang="zh-CN" sz="2800" b="0" strike="noStrike" spc="-1">
+                <a:solidFill>
+                  <a:srgbClr val="000000"/>
+                </a:solidFill>
+                <a:uFill>
+                  <a:solidFill>
+                    <a:srgbClr val="FFFFFF"/>
                   </a:solidFill>
                 </a:uFill>
                 <a:latin typeface="等线"/>
               </a:rPr>
               <a:t>将高级语言写成的程序翻译成目标程序。</a:t>
             </a:r>
-            <a:endParaRPr b="0" lang="zh-CN" sz="2800" spc="-1" strike="noStrike">
-              <a:solidFill>
-                <a:srgbClr val="000000"/>
-              </a:solidFill>
-              <a:uFill>
-                <a:solidFill>
-                  <a:srgbClr val="ffffff"/>
-                </a:solidFill>
-              </a:uFill>
-              <a:latin typeface="等线"/>
-            </a:endParaRPr>
           </a:p>
         </p:txBody>
       </p:sp>
     </p:spTree>
   </p:cSld>
+  <p:clrMapOvr>
+    <a:masterClrMapping/>
+  </p:clrMapOvr>
   <p:timing>
     <p:tnLst>
       <p:par>
-        <p:cTn id="23" dur="indefinite" restart="never" nodeType="tmRoot">
+        <p:cTn id="1" dur="indefinite" restart="never" nodeType="tmRoot">
           <p:childTnLst>
             <p:seq>
-              <p:cTn id="24" nodeType="mainSeq"/>
+              <p:cTn id="2" nodeType="mainSeq"/>
               <p:prevCondLst>
-                <p:cond delay="0" evt="onPrev">
+                <p:cond evt="onPrev" delay="0">
                   <p:tgtEl>
                     <p:sldTgt/>
                   </p:tgtEl>
                 </p:cond>
               </p:prevCondLst>
               <p:nextCondLst>
-                <p:cond delay="0" evt="onNext">
+                <p:cond evt="onNext" delay="0">
                   <p:tgtEl>
                     <p:sldTgt/>
                   </p:tgtEl>
@@ -5741,7 +6471,7 @@
 </file>
 
 <file path=ppt/slides/slide14.xml><?xml version="1.0" encoding="utf-8"?>
-<p:sld xmlns:a="http://schemas.openxmlformats.org/drawingml/2006/main" xmlns:p="http://schemas.openxmlformats.org/presentationml/2006/main" xmlns:r="http://schemas.openxmlformats.org/officeDocument/2006/relationships" xmlns:p14="http://schemas.microsoft.com/office/powerpoint/2010/main" xmlns:p15="http://schemas.microsoft.com/office/powerpoint/2012/main" xmlns:mc="http://schemas.openxmlformats.org/markup-compatibility/2006">
+<p:sld xmlns:a="http://schemas.openxmlformats.org/drawingml/2006/main" xmlns:r="http://schemas.openxmlformats.org/officeDocument/2006/relationships" xmlns:p="http://schemas.openxmlformats.org/presentationml/2006/main">
   <p:cSld>
     <p:spTree>
       <p:nvGrpSpPr>
@@ -5778,6 +6508,7 @@
         </p:spPr>
         <p:txBody>
           <a:bodyPr anchor="ctr"/>
+          <a:lstStyle/>
           <a:p>
             <a:pPr>
               <a:lnSpc>
@@ -5785,26 +6516,26 @@
               </a:lnSpc>
             </a:pPr>
             <a:r>
-              <a:rPr b="0" lang="zh-CN" sz="4400" spc="-1" strike="noStrike">
-                <a:solidFill>
-                  <a:srgbClr val="000000"/>
-                </a:solidFill>
-                <a:uFill>
-                  <a:solidFill>
-                    <a:srgbClr val="ffffff"/>
+              <a:rPr lang="zh-CN" sz="4400" b="0" strike="noStrike" spc="-1">
+                <a:solidFill>
+                  <a:srgbClr val="000000"/>
+                </a:solidFill>
+                <a:uFill>
+                  <a:solidFill>
+                    <a:srgbClr val="FFFFFF"/>
                   </a:solidFill>
                 </a:uFill>
                 <a:latin typeface="等线 Light"/>
               </a:rPr>
               <a:t>高级语言和汇编语言的区别？</a:t>
             </a:r>
-            <a:endParaRPr b="0" lang="zh-CN" sz="1800" spc="-1" strike="noStrike">
-              <a:solidFill>
-                <a:srgbClr val="000000"/>
-              </a:solidFill>
-              <a:uFill>
-                <a:solidFill>
-                  <a:srgbClr val="ffffff"/>
+            <a:endParaRPr lang="zh-CN" sz="1800" b="0" strike="noStrike" spc="-1">
+              <a:solidFill>
+                <a:srgbClr val="000000"/>
+              </a:solidFill>
+              <a:uFill>
+                <a:solidFill>
+                  <a:srgbClr val="FFFFFF"/>
                 </a:solidFill>
               </a:uFill>
               <a:latin typeface="等线"/>
@@ -5833,14 +6564,15 @@
         </p:spPr>
         <p:txBody>
           <a:bodyPr/>
-          <a:p>
-            <a:endParaRPr b="0" lang="zh-CN" sz="2800" spc="-1" strike="noStrike">
-              <a:solidFill>
-                <a:srgbClr val="000000"/>
-              </a:solidFill>
-              <a:uFill>
-                <a:solidFill>
-                  <a:srgbClr val="ffffff"/>
+          <a:lstStyle/>
+          <a:p>
+            <a:endParaRPr lang="zh-CN" sz="2800" b="0" strike="noStrike" spc="-1">
+              <a:solidFill>
+                <a:srgbClr val="000000"/>
+              </a:solidFill>
+              <a:uFill>
+                <a:solidFill>
+                  <a:srgbClr val="FFFFFF"/>
                 </a:solidFill>
               </a:uFill>
               <a:latin typeface="等线"/>
@@ -5850,22 +6582,25 @@
       </p:sp>
     </p:spTree>
   </p:cSld>
+  <p:clrMapOvr>
+    <a:masterClrMapping/>
+  </p:clrMapOvr>
   <p:timing>
     <p:tnLst>
       <p:par>
-        <p:cTn id="25" dur="indefinite" restart="never" nodeType="tmRoot">
+        <p:cTn id="1" dur="indefinite" restart="never" nodeType="tmRoot">
           <p:childTnLst>
             <p:seq>
-              <p:cTn id="26" nodeType="mainSeq"/>
+              <p:cTn id="2" nodeType="mainSeq"/>
               <p:prevCondLst>
-                <p:cond delay="0" evt="onPrev">
+                <p:cond evt="onPrev" delay="0">
                   <p:tgtEl>
                     <p:sldTgt/>
                   </p:tgtEl>
                 </p:cond>
               </p:prevCondLst>
               <p:nextCondLst>
-                <p:cond delay="0" evt="onNext">
+                <p:cond evt="onNext" delay="0">
                   <p:tgtEl>
                     <p:sldTgt/>
                   </p:tgtEl>
@@ -5881,7 +6616,7 @@
 </file>
 
 <file path=ppt/slides/slide15.xml><?xml version="1.0" encoding="utf-8"?>
-<p:sld xmlns:a="http://schemas.openxmlformats.org/drawingml/2006/main" xmlns:p="http://schemas.openxmlformats.org/presentationml/2006/main" xmlns:r="http://schemas.openxmlformats.org/officeDocument/2006/relationships" xmlns:p14="http://schemas.microsoft.com/office/powerpoint/2010/main" xmlns:p15="http://schemas.microsoft.com/office/powerpoint/2012/main" xmlns:mc="http://schemas.openxmlformats.org/markup-compatibility/2006">
+<p:sld xmlns:a="http://schemas.openxmlformats.org/drawingml/2006/main" xmlns:r="http://schemas.openxmlformats.org/officeDocument/2006/relationships" xmlns:p="http://schemas.openxmlformats.org/presentationml/2006/main">
   <p:cSld>
     <p:spTree>
       <p:nvGrpSpPr>
@@ -5918,6 +6653,7 @@
         </p:spPr>
         <p:txBody>
           <a:bodyPr anchor="ctr"/>
+          <a:lstStyle/>
           <a:p>
             <a:pPr>
               <a:lnSpc>
@@ -5925,26 +6661,26 @@
               </a:lnSpc>
             </a:pPr>
             <a:r>
-              <a:rPr b="0" lang="zh-CN" sz="4400" spc="-1" strike="noStrike">
-                <a:solidFill>
-                  <a:srgbClr val="000000"/>
-                </a:solidFill>
-                <a:uFill>
-                  <a:solidFill>
-                    <a:srgbClr val="ffffff"/>
+              <a:rPr lang="zh-CN" sz="4400" b="0" strike="noStrike" spc="-1">
+                <a:solidFill>
+                  <a:srgbClr val="000000"/>
+                </a:solidFill>
+                <a:uFill>
+                  <a:solidFill>
+                    <a:srgbClr val="FFFFFF"/>
                   </a:solidFill>
                 </a:uFill>
                 <a:latin typeface="等线 Light"/>
               </a:rPr>
               <a:t>集成开发环境</a:t>
             </a:r>
-            <a:endParaRPr b="0" lang="zh-CN" sz="1800" spc="-1" strike="noStrike">
-              <a:solidFill>
-                <a:srgbClr val="000000"/>
-              </a:solidFill>
-              <a:uFill>
-                <a:solidFill>
-                  <a:srgbClr val="ffffff"/>
+            <a:endParaRPr lang="zh-CN" sz="1800" b="0" strike="noStrike" spc="-1">
+              <a:solidFill>
+                <a:srgbClr val="000000"/>
+              </a:solidFill>
+              <a:uFill>
+                <a:solidFill>
+                  <a:srgbClr val="FFFFFF"/>
                 </a:solidFill>
               </a:uFill>
               <a:latin typeface="等线"/>
@@ -5973,6 +6709,7 @@
         </p:spPr>
         <p:txBody>
           <a:bodyPr/>
+          <a:lstStyle/>
           <a:p>
             <a:pPr marL="228600" indent="-228240">
               <a:lnSpc>
@@ -5985,30 +6722,19 @@
               <a:buChar char="•"/>
             </a:pPr>
             <a:r>
-              <a:rPr b="0" lang="zh-CN" sz="2800" spc="-1" strike="noStrike">
-                <a:solidFill>
-                  <a:srgbClr val="000000"/>
-                </a:solidFill>
-                <a:uFill>
-                  <a:solidFill>
-                    <a:srgbClr val="ffffff"/>
+              <a:rPr lang="zh-CN" sz="2800" b="0" strike="noStrike" spc="-1">
+                <a:solidFill>
+                  <a:srgbClr val="000000"/>
+                </a:solidFill>
+                <a:uFill>
+                  <a:solidFill>
+                    <a:srgbClr val="FFFFFF"/>
                   </a:solidFill>
                 </a:uFill>
                 <a:latin typeface="等线"/>
               </a:rPr>
               <a:t>Eclipse</a:t>
             </a:r>
-            <a:endParaRPr b="0" lang="zh-CN" sz="2800" spc="-1" strike="noStrike">
-              <a:solidFill>
-                <a:srgbClr val="000000"/>
-              </a:solidFill>
-              <a:uFill>
-                <a:solidFill>
-                  <a:srgbClr val="ffffff"/>
-                </a:solidFill>
-              </a:uFill>
-              <a:latin typeface="等线"/>
-            </a:endParaRPr>
           </a:p>
           <a:p>
             <a:pPr marL="228600" indent="-228240">
@@ -6022,30 +6748,19 @@
               <a:buChar char="•"/>
             </a:pPr>
             <a:r>
-              <a:rPr b="0" lang="zh-CN" sz="2800" spc="-1" strike="noStrike">
-                <a:solidFill>
-                  <a:srgbClr val="000000"/>
-                </a:solidFill>
-                <a:uFill>
-                  <a:solidFill>
-                    <a:srgbClr val="ffffff"/>
+              <a:rPr lang="zh-CN" sz="2800" b="0" strike="noStrike" spc="-1">
+                <a:solidFill>
+                  <a:srgbClr val="000000"/>
+                </a:solidFill>
+                <a:uFill>
+                  <a:solidFill>
+                    <a:srgbClr val="FFFFFF"/>
                   </a:solidFill>
                 </a:uFill>
                 <a:latin typeface="等线"/>
               </a:rPr>
               <a:t>PyCharm</a:t>
             </a:r>
-            <a:endParaRPr b="0" lang="zh-CN" sz="2800" spc="-1" strike="noStrike">
-              <a:solidFill>
-                <a:srgbClr val="000000"/>
-              </a:solidFill>
-              <a:uFill>
-                <a:solidFill>
-                  <a:srgbClr val="ffffff"/>
-                </a:solidFill>
-              </a:uFill>
-              <a:latin typeface="等线"/>
-            </a:endParaRPr>
           </a:p>
           <a:p>
             <a:pPr>
@@ -6053,13 +6768,13 @@
                 <a:spcPct val="100000"/>
               </a:lnSpc>
             </a:pPr>
-            <a:endParaRPr b="0" lang="zh-CN" sz="2800" spc="-1" strike="noStrike">
-              <a:solidFill>
-                <a:srgbClr val="000000"/>
-              </a:solidFill>
-              <a:uFill>
-                <a:solidFill>
-                  <a:srgbClr val="ffffff"/>
+            <a:endParaRPr lang="zh-CN" sz="2800" b="0" strike="noStrike" spc="-1">
+              <a:solidFill>
+                <a:srgbClr val="000000"/>
+              </a:solidFill>
+              <a:uFill>
+                <a:solidFill>
+                  <a:srgbClr val="FFFFFF"/>
                 </a:solidFill>
               </a:uFill>
               <a:latin typeface="等线"/>
@@ -6069,22 +6784,25 @@
       </p:sp>
     </p:spTree>
   </p:cSld>
+  <p:clrMapOvr>
+    <a:masterClrMapping/>
+  </p:clrMapOvr>
   <p:timing>
     <p:tnLst>
       <p:par>
-        <p:cTn id="27" dur="indefinite" restart="never" nodeType="tmRoot">
+        <p:cTn id="1" dur="indefinite" restart="never" nodeType="tmRoot">
           <p:childTnLst>
             <p:seq>
-              <p:cTn id="28" nodeType="mainSeq"/>
+              <p:cTn id="2" nodeType="mainSeq"/>
               <p:prevCondLst>
-                <p:cond delay="0" evt="onPrev">
+                <p:cond evt="onPrev" delay="0">
                   <p:tgtEl>
                     <p:sldTgt/>
                   </p:tgtEl>
                 </p:cond>
               </p:prevCondLst>
               <p:nextCondLst>
-                <p:cond delay="0" evt="onNext">
+                <p:cond evt="onNext" delay="0">
                   <p:tgtEl>
                     <p:sldTgt/>
                   </p:tgtEl>
@@ -6100,7 +6818,7 @@
 </file>
 
 <file path=ppt/slides/slide16.xml><?xml version="1.0" encoding="utf-8"?>
-<p:sld xmlns:a="http://schemas.openxmlformats.org/drawingml/2006/main" xmlns:p="http://schemas.openxmlformats.org/presentationml/2006/main" xmlns:r="http://schemas.openxmlformats.org/officeDocument/2006/relationships" xmlns:p14="http://schemas.microsoft.com/office/powerpoint/2010/main" xmlns:p15="http://schemas.microsoft.com/office/powerpoint/2012/main" xmlns:mc="http://schemas.openxmlformats.org/markup-compatibility/2006">
+<p:sld xmlns:a="http://schemas.openxmlformats.org/drawingml/2006/main" xmlns:r="http://schemas.openxmlformats.org/officeDocument/2006/relationships" xmlns:p="http://schemas.openxmlformats.org/presentationml/2006/main">
   <p:cSld>
     <p:spTree>
       <p:nvGrpSpPr>
@@ -6137,6 +6855,7 @@
         </p:spPr>
         <p:txBody>
           <a:bodyPr anchor="ctr"/>
+          <a:lstStyle/>
           <a:p>
             <a:pPr>
               <a:lnSpc>
@@ -6144,26 +6863,26 @@
               </a:lnSpc>
             </a:pPr>
             <a:r>
-              <a:rPr b="0" lang="zh-CN" sz="4400" spc="-1" strike="noStrike">
-                <a:solidFill>
-                  <a:srgbClr val="000000"/>
-                </a:solidFill>
-                <a:uFill>
-                  <a:solidFill>
-                    <a:srgbClr val="ffffff"/>
+              <a:rPr lang="zh-CN" sz="4400" b="0" strike="noStrike" spc="-1">
+                <a:solidFill>
+                  <a:srgbClr val="000000"/>
+                </a:solidFill>
+                <a:uFill>
+                  <a:solidFill>
+                    <a:srgbClr val="FFFFFF"/>
                   </a:solidFill>
                 </a:uFill>
                 <a:latin typeface="等线 Light"/>
               </a:rPr>
               <a:t>集成开发环境</a:t>
             </a:r>
-            <a:endParaRPr b="0" lang="zh-CN" sz="1800" spc="-1" strike="noStrike">
-              <a:solidFill>
-                <a:srgbClr val="000000"/>
-              </a:solidFill>
-              <a:uFill>
-                <a:solidFill>
-                  <a:srgbClr val="ffffff"/>
+            <a:endParaRPr lang="zh-CN" sz="1800" b="0" strike="noStrike" spc="-1">
+              <a:solidFill>
+                <a:srgbClr val="000000"/>
+              </a:solidFill>
+              <a:uFill>
+                <a:solidFill>
+                  <a:srgbClr val="FFFFFF"/>
                 </a:solidFill>
               </a:uFill>
               <a:latin typeface="等线"/>
@@ -6192,6 +6911,7 @@
         </p:spPr>
         <p:txBody>
           <a:bodyPr/>
+          <a:lstStyle/>
           <a:p>
             <a:pPr marL="228600" indent="-228240">
               <a:lnSpc>
@@ -6204,30 +6924,19 @@
               <a:buChar char="•"/>
             </a:pPr>
             <a:r>
-              <a:rPr b="0" lang="zh-CN" sz="2800" spc="-1" strike="noStrike">
-                <a:solidFill>
-                  <a:srgbClr val="000000"/>
-                </a:solidFill>
-                <a:uFill>
-                  <a:solidFill>
-                    <a:srgbClr val="ffffff"/>
+              <a:rPr lang="zh-CN" sz="2800" b="0" strike="noStrike" spc="-1">
+                <a:solidFill>
+                  <a:srgbClr val="000000"/>
+                </a:solidFill>
+                <a:uFill>
+                  <a:solidFill>
+                    <a:srgbClr val="FFFFFF"/>
                   </a:solidFill>
                 </a:uFill>
                 <a:latin typeface="等线"/>
               </a:rPr>
               <a:t>源码编写</a:t>
             </a:r>
-            <a:endParaRPr b="0" lang="zh-CN" sz="2800" spc="-1" strike="noStrike">
-              <a:solidFill>
-                <a:srgbClr val="000000"/>
-              </a:solidFill>
-              <a:uFill>
-                <a:solidFill>
-                  <a:srgbClr val="ffffff"/>
-                </a:solidFill>
-              </a:uFill>
-              <a:latin typeface="等线"/>
-            </a:endParaRPr>
           </a:p>
           <a:p>
             <a:pPr marL="228600" indent="-228240">
@@ -6241,30 +6950,19 @@
               <a:buChar char="•"/>
             </a:pPr>
             <a:r>
-              <a:rPr b="0" lang="zh-CN" sz="2800" spc="-1" strike="noStrike">
-                <a:solidFill>
-                  <a:srgbClr val="000000"/>
-                </a:solidFill>
-                <a:uFill>
-                  <a:solidFill>
-                    <a:srgbClr val="ffffff"/>
+              <a:rPr lang="zh-CN" sz="2800" b="0" strike="noStrike" spc="-1">
+                <a:solidFill>
+                  <a:srgbClr val="000000"/>
+                </a:solidFill>
+                <a:uFill>
+                  <a:solidFill>
+                    <a:srgbClr val="FFFFFF"/>
                   </a:solidFill>
                 </a:uFill>
                 <a:latin typeface="等线"/>
               </a:rPr>
               <a:t>编译</a:t>
             </a:r>
-            <a:endParaRPr b="0" lang="zh-CN" sz="2800" spc="-1" strike="noStrike">
-              <a:solidFill>
-                <a:srgbClr val="000000"/>
-              </a:solidFill>
-              <a:uFill>
-                <a:solidFill>
-                  <a:srgbClr val="ffffff"/>
-                </a:solidFill>
-              </a:uFill>
-              <a:latin typeface="等线"/>
-            </a:endParaRPr>
           </a:p>
           <a:p>
             <a:pPr marL="228600" indent="-228240">
@@ -6278,30 +6976,19 @@
               <a:buChar char="•"/>
             </a:pPr>
             <a:r>
-              <a:rPr b="0" lang="zh-CN" sz="2800" spc="-1" strike="noStrike">
-                <a:solidFill>
-                  <a:srgbClr val="000000"/>
-                </a:solidFill>
-                <a:uFill>
-                  <a:solidFill>
-                    <a:srgbClr val="ffffff"/>
+              <a:rPr lang="zh-CN" sz="2800" b="0" strike="noStrike" spc="-1">
+                <a:solidFill>
+                  <a:srgbClr val="000000"/>
+                </a:solidFill>
+                <a:uFill>
+                  <a:solidFill>
+                    <a:srgbClr val="FFFFFF"/>
                   </a:solidFill>
                 </a:uFill>
                 <a:latin typeface="等线"/>
               </a:rPr>
               <a:t>Debug</a:t>
             </a:r>
-            <a:endParaRPr b="0" lang="zh-CN" sz="2800" spc="-1" strike="noStrike">
-              <a:solidFill>
-                <a:srgbClr val="000000"/>
-              </a:solidFill>
-              <a:uFill>
-                <a:solidFill>
-                  <a:srgbClr val="ffffff"/>
-                </a:solidFill>
-              </a:uFill>
-              <a:latin typeface="等线"/>
-            </a:endParaRPr>
           </a:p>
           <a:p>
             <a:pPr marL="228600" indent="-228240">
@@ -6315,51 +7002,798 @@
               <a:buChar char="•"/>
             </a:pPr>
             <a:r>
-              <a:rPr b="0" lang="zh-CN" sz="2800" spc="-1" strike="noStrike">
-                <a:solidFill>
-                  <a:srgbClr val="000000"/>
-                </a:solidFill>
-                <a:uFill>
-                  <a:solidFill>
-                    <a:srgbClr val="ffffff"/>
+              <a:rPr lang="zh-CN" sz="2800" b="0" strike="noStrike" spc="-1">
+                <a:solidFill>
+                  <a:srgbClr val="000000"/>
+                </a:solidFill>
+                <a:uFill>
+                  <a:solidFill>
+                    <a:srgbClr val="FFFFFF"/>
                   </a:solidFill>
                 </a:uFill>
                 <a:latin typeface="等线"/>
               </a:rPr>
               <a:t>部署</a:t>
             </a:r>
-            <a:endParaRPr b="0" lang="zh-CN" sz="2800" spc="-1" strike="noStrike">
-              <a:solidFill>
-                <a:srgbClr val="000000"/>
-              </a:solidFill>
-              <a:uFill>
-                <a:solidFill>
-                  <a:srgbClr val="ffffff"/>
-                </a:solidFill>
-              </a:uFill>
-              <a:latin typeface="等线"/>
-            </a:endParaRPr>
           </a:p>
         </p:txBody>
       </p:sp>
     </p:spTree>
   </p:cSld>
+  <p:clrMapOvr>
+    <a:masterClrMapping/>
+  </p:clrMapOvr>
   <p:timing>
     <p:tnLst>
       <p:par>
-        <p:cTn id="29" dur="indefinite" restart="never" nodeType="tmRoot">
+        <p:cTn id="1" dur="indefinite" restart="never" nodeType="tmRoot">
           <p:childTnLst>
             <p:seq>
-              <p:cTn id="30" nodeType="mainSeq"/>
+              <p:cTn id="2" nodeType="mainSeq"/>
               <p:prevCondLst>
-                <p:cond delay="0" evt="onPrev">
+                <p:cond evt="onPrev" delay="0">
                   <p:tgtEl>
                     <p:sldTgt/>
                   </p:tgtEl>
                 </p:cond>
               </p:prevCondLst>
               <p:nextCondLst>
-                <p:cond delay="0" evt="onNext">
+                <p:cond evt="onNext" delay="0">
+                  <p:tgtEl>
+                    <p:sldTgt/>
+                  </p:tgtEl>
+                </p:cond>
+              </p:nextCondLst>
+            </p:seq>
+          </p:childTnLst>
+        </p:cTn>
+      </p:par>
+    </p:tnLst>
+  </p:timing>
+</p:sld>
+</file>
+
+<file path=ppt/slides/slide17.xml><?xml version="1.0" encoding="utf-8"?>
+<p:sld xmlns:a="http://schemas.openxmlformats.org/drawingml/2006/main" xmlns:r="http://schemas.openxmlformats.org/officeDocument/2006/relationships" xmlns:p="http://schemas.openxmlformats.org/presentationml/2006/main">
+  <p:cSld>
+    <p:spTree>
+      <p:nvGrpSpPr>
+        <p:cNvPr id="1" name=""/>
+        <p:cNvGrpSpPr/>
+        <p:nvPr/>
+      </p:nvGrpSpPr>
+      <p:grpSpPr>
+        <a:xfrm>
+          <a:off x="0" y="0"/>
+          <a:ext cx="0" cy="0"/>
+          <a:chOff x="0" y="0"/>
+          <a:chExt cx="0" cy="0"/>
+        </a:xfrm>
+      </p:grpSpPr>
+      <p:sp>
+        <p:nvSpPr>
+          <p:cNvPr id="111" name="TextShape 1"/>
+          <p:cNvSpPr txBox="1"/>
+          <p:nvPr/>
+        </p:nvSpPr>
+        <p:spPr>
+          <a:xfrm>
+            <a:off x="838080" y="356651"/>
+            <a:ext cx="10515240" cy="1325160"/>
+          </a:xfrm>
+          <a:prstGeom prst="rect">
+            <a:avLst/>
+          </a:prstGeom>
+          <a:noFill/>
+          <a:ln>
+            <a:noFill/>
+          </a:ln>
+        </p:spPr>
+        <p:txBody>
+          <a:bodyPr anchor="ctr"/>
+          <a:lstStyle/>
+          <a:p>
+            <a:pPr>
+              <a:lnSpc>
+                <a:spcPct val="90000"/>
+              </a:lnSpc>
+            </a:pPr>
+            <a:r>
+              <a:rPr lang="zh-CN" altLang="en-US" sz="4400" spc="-1" dirty="0" smtClean="0">
+                <a:solidFill>
+                  <a:srgbClr val="000000"/>
+                </a:solidFill>
+                <a:uFill>
+                  <a:solidFill>
+                    <a:srgbClr val="FFFFFF"/>
+                  </a:solidFill>
+                </a:uFill>
+                <a:latin typeface="等线 Light"/>
+              </a:rPr>
+              <a:t>软件工程师必备知识</a:t>
+            </a:r>
+            <a:endParaRPr lang="zh-CN" sz="1800" b="0" strike="noStrike" spc="-1" dirty="0">
+              <a:solidFill>
+                <a:srgbClr val="000000"/>
+              </a:solidFill>
+              <a:uFill>
+                <a:solidFill>
+                  <a:srgbClr val="FFFFFF"/>
+                </a:solidFill>
+              </a:uFill>
+              <a:latin typeface="等线"/>
+            </a:endParaRPr>
+          </a:p>
+        </p:txBody>
+      </p:sp>
+      <p:sp>
+        <p:nvSpPr>
+          <p:cNvPr id="112" name="TextShape 2"/>
+          <p:cNvSpPr txBox="1"/>
+          <p:nvPr/>
+        </p:nvSpPr>
+        <p:spPr>
+          <a:xfrm>
+            <a:off x="838080" y="1825560"/>
+            <a:ext cx="10515240" cy="4350960"/>
+          </a:xfrm>
+          <a:prstGeom prst="rect">
+            <a:avLst/>
+          </a:prstGeom>
+          <a:noFill/>
+          <a:ln>
+            <a:noFill/>
+          </a:ln>
+        </p:spPr>
+        <p:txBody>
+          <a:bodyPr/>
+          <a:lstStyle/>
+          <a:p>
+            <a:pPr marL="228600" indent="-228240">
+              <a:lnSpc>
+                <a:spcPct val="90000"/>
+              </a:lnSpc>
+              <a:buClr>
+                <a:srgbClr val="000000"/>
+              </a:buClr>
+              <a:buFont typeface="Arial"/>
+              <a:buChar char="•"/>
+            </a:pPr>
+            <a:r>
+              <a:rPr lang="zh-CN" altLang="en-US" sz="2800" b="0" strike="noStrike" spc="-1" dirty="0" smtClean="0">
+                <a:solidFill>
+                  <a:srgbClr val="000000"/>
+                </a:solidFill>
+                <a:uFill>
+                  <a:solidFill>
+                    <a:srgbClr val="FFFFFF"/>
+                  </a:solidFill>
+                </a:uFill>
+                <a:latin typeface="等线"/>
+              </a:rPr>
+              <a:t>计算机组成原理</a:t>
+            </a:r>
+            <a:endParaRPr lang="en-US" altLang="zh-CN" sz="2800" b="0" strike="noStrike" spc="-1" dirty="0" smtClean="0">
+              <a:solidFill>
+                <a:srgbClr val="000000"/>
+              </a:solidFill>
+              <a:uFill>
+                <a:solidFill>
+                  <a:srgbClr val="FFFFFF"/>
+                </a:solidFill>
+              </a:uFill>
+              <a:latin typeface="等线"/>
+            </a:endParaRPr>
+          </a:p>
+          <a:p>
+            <a:pPr marL="228600" indent="-228240">
+              <a:lnSpc>
+                <a:spcPct val="90000"/>
+              </a:lnSpc>
+              <a:buClr>
+                <a:srgbClr val="000000"/>
+              </a:buClr>
+              <a:buFont typeface="Arial"/>
+              <a:buChar char="•"/>
+            </a:pPr>
+            <a:r>
+              <a:rPr lang="zh-CN" altLang="en-US" sz="2800" spc="-1" dirty="0" smtClean="0">
+                <a:solidFill>
+                  <a:srgbClr val="000000"/>
+                </a:solidFill>
+                <a:uFill>
+                  <a:solidFill>
+                    <a:srgbClr val="FFFFFF"/>
+                  </a:solidFill>
+                </a:uFill>
+                <a:latin typeface="等线"/>
+              </a:rPr>
+              <a:t>操作系统</a:t>
+            </a:r>
+            <a:endParaRPr lang="en-US" altLang="zh-CN" sz="2800" b="0" strike="noStrike" spc="-1" dirty="0" smtClean="0">
+              <a:solidFill>
+                <a:srgbClr val="000000"/>
+              </a:solidFill>
+              <a:uFill>
+                <a:solidFill>
+                  <a:srgbClr val="FFFFFF"/>
+                </a:solidFill>
+              </a:uFill>
+              <a:latin typeface="等线"/>
+            </a:endParaRPr>
+          </a:p>
+          <a:p>
+            <a:pPr marL="228600" indent="-228240">
+              <a:lnSpc>
+                <a:spcPct val="90000"/>
+              </a:lnSpc>
+              <a:buClr>
+                <a:srgbClr val="000000"/>
+              </a:buClr>
+              <a:buFont typeface="Arial"/>
+              <a:buChar char="•"/>
+            </a:pPr>
+            <a:r>
+              <a:rPr lang="zh-CN" altLang="en-US" sz="2800" b="0" strike="noStrike" spc="-1" dirty="0" smtClean="0">
+                <a:solidFill>
+                  <a:srgbClr val="000000"/>
+                </a:solidFill>
+                <a:uFill>
+                  <a:solidFill>
+                    <a:srgbClr val="FFFFFF"/>
+                  </a:solidFill>
+                </a:uFill>
+                <a:latin typeface="等线"/>
+              </a:rPr>
+              <a:t>数据结构 </a:t>
+            </a:r>
+            <a:r>
+              <a:rPr lang="en-US" altLang="zh-CN" sz="2800" b="0" strike="noStrike" spc="-1" dirty="0" smtClean="0">
+                <a:solidFill>
+                  <a:srgbClr val="000000"/>
+                </a:solidFill>
+                <a:uFill>
+                  <a:solidFill>
+                    <a:srgbClr val="FFFFFF"/>
+                  </a:solidFill>
+                </a:uFill>
+                <a:latin typeface="等线"/>
+              </a:rPr>
+              <a:t>+ </a:t>
+            </a:r>
+            <a:r>
+              <a:rPr lang="zh-CN" altLang="en-US" sz="2800" b="0" strike="noStrike" spc="-1" dirty="0" smtClean="0">
+                <a:solidFill>
+                  <a:srgbClr val="000000"/>
+                </a:solidFill>
+                <a:uFill>
+                  <a:solidFill>
+                    <a:srgbClr val="FFFFFF"/>
+                  </a:solidFill>
+                </a:uFill>
+                <a:latin typeface="等线"/>
+              </a:rPr>
+              <a:t>算法</a:t>
+            </a:r>
+            <a:endParaRPr lang="en-US" altLang="zh-CN" sz="2800" b="0" strike="noStrike" spc="-1" dirty="0" smtClean="0">
+              <a:solidFill>
+                <a:srgbClr val="000000"/>
+              </a:solidFill>
+              <a:uFill>
+                <a:solidFill>
+                  <a:srgbClr val="FFFFFF"/>
+                </a:solidFill>
+              </a:uFill>
+              <a:latin typeface="等线"/>
+            </a:endParaRPr>
+          </a:p>
+          <a:p>
+            <a:pPr marL="228600" indent="-228240">
+              <a:lnSpc>
+                <a:spcPct val="90000"/>
+              </a:lnSpc>
+              <a:buClr>
+                <a:srgbClr val="000000"/>
+              </a:buClr>
+              <a:buFont typeface="Arial"/>
+              <a:buChar char="•"/>
+            </a:pPr>
+            <a:r>
+              <a:rPr lang="zh-CN" altLang="en-US" sz="2800" spc="-1" dirty="0" smtClean="0">
+                <a:solidFill>
+                  <a:srgbClr val="000000"/>
+                </a:solidFill>
+                <a:uFill>
+                  <a:solidFill>
+                    <a:srgbClr val="FFFFFF"/>
+                  </a:solidFill>
+                </a:uFill>
+                <a:latin typeface="等线"/>
+              </a:rPr>
+              <a:t>网络</a:t>
+            </a:r>
+            <a:endParaRPr lang="en-US" altLang="zh-CN" sz="2800" spc="-1" dirty="0" smtClean="0">
+              <a:solidFill>
+                <a:srgbClr val="000000"/>
+              </a:solidFill>
+              <a:uFill>
+                <a:solidFill>
+                  <a:srgbClr val="FFFFFF"/>
+                </a:solidFill>
+              </a:uFill>
+              <a:latin typeface="等线"/>
+            </a:endParaRPr>
+          </a:p>
+          <a:p>
+            <a:pPr marL="228600" indent="-228240">
+              <a:lnSpc>
+                <a:spcPct val="90000"/>
+              </a:lnSpc>
+              <a:buClr>
+                <a:srgbClr val="000000"/>
+              </a:buClr>
+              <a:buFont typeface="Arial"/>
+              <a:buChar char="•"/>
+            </a:pPr>
+            <a:r>
+              <a:rPr lang="zh-CN" altLang="en-US" sz="2800" spc="-1" dirty="0" smtClean="0">
+                <a:solidFill>
+                  <a:srgbClr val="000000"/>
+                </a:solidFill>
+                <a:uFill>
+                  <a:solidFill>
+                    <a:srgbClr val="FFFFFF"/>
+                  </a:solidFill>
+                </a:uFill>
+                <a:latin typeface="等线"/>
+              </a:rPr>
+              <a:t>数据库</a:t>
+            </a:r>
+            <a:endParaRPr lang="en-US" altLang="zh-CN" sz="2800" spc="-1" dirty="0" smtClean="0">
+              <a:solidFill>
+                <a:srgbClr val="000000"/>
+              </a:solidFill>
+              <a:uFill>
+                <a:solidFill>
+                  <a:srgbClr val="FFFFFF"/>
+                </a:solidFill>
+              </a:uFill>
+              <a:latin typeface="等线"/>
+            </a:endParaRPr>
+          </a:p>
+          <a:p>
+            <a:pPr marL="228600" indent="-228240">
+              <a:lnSpc>
+                <a:spcPct val="90000"/>
+              </a:lnSpc>
+              <a:buClr>
+                <a:srgbClr val="000000"/>
+              </a:buClr>
+              <a:buFont typeface="Arial"/>
+              <a:buChar char="•"/>
+            </a:pPr>
+            <a:endParaRPr lang="zh-CN" sz="2800" b="0" strike="noStrike" spc="-1" dirty="0">
+              <a:solidFill>
+                <a:srgbClr val="000000"/>
+              </a:solidFill>
+              <a:uFill>
+                <a:solidFill>
+                  <a:srgbClr val="FFFFFF"/>
+                </a:solidFill>
+              </a:uFill>
+              <a:latin typeface="等线"/>
+            </a:endParaRPr>
+          </a:p>
+        </p:txBody>
+      </p:sp>
+    </p:spTree>
+    <p:extLst>
+      <p:ext uri="{BB962C8B-B14F-4D97-AF65-F5344CB8AC3E}">
+        <p14:creationId xmlns:p14="http://schemas.microsoft.com/office/powerpoint/2010/main" val="3075699182"/>
+      </p:ext>
+    </p:extLst>
+  </p:cSld>
+  <p:clrMapOvr>
+    <a:masterClrMapping/>
+  </p:clrMapOvr>
+  <p:timing>
+    <p:tnLst>
+      <p:par>
+        <p:cTn id="1" dur="indefinite" restart="never" nodeType="tmRoot">
+          <p:childTnLst>
+            <p:seq>
+              <p:cTn id="2" nodeType="mainSeq"/>
+              <p:prevCondLst>
+                <p:cond evt="onPrev" delay="0">
+                  <p:tgtEl>
+                    <p:sldTgt/>
+                  </p:tgtEl>
+                </p:cond>
+              </p:prevCondLst>
+              <p:nextCondLst>
+                <p:cond evt="onNext" delay="0">
+                  <p:tgtEl>
+                    <p:sldTgt/>
+                  </p:tgtEl>
+                </p:cond>
+              </p:nextCondLst>
+            </p:seq>
+          </p:childTnLst>
+        </p:cTn>
+      </p:par>
+    </p:tnLst>
+  </p:timing>
+</p:sld>
+</file>
+
+<file path=ppt/slides/slide18.xml><?xml version="1.0" encoding="utf-8"?>
+<p:sld xmlns:a="http://schemas.openxmlformats.org/drawingml/2006/main" xmlns:r="http://schemas.openxmlformats.org/officeDocument/2006/relationships" xmlns:p="http://schemas.openxmlformats.org/presentationml/2006/main">
+  <p:cSld>
+    <p:spTree>
+      <p:nvGrpSpPr>
+        <p:cNvPr id="1" name=""/>
+        <p:cNvGrpSpPr/>
+        <p:nvPr/>
+      </p:nvGrpSpPr>
+      <p:grpSpPr>
+        <a:xfrm>
+          <a:off x="0" y="0"/>
+          <a:ext cx="0" cy="0"/>
+          <a:chOff x="0" y="0"/>
+          <a:chExt cx="0" cy="0"/>
+        </a:xfrm>
+      </p:grpSpPr>
+      <p:sp>
+        <p:nvSpPr>
+          <p:cNvPr id="111" name="TextShape 1"/>
+          <p:cNvSpPr txBox="1"/>
+          <p:nvPr/>
+        </p:nvSpPr>
+        <p:spPr>
+          <a:xfrm>
+            <a:off x="838080" y="356651"/>
+            <a:ext cx="10515240" cy="1325160"/>
+          </a:xfrm>
+          <a:prstGeom prst="rect">
+            <a:avLst/>
+          </a:prstGeom>
+          <a:noFill/>
+          <a:ln>
+            <a:noFill/>
+          </a:ln>
+        </p:spPr>
+        <p:txBody>
+          <a:bodyPr anchor="ctr"/>
+          <a:lstStyle/>
+          <a:p>
+            <a:pPr>
+              <a:lnSpc>
+                <a:spcPct val="90000"/>
+              </a:lnSpc>
+            </a:pPr>
+            <a:r>
+              <a:rPr lang="zh-CN" altLang="en-US" sz="4400" spc="-1" dirty="0" smtClean="0">
+                <a:solidFill>
+                  <a:srgbClr val="000000"/>
+                </a:solidFill>
+                <a:uFill>
+                  <a:solidFill>
+                    <a:srgbClr val="FFFFFF"/>
+                  </a:solidFill>
+                </a:uFill>
+                <a:latin typeface="等线 Light"/>
+              </a:rPr>
+              <a:t>编程体验</a:t>
+            </a:r>
+            <a:endParaRPr lang="zh-CN" sz="1800" b="0" strike="noStrike" spc="-1" dirty="0">
+              <a:solidFill>
+                <a:srgbClr val="000000"/>
+              </a:solidFill>
+              <a:uFill>
+                <a:solidFill>
+                  <a:srgbClr val="FFFFFF"/>
+                </a:solidFill>
+              </a:uFill>
+              <a:latin typeface="等线"/>
+            </a:endParaRPr>
+          </a:p>
+        </p:txBody>
+      </p:sp>
+      <p:sp>
+        <p:nvSpPr>
+          <p:cNvPr id="112" name="TextShape 2"/>
+          <p:cNvSpPr txBox="1"/>
+          <p:nvPr/>
+        </p:nvSpPr>
+        <p:spPr>
+          <a:xfrm>
+            <a:off x="838080" y="1825560"/>
+            <a:ext cx="10515240" cy="4350960"/>
+          </a:xfrm>
+          <a:prstGeom prst="rect">
+            <a:avLst/>
+          </a:prstGeom>
+          <a:noFill/>
+          <a:ln>
+            <a:noFill/>
+          </a:ln>
+        </p:spPr>
+        <p:txBody>
+          <a:bodyPr/>
+          <a:lstStyle/>
+          <a:p>
+            <a:pPr marL="228600" indent="-228240">
+              <a:lnSpc>
+                <a:spcPct val="90000"/>
+              </a:lnSpc>
+              <a:buClr>
+                <a:srgbClr val="000000"/>
+              </a:buClr>
+              <a:buFont typeface="Arial"/>
+              <a:buChar char="•"/>
+            </a:pPr>
+            <a:r>
+              <a:rPr lang="zh-CN" altLang="en-US" sz="2800" b="0" strike="noStrike" spc="-1" dirty="0" smtClean="0">
+                <a:solidFill>
+                  <a:srgbClr val="000000"/>
+                </a:solidFill>
+                <a:uFill>
+                  <a:solidFill>
+                    <a:srgbClr val="FFFFFF"/>
+                  </a:solidFill>
+                </a:uFill>
+                <a:latin typeface="等线"/>
+              </a:rPr>
+              <a:t>变量</a:t>
+            </a:r>
+            <a:endParaRPr lang="en-US" altLang="zh-CN" sz="2800" b="0" strike="noStrike" spc="-1" dirty="0" smtClean="0">
+              <a:solidFill>
+                <a:srgbClr val="000000"/>
+              </a:solidFill>
+              <a:uFill>
+                <a:solidFill>
+                  <a:srgbClr val="FFFFFF"/>
+                </a:solidFill>
+              </a:uFill>
+              <a:latin typeface="等线"/>
+            </a:endParaRPr>
+          </a:p>
+          <a:p>
+            <a:pPr marL="228600" indent="-228240">
+              <a:lnSpc>
+                <a:spcPct val="90000"/>
+              </a:lnSpc>
+              <a:buClr>
+                <a:srgbClr val="000000"/>
+              </a:buClr>
+              <a:buFont typeface="Arial"/>
+              <a:buChar char="•"/>
+            </a:pPr>
+            <a:r>
+              <a:rPr lang="zh-CN" altLang="en-US" sz="2800" spc="-1" dirty="0" smtClean="0">
+                <a:solidFill>
+                  <a:srgbClr val="000000"/>
+                </a:solidFill>
+                <a:uFill>
+                  <a:solidFill>
+                    <a:srgbClr val="FFFFFF"/>
+                  </a:solidFill>
+                </a:uFill>
+                <a:latin typeface="等线"/>
+              </a:rPr>
+              <a:t>函数</a:t>
+            </a:r>
+            <a:endParaRPr lang="en-US" altLang="zh-CN" sz="2800" spc="-1" dirty="0" smtClean="0">
+              <a:solidFill>
+                <a:srgbClr val="000000"/>
+              </a:solidFill>
+              <a:uFill>
+                <a:solidFill>
+                  <a:srgbClr val="FFFFFF"/>
+                </a:solidFill>
+              </a:uFill>
+              <a:latin typeface="等线"/>
+            </a:endParaRPr>
+          </a:p>
+          <a:p>
+            <a:pPr marL="228600" indent="-228240">
+              <a:lnSpc>
+                <a:spcPct val="90000"/>
+              </a:lnSpc>
+              <a:buClr>
+                <a:srgbClr val="000000"/>
+              </a:buClr>
+              <a:buFont typeface="Arial"/>
+              <a:buChar char="•"/>
+            </a:pPr>
+            <a:r>
+              <a:rPr lang="zh-CN" altLang="en-US" sz="2800" spc="-1" dirty="0" smtClean="0">
+                <a:solidFill>
+                  <a:srgbClr val="000000"/>
+                </a:solidFill>
+                <a:uFill>
+                  <a:solidFill>
+                    <a:srgbClr val="FFFFFF"/>
+                  </a:solidFill>
+                </a:uFill>
+                <a:latin typeface="等线"/>
+              </a:rPr>
+              <a:t>基本控制结构</a:t>
+            </a:r>
+            <a:endParaRPr lang="en-US" altLang="zh-CN" sz="2800" spc="-1" dirty="0" smtClean="0">
+              <a:solidFill>
+                <a:srgbClr val="000000"/>
+              </a:solidFill>
+              <a:uFill>
+                <a:solidFill>
+                  <a:srgbClr val="FFFFFF"/>
+                </a:solidFill>
+              </a:uFill>
+              <a:latin typeface="等线"/>
+            </a:endParaRPr>
+          </a:p>
+          <a:p>
+            <a:pPr marL="228600" indent="-228240">
+              <a:lnSpc>
+                <a:spcPct val="90000"/>
+              </a:lnSpc>
+              <a:buClr>
+                <a:srgbClr val="000000"/>
+              </a:buClr>
+              <a:buFont typeface="Arial"/>
+              <a:buChar char="•"/>
+            </a:pPr>
+            <a:endParaRPr lang="en-US" altLang="zh-CN" sz="2800" b="0" strike="noStrike" spc="-1" dirty="0">
+              <a:solidFill>
+                <a:srgbClr val="000000"/>
+              </a:solidFill>
+              <a:uFill>
+                <a:solidFill>
+                  <a:srgbClr val="FFFFFF"/>
+                </a:solidFill>
+              </a:uFill>
+              <a:latin typeface="等线"/>
+            </a:endParaRPr>
+          </a:p>
+          <a:p>
+            <a:pPr marL="228600" indent="-228240">
+              <a:lnSpc>
+                <a:spcPct val="90000"/>
+              </a:lnSpc>
+              <a:buClr>
+                <a:srgbClr val="000000"/>
+              </a:buClr>
+              <a:buFont typeface="Arial"/>
+              <a:buChar char="•"/>
+            </a:pPr>
+            <a:r>
+              <a:rPr lang="zh-CN" altLang="en-US" sz="2800" spc="-1" dirty="0" smtClean="0">
+                <a:solidFill>
+                  <a:srgbClr val="000000"/>
+                </a:solidFill>
+                <a:uFill>
+                  <a:solidFill>
+                    <a:srgbClr val="FFFFFF"/>
+                  </a:solidFill>
+                </a:uFill>
+                <a:latin typeface="等线"/>
+              </a:rPr>
+              <a:t>编写源码</a:t>
+            </a:r>
+            <a:endParaRPr lang="en-US" altLang="zh-CN" sz="2800" spc="-1" dirty="0" smtClean="0">
+              <a:solidFill>
+                <a:srgbClr val="000000"/>
+              </a:solidFill>
+              <a:uFill>
+                <a:solidFill>
+                  <a:srgbClr val="FFFFFF"/>
+                </a:solidFill>
+              </a:uFill>
+              <a:latin typeface="等线"/>
+            </a:endParaRPr>
+          </a:p>
+          <a:p>
+            <a:pPr marL="228600" indent="-228240">
+              <a:lnSpc>
+                <a:spcPct val="90000"/>
+              </a:lnSpc>
+              <a:buClr>
+                <a:srgbClr val="000000"/>
+              </a:buClr>
+              <a:buFont typeface="Arial"/>
+              <a:buChar char="•"/>
+            </a:pPr>
+            <a:r>
+              <a:rPr lang="zh-CN" altLang="en-US" sz="2800" b="0" strike="noStrike" spc="-1" dirty="0" smtClean="0">
+                <a:solidFill>
+                  <a:srgbClr val="000000"/>
+                </a:solidFill>
+                <a:uFill>
+                  <a:solidFill>
+                    <a:srgbClr val="FFFFFF"/>
+                  </a:solidFill>
+                </a:uFill>
+                <a:latin typeface="等线"/>
+              </a:rPr>
+              <a:t>编译</a:t>
+            </a:r>
+            <a:endParaRPr lang="en-US" altLang="zh-CN" sz="2800" b="0" strike="noStrike" spc="-1" dirty="0" smtClean="0">
+              <a:solidFill>
+                <a:srgbClr val="000000"/>
+              </a:solidFill>
+              <a:uFill>
+                <a:solidFill>
+                  <a:srgbClr val="FFFFFF"/>
+                </a:solidFill>
+              </a:uFill>
+              <a:latin typeface="等线"/>
+            </a:endParaRPr>
+          </a:p>
+          <a:p>
+            <a:pPr marL="228600" indent="-228240">
+              <a:lnSpc>
+                <a:spcPct val="90000"/>
+              </a:lnSpc>
+              <a:buClr>
+                <a:srgbClr val="000000"/>
+              </a:buClr>
+              <a:buFont typeface="Arial"/>
+              <a:buChar char="•"/>
+            </a:pPr>
+            <a:r>
+              <a:rPr lang="zh-CN" altLang="en-US" sz="2800" spc="-1" dirty="0">
+                <a:solidFill>
+                  <a:srgbClr val="000000"/>
+                </a:solidFill>
+                <a:uFill>
+                  <a:solidFill>
+                    <a:srgbClr val="FFFFFF"/>
+                  </a:solidFill>
+                </a:uFill>
+                <a:latin typeface="等线"/>
+              </a:rPr>
+              <a:t>运行</a:t>
+            </a:r>
+            <a:endParaRPr lang="zh-CN" sz="2800" b="0" strike="noStrike" spc="-1" dirty="0">
+              <a:solidFill>
+                <a:srgbClr val="000000"/>
+              </a:solidFill>
+              <a:uFill>
+                <a:solidFill>
+                  <a:srgbClr val="FFFFFF"/>
+                </a:solidFill>
+              </a:uFill>
+              <a:latin typeface="等线"/>
+            </a:endParaRPr>
+          </a:p>
+        </p:txBody>
+      </p:sp>
+    </p:spTree>
+    <p:extLst>
+      <p:ext uri="{BB962C8B-B14F-4D97-AF65-F5344CB8AC3E}">
+        <p14:creationId xmlns:p14="http://schemas.microsoft.com/office/powerpoint/2010/main" val="2101478744"/>
+      </p:ext>
+    </p:extLst>
+  </p:cSld>
+  <p:clrMapOvr>
+    <a:masterClrMapping/>
+  </p:clrMapOvr>
+  <p:timing>
+    <p:tnLst>
+      <p:par>
+        <p:cTn id="1" dur="indefinite" restart="never" nodeType="tmRoot">
+          <p:childTnLst>
+            <p:seq>
+              <p:cTn id="2" nodeType="mainSeq"/>
+              <p:prevCondLst>
+                <p:cond evt="onPrev" delay="0">
+                  <p:tgtEl>
+                    <p:sldTgt/>
+                  </p:tgtEl>
+                </p:cond>
+              </p:prevCondLst>
+              <p:nextCondLst>
+                <p:cond evt="onNext" delay="0">
                   <p:tgtEl>
                     <p:sldTgt/>
                   </p:tgtEl>
@@ -6375,7 +7809,7 @@
 </file>
 
 <file path=ppt/slides/slide2.xml><?xml version="1.0" encoding="utf-8"?>
-<p:sld xmlns:a="http://schemas.openxmlformats.org/drawingml/2006/main" xmlns:p="http://schemas.openxmlformats.org/presentationml/2006/main" xmlns:r="http://schemas.openxmlformats.org/officeDocument/2006/relationships" xmlns:p14="http://schemas.microsoft.com/office/powerpoint/2010/main" xmlns:p15="http://schemas.microsoft.com/office/powerpoint/2012/main" xmlns:mc="http://schemas.openxmlformats.org/markup-compatibility/2006">
+<p:sld xmlns:a="http://schemas.openxmlformats.org/drawingml/2006/main" xmlns:r="http://schemas.openxmlformats.org/officeDocument/2006/relationships" xmlns:p="http://schemas.openxmlformats.org/presentationml/2006/main">
   <p:cSld>
     <p:spTree>
       <p:nvGrpSpPr>
@@ -6393,7 +7827,7 @@
       </p:grpSpPr>
       <p:sp>
         <p:nvSpPr>
-          <p:cNvPr id="85" name="TextShape 1"/>
+          <p:cNvPr id="86" name="TextShape 1"/>
           <p:cNvSpPr txBox="1"/>
           <p:nvPr/>
         </p:nvSpPr>
@@ -6411,29 +7845,131 @@
           </a:ln>
         </p:spPr>
         <p:txBody>
-          <a:bodyPr lIns="0" rIns="0" tIns="0" bIns="0" anchor="ctr"/>
-          <a:p>
-            <a:r>
-              <a:rPr b="0" lang="zh-CN" sz="1800" spc="-1" strike="noStrike">
-                <a:solidFill>
-                  <a:srgbClr val="000000"/>
-                </a:solidFill>
-                <a:uFill>
-                  <a:solidFill>
-                    <a:srgbClr val="ffffff"/>
+          <a:bodyPr anchor="ctr"/>
+          <a:lstStyle/>
+          <a:p>
+            <a:pPr>
+              <a:lnSpc>
+                <a:spcPct val="90000"/>
+              </a:lnSpc>
+            </a:pPr>
+            <a:r>
+              <a:rPr lang="zh-CN" sz="4400" b="0" strike="noStrike" spc="-1" dirty="0" smtClean="0">
+                <a:solidFill>
+                  <a:srgbClr val="000000"/>
+                </a:solidFill>
+                <a:uFill>
+                  <a:solidFill>
+                    <a:srgbClr val="FFFFFF"/>
+                  </a:solidFill>
+                </a:uFill>
+                <a:latin typeface="等线 Light"/>
+              </a:rPr>
+              <a:t>计算机</a:t>
+            </a:r>
+            <a:r>
+              <a:rPr lang="zh-CN" altLang="en-US" sz="4400" spc="-1" dirty="0">
+                <a:solidFill>
+                  <a:srgbClr val="000000"/>
+                </a:solidFill>
+                <a:uFill>
+                  <a:solidFill>
+                    <a:srgbClr val="FFFFFF"/>
+                  </a:solidFill>
+                </a:uFill>
+                <a:latin typeface="等线 Light"/>
+              </a:rPr>
+              <a:t>起源</a:t>
+            </a:r>
+            <a:endParaRPr lang="zh-CN" sz="1800" b="0" strike="noStrike" spc="-1" dirty="0">
+              <a:solidFill>
+                <a:srgbClr val="000000"/>
+              </a:solidFill>
+              <a:uFill>
+                <a:solidFill>
+                  <a:srgbClr val="FFFFFF"/>
+                </a:solidFill>
+              </a:uFill>
+              <a:latin typeface="等线"/>
+            </a:endParaRPr>
+          </a:p>
+        </p:txBody>
+      </p:sp>
+      <p:sp>
+        <p:nvSpPr>
+          <p:cNvPr id="87" name="TextShape 2"/>
+          <p:cNvSpPr txBox="1"/>
+          <p:nvPr/>
+        </p:nvSpPr>
+        <p:spPr>
+          <a:xfrm>
+            <a:off x="838080" y="1825560"/>
+            <a:ext cx="10515240" cy="4350960"/>
+          </a:xfrm>
+          <a:prstGeom prst="rect">
+            <a:avLst/>
+          </a:prstGeom>
+          <a:noFill/>
+          <a:ln>
+            <a:noFill/>
+          </a:ln>
+        </p:spPr>
+        <p:txBody>
+          <a:bodyPr/>
+          <a:lstStyle/>
+          <a:p>
+            <a:pPr marL="228600" indent="-228240">
+              <a:lnSpc>
+                <a:spcPct val="90000"/>
+              </a:lnSpc>
+              <a:buClr>
+                <a:srgbClr val="000000"/>
+              </a:buClr>
+              <a:buFont typeface="Arial"/>
+              <a:buChar char="•"/>
+            </a:pPr>
+            <a:r>
+              <a:rPr lang="zh-CN" altLang="en-US" sz="2800" b="0" strike="noStrike" spc="-1" dirty="0" smtClean="0">
+                <a:solidFill>
+                  <a:srgbClr val="000000"/>
+                </a:solidFill>
+                <a:uFill>
+                  <a:solidFill>
+                    <a:srgbClr val="FFFFFF"/>
                   </a:solidFill>
                 </a:uFill>
                 <a:latin typeface="等线"/>
               </a:rPr>
-              <a:t>主要内容 计算机基础知识， 编程语言的发展</a:t>
-            </a:r>
-            <a:endParaRPr b="0" lang="zh-CN" sz="1800" spc="-1" strike="noStrike">
-              <a:solidFill>
-                <a:srgbClr val="000000"/>
-              </a:solidFill>
-              <a:uFill>
-                <a:solidFill>
-                  <a:srgbClr val="ffffff"/>
+              <a:t>计算导弹轨迹</a:t>
+            </a:r>
+            <a:endParaRPr lang="en-US" altLang="zh-CN" sz="2800" b="0" strike="noStrike" spc="-1" dirty="0" smtClean="0">
+              <a:solidFill>
+                <a:srgbClr val="000000"/>
+              </a:solidFill>
+              <a:uFill>
+                <a:solidFill>
+                  <a:srgbClr val="FFFFFF"/>
+                </a:solidFill>
+              </a:uFill>
+              <a:latin typeface="等线"/>
+            </a:endParaRPr>
+          </a:p>
+          <a:p>
+            <a:pPr marL="360">
+              <a:lnSpc>
+                <a:spcPct val="90000"/>
+              </a:lnSpc>
+              <a:buClr>
+                <a:srgbClr val="000000"/>
+              </a:buClr>
+            </a:pPr>
+            <a:endParaRPr lang="zh-CN" sz="2000" b="0" strike="noStrike" spc="-1" dirty="0">
+              <a:solidFill>
+                <a:srgbClr val="000000"/>
+              </a:solidFill>
+              <a:uFill>
+                <a:solidFill>
+                  <a:srgbClr val="FFFFFF"/>
                 </a:solidFill>
               </a:uFill>
               <a:latin typeface="等线"/>
@@ -6442,23 +7978,31 @@
         </p:txBody>
       </p:sp>
     </p:spTree>
+    <p:extLst>
+      <p:ext uri="{BB962C8B-B14F-4D97-AF65-F5344CB8AC3E}">
+        <p14:creationId xmlns:p14="http://schemas.microsoft.com/office/powerpoint/2010/main" val="3854069808"/>
+      </p:ext>
+    </p:extLst>
   </p:cSld>
+  <p:clrMapOvr>
+    <a:masterClrMapping/>
+  </p:clrMapOvr>
   <p:timing>
     <p:tnLst>
       <p:par>
-        <p:cTn id="3" dur="indefinite" restart="never" nodeType="tmRoot">
+        <p:cTn id="1" dur="indefinite" restart="never" nodeType="tmRoot">
           <p:childTnLst>
             <p:seq>
-              <p:cTn id="4" nodeType="mainSeq"/>
+              <p:cTn id="2" nodeType="mainSeq"/>
               <p:prevCondLst>
-                <p:cond delay="0" evt="onPrev">
+                <p:cond evt="onPrev" delay="0">
                   <p:tgtEl>
                     <p:sldTgt/>
                   </p:tgtEl>
                 </p:cond>
               </p:prevCondLst>
               <p:nextCondLst>
-                <p:cond delay="0" evt="onNext">
+                <p:cond evt="onNext" delay="0">
                   <p:tgtEl>
                     <p:sldTgt/>
                   </p:tgtEl>
@@ -6474,7 +8018,7 @@
 </file>
 
 <file path=ppt/slides/slide3.xml><?xml version="1.0" encoding="utf-8"?>
-<p:sld xmlns:a="http://schemas.openxmlformats.org/drawingml/2006/main" xmlns:p="http://schemas.openxmlformats.org/presentationml/2006/main" xmlns:r="http://schemas.openxmlformats.org/officeDocument/2006/relationships" xmlns:p14="http://schemas.microsoft.com/office/powerpoint/2010/main" xmlns:p15="http://schemas.microsoft.com/office/powerpoint/2012/main" xmlns:mc="http://schemas.openxmlformats.org/markup-compatibility/2006">
+<p:sld xmlns:a="http://schemas.openxmlformats.org/drawingml/2006/main" xmlns:r="http://schemas.openxmlformats.org/officeDocument/2006/relationships" xmlns:p="http://schemas.openxmlformats.org/presentationml/2006/main">
   <p:cSld>
     <p:spTree>
       <p:nvGrpSpPr>
@@ -6511,6 +8055,7 @@
         </p:spPr>
         <p:txBody>
           <a:bodyPr anchor="ctr"/>
+          <a:lstStyle/>
           <a:p>
             <a:pPr>
               <a:lnSpc>
@@ -6518,26 +8063,26 @@
               </a:lnSpc>
             </a:pPr>
             <a:r>
-              <a:rPr b="0" lang="zh-CN" sz="4400" spc="-1" strike="noStrike">
-                <a:solidFill>
-                  <a:srgbClr val="000000"/>
-                </a:solidFill>
-                <a:uFill>
-                  <a:solidFill>
-                    <a:srgbClr val="ffffff"/>
+              <a:rPr lang="zh-CN" sz="4400" b="0" strike="noStrike" spc="-1">
+                <a:solidFill>
+                  <a:srgbClr val="000000"/>
+                </a:solidFill>
+                <a:uFill>
+                  <a:solidFill>
+                    <a:srgbClr val="FFFFFF"/>
                   </a:solidFill>
                 </a:uFill>
                 <a:latin typeface="等线 Light"/>
               </a:rPr>
               <a:t>计算机系统</a:t>
             </a:r>
-            <a:endParaRPr b="0" lang="zh-CN" sz="1800" spc="-1" strike="noStrike">
-              <a:solidFill>
-                <a:srgbClr val="000000"/>
-              </a:solidFill>
-              <a:uFill>
-                <a:solidFill>
-                  <a:srgbClr val="ffffff"/>
+            <a:endParaRPr lang="zh-CN" sz="1800" b="0" strike="noStrike" spc="-1">
+              <a:solidFill>
+                <a:srgbClr val="000000"/>
+              </a:solidFill>
+              <a:uFill>
+                <a:solidFill>
+                  <a:srgbClr val="FFFFFF"/>
                 </a:solidFill>
               </a:uFill>
               <a:latin typeface="等线"/>
@@ -6566,6 +8111,7 @@
         </p:spPr>
         <p:txBody>
           <a:bodyPr/>
+          <a:lstStyle/>
           <a:p>
             <a:pPr marL="228600" indent="-228240">
               <a:lnSpc>
@@ -6578,33 +8124,22 @@
               <a:buChar char="•"/>
             </a:pPr>
             <a:r>
-              <a:rPr b="0" lang="zh-CN" sz="2800" spc="-1" strike="noStrike">
-                <a:solidFill>
-                  <a:srgbClr val="000000"/>
-                </a:solidFill>
-                <a:uFill>
-                  <a:solidFill>
-                    <a:srgbClr val="ffffff"/>
+              <a:rPr lang="zh-CN" sz="2800" b="0" strike="noStrike" spc="-1">
+                <a:solidFill>
+                  <a:srgbClr val="000000"/>
+                </a:solidFill>
+                <a:uFill>
+                  <a:solidFill>
+                    <a:srgbClr val="FFFFFF"/>
                   </a:solidFill>
                 </a:uFill>
                 <a:latin typeface="等线"/>
               </a:rPr>
               <a:t>冯诺伊曼结构</a:t>
             </a:r>
-            <a:endParaRPr b="0" lang="zh-CN" sz="2800" spc="-1" strike="noStrike">
-              <a:solidFill>
-                <a:srgbClr val="000000"/>
-              </a:solidFill>
-              <a:uFill>
-                <a:solidFill>
-                  <a:srgbClr val="ffffff"/>
-                </a:solidFill>
-              </a:uFill>
-              <a:latin typeface="等线"/>
-            </a:endParaRPr>
-          </a:p>
-          <a:p>
-            <a:pPr lvl="1" marL="685800" indent="-228240">
+          </a:p>
+          <a:p>
+            <a:pPr marL="685800" lvl="1" indent="-228240">
               <a:lnSpc>
                 <a:spcPct val="100000"/>
               </a:lnSpc>
@@ -6615,33 +8150,33 @@
               <a:buChar char="•"/>
             </a:pPr>
             <a:r>
-              <a:rPr b="0" lang="zh-CN" sz="2400" spc="-1" strike="noStrike">
-                <a:solidFill>
-                  <a:srgbClr val="000000"/>
-                </a:solidFill>
-                <a:uFill>
-                  <a:solidFill>
-                    <a:srgbClr val="ffffff"/>
+              <a:rPr lang="zh-CN" sz="2400" b="0" strike="noStrike" spc="-1">
+                <a:solidFill>
+                  <a:srgbClr val="000000"/>
+                </a:solidFill>
+                <a:uFill>
+                  <a:solidFill>
+                    <a:srgbClr val="FFFFFF"/>
                   </a:solidFill>
                 </a:uFill>
                 <a:latin typeface="等线"/>
               </a:rPr>
               <a:t>计算机硬件系统</a:t>
             </a:r>
-            <a:endParaRPr b="0" lang="zh-CN" sz="2000" spc="-1" strike="noStrike">
-              <a:solidFill>
-                <a:srgbClr val="000000"/>
-              </a:solidFill>
-              <a:uFill>
-                <a:solidFill>
-                  <a:srgbClr val="ffffff"/>
-                </a:solidFill>
-              </a:uFill>
-              <a:latin typeface="等线"/>
-            </a:endParaRPr>
-          </a:p>
-          <a:p>
-            <a:pPr lvl="1" marL="685800" indent="-228240">
+            <a:endParaRPr lang="zh-CN" sz="2000" b="0" strike="noStrike" spc="-1">
+              <a:solidFill>
+                <a:srgbClr val="000000"/>
+              </a:solidFill>
+              <a:uFill>
+                <a:solidFill>
+                  <a:srgbClr val="FFFFFF"/>
+                </a:solidFill>
+              </a:uFill>
+              <a:latin typeface="等线"/>
+            </a:endParaRPr>
+          </a:p>
+          <a:p>
+            <a:pPr marL="685800" lvl="1" indent="-228240">
               <a:lnSpc>
                 <a:spcPct val="100000"/>
               </a:lnSpc>
@@ -6652,33 +8187,33 @@
               <a:buChar char="•"/>
             </a:pPr>
             <a:r>
-              <a:rPr b="0" lang="zh-CN" sz="2400" spc="-1" strike="noStrike">
-                <a:solidFill>
-                  <a:srgbClr val="000000"/>
-                </a:solidFill>
-                <a:uFill>
-                  <a:solidFill>
-                    <a:srgbClr val="ffffff"/>
+              <a:rPr lang="zh-CN" sz="2400" b="0" strike="noStrike" spc="-1">
+                <a:solidFill>
+                  <a:srgbClr val="000000"/>
+                </a:solidFill>
+                <a:uFill>
+                  <a:solidFill>
+                    <a:srgbClr val="FFFFFF"/>
                   </a:solidFill>
                 </a:uFill>
                 <a:latin typeface="等线"/>
               </a:rPr>
               <a:t>采用二进制表示数据和指令</a:t>
             </a:r>
-            <a:endParaRPr b="0" lang="zh-CN" sz="2000" spc="-1" strike="noStrike">
-              <a:solidFill>
-                <a:srgbClr val="000000"/>
-              </a:solidFill>
-              <a:uFill>
-                <a:solidFill>
-                  <a:srgbClr val="ffffff"/>
-                </a:solidFill>
-              </a:uFill>
-              <a:latin typeface="等线"/>
-            </a:endParaRPr>
-          </a:p>
-          <a:p>
-            <a:pPr lvl="1" marL="685800" indent="-228240">
+            <a:endParaRPr lang="zh-CN" sz="2000" b="0" strike="noStrike" spc="-1">
+              <a:solidFill>
+                <a:srgbClr val="000000"/>
+              </a:solidFill>
+              <a:uFill>
+                <a:solidFill>
+                  <a:srgbClr val="FFFFFF"/>
+                </a:solidFill>
+              </a:uFill>
+              <a:latin typeface="等线"/>
+            </a:endParaRPr>
+          </a:p>
+          <a:p>
+            <a:pPr marL="685800" lvl="1" indent="-228240">
               <a:lnSpc>
                 <a:spcPct val="100000"/>
               </a:lnSpc>
@@ -6689,26 +8224,26 @@
               <a:buChar char="•"/>
             </a:pPr>
             <a:r>
-              <a:rPr b="0" lang="zh-CN" sz="2400" spc="-1" strike="noStrike">
-                <a:solidFill>
-                  <a:srgbClr val="000000"/>
-                </a:solidFill>
-                <a:uFill>
-                  <a:solidFill>
-                    <a:srgbClr val="ffffff"/>
+              <a:rPr lang="zh-CN" sz="2400" b="0" strike="noStrike" spc="-1">
+                <a:solidFill>
+                  <a:srgbClr val="000000"/>
+                </a:solidFill>
+                <a:uFill>
+                  <a:solidFill>
+                    <a:srgbClr val="FFFFFF"/>
                   </a:solidFill>
                 </a:uFill>
                 <a:latin typeface="等线"/>
               </a:rPr>
               <a:t>存储程序的概念</a:t>
             </a:r>
-            <a:endParaRPr b="0" lang="zh-CN" sz="2000" spc="-1" strike="noStrike">
-              <a:solidFill>
-                <a:srgbClr val="000000"/>
-              </a:solidFill>
-              <a:uFill>
-                <a:solidFill>
-                  <a:srgbClr val="ffffff"/>
+            <a:endParaRPr lang="zh-CN" sz="2000" b="0" strike="noStrike" spc="-1">
+              <a:solidFill>
+                <a:srgbClr val="000000"/>
+              </a:solidFill>
+              <a:uFill>
+                <a:solidFill>
+                  <a:srgbClr val="FFFFFF"/>
                 </a:solidFill>
               </a:uFill>
               <a:latin typeface="等线"/>
@@ -6718,22 +8253,25 @@
       </p:sp>
     </p:spTree>
   </p:cSld>
+  <p:clrMapOvr>
+    <a:masterClrMapping/>
+  </p:clrMapOvr>
   <p:timing>
     <p:tnLst>
       <p:par>
-        <p:cTn id="5" dur="indefinite" restart="never" nodeType="tmRoot">
+        <p:cTn id="1" dur="indefinite" restart="never" nodeType="tmRoot">
           <p:childTnLst>
             <p:seq>
-              <p:cTn id="6" nodeType="mainSeq"/>
+              <p:cTn id="2" nodeType="mainSeq"/>
               <p:prevCondLst>
-                <p:cond delay="0" evt="onPrev">
+                <p:cond evt="onPrev" delay="0">
                   <p:tgtEl>
                     <p:sldTgt/>
                   </p:tgtEl>
                 </p:cond>
               </p:prevCondLst>
               <p:nextCondLst>
-                <p:cond delay="0" evt="onNext">
+                <p:cond evt="onNext" delay="0">
                   <p:tgtEl>
                     <p:sldTgt/>
                   </p:tgtEl>
@@ -6749,7 +8287,7 @@
 </file>
 
 <file path=ppt/slides/slide4.xml><?xml version="1.0" encoding="utf-8"?>
-<p:sld xmlns:a="http://schemas.openxmlformats.org/drawingml/2006/main" xmlns:p="http://schemas.openxmlformats.org/presentationml/2006/main" xmlns:r="http://schemas.openxmlformats.org/officeDocument/2006/relationships" xmlns:p14="http://schemas.microsoft.com/office/powerpoint/2010/main" xmlns:p15="http://schemas.microsoft.com/office/powerpoint/2012/main" xmlns:mc="http://schemas.openxmlformats.org/markup-compatibility/2006">
+<p:sld xmlns:a="http://schemas.openxmlformats.org/drawingml/2006/main" xmlns:r="http://schemas.openxmlformats.org/officeDocument/2006/relationships" xmlns:p="http://schemas.openxmlformats.org/presentationml/2006/main">
   <p:cSld>
     <p:spTree>
       <p:nvGrpSpPr>
@@ -6786,6 +8324,7 @@
         </p:spPr>
         <p:txBody>
           <a:bodyPr anchor="ctr"/>
+          <a:lstStyle/>
           <a:p>
             <a:pPr>
               <a:lnSpc>
@@ -6793,26 +8332,26 @@
               </a:lnSpc>
             </a:pPr>
             <a:r>
-              <a:rPr b="0" lang="zh-CN" sz="4400" spc="-1" strike="noStrike">
-                <a:solidFill>
-                  <a:srgbClr val="000000"/>
-                </a:solidFill>
-                <a:uFill>
-                  <a:solidFill>
-                    <a:srgbClr val="ffffff"/>
+              <a:rPr lang="zh-CN" sz="4400" b="0" strike="noStrike" spc="-1">
+                <a:solidFill>
+                  <a:srgbClr val="000000"/>
+                </a:solidFill>
+                <a:uFill>
+                  <a:solidFill>
+                    <a:srgbClr val="FFFFFF"/>
                   </a:solidFill>
                 </a:uFill>
                 <a:latin typeface="等线 Light"/>
               </a:rPr>
               <a:t>为什么用二进制？</a:t>
             </a:r>
-            <a:endParaRPr b="0" lang="zh-CN" sz="1800" spc="-1" strike="noStrike">
-              <a:solidFill>
-                <a:srgbClr val="000000"/>
-              </a:solidFill>
-              <a:uFill>
-                <a:solidFill>
-                  <a:srgbClr val="ffffff"/>
+            <a:endParaRPr lang="zh-CN" sz="1800" b="0" strike="noStrike" spc="-1">
+              <a:solidFill>
+                <a:srgbClr val="000000"/>
+              </a:solidFill>
+              <a:uFill>
+                <a:solidFill>
+                  <a:srgbClr val="FFFFFF"/>
                 </a:solidFill>
               </a:uFill>
               <a:latin typeface="等线"/>
@@ -6841,6 +8380,7 @@
         </p:spPr>
         <p:txBody>
           <a:bodyPr/>
+          <a:lstStyle/>
           <a:p>
             <a:pPr marL="228600" indent="-228240">
               <a:lnSpc>
@@ -6853,30 +8393,19 @@
               <a:buChar char="•"/>
             </a:pPr>
             <a:r>
-              <a:rPr b="0" lang="zh-CN" sz="2800" spc="-1" strike="noStrike">
-                <a:solidFill>
-                  <a:srgbClr val="000000"/>
-                </a:solidFill>
-                <a:uFill>
-                  <a:solidFill>
-                    <a:srgbClr val="ffffff"/>
+              <a:rPr lang="zh-CN" sz="2800" b="0" strike="noStrike" spc="-1" dirty="0">
+                <a:solidFill>
+                  <a:srgbClr val="000000"/>
+                </a:solidFill>
+                <a:uFill>
+                  <a:solidFill>
+                    <a:srgbClr val="FFFFFF"/>
                   </a:solidFill>
                 </a:uFill>
                 <a:latin typeface="等线"/>
               </a:rPr>
               <a:t>易于物理实现</a:t>
             </a:r>
-            <a:endParaRPr b="0" lang="zh-CN" sz="2800" spc="-1" strike="noStrike">
-              <a:solidFill>
-                <a:srgbClr val="000000"/>
-              </a:solidFill>
-              <a:uFill>
-                <a:solidFill>
-                  <a:srgbClr val="ffffff"/>
-                </a:solidFill>
-              </a:uFill>
-              <a:latin typeface="等线"/>
-            </a:endParaRPr>
           </a:p>
           <a:p>
             <a:pPr marL="228600" indent="-228240">
@@ -6890,30 +8419,19 @@
               <a:buChar char="•"/>
             </a:pPr>
             <a:r>
-              <a:rPr b="0" lang="zh-CN" sz="2800" spc="-1" strike="noStrike">
-                <a:solidFill>
-                  <a:srgbClr val="000000"/>
-                </a:solidFill>
-                <a:uFill>
-                  <a:solidFill>
-                    <a:srgbClr val="ffffff"/>
+              <a:rPr lang="zh-CN" sz="2800" b="0" strike="noStrike" spc="-1" dirty="0">
+                <a:solidFill>
+                  <a:srgbClr val="000000"/>
+                </a:solidFill>
+                <a:uFill>
+                  <a:solidFill>
+                    <a:srgbClr val="FFFFFF"/>
                   </a:solidFill>
                 </a:uFill>
                 <a:latin typeface="等线"/>
               </a:rPr>
               <a:t>运算简单</a:t>
             </a:r>
-            <a:endParaRPr b="0" lang="zh-CN" sz="2800" spc="-1" strike="noStrike">
-              <a:solidFill>
-                <a:srgbClr val="000000"/>
-              </a:solidFill>
-              <a:uFill>
-                <a:solidFill>
-                  <a:srgbClr val="ffffff"/>
-                </a:solidFill>
-              </a:uFill>
-              <a:latin typeface="等线"/>
-            </a:endParaRPr>
           </a:p>
           <a:p>
             <a:pPr marL="228600" indent="-228240">
@@ -6927,30 +8445,19 @@
               <a:buChar char="•"/>
             </a:pPr>
             <a:r>
-              <a:rPr b="0" lang="zh-CN" sz="2800" spc="-1" strike="noStrike">
-                <a:solidFill>
-                  <a:srgbClr val="000000"/>
-                </a:solidFill>
-                <a:uFill>
-                  <a:solidFill>
-                    <a:srgbClr val="ffffff"/>
+              <a:rPr lang="zh-CN" sz="2800" b="0" strike="noStrike" spc="-1" dirty="0">
+                <a:solidFill>
+                  <a:srgbClr val="000000"/>
+                </a:solidFill>
+                <a:uFill>
+                  <a:solidFill>
+                    <a:srgbClr val="FFFFFF"/>
                   </a:solidFill>
                 </a:uFill>
                 <a:latin typeface="等线"/>
               </a:rPr>
               <a:t>机器可靠性高</a:t>
             </a:r>
-            <a:endParaRPr b="0" lang="zh-CN" sz="2800" spc="-1" strike="noStrike">
-              <a:solidFill>
-                <a:srgbClr val="000000"/>
-              </a:solidFill>
-              <a:uFill>
-                <a:solidFill>
-                  <a:srgbClr val="ffffff"/>
-                </a:solidFill>
-              </a:uFill>
-              <a:latin typeface="等线"/>
-            </a:endParaRPr>
           </a:p>
           <a:p>
             <a:pPr marL="228600" indent="-228240">
@@ -6964,51 +8471,43 @@
               <a:buChar char="•"/>
             </a:pPr>
             <a:r>
-              <a:rPr b="0" lang="zh-CN" sz="2800" spc="-1" strike="noStrike">
-                <a:solidFill>
-                  <a:srgbClr val="000000"/>
-                </a:solidFill>
-                <a:uFill>
-                  <a:solidFill>
-                    <a:srgbClr val="ffffff"/>
+              <a:rPr lang="zh-CN" sz="2800" b="0" strike="noStrike" spc="-1" dirty="0">
+                <a:solidFill>
+                  <a:srgbClr val="000000"/>
+                </a:solidFill>
+                <a:uFill>
+                  <a:solidFill>
+                    <a:srgbClr val="FFFFFF"/>
                   </a:solidFill>
                 </a:uFill>
                 <a:latin typeface="等线"/>
               </a:rPr>
               <a:t>通用性强</a:t>
             </a:r>
-            <a:endParaRPr b="0" lang="zh-CN" sz="2800" spc="-1" strike="noStrike">
-              <a:solidFill>
-                <a:srgbClr val="000000"/>
-              </a:solidFill>
-              <a:uFill>
-                <a:solidFill>
-                  <a:srgbClr val="ffffff"/>
-                </a:solidFill>
-              </a:uFill>
-              <a:latin typeface="等线"/>
-            </a:endParaRPr>
           </a:p>
         </p:txBody>
       </p:sp>
     </p:spTree>
   </p:cSld>
+  <p:clrMapOvr>
+    <a:masterClrMapping/>
+  </p:clrMapOvr>
   <p:timing>
     <p:tnLst>
       <p:par>
-        <p:cTn id="7" dur="indefinite" restart="never" nodeType="tmRoot">
+        <p:cTn id="1" dur="indefinite" restart="never" nodeType="tmRoot">
           <p:childTnLst>
             <p:seq>
-              <p:cTn id="8" nodeType="mainSeq"/>
+              <p:cTn id="2" nodeType="mainSeq"/>
               <p:prevCondLst>
-                <p:cond delay="0" evt="onPrev">
+                <p:cond evt="onPrev" delay="0">
                   <p:tgtEl>
                     <p:sldTgt/>
                   </p:tgtEl>
                 </p:cond>
               </p:prevCondLst>
               <p:nextCondLst>
-                <p:cond delay="0" evt="onNext">
+                <p:cond evt="onNext" delay="0">
                   <p:tgtEl>
                     <p:sldTgt/>
                   </p:tgtEl>
@@ -7024,7 +8523,7 @@
 </file>
 
 <file path=ppt/slides/slide5.xml><?xml version="1.0" encoding="utf-8"?>
-<p:sld xmlns:a="http://schemas.openxmlformats.org/drawingml/2006/main" xmlns:p="http://schemas.openxmlformats.org/presentationml/2006/main" xmlns:r="http://schemas.openxmlformats.org/officeDocument/2006/relationships" xmlns:p14="http://schemas.microsoft.com/office/powerpoint/2010/main" xmlns:p15="http://schemas.microsoft.com/office/powerpoint/2012/main" xmlns:mc="http://schemas.openxmlformats.org/markup-compatibility/2006">
+<p:sld xmlns:a="http://schemas.openxmlformats.org/drawingml/2006/main" xmlns:r="http://schemas.openxmlformats.org/officeDocument/2006/relationships" xmlns:p="http://schemas.openxmlformats.org/presentationml/2006/main">
   <p:cSld>
     <p:spTree>
       <p:nvGrpSpPr>
@@ -7061,6 +8560,7 @@
         </p:spPr>
         <p:txBody>
           <a:bodyPr anchor="ctr"/>
+          <a:lstStyle/>
           <a:p>
             <a:pPr>
               <a:lnSpc>
@@ -7068,26 +8568,26 @@
               </a:lnSpc>
             </a:pPr>
             <a:r>
-              <a:rPr b="0" lang="zh-CN" sz="4400" spc="-1" strike="noStrike">
-                <a:solidFill>
-                  <a:srgbClr val="000000"/>
-                </a:solidFill>
-                <a:uFill>
-                  <a:solidFill>
-                    <a:srgbClr val="ffffff"/>
+              <a:rPr lang="zh-CN" sz="4400" b="0" strike="noStrike" spc="-1">
+                <a:solidFill>
+                  <a:srgbClr val="000000"/>
+                </a:solidFill>
+                <a:uFill>
+                  <a:solidFill>
+                    <a:srgbClr val="FFFFFF"/>
                   </a:solidFill>
                 </a:uFill>
                 <a:latin typeface="等线 Light"/>
               </a:rPr>
               <a:t>程序和指令</a:t>
             </a:r>
-            <a:endParaRPr b="0" lang="zh-CN" sz="1800" spc="-1" strike="noStrike">
-              <a:solidFill>
-                <a:srgbClr val="000000"/>
-              </a:solidFill>
-              <a:uFill>
-                <a:solidFill>
-                  <a:srgbClr val="ffffff"/>
+            <a:endParaRPr lang="zh-CN" sz="1800" b="0" strike="noStrike" spc="-1">
+              <a:solidFill>
+                <a:srgbClr val="000000"/>
+              </a:solidFill>
+              <a:uFill>
+                <a:solidFill>
+                  <a:srgbClr val="FFFFFF"/>
                 </a:solidFill>
               </a:uFill>
               <a:latin typeface="等线"/>
@@ -7116,6 +8616,7 @@
         </p:spPr>
         <p:txBody>
           <a:bodyPr/>
+          <a:lstStyle/>
           <a:p>
             <a:pPr>
               <a:lnSpc>
@@ -7123,30 +8624,19 @@
               </a:lnSpc>
             </a:pPr>
             <a:r>
-              <a:rPr b="0" lang="zh-CN" sz="2800" spc="-1" strike="noStrike">
-                <a:solidFill>
-                  <a:srgbClr val="000000"/>
-                </a:solidFill>
-                <a:uFill>
-                  <a:solidFill>
-                    <a:srgbClr val="ffffff"/>
+              <a:rPr lang="zh-CN" sz="2800" b="0" strike="noStrike" spc="-1">
+                <a:solidFill>
+                  <a:srgbClr val="000000"/>
+                </a:solidFill>
+                <a:uFill>
+                  <a:solidFill>
+                    <a:srgbClr val="FFFFFF"/>
                   </a:solidFill>
                 </a:uFill>
                 <a:latin typeface="等线"/>
               </a:rPr>
               <a:t>程序是指令的集合。</a:t>
             </a:r>
-            <a:endParaRPr b="0" lang="zh-CN" sz="2800" spc="-1" strike="noStrike">
-              <a:solidFill>
-                <a:srgbClr val="000000"/>
-              </a:solidFill>
-              <a:uFill>
-                <a:solidFill>
-                  <a:srgbClr val="ffffff"/>
-                </a:solidFill>
-              </a:uFill>
-              <a:latin typeface="等线"/>
-            </a:endParaRPr>
           </a:p>
           <a:p>
             <a:pPr>
@@ -7154,13 +8644,13 @@
                 <a:spcPct val="100000"/>
               </a:lnSpc>
             </a:pPr>
-            <a:endParaRPr b="0" lang="zh-CN" sz="2800" spc="-1" strike="noStrike">
-              <a:solidFill>
-                <a:srgbClr val="000000"/>
-              </a:solidFill>
-              <a:uFill>
-                <a:solidFill>
-                  <a:srgbClr val="ffffff"/>
+            <a:endParaRPr lang="zh-CN" sz="2800" b="0" strike="noStrike" spc="-1">
+              <a:solidFill>
+                <a:srgbClr val="000000"/>
+              </a:solidFill>
+              <a:uFill>
+                <a:solidFill>
+                  <a:srgbClr val="FFFFFF"/>
                 </a:solidFill>
               </a:uFill>
               <a:latin typeface="等线"/>
@@ -7173,86 +8663,19 @@
               </a:lnSpc>
             </a:pPr>
             <a:r>
-              <a:rPr b="0" lang="zh-CN" sz="2800" spc="-1" strike="noStrike">
-                <a:solidFill>
-                  <a:srgbClr val="000000"/>
-                </a:solidFill>
-                <a:uFill>
-                  <a:solidFill>
-                    <a:srgbClr val="ffffff"/>
+              <a:rPr lang="zh-CN" sz="2800" b="0" strike="noStrike" spc="-1">
+                <a:solidFill>
+                  <a:srgbClr val="000000"/>
+                </a:solidFill>
+                <a:uFill>
+                  <a:solidFill>
+                    <a:srgbClr val="FFFFFF"/>
                   </a:solidFill>
                 </a:uFill>
                 <a:latin typeface="等线"/>
               </a:rPr>
-              <a:t>指令是计算机可以识别的命令，由简单的“</a:t>
-            </a:r>
-            <a:r>
-              <a:rPr b="0" lang="zh-CN" sz="2800" spc="-1" strike="noStrike">
-                <a:solidFill>
-                  <a:srgbClr val="000000"/>
-                </a:solidFill>
-                <a:uFill>
-                  <a:solidFill>
-                    <a:srgbClr val="ffffff"/>
-                  </a:solidFill>
-                </a:uFill>
-                <a:latin typeface="等线"/>
-              </a:rPr>
-              <a:t>0”</a:t>
-            </a:r>
-            <a:r>
-              <a:rPr b="0" lang="zh-CN" sz="2800" spc="-1" strike="noStrike">
-                <a:solidFill>
-                  <a:srgbClr val="000000"/>
-                </a:solidFill>
-                <a:uFill>
-                  <a:solidFill>
-                    <a:srgbClr val="ffffff"/>
-                  </a:solidFill>
-                </a:uFill>
-                <a:latin typeface="等线"/>
-              </a:rPr>
-              <a:t>和“</a:t>
-            </a:r>
-            <a:r>
-              <a:rPr b="0" lang="zh-CN" sz="2800" spc="-1" strike="noStrike">
-                <a:solidFill>
-                  <a:srgbClr val="000000"/>
-                </a:solidFill>
-                <a:uFill>
-                  <a:solidFill>
-                    <a:srgbClr val="ffffff"/>
-                  </a:solidFill>
-                </a:uFill>
-                <a:latin typeface="等线"/>
-              </a:rPr>
-              <a:t>1”</a:t>
-            </a:r>
-            <a:r>
-              <a:rPr b="0" lang="zh-CN" sz="2800" spc="-1" strike="noStrike">
-                <a:solidFill>
-                  <a:srgbClr val="000000"/>
-                </a:solidFill>
-                <a:uFill>
-                  <a:solidFill>
-                    <a:srgbClr val="ffffff"/>
-                  </a:solidFill>
-                </a:uFill>
-                <a:latin typeface="等线"/>
-              </a:rPr>
-              <a:t>组成。</a:t>
-            </a:r>
-            <a:endParaRPr b="0" lang="zh-CN" sz="2800" spc="-1" strike="noStrike">
-              <a:solidFill>
-                <a:srgbClr val="000000"/>
-              </a:solidFill>
-              <a:uFill>
-                <a:solidFill>
-                  <a:srgbClr val="ffffff"/>
-                </a:solidFill>
-              </a:uFill>
-              <a:latin typeface="等线"/>
-            </a:endParaRPr>
+              <a:t>指令是计算机可以识别的命令，由简单的“0”和“1”组成。</a:t>
+            </a:r>
           </a:p>
           <a:p>
             <a:pPr>
@@ -7260,13 +8683,13 @@
                 <a:spcPct val="100000"/>
               </a:lnSpc>
             </a:pPr>
-            <a:endParaRPr b="0" lang="zh-CN" sz="2800" spc="-1" strike="noStrike">
-              <a:solidFill>
-                <a:srgbClr val="000000"/>
-              </a:solidFill>
-              <a:uFill>
-                <a:solidFill>
-                  <a:srgbClr val="ffffff"/>
+            <a:endParaRPr lang="zh-CN" sz="2800" b="0" strike="noStrike" spc="-1">
+              <a:solidFill>
+                <a:srgbClr val="000000"/>
+              </a:solidFill>
+              <a:uFill>
+                <a:solidFill>
+                  <a:srgbClr val="FFFFFF"/>
                 </a:solidFill>
               </a:uFill>
               <a:latin typeface="等线"/>
@@ -7279,30 +8702,19 @@
               </a:lnSpc>
             </a:pPr>
             <a:r>
-              <a:rPr b="0" lang="zh-CN" sz="2800" spc="-1" strike="noStrike">
-                <a:solidFill>
-                  <a:srgbClr val="000000"/>
-                </a:solidFill>
-                <a:uFill>
-                  <a:solidFill>
-                    <a:srgbClr val="ffffff"/>
+              <a:rPr lang="zh-CN" sz="2800" b="0" strike="noStrike" spc="-1">
+                <a:solidFill>
+                  <a:srgbClr val="000000"/>
+                </a:solidFill>
+                <a:uFill>
+                  <a:solidFill>
+                    <a:srgbClr val="FFFFFF"/>
                   </a:solidFill>
                 </a:uFill>
                 <a:latin typeface="等线"/>
               </a:rPr>
               <a:t>指令是计算机唯一能够识别的语言。所有的程序最终都以指令的形式执行。</a:t>
             </a:r>
-            <a:endParaRPr b="0" lang="zh-CN" sz="2800" spc="-1" strike="noStrike">
-              <a:solidFill>
-                <a:srgbClr val="000000"/>
-              </a:solidFill>
-              <a:uFill>
-                <a:solidFill>
-                  <a:srgbClr val="ffffff"/>
-                </a:solidFill>
-              </a:uFill>
-              <a:latin typeface="等线"/>
-            </a:endParaRPr>
           </a:p>
           <a:p>
             <a:pPr>
@@ -7310,13 +8722,13 @@
                 <a:spcPct val="100000"/>
               </a:lnSpc>
             </a:pPr>
-            <a:endParaRPr b="0" lang="zh-CN" sz="2800" spc="-1" strike="noStrike">
-              <a:solidFill>
-                <a:srgbClr val="000000"/>
-              </a:solidFill>
-              <a:uFill>
-                <a:solidFill>
-                  <a:srgbClr val="ffffff"/>
+            <a:endParaRPr lang="zh-CN" sz="2800" b="0" strike="noStrike" spc="-1">
+              <a:solidFill>
+                <a:srgbClr val="000000"/>
+              </a:solidFill>
+              <a:uFill>
+                <a:solidFill>
+                  <a:srgbClr val="FFFFFF"/>
                 </a:solidFill>
               </a:uFill>
               <a:latin typeface="等线"/>
@@ -7329,30 +8741,19 @@
               </a:lnSpc>
             </a:pPr>
             <a:r>
-              <a:rPr b="0" lang="zh-CN" sz="2800" spc="-1" strike="noStrike">
-                <a:solidFill>
-                  <a:srgbClr val="000000"/>
-                </a:solidFill>
-                <a:uFill>
-                  <a:solidFill>
-                    <a:srgbClr val="ffffff"/>
+              <a:rPr lang="zh-CN" sz="2800" b="0" strike="noStrike" spc="-1">
+                <a:solidFill>
+                  <a:srgbClr val="000000"/>
+                </a:solidFill>
+                <a:uFill>
+                  <a:solidFill>
+                    <a:srgbClr val="FFFFFF"/>
                   </a:solidFill>
                 </a:uFill>
                 <a:latin typeface="等线"/>
               </a:rPr>
               <a:t>指令是硬件和软件之间的桥梁。</a:t>
             </a:r>
-            <a:endParaRPr b="0" lang="zh-CN" sz="2800" spc="-1" strike="noStrike">
-              <a:solidFill>
-                <a:srgbClr val="000000"/>
-              </a:solidFill>
-              <a:uFill>
-                <a:solidFill>
-                  <a:srgbClr val="ffffff"/>
-                </a:solidFill>
-              </a:uFill>
-              <a:latin typeface="等线"/>
-            </a:endParaRPr>
           </a:p>
           <a:p>
             <a:pPr>
@@ -7360,13 +8761,13 @@
                 <a:spcPct val="100000"/>
               </a:lnSpc>
             </a:pPr>
-            <a:endParaRPr b="0" lang="zh-CN" sz="2800" spc="-1" strike="noStrike">
-              <a:solidFill>
-                <a:srgbClr val="000000"/>
-              </a:solidFill>
-              <a:uFill>
-                <a:solidFill>
-                  <a:srgbClr val="ffffff"/>
+            <a:endParaRPr lang="zh-CN" sz="2800" b="0" strike="noStrike" spc="-1">
+              <a:solidFill>
+                <a:srgbClr val="000000"/>
+              </a:solidFill>
+              <a:uFill>
+                <a:solidFill>
+                  <a:srgbClr val="FFFFFF"/>
                 </a:solidFill>
               </a:uFill>
               <a:latin typeface="等线"/>
@@ -7376,22 +8777,25 @@
       </p:sp>
     </p:spTree>
   </p:cSld>
+  <p:clrMapOvr>
+    <a:masterClrMapping/>
+  </p:clrMapOvr>
   <p:timing>
     <p:tnLst>
       <p:par>
-        <p:cTn id="9" dur="indefinite" restart="never" nodeType="tmRoot">
+        <p:cTn id="1" dur="indefinite" restart="never" nodeType="tmRoot">
           <p:childTnLst>
             <p:seq>
-              <p:cTn id="10" nodeType="mainSeq"/>
+              <p:cTn id="2" nodeType="mainSeq"/>
               <p:prevCondLst>
-                <p:cond delay="0" evt="onPrev">
+                <p:cond evt="onPrev" delay="0">
                   <p:tgtEl>
                     <p:sldTgt/>
                   </p:tgtEl>
                 </p:cond>
               </p:prevCondLst>
               <p:nextCondLst>
-                <p:cond delay="0" evt="onNext">
+                <p:cond evt="onNext" delay="0">
                   <p:tgtEl>
                     <p:sldTgt/>
                   </p:tgtEl>
@@ -7407,7 +8811,7 @@
 </file>
 
 <file path=ppt/slides/slide6.xml><?xml version="1.0" encoding="utf-8"?>
-<p:sld xmlns:a="http://schemas.openxmlformats.org/drawingml/2006/main" xmlns:p="http://schemas.openxmlformats.org/presentationml/2006/main" xmlns:r="http://schemas.openxmlformats.org/officeDocument/2006/relationships" xmlns:p14="http://schemas.microsoft.com/office/powerpoint/2010/main" xmlns:p15="http://schemas.microsoft.com/office/powerpoint/2012/main" xmlns:mc="http://schemas.openxmlformats.org/markup-compatibility/2006">
+<p:sld xmlns:a="http://schemas.openxmlformats.org/drawingml/2006/main" xmlns:r="http://schemas.openxmlformats.org/officeDocument/2006/relationships" xmlns:p="http://schemas.openxmlformats.org/presentationml/2006/main">
   <p:cSld>
     <p:spTree>
       <p:nvGrpSpPr>
@@ -7444,6 +8848,7 @@
         </p:spPr>
         <p:txBody>
           <a:bodyPr anchor="ctr"/>
+          <a:lstStyle/>
           <a:p>
             <a:pPr>
               <a:lnSpc>
@@ -7451,26 +8856,26 @@
               </a:lnSpc>
             </a:pPr>
             <a:r>
-              <a:rPr b="0" lang="zh-CN" sz="4400" spc="-1" strike="noStrike">
-                <a:solidFill>
-                  <a:srgbClr val="000000"/>
-                </a:solidFill>
-                <a:uFill>
-                  <a:solidFill>
-                    <a:srgbClr val="ffffff"/>
+              <a:rPr lang="zh-CN" sz="4400" b="0" strike="noStrike" spc="-1">
+                <a:solidFill>
+                  <a:srgbClr val="000000"/>
+                </a:solidFill>
+                <a:uFill>
+                  <a:solidFill>
+                    <a:srgbClr val="FFFFFF"/>
                   </a:solidFill>
                 </a:uFill>
                 <a:latin typeface="等线 Light"/>
               </a:rPr>
               <a:t>编程语言的发展历史</a:t>
             </a:r>
-            <a:endParaRPr b="0" lang="zh-CN" sz="1800" spc="-1" strike="noStrike">
-              <a:solidFill>
-                <a:srgbClr val="000000"/>
-              </a:solidFill>
-              <a:uFill>
-                <a:solidFill>
-                  <a:srgbClr val="ffffff"/>
+            <a:endParaRPr lang="zh-CN" sz="1800" b="0" strike="noStrike" spc="-1">
+              <a:solidFill>
+                <a:srgbClr val="000000"/>
+              </a:solidFill>
+              <a:uFill>
+                <a:solidFill>
+                  <a:srgbClr val="FFFFFF"/>
                 </a:solidFill>
               </a:uFill>
               <a:latin typeface="等线"/>
@@ -7499,6 +8904,7 @@
         </p:spPr>
         <p:txBody>
           <a:bodyPr/>
+          <a:lstStyle/>
           <a:p>
             <a:pPr marL="228600" indent="-228240">
               <a:lnSpc>
@@ -7511,30 +8917,19 @@
               <a:buChar char="•"/>
             </a:pPr>
             <a:r>
-              <a:rPr b="0" lang="zh-CN" sz="2800" spc="-1" strike="noStrike">
-                <a:solidFill>
-                  <a:srgbClr val="000000"/>
-                </a:solidFill>
-                <a:uFill>
-                  <a:solidFill>
-                    <a:srgbClr val="ffffff"/>
+              <a:rPr lang="zh-CN" sz="2800" b="0" strike="noStrike" spc="-1">
+                <a:solidFill>
+                  <a:srgbClr val="000000"/>
+                </a:solidFill>
+                <a:uFill>
+                  <a:solidFill>
+                    <a:srgbClr val="FFFFFF"/>
                   </a:solidFill>
                 </a:uFill>
                 <a:latin typeface="等线"/>
               </a:rPr>
               <a:t>机器语言</a:t>
             </a:r>
-            <a:endParaRPr b="0" lang="zh-CN" sz="2800" spc="-1" strike="noStrike">
-              <a:solidFill>
-                <a:srgbClr val="000000"/>
-              </a:solidFill>
-              <a:uFill>
-                <a:solidFill>
-                  <a:srgbClr val="ffffff"/>
-                </a:solidFill>
-              </a:uFill>
-              <a:latin typeface="等线"/>
-            </a:endParaRPr>
           </a:p>
           <a:p>
             <a:pPr marL="228600" indent="-228240">
@@ -7548,30 +8943,19 @@
               <a:buChar char="•"/>
             </a:pPr>
             <a:r>
-              <a:rPr b="0" lang="zh-CN" sz="2800" spc="-1" strike="noStrike">
-                <a:solidFill>
-                  <a:srgbClr val="000000"/>
-                </a:solidFill>
-                <a:uFill>
-                  <a:solidFill>
-                    <a:srgbClr val="ffffff"/>
+              <a:rPr lang="zh-CN" sz="2800" b="0" strike="noStrike" spc="-1">
+                <a:solidFill>
+                  <a:srgbClr val="000000"/>
+                </a:solidFill>
+                <a:uFill>
+                  <a:solidFill>
+                    <a:srgbClr val="FFFFFF"/>
                   </a:solidFill>
                 </a:uFill>
                 <a:latin typeface="等线"/>
               </a:rPr>
               <a:t>汇编语言</a:t>
             </a:r>
-            <a:endParaRPr b="0" lang="zh-CN" sz="2800" spc="-1" strike="noStrike">
-              <a:solidFill>
-                <a:srgbClr val="000000"/>
-              </a:solidFill>
-              <a:uFill>
-                <a:solidFill>
-                  <a:srgbClr val="ffffff"/>
-                </a:solidFill>
-              </a:uFill>
-              <a:latin typeface="等线"/>
-            </a:endParaRPr>
           </a:p>
           <a:p>
             <a:pPr marL="228600" indent="-228240">
@@ -7585,33 +8969,22 @@
               <a:buChar char="•"/>
             </a:pPr>
             <a:r>
-              <a:rPr b="0" lang="zh-CN" sz="2800" spc="-1" strike="noStrike">
-                <a:solidFill>
-                  <a:srgbClr val="000000"/>
-                </a:solidFill>
-                <a:uFill>
-                  <a:solidFill>
-                    <a:srgbClr val="ffffff"/>
+              <a:rPr lang="zh-CN" sz="2800" b="0" strike="noStrike" spc="-1">
+                <a:solidFill>
+                  <a:srgbClr val="000000"/>
+                </a:solidFill>
+                <a:uFill>
+                  <a:solidFill>
+                    <a:srgbClr val="FFFFFF"/>
                   </a:solidFill>
                 </a:uFill>
                 <a:latin typeface="等线"/>
               </a:rPr>
               <a:t>高级语言</a:t>
             </a:r>
-            <a:endParaRPr b="0" lang="zh-CN" sz="2800" spc="-1" strike="noStrike">
-              <a:solidFill>
-                <a:srgbClr val="000000"/>
-              </a:solidFill>
-              <a:uFill>
-                <a:solidFill>
-                  <a:srgbClr val="ffffff"/>
-                </a:solidFill>
-              </a:uFill>
-              <a:latin typeface="等线"/>
-            </a:endParaRPr>
-          </a:p>
-          <a:p>
-            <a:pPr lvl="1" marL="685800" indent="-228240">
+          </a:p>
+          <a:p>
+            <a:pPr marL="685800" lvl="1" indent="-228240">
               <a:lnSpc>
                 <a:spcPct val="100000"/>
               </a:lnSpc>
@@ -7622,33 +8995,33 @@
               <a:buChar char="•"/>
             </a:pPr>
             <a:r>
-              <a:rPr b="0" lang="zh-CN" sz="2400" spc="-1" strike="noStrike">
-                <a:solidFill>
-                  <a:srgbClr val="000000"/>
-                </a:solidFill>
-                <a:uFill>
-                  <a:solidFill>
-                    <a:srgbClr val="ffffff"/>
+              <a:rPr lang="zh-CN" sz="2400" b="0" strike="noStrike" spc="-1">
+                <a:solidFill>
+                  <a:srgbClr val="000000"/>
+                </a:solidFill>
+                <a:uFill>
+                  <a:solidFill>
+                    <a:srgbClr val="FFFFFF"/>
                   </a:solidFill>
                 </a:uFill>
                 <a:latin typeface="等线"/>
               </a:rPr>
               <a:t>面向过程</a:t>
             </a:r>
-            <a:endParaRPr b="0" lang="zh-CN" sz="2000" spc="-1" strike="noStrike">
-              <a:solidFill>
-                <a:srgbClr val="000000"/>
-              </a:solidFill>
-              <a:uFill>
-                <a:solidFill>
-                  <a:srgbClr val="ffffff"/>
-                </a:solidFill>
-              </a:uFill>
-              <a:latin typeface="等线"/>
-            </a:endParaRPr>
-          </a:p>
-          <a:p>
-            <a:pPr lvl="1" marL="685800" indent="-228240">
+            <a:endParaRPr lang="zh-CN" sz="2000" b="0" strike="noStrike" spc="-1">
+              <a:solidFill>
+                <a:srgbClr val="000000"/>
+              </a:solidFill>
+              <a:uFill>
+                <a:solidFill>
+                  <a:srgbClr val="FFFFFF"/>
+                </a:solidFill>
+              </a:uFill>
+              <a:latin typeface="等线"/>
+            </a:endParaRPr>
+          </a:p>
+          <a:p>
+            <a:pPr marL="685800" lvl="1" indent="-228240">
               <a:lnSpc>
                 <a:spcPct val="100000"/>
               </a:lnSpc>
@@ -7659,26 +9032,26 @@
               <a:buChar char="•"/>
             </a:pPr>
             <a:r>
-              <a:rPr b="0" lang="zh-CN" sz="2400" spc="-1" strike="noStrike">
-                <a:solidFill>
-                  <a:srgbClr val="000000"/>
-                </a:solidFill>
-                <a:uFill>
-                  <a:solidFill>
-                    <a:srgbClr val="ffffff"/>
+              <a:rPr lang="zh-CN" sz="2400" b="0" strike="noStrike" spc="-1">
+                <a:solidFill>
+                  <a:srgbClr val="000000"/>
+                </a:solidFill>
+                <a:uFill>
+                  <a:solidFill>
+                    <a:srgbClr val="FFFFFF"/>
                   </a:solidFill>
                 </a:uFill>
                 <a:latin typeface="等线"/>
               </a:rPr>
               <a:t>面向对象</a:t>
             </a:r>
-            <a:endParaRPr b="0" lang="zh-CN" sz="2000" spc="-1" strike="noStrike">
-              <a:solidFill>
-                <a:srgbClr val="000000"/>
-              </a:solidFill>
-              <a:uFill>
-                <a:solidFill>
-                  <a:srgbClr val="ffffff"/>
+            <a:endParaRPr lang="zh-CN" sz="2000" b="0" strike="noStrike" spc="-1">
+              <a:solidFill>
+                <a:srgbClr val="000000"/>
+              </a:solidFill>
+              <a:uFill>
+                <a:solidFill>
+                  <a:srgbClr val="FFFFFF"/>
                 </a:solidFill>
               </a:uFill>
               <a:latin typeface="等线"/>
@@ -7688,22 +9061,25 @@
       </p:sp>
     </p:spTree>
   </p:cSld>
+  <p:clrMapOvr>
+    <a:masterClrMapping/>
+  </p:clrMapOvr>
   <p:timing>
     <p:tnLst>
       <p:par>
-        <p:cTn id="11" dur="indefinite" restart="never" nodeType="tmRoot">
+        <p:cTn id="1" dur="indefinite" restart="never" nodeType="tmRoot">
           <p:childTnLst>
             <p:seq>
-              <p:cTn id="12" nodeType="mainSeq"/>
+              <p:cTn id="2" nodeType="mainSeq"/>
               <p:prevCondLst>
-                <p:cond delay="0" evt="onPrev">
+                <p:cond evt="onPrev" delay="0">
                   <p:tgtEl>
                     <p:sldTgt/>
                   </p:tgtEl>
                 </p:cond>
               </p:prevCondLst>
               <p:nextCondLst>
-                <p:cond delay="0" evt="onNext">
+                <p:cond evt="onNext" delay="0">
                   <p:tgtEl>
                     <p:sldTgt/>
                   </p:tgtEl>
@@ -7719,7 +9095,7 @@
 </file>
 
 <file path=ppt/slides/slide7.xml><?xml version="1.0" encoding="utf-8"?>
-<p:sld xmlns:a="http://schemas.openxmlformats.org/drawingml/2006/main" xmlns:p="http://schemas.openxmlformats.org/presentationml/2006/main" xmlns:r="http://schemas.openxmlformats.org/officeDocument/2006/relationships" xmlns:p14="http://schemas.microsoft.com/office/powerpoint/2010/main" xmlns:p15="http://schemas.microsoft.com/office/powerpoint/2012/main" xmlns:mc="http://schemas.openxmlformats.org/markup-compatibility/2006">
+<p:sld xmlns:a="http://schemas.openxmlformats.org/drawingml/2006/main" xmlns:r="http://schemas.openxmlformats.org/officeDocument/2006/relationships" xmlns:p="http://schemas.openxmlformats.org/presentationml/2006/main">
   <p:cSld>
     <p:spTree>
       <p:nvGrpSpPr>
@@ -7756,6 +9132,7 @@
         </p:spPr>
         <p:txBody>
           <a:bodyPr anchor="ctr"/>
+          <a:lstStyle/>
           <a:p>
             <a:pPr>
               <a:lnSpc>
@@ -7763,26 +9140,26 @@
               </a:lnSpc>
             </a:pPr>
             <a:r>
-              <a:rPr b="0" lang="zh-CN" sz="4400" spc="-1" strike="noStrike">
-                <a:solidFill>
-                  <a:srgbClr val="000000"/>
-                </a:solidFill>
-                <a:uFill>
-                  <a:solidFill>
-                    <a:srgbClr val="ffffff"/>
+              <a:rPr lang="zh-CN" sz="4400" b="0" strike="noStrike" spc="-1">
+                <a:solidFill>
+                  <a:srgbClr val="000000"/>
+                </a:solidFill>
+                <a:uFill>
+                  <a:solidFill>
+                    <a:srgbClr val="FFFFFF"/>
                   </a:solidFill>
                 </a:uFill>
                 <a:latin typeface="等线 Light"/>
               </a:rPr>
               <a:t>机器语言和汇编语言</a:t>
             </a:r>
-            <a:endParaRPr b="0" lang="zh-CN" sz="1800" spc="-1" strike="noStrike">
-              <a:solidFill>
-                <a:srgbClr val="000000"/>
-              </a:solidFill>
-              <a:uFill>
-                <a:solidFill>
-                  <a:srgbClr val="ffffff"/>
+            <a:endParaRPr lang="zh-CN" sz="1800" b="0" strike="noStrike" spc="-1">
+              <a:solidFill>
+                <a:srgbClr val="000000"/>
+              </a:solidFill>
+              <a:uFill>
+                <a:solidFill>
+                  <a:srgbClr val="FFFFFF"/>
                 </a:solidFill>
               </a:uFill>
               <a:latin typeface="等线"/>
@@ -7811,6 +9188,7 @@
         </p:spPr>
         <p:txBody>
           <a:bodyPr/>
+          <a:lstStyle/>
           <a:p>
             <a:pPr marL="228600" indent="-228240">
               <a:lnSpc>
@@ -7823,30 +9201,19 @@
               <a:buChar char="•"/>
             </a:pPr>
             <a:r>
-              <a:rPr b="0" lang="zh-CN" sz="2800" spc="-1" strike="noStrike">
-                <a:solidFill>
-                  <a:srgbClr val="000000"/>
-                </a:solidFill>
-                <a:uFill>
-                  <a:solidFill>
-                    <a:srgbClr val="ffffff"/>
+              <a:rPr lang="zh-CN" sz="2800" b="0" strike="noStrike" spc="-1" dirty="0">
+                <a:solidFill>
+                  <a:srgbClr val="000000"/>
+                </a:solidFill>
+                <a:uFill>
+                  <a:solidFill>
+                    <a:srgbClr val="FFFFFF"/>
                   </a:solidFill>
                 </a:uFill>
                 <a:latin typeface="等线"/>
               </a:rPr>
               <a:t>由计算机指令组成的语言称为机器语言。</a:t>
             </a:r>
-            <a:endParaRPr b="0" lang="zh-CN" sz="2800" spc="-1" strike="noStrike">
-              <a:solidFill>
-                <a:srgbClr val="000000"/>
-              </a:solidFill>
-              <a:uFill>
-                <a:solidFill>
-                  <a:srgbClr val="ffffff"/>
-                </a:solidFill>
-              </a:uFill>
-              <a:latin typeface="等线"/>
-            </a:endParaRPr>
           </a:p>
           <a:p>
             <a:pPr>
@@ -7854,13 +9221,13 @@
                 <a:spcPct val="90000"/>
               </a:lnSpc>
             </a:pPr>
-            <a:endParaRPr b="0" lang="zh-CN" sz="2800" spc="-1" strike="noStrike">
-              <a:solidFill>
-                <a:srgbClr val="000000"/>
-              </a:solidFill>
-              <a:uFill>
-                <a:solidFill>
-                  <a:srgbClr val="ffffff"/>
+            <a:endParaRPr lang="zh-CN" sz="2800" b="0" strike="noStrike" spc="-1" dirty="0">
+              <a:solidFill>
+                <a:srgbClr val="000000"/>
+              </a:solidFill>
+              <a:uFill>
+                <a:solidFill>
+                  <a:srgbClr val="FFFFFF"/>
                 </a:solidFill>
               </a:uFill>
               <a:latin typeface="等线"/>
@@ -7878,30 +9245,19 @@
               <a:buChar char="•"/>
             </a:pPr>
             <a:r>
-              <a:rPr b="0" lang="zh-CN" sz="2800" spc="-1" strike="noStrike">
-                <a:solidFill>
-                  <a:srgbClr val="000000"/>
-                </a:solidFill>
-                <a:uFill>
-                  <a:solidFill>
-                    <a:srgbClr val="ffffff"/>
+              <a:rPr lang="zh-CN" sz="2800" b="0" strike="noStrike" spc="-1" dirty="0">
+                <a:solidFill>
+                  <a:srgbClr val="000000"/>
+                </a:solidFill>
+                <a:uFill>
+                  <a:solidFill>
+                    <a:srgbClr val="FFFFFF"/>
                   </a:solidFill>
                 </a:uFill>
                 <a:latin typeface="等线"/>
               </a:rPr>
               <a:t>将机器指令映射为一些可以被人读懂的助记符。</a:t>
             </a:r>
-            <a:endParaRPr b="0" lang="zh-CN" sz="2800" spc="-1" strike="noStrike">
-              <a:solidFill>
-                <a:srgbClr val="000000"/>
-              </a:solidFill>
-              <a:uFill>
-                <a:solidFill>
-                  <a:srgbClr val="ffffff"/>
-                </a:solidFill>
-              </a:uFill>
-              <a:latin typeface="等线"/>
-            </a:endParaRPr>
           </a:p>
           <a:p>
             <a:pPr>
@@ -7909,13 +9265,13 @@
                 <a:spcPct val="90000"/>
               </a:lnSpc>
             </a:pPr>
-            <a:endParaRPr b="0" lang="zh-CN" sz="2800" spc="-1" strike="noStrike">
-              <a:solidFill>
-                <a:srgbClr val="000000"/>
-              </a:solidFill>
-              <a:uFill>
-                <a:solidFill>
-                  <a:srgbClr val="ffffff"/>
+            <a:endParaRPr lang="zh-CN" sz="2800" b="0" strike="noStrike" spc="-1" dirty="0">
+              <a:solidFill>
+                <a:srgbClr val="000000"/>
+              </a:solidFill>
+              <a:uFill>
+                <a:solidFill>
+                  <a:srgbClr val="FFFFFF"/>
                 </a:solidFill>
               </a:uFill>
               <a:latin typeface="等线"/>
@@ -7933,72 +9289,19 @@
               <a:buChar char="•"/>
             </a:pPr>
             <a:r>
-              <a:rPr b="0" lang="zh-CN" sz="2800" spc="-1" strike="noStrike">
-                <a:solidFill>
-                  <a:srgbClr val="000000"/>
-                </a:solidFill>
-                <a:uFill>
-                  <a:solidFill>
-                    <a:srgbClr val="ffffff"/>
+              <a:rPr lang="zh-CN" sz="2800" b="0" strike="noStrike" spc="-1" dirty="0">
+                <a:solidFill>
+                  <a:srgbClr val="000000"/>
+                </a:solidFill>
+                <a:uFill>
+                  <a:solidFill>
+                    <a:srgbClr val="FFFFFF"/>
                   </a:solidFill>
                 </a:uFill>
                 <a:latin typeface="等线"/>
               </a:rPr>
-              <a:t>10111000 00000100 00000000</a:t>
-            </a:r>
-            <a:r>
-              <a:rPr b="0" lang="zh-CN" sz="2800" spc="-1" strike="noStrike">
-                <a:solidFill>
-                  <a:srgbClr val="000000"/>
-                </a:solidFill>
-                <a:uFill>
-                  <a:solidFill>
-                    <a:srgbClr val="ffffff"/>
-                  </a:solidFill>
-                </a:uFill>
-                <a:latin typeface="等线"/>
-              </a:rPr>
-              <a:t>	</a:t>
-            </a:r>
-            <a:r>
-              <a:rPr b="0" lang="zh-CN" sz="2800" spc="-1" strike="noStrike">
-                <a:solidFill>
-                  <a:srgbClr val="000000"/>
-                </a:solidFill>
-                <a:uFill>
-                  <a:solidFill>
-                    <a:srgbClr val="ffffff"/>
-                  </a:solidFill>
-                </a:uFill>
-                <a:latin typeface="等线"/>
-              </a:rPr>
-              <a:t>	</a:t>
-            </a:r>
-            <a:r>
-              <a:rPr b="0" lang="zh-CN" sz="2800" spc="-1" strike="noStrike">
-                <a:solidFill>
-                  <a:srgbClr val="000000"/>
-                </a:solidFill>
-                <a:uFill>
-                  <a:solidFill>
-                    <a:srgbClr val="ffffff"/>
-                  </a:solidFill>
-                </a:uFill>
-                <a:latin typeface="等线"/>
-              </a:rPr>
-              <a:t>mov ax, 4</a:t>
-            </a:r>
-            <a:endParaRPr b="0" lang="zh-CN" sz="2800" spc="-1" strike="noStrike">
-              <a:solidFill>
-                <a:srgbClr val="000000"/>
-              </a:solidFill>
-              <a:uFill>
-                <a:solidFill>
-                  <a:srgbClr val="ffffff"/>
-                </a:solidFill>
-              </a:uFill>
-              <a:latin typeface="等线"/>
-            </a:endParaRPr>
+              <a:t>10111000 00000100 00000000		mov ax, 4</a:t>
+            </a:r>
           </a:p>
           <a:p>
             <a:pPr marL="228600" indent="-228240">
@@ -8012,72 +9315,19 @@
               <a:buChar char="•"/>
             </a:pPr>
             <a:r>
-              <a:rPr b="0" lang="zh-CN" sz="2800" spc="-1" strike="noStrike">
-                <a:solidFill>
-                  <a:srgbClr val="000000"/>
-                </a:solidFill>
-                <a:uFill>
-                  <a:solidFill>
-                    <a:srgbClr val="ffffff"/>
+              <a:rPr lang="zh-CN" sz="2800" b="0" strike="noStrike" spc="-1" dirty="0">
+                <a:solidFill>
+                  <a:srgbClr val="000000"/>
+                </a:solidFill>
+                <a:uFill>
+                  <a:solidFill>
+                    <a:srgbClr val="FFFFFF"/>
                   </a:solidFill>
                 </a:uFill>
                 <a:latin typeface="等线"/>
               </a:rPr>
-              <a:t>10111011 00000101 00000000</a:t>
-            </a:r>
-            <a:r>
-              <a:rPr b="0" lang="zh-CN" sz="2800" spc="-1" strike="noStrike">
-                <a:solidFill>
-                  <a:srgbClr val="000000"/>
-                </a:solidFill>
-                <a:uFill>
-                  <a:solidFill>
-                    <a:srgbClr val="ffffff"/>
-                  </a:solidFill>
-                </a:uFill>
-                <a:latin typeface="等线"/>
-              </a:rPr>
-              <a:t>	</a:t>
-            </a:r>
-            <a:r>
-              <a:rPr b="0" lang="zh-CN" sz="2800" spc="-1" strike="noStrike">
-                <a:solidFill>
-                  <a:srgbClr val="000000"/>
-                </a:solidFill>
-                <a:uFill>
-                  <a:solidFill>
-                    <a:srgbClr val="ffffff"/>
-                  </a:solidFill>
-                </a:uFill>
-                <a:latin typeface="等线"/>
-              </a:rPr>
-              <a:t>	</a:t>
-            </a:r>
-            <a:r>
-              <a:rPr b="0" lang="zh-CN" sz="2800" spc="-1" strike="noStrike">
-                <a:solidFill>
-                  <a:srgbClr val="000000"/>
-                </a:solidFill>
-                <a:uFill>
-                  <a:solidFill>
-                    <a:srgbClr val="ffffff"/>
-                  </a:solidFill>
-                </a:uFill>
-                <a:latin typeface="等线"/>
-              </a:rPr>
-              <a:t>mov bx, 5</a:t>
-            </a:r>
-            <a:endParaRPr b="0" lang="zh-CN" sz="2800" spc="-1" strike="noStrike">
-              <a:solidFill>
-                <a:srgbClr val="000000"/>
-              </a:solidFill>
-              <a:uFill>
-                <a:solidFill>
-                  <a:srgbClr val="ffffff"/>
-                </a:solidFill>
-              </a:uFill>
-              <a:latin typeface="等线"/>
-            </a:endParaRPr>
+              <a:t>10111011 00000101 00000000		mov bx, 5</a:t>
+            </a:r>
           </a:p>
           <a:p>
             <a:pPr marL="228600" indent="-228240">
@@ -8091,110 +9341,68 @@
               <a:buChar char="•"/>
             </a:pPr>
             <a:r>
-              <a:rPr b="0" lang="zh-CN" sz="2800" spc="-1" strike="noStrike">
-                <a:solidFill>
-                  <a:srgbClr val="000000"/>
-                </a:solidFill>
-                <a:uFill>
-                  <a:solidFill>
-                    <a:srgbClr val="ffffff"/>
+              <a:rPr lang="zh-CN" sz="2800" b="0" strike="noStrike" spc="-1" dirty="0">
+                <a:solidFill>
+                  <a:srgbClr val="000000"/>
+                </a:solidFill>
+                <a:uFill>
+                  <a:solidFill>
+                    <a:srgbClr val="FFFFFF"/>
                   </a:solidFill>
                 </a:uFill>
                 <a:latin typeface="等线"/>
               </a:rPr>
-              <a:t>11110111 11100011</a:t>
-            </a:r>
-            <a:r>
-              <a:rPr b="0" lang="zh-CN" sz="2800" spc="-1" strike="noStrike">
-                <a:solidFill>
-                  <a:srgbClr val="000000"/>
-                </a:solidFill>
-                <a:uFill>
-                  <a:solidFill>
-                    <a:srgbClr val="ffffff"/>
+              <a:t>11110111 11100011				</a:t>
+            </a:r>
+            <a:r>
+              <a:rPr lang="zh-CN" sz="2800" b="0" strike="noStrike" spc="-1" dirty="0" smtClean="0">
+                <a:solidFill>
+                  <a:srgbClr val="000000"/>
+                </a:solidFill>
+                <a:uFill>
+                  <a:solidFill>
+                    <a:srgbClr val="FFFFFF"/>
                   </a:solidFill>
                 </a:uFill>
                 <a:latin typeface="等线"/>
               </a:rPr>
-              <a:t>	</a:t>
-            </a:r>
-            <a:r>
-              <a:rPr b="0" lang="zh-CN" sz="2800" spc="-1" strike="noStrike">
-                <a:solidFill>
-                  <a:srgbClr val="000000"/>
-                </a:solidFill>
-                <a:uFill>
-                  <a:solidFill>
-                    <a:srgbClr val="ffffff"/>
+              <a:t>mul </a:t>
+            </a:r>
+            <a:r>
+              <a:rPr lang="en-US" altLang="zh-CN" sz="2800" b="0" strike="noStrike" spc="-1" dirty="0" smtClean="0">
+                <a:solidFill>
+                  <a:srgbClr val="000000"/>
+                </a:solidFill>
+                <a:uFill>
+                  <a:solidFill>
+                    <a:srgbClr val="FFFFFF"/>
                   </a:solidFill>
                 </a:uFill>
                 <a:latin typeface="等线"/>
               </a:rPr>
-              <a:t>	</a:t>
-            </a:r>
-            <a:r>
-              <a:rPr b="0" lang="zh-CN" sz="2800" spc="-1" strike="noStrike">
-                <a:solidFill>
-                  <a:srgbClr val="000000"/>
-                </a:solidFill>
-                <a:uFill>
-                  <a:solidFill>
-                    <a:srgbClr val="ffffff"/>
+              <a:t> </a:t>
+            </a:r>
+            <a:r>
+              <a:rPr lang="zh-CN" sz="2800" b="0" strike="noStrike" spc="-1" dirty="0" smtClean="0">
+                <a:solidFill>
+                  <a:srgbClr val="000000"/>
+                </a:solidFill>
+                <a:uFill>
+                  <a:solidFill>
+                    <a:srgbClr val="FFFFFF"/>
                   </a:solidFill>
                 </a:uFill>
                 <a:latin typeface="等线"/>
               </a:rPr>
-              <a:t>	</a:t>
-            </a:r>
-            <a:r>
-              <a:rPr b="0" lang="zh-CN" sz="2800" spc="-1" strike="noStrike">
-                <a:solidFill>
-                  <a:srgbClr val="000000"/>
-                </a:solidFill>
-                <a:uFill>
-                  <a:solidFill>
-                    <a:srgbClr val="ffffff"/>
-                  </a:solidFill>
-                </a:uFill>
-                <a:latin typeface="等线"/>
-              </a:rPr>
-              <a:t>	</a:t>
-            </a:r>
-            <a:r>
-              <a:rPr b="0" lang="zh-CN" sz="2800" spc="-1" strike="noStrike">
-                <a:solidFill>
-                  <a:srgbClr val="000000"/>
-                </a:solidFill>
-                <a:uFill>
-                  <a:solidFill>
-                    <a:srgbClr val="ffffff"/>
-                  </a:solidFill>
-                </a:uFill>
-                <a:latin typeface="等线"/>
-              </a:rPr>
-              <a:t>	</a:t>
-            </a:r>
-            <a:r>
-              <a:rPr b="0" lang="zh-CN" sz="2800" spc="-1" strike="noStrike">
-                <a:solidFill>
-                  <a:srgbClr val="000000"/>
-                </a:solidFill>
-                <a:uFill>
-                  <a:solidFill>
-                    <a:srgbClr val="ffffff"/>
-                  </a:solidFill>
-                </a:uFill>
-                <a:latin typeface="等线"/>
-              </a:rPr>
-              <a:t>mul bx</a:t>
-            </a:r>
-            <a:endParaRPr b="0" lang="zh-CN" sz="2800" spc="-1" strike="noStrike">
-              <a:solidFill>
-                <a:srgbClr val="000000"/>
-              </a:solidFill>
-              <a:uFill>
-                <a:solidFill>
-                  <a:srgbClr val="ffffff"/>
+              <a:t>bx</a:t>
+            </a:r>
+            <a:endParaRPr lang="zh-CN" sz="2800" b="0" strike="noStrike" spc="-1" dirty="0">
+              <a:solidFill>
+                <a:srgbClr val="000000"/>
+              </a:solidFill>
+              <a:uFill>
+                <a:solidFill>
+                  <a:srgbClr val="FFFFFF"/>
                 </a:solidFill>
               </a:uFill>
               <a:latin typeface="等线"/>
@@ -8204,22 +9412,25 @@
       </p:sp>
     </p:spTree>
   </p:cSld>
+  <p:clrMapOvr>
+    <a:masterClrMapping/>
+  </p:clrMapOvr>
   <p:timing>
     <p:tnLst>
       <p:par>
-        <p:cTn id="13" dur="indefinite" restart="never" nodeType="tmRoot">
+        <p:cTn id="1" dur="indefinite" restart="never" nodeType="tmRoot">
           <p:childTnLst>
             <p:seq>
-              <p:cTn id="14" nodeType="mainSeq"/>
+              <p:cTn id="2" nodeType="mainSeq"/>
               <p:prevCondLst>
-                <p:cond delay="0" evt="onPrev">
+                <p:cond evt="onPrev" delay="0">
                   <p:tgtEl>
                     <p:sldTgt/>
                   </p:tgtEl>
                 </p:cond>
               </p:prevCondLst>
               <p:nextCondLst>
-                <p:cond delay="0" evt="onNext">
+                <p:cond evt="onNext" delay="0">
                   <p:tgtEl>
                     <p:sldTgt/>
                   </p:tgtEl>
@@ -8235,7 +9446,7 @@
 </file>
 
 <file path=ppt/slides/slide8.xml><?xml version="1.0" encoding="utf-8"?>
-<p:sld xmlns:a="http://schemas.openxmlformats.org/drawingml/2006/main" xmlns:p="http://schemas.openxmlformats.org/presentationml/2006/main" xmlns:r="http://schemas.openxmlformats.org/officeDocument/2006/relationships" xmlns:p14="http://schemas.microsoft.com/office/powerpoint/2010/main" xmlns:p15="http://schemas.microsoft.com/office/powerpoint/2012/main" xmlns:mc="http://schemas.openxmlformats.org/markup-compatibility/2006">
+<p:sld xmlns:a="http://schemas.openxmlformats.org/drawingml/2006/main" xmlns:r="http://schemas.openxmlformats.org/officeDocument/2006/relationships" xmlns:p="http://schemas.openxmlformats.org/presentationml/2006/main">
   <p:cSld>
     <p:spTree>
       <p:nvGrpSpPr>
@@ -8272,6 +9483,7 @@
         </p:spPr>
         <p:txBody>
           <a:bodyPr anchor="ctr"/>
+          <a:lstStyle/>
           <a:p>
             <a:pPr>
               <a:lnSpc>
@@ -8279,26 +9491,26 @@
               </a:lnSpc>
             </a:pPr>
             <a:r>
-              <a:rPr b="0" lang="zh-CN" sz="4400" spc="-1" strike="noStrike">
-                <a:solidFill>
-                  <a:srgbClr val="000000"/>
-                </a:solidFill>
-                <a:uFill>
-                  <a:solidFill>
-                    <a:srgbClr val="ffffff"/>
+              <a:rPr lang="zh-CN" sz="4400" b="0" strike="noStrike" spc="-1">
+                <a:solidFill>
+                  <a:srgbClr val="000000"/>
+                </a:solidFill>
+                <a:uFill>
+                  <a:solidFill>
+                    <a:srgbClr val="FFFFFF"/>
                   </a:solidFill>
                 </a:uFill>
                 <a:latin typeface="等线 Light"/>
               </a:rPr>
               <a:t>高级语言</a:t>
             </a:r>
-            <a:endParaRPr b="0" lang="zh-CN" sz="1800" spc="-1" strike="noStrike">
-              <a:solidFill>
-                <a:srgbClr val="000000"/>
-              </a:solidFill>
-              <a:uFill>
-                <a:solidFill>
-                  <a:srgbClr val="ffffff"/>
+            <a:endParaRPr lang="zh-CN" sz="1800" b="0" strike="noStrike" spc="-1">
+              <a:solidFill>
+                <a:srgbClr val="000000"/>
+              </a:solidFill>
+              <a:uFill>
+                <a:solidFill>
+                  <a:srgbClr val="FFFFFF"/>
                 </a:solidFill>
               </a:uFill>
               <a:latin typeface="等线"/>
@@ -8327,6 +9539,7 @@
         </p:spPr>
         <p:txBody>
           <a:bodyPr/>
+          <a:lstStyle/>
           <a:p>
             <a:pPr marL="228600" indent="-228240">
               <a:lnSpc>
@@ -8339,30 +9552,19 @@
               <a:buChar char="•"/>
             </a:pPr>
             <a:r>
-              <a:rPr b="0" lang="zh-CN" sz="2800" spc="-1" strike="noStrike">
-                <a:solidFill>
-                  <a:srgbClr val="000000"/>
-                </a:solidFill>
-                <a:uFill>
-                  <a:solidFill>
-                    <a:srgbClr val="ffffff"/>
+              <a:rPr lang="zh-CN" sz="2800" b="0" strike="noStrike" spc="-1">
+                <a:solidFill>
+                  <a:srgbClr val="000000"/>
+                </a:solidFill>
+                <a:uFill>
+                  <a:solidFill>
+                    <a:srgbClr val="FFFFFF"/>
                   </a:solidFill>
                 </a:uFill>
                 <a:latin typeface="等线"/>
               </a:rPr>
               <a:t>屏蔽了机器细节</a:t>
             </a:r>
-            <a:endParaRPr b="0" lang="zh-CN" sz="2800" spc="-1" strike="noStrike">
-              <a:solidFill>
-                <a:srgbClr val="000000"/>
-              </a:solidFill>
-              <a:uFill>
-                <a:solidFill>
-                  <a:srgbClr val="ffffff"/>
-                </a:solidFill>
-              </a:uFill>
-              <a:latin typeface="等线"/>
-            </a:endParaRPr>
           </a:p>
           <a:p>
             <a:pPr marL="228600" indent="-228240">
@@ -8376,30 +9578,19 @@
               <a:buChar char="•"/>
             </a:pPr>
             <a:r>
-              <a:rPr b="0" lang="zh-CN" sz="2800" spc="-1" strike="noStrike">
-                <a:solidFill>
-                  <a:srgbClr val="000000"/>
-                </a:solidFill>
-                <a:uFill>
-                  <a:solidFill>
-                    <a:srgbClr val="ffffff"/>
+              <a:rPr lang="zh-CN" sz="2800" b="0" strike="noStrike" spc="-1">
+                <a:solidFill>
+                  <a:srgbClr val="000000"/>
+                </a:solidFill>
+                <a:uFill>
+                  <a:solidFill>
+                    <a:srgbClr val="FFFFFF"/>
                   </a:solidFill>
                 </a:uFill>
                 <a:latin typeface="等线"/>
               </a:rPr>
               <a:t>提高了语言抽象层次</a:t>
             </a:r>
-            <a:endParaRPr b="0" lang="zh-CN" sz="2800" spc="-1" strike="noStrike">
-              <a:solidFill>
-                <a:srgbClr val="000000"/>
-              </a:solidFill>
-              <a:uFill>
-                <a:solidFill>
-                  <a:srgbClr val="ffffff"/>
-                </a:solidFill>
-              </a:uFill>
-              <a:latin typeface="等线"/>
-            </a:endParaRPr>
           </a:p>
           <a:p>
             <a:pPr marL="228600" indent="-228240">
@@ -8413,30 +9604,19 @@
               <a:buChar char="•"/>
             </a:pPr>
             <a:r>
-              <a:rPr b="0" lang="zh-CN" sz="2800" spc="-1" strike="noStrike">
-                <a:solidFill>
-                  <a:srgbClr val="000000"/>
-                </a:solidFill>
-                <a:uFill>
-                  <a:solidFill>
-                    <a:srgbClr val="ffffff"/>
+              <a:rPr lang="zh-CN" sz="2800" b="0" strike="noStrike" spc="-1">
+                <a:solidFill>
+                  <a:srgbClr val="000000"/>
+                </a:solidFill>
+                <a:uFill>
+                  <a:solidFill>
+                    <a:srgbClr val="FFFFFF"/>
                   </a:solidFill>
                 </a:uFill>
                 <a:latin typeface="等线"/>
               </a:rPr>
               <a:t> </a:t>
             </a:r>
-            <a:endParaRPr b="0" lang="zh-CN" sz="2800" spc="-1" strike="noStrike">
-              <a:solidFill>
-                <a:srgbClr val="000000"/>
-              </a:solidFill>
-              <a:uFill>
-                <a:solidFill>
-                  <a:srgbClr val="ffffff"/>
-                </a:solidFill>
-              </a:uFill>
-              <a:latin typeface="等线"/>
-            </a:endParaRPr>
           </a:p>
           <a:p>
             <a:pPr marL="228600" indent="-228240">
@@ -8450,51 +9630,43 @@
               <a:buChar char="•"/>
             </a:pPr>
             <a:r>
-              <a:rPr b="0" lang="zh-CN" sz="2800" spc="-1" strike="noStrike">
-                <a:solidFill>
-                  <a:srgbClr val="000000"/>
-                </a:solidFill>
-                <a:uFill>
-                  <a:solidFill>
-                    <a:srgbClr val="ffffff"/>
+              <a:rPr lang="zh-CN" sz="2800" b="0" strike="noStrike" spc="-1">
+                <a:solidFill>
+                  <a:srgbClr val="000000"/>
+                </a:solidFill>
+                <a:uFill>
+                  <a:solidFill>
+                    <a:srgbClr val="FFFFFF"/>
                   </a:solidFill>
                 </a:uFill>
                 <a:latin typeface="等线"/>
               </a:rPr>
               <a:t>高级语言和汇编的区别？</a:t>
             </a:r>
-            <a:endParaRPr b="0" lang="zh-CN" sz="2800" spc="-1" strike="noStrike">
-              <a:solidFill>
-                <a:srgbClr val="000000"/>
-              </a:solidFill>
-              <a:uFill>
-                <a:solidFill>
-                  <a:srgbClr val="ffffff"/>
-                </a:solidFill>
-              </a:uFill>
-              <a:latin typeface="等线"/>
-            </a:endParaRPr>
           </a:p>
         </p:txBody>
       </p:sp>
     </p:spTree>
   </p:cSld>
+  <p:clrMapOvr>
+    <a:masterClrMapping/>
+  </p:clrMapOvr>
   <p:timing>
     <p:tnLst>
       <p:par>
-        <p:cTn id="15" dur="indefinite" restart="never" nodeType="tmRoot">
+        <p:cTn id="1" dur="indefinite" restart="never" nodeType="tmRoot">
           <p:childTnLst>
             <p:seq>
-              <p:cTn id="16" nodeType="mainSeq"/>
+              <p:cTn id="2" nodeType="mainSeq"/>
               <p:prevCondLst>
-                <p:cond delay="0" evt="onPrev">
+                <p:cond evt="onPrev" delay="0">
                   <p:tgtEl>
                     <p:sldTgt/>
                   </p:tgtEl>
                 </p:cond>
               </p:prevCondLst>
               <p:nextCondLst>
-                <p:cond delay="0" evt="onNext">
+                <p:cond evt="onNext" delay="0">
                   <p:tgtEl>
                     <p:sldTgt/>
                   </p:tgtEl>
@@ -8510,7 +9682,7 @@
 </file>
 
 <file path=ppt/slides/slide9.xml><?xml version="1.0" encoding="utf-8"?>
-<p:sld xmlns:a="http://schemas.openxmlformats.org/drawingml/2006/main" xmlns:p="http://schemas.openxmlformats.org/presentationml/2006/main" xmlns:r="http://schemas.openxmlformats.org/officeDocument/2006/relationships" xmlns:p14="http://schemas.microsoft.com/office/powerpoint/2010/main" xmlns:p15="http://schemas.microsoft.com/office/powerpoint/2012/main" xmlns:mc="http://schemas.openxmlformats.org/markup-compatibility/2006">
+<p:sld xmlns:a="http://schemas.openxmlformats.org/drawingml/2006/main" xmlns:r="http://schemas.openxmlformats.org/officeDocument/2006/relationships" xmlns:p="http://schemas.openxmlformats.org/presentationml/2006/main">
   <p:cSld>
     <p:spTree>
       <p:nvGrpSpPr>
@@ -8528,14 +9700,37 @@
       </p:grpSpPr>
       <p:sp>
         <p:nvSpPr>
-          <p:cNvPr id="98" name="TextShape 1"/>
+          <p:cNvPr id="2" name="标题 1"/>
+          <p:cNvSpPr>
+            <a:spLocks noGrp="1"/>
+          </p:cNvSpPr>
+          <p:nvPr>
+            <p:ph type="title"/>
+          </p:nvPr>
+        </p:nvSpPr>
+        <p:spPr/>
+        <p:txBody>
+          <a:bodyPr/>
+          <a:lstStyle/>
+          <a:p>
+            <a:r>
+              <a:rPr lang="en-US" altLang="zh-CN" dirty="0" smtClean="0"/>
+              <a:t>OOP OPP</a:t>
+            </a:r>
+            <a:endParaRPr lang="zh-CN" altLang="en-US" dirty="0"/>
+          </a:p>
+        </p:txBody>
+      </p:sp>
+      <p:sp>
+        <p:nvSpPr>
+          <p:cNvPr id="4" name="TextShape 2"/>
           <p:cNvSpPr txBox="1"/>
           <p:nvPr/>
         </p:nvSpPr>
         <p:spPr>
           <a:xfrm>
-            <a:off x="838080" y="365040"/>
-            <a:ext cx="10515240" cy="1325160"/>
+            <a:off x="838080" y="1825560"/>
+            <a:ext cx="10515240" cy="4350960"/>
           </a:xfrm>
           <a:prstGeom prst="rect">
             <a:avLst/>
@@ -8546,29 +9741,26 @@
           </a:ln>
         </p:spPr>
         <p:txBody>
-          <a:bodyPr lIns="0" rIns="0" tIns="0" bIns="0" anchor="ctr"/>
-          <a:p>
-            <a:r>
-              <a:rPr b="0" lang="zh-CN" sz="1800" spc="-1" strike="noStrike">
-                <a:solidFill>
-                  <a:srgbClr val="000000"/>
-                </a:solidFill>
-                <a:uFill>
-                  <a:solidFill>
-                    <a:srgbClr val="ffffff"/>
-                  </a:solidFill>
-                </a:uFill>
-                <a:latin typeface="等线"/>
-              </a:rPr>
-              <a:t>Ooo oop</a:t>
-            </a:r>
-            <a:endParaRPr b="0" lang="zh-CN" sz="1800" spc="-1" strike="noStrike">
-              <a:solidFill>
-                <a:srgbClr val="000000"/>
-              </a:solidFill>
-              <a:uFill>
-                <a:solidFill>
-                  <a:srgbClr val="ffffff"/>
+          <a:bodyPr/>
+          <a:lstStyle/>
+          <a:p>
+            <a:pPr marL="228600" indent="-228240">
+              <a:lnSpc>
+                <a:spcPct val="90000"/>
+              </a:lnSpc>
+              <a:buClr>
+                <a:srgbClr val="000000"/>
+              </a:buClr>
+              <a:buFont typeface="Arial"/>
+              <a:buChar char="•"/>
+            </a:pPr>
+            <a:endParaRPr lang="zh-CN" sz="2000" b="0" strike="noStrike" spc="-1" dirty="0">
+              <a:solidFill>
+                <a:srgbClr val="000000"/>
+              </a:solidFill>
+              <a:uFill>
+                <a:solidFill>
+                  <a:srgbClr val="FFFFFF"/>
                 </a:solidFill>
               </a:uFill>
               <a:latin typeface="等线"/>
@@ -8577,7 +9769,22 @@
         </p:txBody>
       </p:sp>
     </p:spTree>
+    <p:extLst>
+      <p:ext uri="{BB962C8B-B14F-4D97-AF65-F5344CB8AC3E}">
+        <p14:creationId xmlns:p14="http://schemas.microsoft.com/office/powerpoint/2010/main" val="1930948041"/>
+      </p:ext>
+    </p:extLst>
   </p:cSld>
+  <p:clrMapOvr>
+    <a:masterClrMapping/>
+  </p:clrMapOvr>
+  <p:timing>
+    <p:tnLst>
+      <p:par>
+        <p:cTn id="1" dur="indefinite" restart="never" nodeType="tmRoot"/>
+      </p:par>
+    </p:tnLst>
+  </p:timing>
 </p:sld>
 </file>
 
@@ -8801,6 +10008,8 @@
       </a:bgFillStyleLst>
     </a:fmtScheme>
   </a:themeElements>
+  <a:objectDefaults/>
+  <a:extraClrSchemeLst/>
 </a:theme>
 </file>
 
@@ -9024,6 +10233,8 @@
       </a:bgFillStyleLst>
     </a:fmtScheme>
   </a:themeElements>
+  <a:objectDefaults/>
+  <a:extraClrSchemeLst/>
 </a:theme>
 </file>
 
@@ -9247,5 +10458,7 @@
       </a:bgFillStyleLst>
     </a:fmtScheme>
   </a:themeElements>
+  <a:objectDefaults/>
+  <a:extraClrSchemeLst/>
 </a:theme>
 </file>